--- a/documents/発表準備/成果発表会　案②.pptx
+++ b/documents/発表準備/成果発表会　案②.pptx
@@ -111,6 +111,11 @@
       </a:defRPr>
     </a:lvl9pPr>
   </p:defaultTextStyle>
+  <p:extLst>
+    <p:ext uri="{EFAFB233-063F-42B5-8137-9DF3F51BA10A}">
+      <p15:sldGuideLst xmlns:p15="http://schemas.microsoft.com/office/powerpoint/2012/main"/>
+    </p:ext>
+  </p:extLst>
 </p:presentation>
 </file>
 
@@ -3725,7 +3730,12 @@
           <a:lstStyle/>
           <a:p>
             <a:r>
-              <a:rPr kumimoji="1" lang="ja-JP" altLang="en-US" sz="4400" b="1" dirty="0">
+              <a:rPr kumimoji="1" lang="ja-JP" altLang="en-US" sz="4000" b="1" dirty="0">
+                <a:solidFill>
+                  <a:schemeClr val="bg2">
+                    <a:lumMod val="25000"/>
+                  </a:schemeClr>
+                </a:solidFill>
                 <a:latin typeface="BIZ UDPゴシック" panose="020B0400000000000000" pitchFamily="50" charset="-128"/>
                 <a:ea typeface="BIZ UDPゴシック" panose="020B0400000000000000" pitchFamily="50" charset="-128"/>
               </a:rPr>
@@ -3984,9 +3994,26 @@
                 <a:latin typeface="BIZ UDPゴシック" panose="020B0400000000000000" pitchFamily="50" charset="-128"/>
                 <a:ea typeface="BIZ UDPゴシック" panose="020B0400000000000000" pitchFamily="50" charset="-128"/>
               </a:rPr>
-              <a:t>　　　　　　　梶川　凌</a:t>
+              <a:t>　　　　　</a:t>
+            </a:r>
+            <a:r>
+              <a:rPr lang="ja-JP" altLang="en-US" b="1" dirty="0">
+                <a:solidFill>
+                  <a:schemeClr val="bg2">
+                    <a:lumMod val="25000"/>
+                  </a:schemeClr>
+                </a:solidFill>
+                <a:latin typeface="BIZ UDPゴシック" panose="020B0400000000000000" pitchFamily="50" charset="-128"/>
+                <a:ea typeface="BIZ UDPゴシック" panose="020B0400000000000000" pitchFamily="50" charset="-128"/>
+              </a:rPr>
+              <a:t>　　梶川　凌</a:t>
             </a:r>
             <a:endParaRPr lang="en-US" altLang="ja-JP" b="1" dirty="0">
+              <a:solidFill>
+                <a:schemeClr val="bg2">
+                  <a:lumMod val="25000"/>
+                </a:schemeClr>
+              </a:solidFill>
               <a:latin typeface="BIZ UDPゴシック" panose="020B0400000000000000" pitchFamily="50" charset="-128"/>
               <a:ea typeface="BIZ UDPゴシック" panose="020B0400000000000000" pitchFamily="50" charset="-128"/>
             </a:endParaRPr>
@@ -3995,12 +4022,22 @@
             <a:pPr indent="92075" algn="l"/>
             <a:r>
               <a:rPr lang="ja-JP" altLang="en-US" b="1" dirty="0">
+                <a:solidFill>
+                  <a:schemeClr val="bg2">
+                    <a:lumMod val="25000"/>
+                  </a:schemeClr>
+                </a:solidFill>
                 <a:latin typeface="BIZ UDPゴシック" panose="020B0400000000000000" pitchFamily="50" charset="-128"/>
                 <a:ea typeface="BIZ UDPゴシック" panose="020B0400000000000000" pitchFamily="50" charset="-128"/>
               </a:rPr>
               <a:t>　　　　　　　青木　そら　</a:t>
             </a:r>
             <a:endParaRPr lang="en-US" altLang="ja-JP" b="1" dirty="0">
+              <a:solidFill>
+                <a:schemeClr val="bg2">
+                  <a:lumMod val="25000"/>
+                </a:schemeClr>
+              </a:solidFill>
               <a:latin typeface="BIZ UDPゴシック" panose="020B0400000000000000" pitchFamily="50" charset="-128"/>
               <a:ea typeface="BIZ UDPゴシック" panose="020B0400000000000000" pitchFamily="50" charset="-128"/>
             </a:endParaRPr>
@@ -4009,12 +4046,22 @@
             <a:pPr indent="92075" algn="l"/>
             <a:r>
               <a:rPr lang="ja-JP" altLang="en-US" b="1" dirty="0">
+                <a:solidFill>
+                  <a:schemeClr val="bg2">
+                    <a:lumMod val="25000"/>
+                  </a:schemeClr>
+                </a:solidFill>
                 <a:latin typeface="BIZ UDPゴシック" panose="020B0400000000000000" pitchFamily="50" charset="-128"/>
                 <a:ea typeface="BIZ UDPゴシック" panose="020B0400000000000000" pitchFamily="50" charset="-128"/>
               </a:rPr>
               <a:t>　　　　　　　村井　啓亮</a:t>
             </a:r>
             <a:endParaRPr lang="en-US" altLang="ja-JP" b="1" dirty="0">
+              <a:solidFill>
+                <a:schemeClr val="bg2">
+                  <a:lumMod val="25000"/>
+                </a:schemeClr>
+              </a:solidFill>
               <a:latin typeface="BIZ UDPゴシック" panose="020B0400000000000000" pitchFamily="50" charset="-128"/>
               <a:ea typeface="BIZ UDPゴシック" panose="020B0400000000000000" pitchFamily="50" charset="-128"/>
             </a:endParaRPr>
@@ -4023,12 +4070,22 @@
             <a:pPr indent="92075" algn="l"/>
             <a:r>
               <a:rPr lang="ja-JP" altLang="en-US" b="1" dirty="0">
+                <a:solidFill>
+                  <a:schemeClr val="bg2">
+                    <a:lumMod val="25000"/>
+                  </a:schemeClr>
+                </a:solidFill>
                 <a:latin typeface="BIZ UDPゴシック" panose="020B0400000000000000" pitchFamily="50" charset="-128"/>
                 <a:ea typeface="BIZ UDPゴシック" panose="020B0400000000000000" pitchFamily="50" charset="-128"/>
               </a:rPr>
               <a:t>　　　　　　　二上　政将</a:t>
             </a:r>
             <a:endParaRPr lang="en-US" altLang="ja-JP" b="1" dirty="0">
+              <a:solidFill>
+                <a:schemeClr val="bg2">
+                  <a:lumMod val="25000"/>
+                </a:schemeClr>
+              </a:solidFill>
               <a:latin typeface="BIZ UDPゴシック" panose="020B0400000000000000" pitchFamily="50" charset="-128"/>
               <a:ea typeface="BIZ UDPゴシック" panose="020B0400000000000000" pitchFamily="50" charset="-128"/>
             </a:endParaRPr>
@@ -4037,12 +4094,22 @@
             <a:pPr indent="92075" algn="l"/>
             <a:r>
               <a:rPr lang="ja-JP" altLang="en-US" b="1" dirty="0">
+                <a:solidFill>
+                  <a:schemeClr val="bg2">
+                    <a:lumMod val="25000"/>
+                  </a:schemeClr>
+                </a:solidFill>
                 <a:latin typeface="BIZ UDPゴシック" panose="020B0400000000000000" pitchFamily="50" charset="-128"/>
                 <a:ea typeface="BIZ UDPゴシック" panose="020B0400000000000000" pitchFamily="50" charset="-128"/>
               </a:rPr>
               <a:t>　　　　　　　川﨑　春菜</a:t>
             </a:r>
             <a:endParaRPr lang="en-US" altLang="ja-JP" b="1" dirty="0">
+              <a:solidFill>
+                <a:schemeClr val="bg2">
+                  <a:lumMod val="25000"/>
+                </a:schemeClr>
+              </a:solidFill>
               <a:latin typeface="BIZ UDPゴシック" panose="020B0400000000000000" pitchFamily="50" charset="-128"/>
               <a:ea typeface="BIZ UDPゴシック" panose="020B0400000000000000" pitchFamily="50" charset="-128"/>
             </a:endParaRPr>
@@ -4100,12 +4167,22 @@
           <a:p>
             <a:r>
               <a:rPr kumimoji="1" lang="ja-JP" altLang="en-US" b="1" dirty="0">
+                <a:solidFill>
+                  <a:schemeClr val="bg2">
+                    <a:lumMod val="25000"/>
+                  </a:schemeClr>
+                </a:solidFill>
                 <a:latin typeface="BIZ UDPゴシック" panose="020B0400000000000000" pitchFamily="50" charset="-128"/>
                 <a:ea typeface="BIZ UDPゴシック" panose="020B0400000000000000" pitchFamily="50" charset="-128"/>
               </a:rPr>
               <a:t>チーム名：落穂ひろい</a:t>
             </a:r>
             <a:endParaRPr kumimoji="1" lang="en-US" altLang="ja-JP" b="1" dirty="0">
+              <a:solidFill>
+                <a:schemeClr val="bg2">
+                  <a:lumMod val="25000"/>
+                </a:schemeClr>
+              </a:solidFill>
               <a:latin typeface="BIZ UDPゴシック" panose="020B0400000000000000" pitchFamily="50" charset="-128"/>
               <a:ea typeface="BIZ UDPゴシック" panose="020B0400000000000000" pitchFamily="50" charset="-128"/>
             </a:endParaRPr>
@@ -4875,7 +4952,7 @@
         </p:nvSpPr>
         <p:spPr>
           <a:xfrm>
-            <a:off x="2747515" y="2448296"/>
+            <a:off x="2905776" y="2496738"/>
             <a:ext cx="2521527" cy="572656"/>
           </a:xfrm>
           <a:prstGeom prst="rect">
@@ -5149,7 +5226,7 @@
                 <a:latin typeface="BIZ UDPゴシック" panose="020B0400000000000000" pitchFamily="50" charset="-128"/>
                 <a:ea typeface="BIZ UDPゴシック" panose="020B0400000000000000" pitchFamily="50" charset="-128"/>
               </a:rPr>
-              <a:t>製作背景</a:t>
+              <a:t>　製作背景</a:t>
             </a:r>
             <a:endParaRPr lang="en-US" altLang="ja-JP" b="1" dirty="0">
               <a:solidFill>
@@ -5200,7 +5277,7 @@
         </p:nvSpPr>
         <p:spPr>
           <a:xfrm>
-            <a:off x="2724502" y="3335146"/>
+            <a:off x="2905776" y="3418924"/>
             <a:ext cx="2521527" cy="572656"/>
           </a:xfrm>
           <a:prstGeom prst="rect">
@@ -5474,7 +5551,7 @@
                 <a:latin typeface="BIZ UDPゴシック" panose="020B0400000000000000" pitchFamily="50" charset="-128"/>
                 <a:ea typeface="BIZ UDPゴシック" panose="020B0400000000000000" pitchFamily="50" charset="-128"/>
               </a:rPr>
-              <a:t>制作過程</a:t>
+              <a:t>　制作過程</a:t>
             </a:r>
             <a:endParaRPr lang="en-US" altLang="ja-JP" b="1" dirty="0">
               <a:solidFill>
@@ -5520,7 +5597,7 @@
         </p:nvSpPr>
         <p:spPr>
           <a:xfrm>
-            <a:off x="2747515" y="4267211"/>
+            <a:off x="2905776" y="4318647"/>
             <a:ext cx="2521527" cy="572656"/>
           </a:xfrm>
           <a:prstGeom prst="rect">
@@ -5801,7 +5878,7 @@
                 <a:latin typeface="BIZ UDPゴシック" panose="020B0400000000000000" pitchFamily="50" charset="-128"/>
                 <a:ea typeface="BIZ UDPゴシック" panose="020B0400000000000000" pitchFamily="50" charset="-128"/>
               </a:rPr>
-              <a:t>工夫した点</a:t>
+              <a:t>　工夫した点</a:t>
             </a:r>
             <a:endParaRPr lang="en-US" altLang="ja-JP" b="1" dirty="0">
               <a:solidFill>
@@ -5847,7 +5924,7 @@
         </p:nvSpPr>
         <p:spPr>
           <a:xfrm>
-            <a:off x="5771808" y="2436065"/>
+            <a:off x="6265651" y="2477125"/>
             <a:ext cx="2521527" cy="572656"/>
           </a:xfrm>
           <a:prstGeom prst="rect">
@@ -6121,7 +6198,7 @@
                 <a:latin typeface="BIZ UDPゴシック" panose="020B0400000000000000" pitchFamily="50" charset="-128"/>
                 <a:ea typeface="BIZ UDPゴシック" panose="020B0400000000000000" pitchFamily="50" charset="-128"/>
               </a:rPr>
-              <a:t>苦労した点</a:t>
+              <a:t>　苦労した点</a:t>
             </a:r>
             <a:endParaRPr lang="en-US" altLang="ja-JP" b="1" dirty="0">
               <a:solidFill>
@@ -6172,7 +6249,7 @@
         </p:nvSpPr>
         <p:spPr>
           <a:xfrm>
-            <a:off x="5850939" y="3276677"/>
+            <a:off x="6348778" y="3360455"/>
             <a:ext cx="3223852" cy="689593"/>
           </a:xfrm>
           <a:prstGeom prst="rect">
@@ -6446,7 +6523,7 @@
                 <a:latin typeface="BIZ UDPゴシック" panose="020B0400000000000000" pitchFamily="50" charset="-128"/>
                 <a:ea typeface="BIZ UDPゴシック" panose="020B0400000000000000" pitchFamily="50" charset="-128"/>
               </a:rPr>
-              <a:t>研修で学んだこと</a:t>
+              <a:t>　研修で学んだこと</a:t>
             </a:r>
             <a:endParaRPr lang="en-US" altLang="ja-JP" b="1" dirty="0">
               <a:solidFill>
@@ -6504,8 +6581,8 @@
         </p:blipFill>
         <p:spPr>
           <a:xfrm>
-            <a:off x="8664183" y="3753431"/>
-            <a:ext cx="2081530" cy="1600215"/>
+            <a:off x="8787177" y="3991580"/>
+            <a:ext cx="1972553" cy="1516437"/>
           </a:xfrm>
           <a:prstGeom prst="rect">
             <a:avLst/>
@@ -6991,7 +7068,7 @@
           </a:lstStyle>
           <a:p>
             <a:r>
-              <a:rPr lang="en-US" altLang="ja-JP" b="1" dirty="0">
+              <a:rPr lang="en-US" altLang="ja-JP" sz="4000" b="1" dirty="0">
                 <a:ln w="10160">
                   <a:solidFill>
                     <a:srgbClr val="D97828">
@@ -7018,7 +7095,7 @@
               <a:t>Ⅰ</a:t>
             </a:r>
             <a:r>
-              <a:rPr lang="ja-JP" altLang="en-US" b="1" dirty="0">
+              <a:rPr lang="ja-JP" altLang="en-US" sz="4000" b="1" dirty="0">
                 <a:ln w="10160">
                   <a:solidFill>
                     <a:srgbClr val="D97828">
@@ -7042,7 +7119,7 @@
                 <a:latin typeface="BIZ UDPゴシック" panose="020B0400000000000000" pitchFamily="50" charset="-128"/>
                 <a:ea typeface="BIZ UDPゴシック" panose="020B0400000000000000" pitchFamily="50" charset="-128"/>
               </a:rPr>
-              <a:t>制作背景</a:t>
+              <a:t>　制作背景</a:t>
             </a:r>
           </a:p>
         </p:txBody>
@@ -7290,6 +7367,8 @@
                     <a:lumMod val="25000"/>
                   </a:schemeClr>
                 </a:solidFill>
+                <a:latin typeface="BIZ UDPゴシック" panose="020B0400000000000000" pitchFamily="50" charset="-128"/>
+                <a:ea typeface="BIZ UDPゴシック" panose="020B0400000000000000" pitchFamily="50" charset="-128"/>
               </a:rPr>
               <a:t>＊座学や名刺管理アプリの作成で培った知識の実践</a:t>
             </a:r>
@@ -7306,6 +7385,8 @@
                   <a:lumMod val="25000"/>
                 </a:schemeClr>
               </a:solidFill>
+              <a:latin typeface="BIZ UDPゴシック" panose="020B0400000000000000" pitchFamily="50" charset="-128"/>
+              <a:ea typeface="BIZ UDPゴシック" panose="020B0400000000000000" pitchFamily="50" charset="-128"/>
             </a:endParaRPr>
           </a:p>
           <a:p>
@@ -7323,6 +7404,8 @@
                   <a:lumMod val="25000"/>
                 </a:schemeClr>
               </a:solidFill>
+              <a:latin typeface="BIZ UDPゴシック" panose="020B0400000000000000" pitchFamily="50" charset="-128"/>
+              <a:ea typeface="BIZ UDPゴシック" panose="020B0400000000000000" pitchFamily="50" charset="-128"/>
             </a:endParaRPr>
           </a:p>
           <a:p>
@@ -7341,6 +7424,8 @@
                     <a:lumMod val="25000"/>
                   </a:schemeClr>
                 </a:solidFill>
+                <a:latin typeface="BIZ UDPゴシック" panose="020B0400000000000000" pitchFamily="50" charset="-128"/>
+                <a:ea typeface="BIZ UDPゴシック" panose="020B0400000000000000" pitchFamily="50" charset="-128"/>
               </a:rPr>
               <a:t>＊個人ではなく共同作業の経験を積む</a:t>
             </a:r>
@@ -7357,6 +7442,8 @@
                   <a:lumMod val="25000"/>
                 </a:schemeClr>
               </a:solidFill>
+              <a:latin typeface="BIZ UDPゴシック" panose="020B0400000000000000" pitchFamily="50" charset="-128"/>
+              <a:ea typeface="BIZ UDPゴシック" panose="020B0400000000000000" pitchFamily="50" charset="-128"/>
             </a:endParaRPr>
           </a:p>
           <a:p>
@@ -7374,6 +7461,8 @@
                   <a:lumMod val="25000"/>
                 </a:schemeClr>
               </a:solidFill>
+              <a:latin typeface="BIZ UDPゴシック" panose="020B0400000000000000" pitchFamily="50" charset="-128"/>
+              <a:ea typeface="BIZ UDPゴシック" panose="020B0400000000000000" pitchFamily="50" charset="-128"/>
             </a:endParaRPr>
           </a:p>
           <a:p>
@@ -7392,6 +7481,8 @@
                     <a:lumMod val="25000"/>
                   </a:schemeClr>
                 </a:solidFill>
+                <a:latin typeface="BIZ UDPゴシック" panose="020B0400000000000000" pitchFamily="50" charset="-128"/>
+                <a:ea typeface="BIZ UDPゴシック" panose="020B0400000000000000" pitchFamily="50" charset="-128"/>
               </a:rPr>
               <a:t>＊意思疎通と日程調整の経験を積む</a:t>
             </a:r>
@@ -7928,7 +8019,7 @@
                 <a:latin typeface="BIZ UDPゴシック" panose="020B0400000000000000" pitchFamily="50" charset="-128"/>
                 <a:ea typeface="BIZ UDPゴシック" panose="020B0400000000000000" pitchFamily="50" charset="-128"/>
               </a:rPr>
-              <a:t>制作過程</a:t>
+              <a:t>　制作過程</a:t>
             </a:r>
           </a:p>
         </p:txBody>
@@ -7985,7 +8076,7 @@
         </p:nvSpPr>
         <p:spPr>
           <a:xfrm>
-            <a:off x="1733727" y="2054544"/>
+            <a:off x="1733727" y="2209114"/>
             <a:ext cx="2614197" cy="1223715"/>
           </a:xfrm>
           <a:prstGeom prst="rect">
@@ -8270,7 +8361,26 @@
                 <a:ea typeface="ＭＳ Ｐ明朝" panose="02020600040205080304" pitchFamily="18" charset="-128"/>
                 <a:cs typeface="+mn-cs"/>
               </a:rPr>
-              <a:t>＊要件定義</a:t>
+              <a:t>＊</a:t>
+            </a:r>
+            <a:r>
+              <a:rPr kumimoji="1" lang="ja-JP" altLang="en-US" sz="1900" b="1" i="0" u="none" strike="noStrike" kern="1200" cap="none" spc="0" normalizeH="0" baseline="0" noProof="0" dirty="0">
+                <a:ln>
+                  <a:noFill/>
+                </a:ln>
+                <a:solidFill>
+                  <a:srgbClr val="212121">
+                    <a:lumMod val="10000"/>
+                    <a:lumOff val="90000"/>
+                  </a:srgbClr>
+                </a:solidFill>
+                <a:effectLst/>
+                <a:uLnTx/>
+                <a:uFillTx/>
+                <a:latin typeface="BIZ UDPゴシック" panose="020B0400000000000000" pitchFamily="50" charset="-128"/>
+                <a:ea typeface="BIZ UDPゴシック" panose="020B0400000000000000" pitchFamily="50" charset="-128"/>
+              </a:rPr>
+              <a:t>要件定義</a:t>
             </a:r>
             <a:endParaRPr kumimoji="1" lang="en-US" altLang="ja-JP" sz="1900" b="1" i="0" u="none" strike="noStrike" kern="1200" cap="none" spc="0" normalizeH="0" baseline="0" noProof="0" dirty="0">
               <a:ln>
@@ -8285,9 +8395,8 @@
               <a:effectLst/>
               <a:uLnTx/>
               <a:uFillTx/>
-              <a:latin typeface="Garamond" panose="02020404030301010803"/>
-              <a:ea typeface="ＭＳ Ｐ明朝" panose="02020600040205080304" pitchFamily="18" charset="-128"/>
-              <a:cs typeface="+mn-cs"/>
+              <a:latin typeface="BIZ UDPゴシック" panose="020B0400000000000000" pitchFamily="50" charset="-128"/>
+              <a:ea typeface="BIZ UDPゴシック" panose="020B0400000000000000" pitchFamily="50" charset="-128"/>
             </a:endParaRPr>
           </a:p>
           <a:p>
@@ -8324,9 +8433,8 @@
                 <a:effectLst/>
                 <a:uLnTx/>
                 <a:uFillTx/>
-                <a:latin typeface="Garamond" panose="02020404030301010803"/>
-                <a:ea typeface="ＭＳ Ｐ明朝" panose="02020600040205080304" pitchFamily="18" charset="-128"/>
-                <a:cs typeface="+mn-cs"/>
+                <a:latin typeface="BIZ UDPゴシック" panose="020B0400000000000000" pitchFamily="50" charset="-128"/>
+                <a:ea typeface="BIZ UDPゴシック" panose="020B0400000000000000" pitchFamily="50" charset="-128"/>
               </a:rPr>
               <a:t>・案出し　　</a:t>
             </a:r>
@@ -8343,9 +8451,8 @@
               <a:effectLst/>
               <a:uLnTx/>
               <a:uFillTx/>
-              <a:latin typeface="Garamond" panose="02020404030301010803"/>
-              <a:ea typeface="ＭＳ Ｐ明朝" panose="02020600040205080304" pitchFamily="18" charset="-128"/>
-              <a:cs typeface="+mn-cs"/>
+              <a:latin typeface="BIZ UDPゴシック" panose="020B0400000000000000" pitchFamily="50" charset="-128"/>
+              <a:ea typeface="BIZ UDPゴシック" panose="020B0400000000000000" pitchFamily="50" charset="-128"/>
             </a:endParaRPr>
           </a:p>
           <a:p>
@@ -8382,9 +8489,8 @@
                 <a:effectLst/>
                 <a:uLnTx/>
                 <a:uFillTx/>
-                <a:latin typeface="Garamond" panose="02020404030301010803"/>
-                <a:ea typeface="ＭＳ Ｐ明朝" panose="02020600040205080304" pitchFamily="18" charset="-128"/>
-                <a:cs typeface="+mn-cs"/>
+                <a:latin typeface="BIZ UDPゴシック" panose="020B0400000000000000" pitchFamily="50" charset="-128"/>
+                <a:ea typeface="BIZ UDPゴシック" panose="020B0400000000000000" pitchFamily="50" charset="-128"/>
               </a:rPr>
               <a:t>・ペルソナ作成</a:t>
             </a:r>
@@ -8401,9 +8507,8 @@
               <a:effectLst/>
               <a:uLnTx/>
               <a:uFillTx/>
-              <a:latin typeface="Garamond" panose="02020404030301010803"/>
-              <a:ea typeface="ＭＳ Ｐ明朝" panose="02020600040205080304" pitchFamily="18" charset="-128"/>
-              <a:cs typeface="+mn-cs"/>
+              <a:latin typeface="BIZ UDPゴシック" panose="020B0400000000000000" pitchFamily="50" charset="-128"/>
+              <a:ea typeface="BIZ UDPゴシック" panose="020B0400000000000000" pitchFamily="50" charset="-128"/>
             </a:endParaRPr>
           </a:p>
           <a:p>
@@ -8522,7 +8627,7 @@
         </p:nvSpPr>
         <p:spPr>
           <a:xfrm>
-            <a:off x="3645792" y="2019345"/>
+            <a:off x="3679855" y="2173915"/>
             <a:ext cx="4341091" cy="944784"/>
           </a:xfrm>
           <a:prstGeom prst="rect">
@@ -8785,8 +8890,8 @@
                     <a:lumOff val="90000"/>
                   </a:srgbClr>
                 </a:solidFill>
-                <a:latin typeface="Garamond" panose="02020404030301010803"/>
-                <a:ea typeface="ＭＳ Ｐ明朝" panose="02020600040205080304" pitchFamily="18" charset="-128"/>
+                <a:latin typeface="BIZ UDPゴシック" panose="020B0400000000000000" pitchFamily="50" charset="-128"/>
+                <a:ea typeface="BIZ UDPゴシック" panose="020B0400000000000000" pitchFamily="50" charset="-128"/>
               </a:rPr>
               <a:t>＊外部設計</a:t>
             </a:r>
@@ -8797,8 +8902,8 @@
                   <a:lumOff val="90000"/>
                 </a:srgbClr>
               </a:solidFill>
-              <a:latin typeface="Garamond" panose="02020404030301010803"/>
-              <a:ea typeface="ＭＳ Ｐ明朝" panose="02020600040205080304" pitchFamily="18" charset="-128"/>
+              <a:latin typeface="BIZ UDPゴシック" panose="020B0400000000000000" pitchFamily="50" charset="-128"/>
+              <a:ea typeface="BIZ UDPゴシック" panose="020B0400000000000000" pitchFamily="50" charset="-128"/>
             </a:endParaRPr>
           </a:p>
           <a:p>
@@ -8817,8 +8922,8 @@
                     <a:lumOff val="90000"/>
                   </a:srgbClr>
                 </a:solidFill>
-                <a:latin typeface="Garamond" panose="02020404030301010803"/>
-                <a:ea typeface="ＭＳ Ｐ明朝" panose="02020600040205080304" pitchFamily="18" charset="-128"/>
+                <a:latin typeface="BIZ UDPゴシック" panose="020B0400000000000000" pitchFamily="50" charset="-128"/>
+                <a:ea typeface="BIZ UDPゴシック" panose="020B0400000000000000" pitchFamily="50" charset="-128"/>
               </a:rPr>
               <a:t>・各個人の画面イメージの可視化</a:t>
             </a:r>
@@ -8829,8 +8934,8 @@
                   <a:lumOff val="90000"/>
                 </a:srgbClr>
               </a:solidFill>
-              <a:latin typeface="Garamond" panose="02020404030301010803"/>
-              <a:ea typeface="ＭＳ Ｐ明朝" panose="02020600040205080304" pitchFamily="18" charset="-128"/>
+              <a:latin typeface="BIZ UDPゴシック" panose="020B0400000000000000" pitchFamily="50" charset="-128"/>
+              <a:ea typeface="BIZ UDPゴシック" panose="020B0400000000000000" pitchFamily="50" charset="-128"/>
             </a:endParaRPr>
           </a:p>
           <a:p>
@@ -8849,8 +8954,8 @@
                     <a:lumOff val="90000"/>
                   </a:srgbClr>
                 </a:solidFill>
-                <a:latin typeface="Garamond" panose="02020404030301010803"/>
-                <a:ea typeface="ＭＳ Ｐ明朝" panose="02020600040205080304" pitchFamily="18" charset="-128"/>
+                <a:latin typeface="BIZ UDPゴシック" panose="020B0400000000000000" pitchFamily="50" charset="-128"/>
+                <a:ea typeface="BIZ UDPゴシック" panose="020B0400000000000000" pitchFamily="50" charset="-128"/>
               </a:rPr>
               <a:t>・認識の擦り合わせ</a:t>
             </a:r>
@@ -8861,8 +8966,8 @@
                   <a:lumOff val="90000"/>
                 </a:srgbClr>
               </a:solidFill>
-              <a:latin typeface="Garamond" panose="02020404030301010803"/>
-              <a:ea typeface="ＭＳ Ｐ明朝" panose="02020600040205080304" pitchFamily="18" charset="-128"/>
+              <a:latin typeface="BIZ UDPゴシック" panose="020B0400000000000000" pitchFamily="50" charset="-128"/>
+              <a:ea typeface="BIZ UDPゴシック" panose="020B0400000000000000" pitchFamily="50" charset="-128"/>
             </a:endParaRPr>
           </a:p>
         </p:txBody>
@@ -8883,7 +8988,7 @@
         </p:nvSpPr>
         <p:spPr>
           <a:xfrm>
-            <a:off x="1733727" y="3579742"/>
+            <a:off x="1729605" y="3753647"/>
             <a:ext cx="2517402" cy="897109"/>
           </a:xfrm>
           <a:prstGeom prst="rect">
@@ -9146,8 +9251,8 @@
                     <a:lumOff val="90000"/>
                   </a:srgbClr>
                 </a:solidFill>
-                <a:latin typeface="Garamond" panose="02020404030301010803"/>
-                <a:ea typeface="ＭＳ Ｐ明朝" panose="02020600040205080304" pitchFamily="18" charset="-128"/>
+                <a:latin typeface="BIZ UDPゴシック" panose="020B0400000000000000" pitchFamily="50" charset="-128"/>
+                <a:ea typeface="BIZ UDPゴシック" panose="020B0400000000000000" pitchFamily="50" charset="-128"/>
               </a:rPr>
               <a:t>＊内部設計</a:t>
             </a:r>
@@ -9158,8 +9263,8 @@
                   <a:lumOff val="90000"/>
                 </a:srgbClr>
               </a:solidFill>
-              <a:latin typeface="Garamond" panose="02020404030301010803"/>
-              <a:ea typeface="ＭＳ Ｐ明朝" panose="02020600040205080304" pitchFamily="18" charset="-128"/>
+              <a:latin typeface="BIZ UDPゴシック" panose="020B0400000000000000" pitchFamily="50" charset="-128"/>
+              <a:ea typeface="BIZ UDPゴシック" panose="020B0400000000000000" pitchFamily="50" charset="-128"/>
             </a:endParaRPr>
           </a:p>
           <a:p>
@@ -9178,8 +9283,8 @@
                     <a:lumOff val="90000"/>
                   </a:srgbClr>
                 </a:solidFill>
-                <a:latin typeface="Garamond" panose="02020404030301010803"/>
-                <a:ea typeface="ＭＳ Ｐ明朝" panose="02020600040205080304" pitchFamily="18" charset="-128"/>
+                <a:latin typeface="BIZ UDPゴシック" panose="020B0400000000000000" pitchFamily="50" charset="-128"/>
+                <a:ea typeface="BIZ UDPゴシック" panose="020B0400000000000000" pitchFamily="50" charset="-128"/>
               </a:rPr>
               <a:t>・担当者決め</a:t>
             </a:r>
@@ -9190,8 +9295,8 @@
                   <a:lumOff val="90000"/>
                 </a:srgbClr>
               </a:solidFill>
-              <a:latin typeface="Garamond" panose="02020404030301010803"/>
-              <a:ea typeface="ＭＳ Ｐ明朝" panose="02020600040205080304" pitchFamily="18" charset="-128"/>
+              <a:latin typeface="BIZ UDPゴシック" panose="020B0400000000000000" pitchFamily="50" charset="-128"/>
+              <a:ea typeface="BIZ UDPゴシック" panose="020B0400000000000000" pitchFamily="50" charset="-128"/>
             </a:endParaRPr>
           </a:p>
         </p:txBody>
@@ -9726,7 +9831,7 @@
                 <a:latin typeface="BIZ UDPゴシック" panose="020B0400000000000000" pitchFamily="50" charset="-128"/>
                 <a:ea typeface="BIZ UDPゴシック" panose="020B0400000000000000" pitchFamily="50" charset="-128"/>
               </a:rPr>
-              <a:t>工夫した点</a:t>
+              <a:t>　工夫した点</a:t>
             </a:r>
           </a:p>
         </p:txBody>
@@ -10020,16 +10125,15 @@
                   <a:noFill/>
                 </a:ln>
                 <a:solidFill>
-                  <a:srgbClr val="DADADA">
+                  <a:schemeClr val="bg2">
                     <a:lumMod val="25000"/>
-                  </a:srgbClr>
+                  </a:schemeClr>
                 </a:solidFill>
                 <a:effectLst/>
                 <a:uLnTx/>
                 <a:uFillTx/>
-                <a:latin typeface="Garamond" panose="02020404030301010803"/>
-                <a:ea typeface="ＭＳ Ｐ明朝" panose="02020600040205080304" pitchFamily="18" charset="-128"/>
-                <a:cs typeface="+mn-cs"/>
+                <a:latin typeface="BIZ UDPゴシック" panose="020B0400000000000000" pitchFamily="50" charset="-128"/>
+                <a:ea typeface="BIZ UDPゴシック" panose="020B0400000000000000" pitchFamily="50" charset="-128"/>
               </a:rPr>
               <a:t>＊キーボード操作を最低限に</a:t>
             </a:r>
@@ -10038,16 +10142,15 @@
                 <a:noFill/>
               </a:ln>
               <a:solidFill>
-                <a:srgbClr val="DADADA">
+                <a:schemeClr val="bg2">
                   <a:lumMod val="25000"/>
-                </a:srgbClr>
+                </a:schemeClr>
               </a:solidFill>
               <a:effectLst/>
               <a:uLnTx/>
               <a:uFillTx/>
-              <a:latin typeface="Garamond" panose="02020404030301010803"/>
-              <a:ea typeface="ＭＳ Ｐ明朝" panose="02020600040205080304" pitchFamily="18" charset="-128"/>
-              <a:cs typeface="+mn-cs"/>
+              <a:latin typeface="BIZ UDPゴシック" panose="020B0400000000000000" pitchFamily="50" charset="-128"/>
+              <a:ea typeface="BIZ UDPゴシック" panose="020B0400000000000000" pitchFamily="50" charset="-128"/>
             </a:endParaRPr>
           </a:p>
           <a:p>
@@ -10075,16 +10178,15 @@
                 <a:noFill/>
               </a:ln>
               <a:solidFill>
-                <a:srgbClr val="DADADA">
+                <a:schemeClr val="bg2">
                   <a:lumMod val="25000"/>
-                </a:srgbClr>
+                </a:schemeClr>
               </a:solidFill>
               <a:effectLst/>
               <a:uLnTx/>
               <a:uFillTx/>
-              <a:latin typeface="Garamond" panose="02020404030301010803"/>
-              <a:ea typeface="ＭＳ Ｐ明朝" panose="02020600040205080304" pitchFamily="18" charset="-128"/>
-              <a:cs typeface="+mn-cs"/>
+              <a:latin typeface="BIZ UDPゴシック" panose="020B0400000000000000" pitchFamily="50" charset="-128"/>
+              <a:ea typeface="BIZ UDPゴシック" panose="020B0400000000000000" pitchFamily="50" charset="-128"/>
             </a:endParaRPr>
           </a:p>
           <a:p>
@@ -10113,16 +10215,15 @@
                   <a:noFill/>
                 </a:ln>
                 <a:solidFill>
-                  <a:srgbClr val="DADADA">
+                  <a:schemeClr val="bg2">
                     <a:lumMod val="25000"/>
-                  </a:srgbClr>
+                  </a:schemeClr>
                 </a:solidFill>
                 <a:effectLst/>
                 <a:uLnTx/>
                 <a:uFillTx/>
-                <a:latin typeface="Garamond" panose="02020404030301010803"/>
-                <a:ea typeface="ＭＳ Ｐ明朝" panose="02020600040205080304" pitchFamily="18" charset="-128"/>
-                <a:cs typeface="+mn-cs"/>
+                <a:latin typeface="BIZ UDPゴシック" panose="020B0400000000000000" pitchFamily="50" charset="-128"/>
+                <a:ea typeface="BIZ UDPゴシック" panose="020B0400000000000000" pitchFamily="50" charset="-128"/>
               </a:rPr>
               <a:t>＊シンプルで直感的なデザイン</a:t>
             </a:r>
@@ -10535,36 +10636,6 @@
           </a:p>
         </p:txBody>
       </p:sp>
-      <p:pic>
-        <p:nvPicPr>
-          <p:cNvPr id="2" name="図 1">
-            <a:extLst>
-              <a:ext uri="{FF2B5EF4-FFF2-40B4-BE49-F238E27FC236}">
-                <a16:creationId xmlns:a16="http://schemas.microsoft.com/office/drawing/2014/main" id="{D4DBD1F7-A09A-CAF8-85B5-3BA40003B512}"/>
-              </a:ext>
-            </a:extLst>
-          </p:cNvPr>
-          <p:cNvPicPr>
-            <a:picLocks noChangeAspect="1"/>
-          </p:cNvPicPr>
-          <p:nvPr/>
-        </p:nvPicPr>
-        <p:blipFill>
-          <a:blip r:embed="rId3"/>
-          <a:stretch>
-            <a:fillRect/>
-          </a:stretch>
-        </p:blipFill>
-        <p:spPr>
-          <a:xfrm>
-            <a:off x="3984943" y="535723"/>
-            <a:ext cx="4608975" cy="1231499"/>
-          </a:xfrm>
-          <a:prstGeom prst="rect">
-            <a:avLst/>
-          </a:prstGeom>
-        </p:spPr>
-      </p:pic>
       <p:sp>
         <p:nvSpPr>
           <p:cNvPr id="3" name="コンテンツ プレースホルダー 2">
@@ -10581,8 +10652,8 @@
         </p:nvSpPr>
         <p:spPr>
           <a:xfrm>
-            <a:off x="4613492" y="2193615"/>
-            <a:ext cx="6825673" cy="3168073"/>
+            <a:off x="4440116" y="2193615"/>
+            <a:ext cx="6999050" cy="3168073"/>
           </a:xfrm>
           <a:prstGeom prst="rect">
             <a:avLst/>
@@ -10854,16 +10925,15 @@
                   <a:noFill/>
                 </a:ln>
                 <a:solidFill>
-                  <a:srgbClr val="DADADA">
+                  <a:schemeClr val="bg2">
                     <a:lumMod val="25000"/>
-                  </a:srgbClr>
+                  </a:schemeClr>
                 </a:solidFill>
                 <a:effectLst/>
                 <a:uLnTx/>
                 <a:uFillTx/>
-                <a:latin typeface="Garamond" panose="02020404030301010803"/>
-                <a:ea typeface="ＭＳ Ｐ明朝" panose="02020600040205080304" pitchFamily="18" charset="-128"/>
-                <a:cs typeface="+mn-cs"/>
+                <a:latin typeface="BIZ UDPゴシック" panose="020B0400000000000000" pitchFamily="50" charset="-128"/>
+                <a:ea typeface="BIZ UDPゴシック" panose="020B0400000000000000" pitchFamily="50" charset="-128"/>
               </a:rPr>
               <a:t>＊度重なる案出しの却下　　＊ペルソナの再構築</a:t>
             </a:r>
@@ -10872,16 +10942,15 @@
                 <a:noFill/>
               </a:ln>
               <a:solidFill>
-                <a:srgbClr val="DADADA">
+                <a:schemeClr val="bg2">
                   <a:lumMod val="25000"/>
-                </a:srgbClr>
+                </a:schemeClr>
               </a:solidFill>
               <a:effectLst/>
               <a:uLnTx/>
               <a:uFillTx/>
-              <a:latin typeface="Garamond" panose="02020404030301010803"/>
-              <a:ea typeface="ＭＳ Ｐ明朝" panose="02020600040205080304" pitchFamily="18" charset="-128"/>
-              <a:cs typeface="+mn-cs"/>
+              <a:latin typeface="BIZ UDPゴシック" panose="020B0400000000000000" pitchFamily="50" charset="-128"/>
+              <a:ea typeface="BIZ UDPゴシック" panose="020B0400000000000000" pitchFamily="50" charset="-128"/>
             </a:endParaRPr>
           </a:p>
           <a:p>
@@ -10909,16 +10978,15 @@
                 <a:noFill/>
               </a:ln>
               <a:solidFill>
-                <a:srgbClr val="DADADA">
+                <a:schemeClr val="bg2">
                   <a:lumMod val="25000"/>
-                </a:srgbClr>
+                </a:schemeClr>
               </a:solidFill>
               <a:effectLst/>
               <a:uLnTx/>
               <a:uFillTx/>
-              <a:latin typeface="Garamond" panose="02020404030301010803"/>
-              <a:ea typeface="ＭＳ Ｐ明朝" panose="02020600040205080304" pitchFamily="18" charset="-128"/>
-              <a:cs typeface="+mn-cs"/>
+              <a:latin typeface="BIZ UDPゴシック" panose="020B0400000000000000" pitchFamily="50" charset="-128"/>
+              <a:ea typeface="BIZ UDPゴシック" panose="020B0400000000000000" pitchFamily="50" charset="-128"/>
             </a:endParaRPr>
           </a:p>
           <a:p>
@@ -10947,16 +11015,15 @@
                   <a:noFill/>
                 </a:ln>
                 <a:solidFill>
-                  <a:srgbClr val="DADADA">
+                  <a:schemeClr val="bg2">
                     <a:lumMod val="25000"/>
-                  </a:srgbClr>
+                  </a:schemeClr>
                 </a:solidFill>
                 <a:effectLst/>
                 <a:uLnTx/>
                 <a:uFillTx/>
-                <a:latin typeface="Garamond" panose="02020404030301010803"/>
-                <a:ea typeface="ＭＳ Ｐ明朝" panose="02020600040205080304" pitchFamily="18" charset="-128"/>
-                <a:cs typeface="+mn-cs"/>
+                <a:latin typeface="BIZ UDPゴシック" panose="020B0400000000000000" pitchFamily="50" charset="-128"/>
+                <a:ea typeface="BIZ UDPゴシック" panose="020B0400000000000000" pitchFamily="50" charset="-128"/>
               </a:rPr>
               <a:t>＊その遅れを引きずった状態での開発　＊全体的な日程管理　</a:t>
             </a:r>
@@ -10965,16 +11032,15 @@
                 <a:noFill/>
               </a:ln>
               <a:solidFill>
-                <a:srgbClr val="DADADA">
+                <a:schemeClr val="bg2">
                   <a:lumMod val="25000"/>
-                </a:srgbClr>
+                </a:schemeClr>
               </a:solidFill>
               <a:effectLst/>
               <a:uLnTx/>
               <a:uFillTx/>
-              <a:latin typeface="Garamond" panose="02020404030301010803"/>
-              <a:ea typeface="ＭＳ Ｐ明朝" panose="02020600040205080304" pitchFamily="18" charset="-128"/>
-              <a:cs typeface="+mn-cs"/>
+              <a:latin typeface="BIZ UDPゴシック" panose="020B0400000000000000" pitchFamily="50" charset="-128"/>
+              <a:ea typeface="BIZ UDPゴシック" panose="020B0400000000000000" pitchFamily="50" charset="-128"/>
             </a:endParaRPr>
           </a:p>
           <a:p>
@@ -11002,16 +11068,15 @@
                 <a:noFill/>
               </a:ln>
               <a:solidFill>
-                <a:srgbClr val="DADADA">
+                <a:schemeClr val="bg2">
                   <a:lumMod val="25000"/>
-                </a:srgbClr>
+                </a:schemeClr>
               </a:solidFill>
               <a:effectLst/>
               <a:uLnTx/>
               <a:uFillTx/>
-              <a:latin typeface="Garamond" panose="02020404030301010803"/>
-              <a:ea typeface="ＭＳ Ｐ明朝" panose="02020600040205080304" pitchFamily="18" charset="-128"/>
-              <a:cs typeface="+mn-cs"/>
+              <a:latin typeface="BIZ UDPゴシック" panose="020B0400000000000000" pitchFamily="50" charset="-128"/>
+              <a:ea typeface="BIZ UDPゴシック" panose="020B0400000000000000" pitchFamily="50" charset="-128"/>
             </a:endParaRPr>
           </a:p>
           <a:p>
@@ -11040,16 +11105,15 @@
                   <a:noFill/>
                 </a:ln>
                 <a:solidFill>
-                  <a:srgbClr val="DADADA">
+                  <a:schemeClr val="bg2">
                     <a:lumMod val="25000"/>
-                  </a:srgbClr>
+                  </a:schemeClr>
                 </a:solidFill>
                 <a:effectLst/>
                 <a:uLnTx/>
                 <a:uFillTx/>
-                <a:latin typeface="Garamond" panose="02020404030301010803"/>
-                <a:ea typeface="ＭＳ Ｐ明朝" panose="02020600040205080304" pitchFamily="18" charset="-128"/>
-                <a:cs typeface="+mn-cs"/>
+                <a:latin typeface="BIZ UDPゴシック" panose="020B0400000000000000" pitchFamily="50" charset="-128"/>
+                <a:ea typeface="BIZ UDPゴシック" panose="020B0400000000000000" pitchFamily="50" charset="-128"/>
               </a:rPr>
               <a:t>＊有料</a:t>
             </a:r>
@@ -11059,16 +11123,15 @@
                   <a:noFill/>
                 </a:ln>
                 <a:solidFill>
-                  <a:srgbClr val="DADADA">
+                  <a:schemeClr val="bg2">
                     <a:lumMod val="25000"/>
-                  </a:srgbClr>
+                  </a:schemeClr>
                 </a:solidFill>
                 <a:effectLst/>
                 <a:uLnTx/>
                 <a:uFillTx/>
-                <a:latin typeface="Garamond" panose="02020404030301010803"/>
-                <a:ea typeface="ＭＳ Ｐ明朝" panose="02020600040205080304" pitchFamily="18" charset="-128"/>
-                <a:cs typeface="+mn-cs"/>
+                <a:latin typeface="BIZ UDPゴシック" panose="020B0400000000000000" pitchFamily="50" charset="-128"/>
+                <a:ea typeface="BIZ UDPゴシック" panose="020B0400000000000000" pitchFamily="50" charset="-128"/>
               </a:rPr>
               <a:t>API</a:t>
             </a:r>
@@ -11078,16 +11141,15 @@
                   <a:noFill/>
                 </a:ln>
                 <a:solidFill>
-                  <a:srgbClr val="DADADA">
+                  <a:schemeClr val="bg2">
                     <a:lumMod val="25000"/>
-                  </a:srgbClr>
+                  </a:schemeClr>
                 </a:solidFill>
                 <a:effectLst/>
                 <a:uLnTx/>
                 <a:uFillTx/>
-                <a:latin typeface="Garamond" panose="02020404030301010803"/>
-                <a:ea typeface="ＭＳ Ｐ明朝" panose="02020600040205080304" pitchFamily="18" charset="-128"/>
-                <a:cs typeface="+mn-cs"/>
+                <a:latin typeface="BIZ UDPゴシック" panose="020B0400000000000000" pitchFamily="50" charset="-128"/>
+                <a:ea typeface="BIZ UDPゴシック" panose="020B0400000000000000" pitchFamily="50" charset="-128"/>
               </a:rPr>
               <a:t>の壁　＊ガントチャートの実装　</a:t>
             </a:r>
@@ -11096,16 +11158,15 @@
                 <a:noFill/>
               </a:ln>
               <a:solidFill>
-                <a:srgbClr val="DADADA">
+                <a:schemeClr val="bg2">
                   <a:lumMod val="25000"/>
-                </a:srgbClr>
+                </a:schemeClr>
               </a:solidFill>
               <a:effectLst/>
               <a:uLnTx/>
               <a:uFillTx/>
-              <a:latin typeface="Garamond" panose="02020404030301010803"/>
-              <a:ea typeface="ＭＳ Ｐ明朝" panose="02020600040205080304" pitchFamily="18" charset="-128"/>
-              <a:cs typeface="+mn-cs"/>
+              <a:latin typeface="BIZ UDPゴシック" panose="020B0400000000000000" pitchFamily="50" charset="-128"/>
+              <a:ea typeface="BIZ UDPゴシック" panose="020B0400000000000000" pitchFamily="50" charset="-128"/>
             </a:endParaRPr>
           </a:p>
           <a:p>
@@ -11133,16 +11194,15 @@
                 <a:noFill/>
               </a:ln>
               <a:solidFill>
-                <a:srgbClr val="DADADA">
+                <a:schemeClr val="bg2">
                   <a:lumMod val="25000"/>
-                </a:srgbClr>
+                </a:schemeClr>
               </a:solidFill>
               <a:effectLst/>
               <a:uLnTx/>
               <a:uFillTx/>
-              <a:latin typeface="Garamond" panose="02020404030301010803"/>
-              <a:ea typeface="ＭＳ Ｐ明朝" panose="02020600040205080304" pitchFamily="18" charset="-128"/>
-              <a:cs typeface="+mn-cs"/>
+              <a:latin typeface="BIZ UDPゴシック" panose="020B0400000000000000" pitchFamily="50" charset="-128"/>
+              <a:ea typeface="BIZ UDPゴシック" panose="020B0400000000000000" pitchFamily="50" charset="-128"/>
             </a:endParaRPr>
           </a:p>
           <a:p>
@@ -11171,16 +11231,15 @@
                   <a:noFill/>
                 </a:ln>
                 <a:solidFill>
-                  <a:srgbClr val="DADADA">
+                  <a:schemeClr val="bg2">
                     <a:lumMod val="25000"/>
-                  </a:srgbClr>
+                  </a:schemeClr>
                 </a:solidFill>
                 <a:effectLst/>
                 <a:uLnTx/>
                 <a:uFillTx/>
-                <a:latin typeface="Garamond" panose="02020404030301010803"/>
-                <a:ea typeface="ＭＳ Ｐ明朝" panose="02020600040205080304" pitchFamily="18" charset="-128"/>
-                <a:cs typeface="+mn-cs"/>
+                <a:latin typeface="BIZ UDPゴシック" panose="020B0400000000000000" pitchFamily="50" charset="-128"/>
+                <a:ea typeface="BIZ UDPゴシック" panose="020B0400000000000000" pitchFamily="50" charset="-128"/>
               </a:rPr>
               <a:t>＊予定をカレンダーに同期　　＊多対多のデータのやり取り</a:t>
             </a:r>
@@ -11189,16 +11248,15 @@
                 <a:noFill/>
               </a:ln>
               <a:solidFill>
-                <a:srgbClr val="DADADA">
+                <a:schemeClr val="bg2">
                   <a:lumMod val="25000"/>
-                </a:srgbClr>
+                </a:schemeClr>
               </a:solidFill>
               <a:effectLst/>
               <a:uLnTx/>
               <a:uFillTx/>
-              <a:latin typeface="Garamond" panose="02020404030301010803"/>
-              <a:ea typeface="ＭＳ Ｐ明朝" panose="02020600040205080304" pitchFamily="18" charset="-128"/>
-              <a:cs typeface="+mn-cs"/>
+              <a:latin typeface="BIZ UDPゴシック" panose="020B0400000000000000" pitchFamily="50" charset="-128"/>
+              <a:ea typeface="BIZ UDPゴシック" panose="020B0400000000000000" pitchFamily="50" charset="-128"/>
             </a:endParaRPr>
           </a:p>
         </p:txBody>
@@ -11218,7 +11276,7 @@
           <p:nvPr/>
         </p:nvPicPr>
         <p:blipFill>
-          <a:blip r:embed="rId4">
+          <a:blip r:embed="rId3">
             <a:extLst>
               <a:ext uri="{28A0092B-C50C-407E-A947-70E740481C1C}">
                 <a14:useLocalDpi xmlns:a14="http://schemas.microsoft.com/office/drawing/2010/main" val="0"/>
@@ -11231,14 +11289,179 @@
         </p:blipFill>
         <p:spPr>
           <a:xfrm>
-            <a:off x="1338016" y="3285923"/>
-            <a:ext cx="3275476" cy="2456607"/>
+            <a:off x="1230429" y="3429000"/>
+            <a:ext cx="2979100" cy="2234325"/>
           </a:xfrm>
           <a:prstGeom prst="rect">
             <a:avLst/>
           </a:prstGeom>
         </p:spPr>
       </p:pic>
+      <p:sp>
+        <p:nvSpPr>
+          <p:cNvPr id="4" name="タイトル 1">
+            <a:extLst>
+              <a:ext uri="{FF2B5EF4-FFF2-40B4-BE49-F238E27FC236}">
+                <a16:creationId xmlns:a16="http://schemas.microsoft.com/office/drawing/2014/main" id="{2F2BE39D-900F-171C-CDFB-91EF182C135B}"/>
+              </a:ext>
+            </a:extLst>
+          </p:cNvPr>
+          <p:cNvSpPr txBox="1">
+            <a:spLocks/>
+          </p:cNvSpPr>
+          <p:nvPr/>
+        </p:nvSpPr>
+        <p:spPr>
+          <a:xfrm>
+            <a:off x="4084602" y="682293"/>
+            <a:ext cx="4304145" cy="1009651"/>
+          </a:xfrm>
+          <a:prstGeom prst="rect">
+            <a:avLst/>
+          </a:prstGeom>
+          <a:effectLst/>
+        </p:spPr>
+        <p:txBody>
+          <a:bodyPr vert="horz" lIns="91440" tIns="45720" rIns="91440" bIns="45720" rtlCol="0" anchor="ctr">
+            <a:normAutofit/>
+          </a:bodyPr>
+          <a:lstStyle>
+            <a:lvl1pPr algn="ctr" defTabSz="457200" rtl="0" eaLnBrk="1" latinLnBrk="0" hangingPunct="1">
+              <a:spcBef>
+                <a:spcPct val="0"/>
+              </a:spcBef>
+              <a:buNone/>
+              <a:defRPr kumimoji="1" sz="4400" kern="1200" cap="none">
+                <a:ln w="3175" cmpd="sng">
+                  <a:noFill/>
+                </a:ln>
+                <a:solidFill>
+                  <a:schemeClr val="tx1">
+                    <a:lumMod val="85000"/>
+                    <a:lumOff val="15000"/>
+                  </a:schemeClr>
+                </a:solidFill>
+                <a:effectLst/>
+                <a:latin typeface="+mj-lt"/>
+                <a:ea typeface="+mj-ea"/>
+                <a:cs typeface="+mj-cs"/>
+              </a:defRPr>
+            </a:lvl1pPr>
+            <a:lvl2pPr eaLnBrk="1" hangingPunct="1">
+              <a:defRPr kumimoji="1">
+                <a:solidFill>
+                  <a:schemeClr val="tx2"/>
+                </a:solidFill>
+              </a:defRPr>
+            </a:lvl2pPr>
+            <a:lvl3pPr eaLnBrk="1" hangingPunct="1">
+              <a:defRPr kumimoji="1">
+                <a:solidFill>
+                  <a:schemeClr val="tx2"/>
+                </a:solidFill>
+              </a:defRPr>
+            </a:lvl3pPr>
+            <a:lvl4pPr eaLnBrk="1" hangingPunct="1">
+              <a:defRPr kumimoji="1">
+                <a:solidFill>
+                  <a:schemeClr val="tx2"/>
+                </a:solidFill>
+              </a:defRPr>
+            </a:lvl4pPr>
+            <a:lvl5pPr eaLnBrk="1" hangingPunct="1">
+              <a:defRPr kumimoji="1">
+                <a:solidFill>
+                  <a:schemeClr val="tx2"/>
+                </a:solidFill>
+              </a:defRPr>
+            </a:lvl5pPr>
+            <a:lvl6pPr eaLnBrk="1" hangingPunct="1">
+              <a:defRPr kumimoji="1">
+                <a:solidFill>
+                  <a:schemeClr val="tx2"/>
+                </a:solidFill>
+              </a:defRPr>
+            </a:lvl6pPr>
+            <a:lvl7pPr eaLnBrk="1" hangingPunct="1">
+              <a:defRPr kumimoji="1">
+                <a:solidFill>
+                  <a:schemeClr val="tx2"/>
+                </a:solidFill>
+              </a:defRPr>
+            </a:lvl7pPr>
+            <a:lvl8pPr eaLnBrk="1" hangingPunct="1">
+              <a:defRPr kumimoji="1">
+                <a:solidFill>
+                  <a:schemeClr val="tx2"/>
+                </a:solidFill>
+              </a:defRPr>
+            </a:lvl8pPr>
+            <a:lvl9pPr eaLnBrk="1" hangingPunct="1">
+              <a:defRPr kumimoji="1">
+                <a:solidFill>
+                  <a:schemeClr val="tx2"/>
+                </a:solidFill>
+              </a:defRPr>
+            </a:lvl9pPr>
+          </a:lstStyle>
+          <a:p>
+            <a:r>
+              <a:rPr lang="en-US" altLang="ja-JP" sz="4000" b="1" dirty="0">
+                <a:ln w="10160">
+                  <a:solidFill>
+                    <a:srgbClr val="D97828">
+                      <a:lumMod val="75000"/>
+                    </a:srgbClr>
+                  </a:solidFill>
+                  <a:prstDash val="solid"/>
+                </a:ln>
+                <a:solidFill>
+                  <a:srgbClr val="A23C33">
+                    <a:lumMod val="75000"/>
+                  </a:srgbClr>
+                </a:solidFill>
+                <a:effectLst>
+                  <a:outerShdw blurRad="38100" dist="22860" dir="5400000" algn="tl" rotWithShape="0">
+                    <a:srgbClr val="000000">
+                      <a:alpha val="30000"/>
+                    </a:srgbClr>
+                  </a:outerShdw>
+                </a:effectLst>
+                <a:latin typeface="BIZ UDPゴシック" panose="020B0400000000000000" pitchFamily="50" charset="-128"/>
+                <a:ea typeface="BIZ UDPゴシック" panose="020B0400000000000000" pitchFamily="50" charset="-128"/>
+              </a:rPr>
+              <a:t>Ⅳ</a:t>
+            </a:r>
+            <a:r>
+              <a:rPr lang="ja-JP" altLang="en-US" sz="4000" b="1" dirty="0">
+                <a:ln w="10160">
+                  <a:solidFill>
+                    <a:srgbClr val="D97828">
+                      <a:lumMod val="75000"/>
+                    </a:srgbClr>
+                  </a:solidFill>
+                  <a:prstDash val="solid"/>
+                </a:ln>
+                <a:solidFill>
+                  <a:srgbClr val="A23C33">
+                    <a:lumMod val="75000"/>
+                  </a:srgbClr>
+                </a:solidFill>
+                <a:effectLst>
+                  <a:outerShdw blurRad="38100" dist="22860" dir="5400000" algn="tl" rotWithShape="0">
+                    <a:srgbClr val="000000">
+                      <a:alpha val="30000"/>
+                    </a:srgbClr>
+                  </a:outerShdw>
+                </a:effectLst>
+                <a:latin typeface="BIZ UDPゴシック" panose="020B0400000000000000" pitchFamily="50" charset="-128"/>
+                <a:ea typeface="BIZ UDPゴシック" panose="020B0400000000000000" pitchFamily="50" charset="-128"/>
+              </a:rPr>
+              <a:t>　苦労した点</a:t>
+            </a:r>
+          </a:p>
+        </p:txBody>
+      </p:sp>
     </p:spTree>
     <p:extLst>
       <p:ext uri="{BB962C8B-B14F-4D97-AF65-F5344CB8AC3E}">
@@ -11829,7 +12052,7 @@
                 <a:latin typeface="BIZ UDPゴシック" panose="020B0400000000000000" pitchFamily="50" charset="-128"/>
                 <a:ea typeface="BIZ UDPゴシック" panose="020B0400000000000000" pitchFamily="50" charset="-128"/>
               </a:rPr>
-              <a:t>研修で学んだこと</a:t>
+              <a:t>　研修で学んだこと</a:t>
             </a:r>
           </a:p>
         </p:txBody>
@@ -11850,8 +12073,8 @@
         </p:nvSpPr>
         <p:spPr>
           <a:xfrm>
-            <a:off x="1848969" y="2662729"/>
-            <a:ext cx="5271654" cy="1810328"/>
+            <a:off x="1777767" y="2662729"/>
+            <a:ext cx="5589323" cy="1810328"/>
           </a:xfrm>
           <a:prstGeom prst="rect">
             <a:avLst/>
@@ -12123,16 +12346,15 @@
                   <a:noFill/>
                 </a:ln>
                 <a:solidFill>
-                  <a:srgbClr val="DADADA">
+                  <a:schemeClr val="bg2">
                     <a:lumMod val="25000"/>
-                  </a:srgbClr>
+                  </a:schemeClr>
                 </a:solidFill>
                 <a:effectLst/>
                 <a:uLnTx/>
                 <a:uFillTx/>
-                <a:latin typeface="Garamond" panose="02020404030301010803"/>
-                <a:ea typeface="ＭＳ Ｐ明朝" panose="02020600040205080304" pitchFamily="18" charset="-128"/>
-                <a:cs typeface="+mn-cs"/>
+                <a:latin typeface="BIZ UDPゴシック" panose="020B0400000000000000" pitchFamily="50" charset="-128"/>
+                <a:ea typeface="BIZ UDPゴシック" panose="020B0400000000000000" pitchFamily="50" charset="-128"/>
               </a:rPr>
               <a:t>＊目標設定　　　＊進捗</a:t>
             </a:r>
@@ -12142,16 +12364,15 @@
                   <a:noFill/>
                 </a:ln>
                 <a:solidFill>
-                  <a:srgbClr val="DADADA">
+                  <a:schemeClr val="bg2">
                     <a:lumMod val="25000"/>
-                  </a:srgbClr>
+                  </a:schemeClr>
                 </a:solidFill>
                 <a:effectLst/>
                 <a:uLnTx/>
                 <a:uFillTx/>
-                <a:latin typeface="Garamond" panose="02020404030301010803"/>
-                <a:ea typeface="ＭＳ Ｐ明朝" panose="02020600040205080304" pitchFamily="18" charset="-128"/>
-                <a:cs typeface="+mn-cs"/>
+                <a:latin typeface="BIZ UDPゴシック" panose="020B0400000000000000" pitchFamily="50" charset="-128"/>
+                <a:ea typeface="BIZ UDPゴシック" panose="020B0400000000000000" pitchFamily="50" charset="-128"/>
               </a:rPr>
               <a:t>/</a:t>
             </a:r>
@@ -12161,16 +12382,15 @@
                   <a:noFill/>
                 </a:ln>
                 <a:solidFill>
-                  <a:srgbClr val="DADADA">
+                  <a:schemeClr val="bg2">
                     <a:lumMod val="25000"/>
-                  </a:srgbClr>
+                  </a:schemeClr>
                 </a:solidFill>
                 <a:effectLst/>
                 <a:uLnTx/>
                 <a:uFillTx/>
-                <a:latin typeface="Garamond" panose="02020404030301010803"/>
-                <a:ea typeface="ＭＳ Ｐ明朝" panose="02020600040205080304" pitchFamily="18" charset="-128"/>
-                <a:cs typeface="+mn-cs"/>
+                <a:latin typeface="BIZ UDPゴシック" panose="020B0400000000000000" pitchFamily="50" charset="-128"/>
+                <a:ea typeface="BIZ UDPゴシック" panose="020B0400000000000000" pitchFamily="50" charset="-128"/>
               </a:rPr>
               <a:t>日程管理</a:t>
             </a:r>
@@ -12179,16 +12399,15 @@
                 <a:noFill/>
               </a:ln>
               <a:solidFill>
-                <a:srgbClr val="DADADA">
+                <a:schemeClr val="bg2">
                   <a:lumMod val="25000"/>
-                </a:srgbClr>
+                </a:schemeClr>
               </a:solidFill>
               <a:effectLst/>
               <a:uLnTx/>
               <a:uFillTx/>
-              <a:latin typeface="Garamond" panose="02020404030301010803"/>
-              <a:ea typeface="ＭＳ Ｐ明朝" panose="02020600040205080304" pitchFamily="18" charset="-128"/>
-              <a:cs typeface="+mn-cs"/>
+              <a:latin typeface="BIZ UDPゴシック" panose="020B0400000000000000" pitchFamily="50" charset="-128"/>
+              <a:ea typeface="BIZ UDPゴシック" panose="020B0400000000000000" pitchFamily="50" charset="-128"/>
             </a:endParaRPr>
           </a:p>
           <a:p>
@@ -12216,16 +12435,15 @@
                 <a:noFill/>
               </a:ln>
               <a:solidFill>
-                <a:srgbClr val="DADADA">
+                <a:schemeClr val="bg2">
                   <a:lumMod val="25000"/>
-                </a:srgbClr>
+                </a:schemeClr>
               </a:solidFill>
               <a:effectLst/>
               <a:uLnTx/>
               <a:uFillTx/>
-              <a:latin typeface="Garamond" panose="02020404030301010803"/>
-              <a:ea typeface="ＭＳ Ｐ明朝" panose="02020600040205080304" pitchFamily="18" charset="-128"/>
-              <a:cs typeface="+mn-cs"/>
+              <a:latin typeface="BIZ UDPゴシック" panose="020B0400000000000000" pitchFamily="50" charset="-128"/>
+              <a:ea typeface="BIZ UDPゴシック" panose="020B0400000000000000" pitchFamily="50" charset="-128"/>
             </a:endParaRPr>
           </a:p>
           <a:p>
@@ -12254,16 +12472,15 @@
                   <a:noFill/>
                 </a:ln>
                 <a:solidFill>
-                  <a:srgbClr val="DADADA">
+                  <a:schemeClr val="bg2">
                     <a:lumMod val="25000"/>
-                  </a:srgbClr>
+                  </a:schemeClr>
                 </a:solidFill>
                 <a:effectLst/>
                 <a:uLnTx/>
                 <a:uFillTx/>
-                <a:latin typeface="Garamond" panose="02020404030301010803"/>
-                <a:ea typeface="ＭＳ Ｐ明朝" panose="02020600040205080304" pitchFamily="18" charset="-128"/>
-                <a:cs typeface="+mn-cs"/>
+                <a:latin typeface="BIZ UDPゴシック" panose="020B0400000000000000" pitchFamily="50" charset="-128"/>
+                <a:ea typeface="BIZ UDPゴシック" panose="020B0400000000000000" pitchFamily="50" charset="-128"/>
               </a:rPr>
               <a:t>＊役割分担　　　＊和を以て貴しとなす</a:t>
             </a:r>
@@ -12272,16 +12489,15 @@
                 <a:noFill/>
               </a:ln>
               <a:solidFill>
-                <a:srgbClr val="DADADA">
+                <a:schemeClr val="bg2">
                   <a:lumMod val="25000"/>
-                </a:srgbClr>
+                </a:schemeClr>
               </a:solidFill>
               <a:effectLst/>
               <a:uLnTx/>
               <a:uFillTx/>
-              <a:latin typeface="Garamond" panose="02020404030301010803"/>
-              <a:ea typeface="ＭＳ Ｐ明朝" panose="02020600040205080304" pitchFamily="18" charset="-128"/>
-              <a:cs typeface="+mn-cs"/>
+              <a:latin typeface="BIZ UDPゴシック" panose="020B0400000000000000" pitchFamily="50" charset="-128"/>
+              <a:ea typeface="BIZ UDPゴシック" panose="020B0400000000000000" pitchFamily="50" charset="-128"/>
             </a:endParaRPr>
           </a:p>
         </p:txBody>

--- a/documents/発表準備/成果発表会　案②.pptx
+++ b/documents/発表準備/成果発表会　案②.pptx
@@ -3677,6 +3677,11 @@
           <a:prstGeom prst="rect">
             <a:avLst/>
           </a:prstGeom>
+          <a:ln>
+            <a:solidFill>
+              <a:srgbClr val="FFCC99"/>
+            </a:solidFill>
+          </a:ln>
         </p:spPr>
         <p:style>
           <a:lnRef idx="2">
@@ -3697,7 +3702,11 @@
           <a:lstStyle/>
           <a:p>
             <a:pPr algn="ctr"/>
-            <a:endParaRPr kumimoji="1" lang="ja-JP" altLang="en-US"/>
+            <a:endParaRPr kumimoji="1" lang="ja-JP" altLang="en-US">
+              <a:solidFill>
+                <a:schemeClr val="tx1"/>
+              </a:solidFill>
+            </a:endParaRPr>
           </a:p>
         </p:txBody>
       </p:sp>
@@ -3760,12 +3769,17 @@
         </p:nvCxnSpPr>
         <p:spPr>
           <a:xfrm>
-            <a:off x="2118946" y="2359391"/>
+            <a:off x="2145323" y="2271468"/>
             <a:ext cx="8459666" cy="0"/>
           </a:xfrm>
           <a:prstGeom prst="line">
             <a:avLst/>
           </a:prstGeom>
+          <a:ln>
+            <a:solidFill>
+              <a:srgbClr val="FFCC66"/>
+            </a:solidFill>
+          </a:ln>
         </p:spPr>
         <p:style>
           <a:lnRef idx="1">
@@ -4500,6 +4514,11 @@
           <a:prstGeom prst="rect">
             <a:avLst/>
           </a:prstGeom>
+          <a:ln>
+            <a:solidFill>
+              <a:srgbClr val="FFCC99"/>
+            </a:solidFill>
+          </a:ln>
         </p:spPr>
         <p:style>
           <a:lnRef idx="2">
@@ -4520,7 +4539,11 @@
           <a:lstStyle/>
           <a:p>
             <a:pPr algn="ctr"/>
-            <a:endParaRPr kumimoji="1" lang="ja-JP" altLang="en-US"/>
+            <a:endParaRPr kumimoji="1" lang="ja-JP" altLang="en-US">
+              <a:solidFill>
+                <a:srgbClr val="FFCC66"/>
+              </a:solidFill>
+            </a:endParaRPr>
           </a:p>
         </p:txBody>
       </p:sp>
@@ -4546,6 +4569,11 @@
           <a:prstGeom prst="line">
             <a:avLst/>
           </a:prstGeom>
+          <a:ln>
+            <a:solidFill>
+              <a:srgbClr val="FFCC66"/>
+            </a:solidFill>
+          </a:ln>
         </p:spPr>
         <p:style>
           <a:lnRef idx="1">
@@ -4904,25 +4932,16 @@
               <a:defRPr/>
             </a:pPr>
             <a:r>
-              <a:rPr kumimoji="1" lang="ja-JP" altLang="en-US" sz="4000" b="1" i="0" u="none" strike="noStrike" kern="1200" cap="none" spc="0" normalizeH="0" baseline="0" noProof="0" dirty="0">
-                <a:ln w="10160">
-                  <a:solidFill>
-                    <a:srgbClr val="D97828">
-                      <a:lumMod val="75000"/>
-                    </a:srgbClr>
-                  </a:solidFill>
-                  <a:prstDash val="solid"/>
-                </a:ln>
-                <a:solidFill>
-                  <a:srgbClr val="A23C33">
-                    <a:lumMod val="75000"/>
-                  </a:srgbClr>
+              <a:rPr kumimoji="1" lang="ja-JP" altLang="en-US" sz="4000" b="1" i="0" u="none" strike="noStrike" kern="1200" normalizeH="0" baseline="0" noProof="0" dirty="0">
+                <a:ln w="0"/>
+                <a:solidFill>
+                  <a:srgbClr val="FF9966"/>
                 </a:solidFill>
                 <a:effectLst>
-                  <a:outerShdw blurRad="38100" dist="22860" dir="5400000" algn="tl" rotWithShape="0">
-                    <a:srgbClr val="000000">
-                      <a:alpha val="30000"/>
-                    </a:srgbClr>
+                  <a:outerShdw blurRad="38100" dist="19050" dir="2700000" algn="tl" rotWithShape="0">
+                    <a:schemeClr val="dk1">
+                      <a:alpha val="40000"/>
+                    </a:schemeClr>
                   </a:outerShdw>
                 </a:effectLst>
                 <a:uLnTx/>
@@ -6681,6 +6700,11 @@
           <a:prstGeom prst="rect">
             <a:avLst/>
           </a:prstGeom>
+          <a:ln>
+            <a:solidFill>
+              <a:srgbClr val="FFCC99"/>
+            </a:solidFill>
+          </a:ln>
         </p:spPr>
         <p:style>
           <a:lnRef idx="2">
@@ -6727,6 +6751,11 @@
           <a:prstGeom prst="line">
             <a:avLst/>
           </a:prstGeom>
+          <a:ln>
+            <a:solidFill>
+              <a:srgbClr val="FFCC66"/>
+            </a:solidFill>
+          </a:ln>
         </p:spPr>
         <p:style>
           <a:lnRef idx="1">
@@ -7069,24 +7098,15 @@
           <a:p>
             <a:r>
               <a:rPr lang="en-US" altLang="ja-JP" sz="4000" b="1" dirty="0">
-                <a:ln w="10160">
-                  <a:solidFill>
-                    <a:srgbClr val="D97828">
-                      <a:lumMod val="75000"/>
-                    </a:srgbClr>
-                  </a:solidFill>
-                  <a:prstDash val="solid"/>
-                </a:ln>
-                <a:solidFill>
-                  <a:srgbClr val="A23C33">
-                    <a:lumMod val="75000"/>
-                  </a:srgbClr>
+                <a:ln w="0"/>
+                <a:solidFill>
+                  <a:srgbClr val="FF9966"/>
                 </a:solidFill>
                 <a:effectLst>
-                  <a:outerShdw blurRad="38100" dist="22860" dir="5400000" algn="tl" rotWithShape="0">
-                    <a:srgbClr val="000000">
-                      <a:alpha val="30000"/>
-                    </a:srgbClr>
+                  <a:outerShdw blurRad="38100" dist="19050" dir="2700000" algn="tl" rotWithShape="0">
+                    <a:schemeClr val="dk1">
+                      <a:alpha val="40000"/>
+                    </a:schemeClr>
                   </a:outerShdw>
                 </a:effectLst>
                 <a:latin typeface="BIZ UDPゴシック" panose="020B0400000000000000" pitchFamily="50" charset="-128"/>
@@ -7096,24 +7116,15 @@
             </a:r>
             <a:r>
               <a:rPr lang="ja-JP" altLang="en-US" sz="4000" b="1" dirty="0">
-                <a:ln w="10160">
-                  <a:solidFill>
-                    <a:srgbClr val="D97828">
-                      <a:lumMod val="75000"/>
-                    </a:srgbClr>
-                  </a:solidFill>
-                  <a:prstDash val="solid"/>
-                </a:ln>
-                <a:solidFill>
-                  <a:srgbClr val="A23C33">
-                    <a:lumMod val="75000"/>
-                  </a:srgbClr>
+                <a:ln w="0"/>
+                <a:solidFill>
+                  <a:srgbClr val="FF9966"/>
                 </a:solidFill>
                 <a:effectLst>
-                  <a:outerShdw blurRad="38100" dist="22860" dir="5400000" algn="tl" rotWithShape="0">
-                    <a:srgbClr val="000000">
-                      <a:alpha val="30000"/>
-                    </a:srgbClr>
+                  <a:outerShdw blurRad="38100" dist="19050" dir="2700000" algn="tl" rotWithShape="0">
+                    <a:schemeClr val="dk1">
+                      <a:alpha val="40000"/>
+                    </a:schemeClr>
                   </a:outerShdw>
                 </a:effectLst>
                 <a:latin typeface="BIZ UDPゴシック" panose="020B0400000000000000" pitchFamily="50" charset="-128"/>
@@ -7581,6 +7592,11 @@
           <a:prstGeom prst="rect">
             <a:avLst/>
           </a:prstGeom>
+          <a:ln>
+            <a:solidFill>
+              <a:srgbClr val="FFCC99"/>
+            </a:solidFill>
+          </a:ln>
         </p:spPr>
         <p:style>
           <a:lnRef idx="2">
@@ -7627,6 +7643,11 @@
           <a:prstGeom prst="line">
             <a:avLst/>
           </a:prstGeom>
+          <a:ln>
+            <a:solidFill>
+              <a:srgbClr val="FFCC66"/>
+            </a:solidFill>
+          </a:ln>
         </p:spPr>
         <p:style>
           <a:lnRef idx="1">
@@ -7969,24 +7990,15 @@
           <a:p>
             <a:r>
               <a:rPr lang="en-US" altLang="ja-JP" sz="3600" b="1" dirty="0">
-                <a:ln w="10160">
-                  <a:solidFill>
-                    <a:srgbClr val="D97828">
-                      <a:lumMod val="75000"/>
-                    </a:srgbClr>
-                  </a:solidFill>
-                  <a:prstDash val="solid"/>
-                </a:ln>
-                <a:solidFill>
-                  <a:srgbClr val="A23C33">
-                    <a:lumMod val="75000"/>
-                  </a:srgbClr>
+                <a:ln w="0"/>
+                <a:solidFill>
+                  <a:srgbClr val="FF9966"/>
                 </a:solidFill>
                 <a:effectLst>
-                  <a:outerShdw blurRad="38100" dist="22860" dir="5400000" algn="tl" rotWithShape="0">
-                    <a:srgbClr val="000000">
-                      <a:alpha val="30000"/>
-                    </a:srgbClr>
+                  <a:outerShdw blurRad="38100" dist="19050" dir="2700000" algn="tl" rotWithShape="0">
+                    <a:schemeClr val="dk1">
+                      <a:alpha val="40000"/>
+                    </a:schemeClr>
                   </a:outerShdw>
                 </a:effectLst>
                 <a:latin typeface="BIZ UDPゴシック" panose="020B0400000000000000" pitchFamily="50" charset="-128"/>
@@ -7996,24 +8008,15 @@
             </a:r>
             <a:r>
               <a:rPr lang="ja-JP" altLang="en-US" sz="3600" b="1" dirty="0">
-                <a:ln w="10160">
-                  <a:solidFill>
-                    <a:srgbClr val="D97828">
-                      <a:lumMod val="75000"/>
-                    </a:srgbClr>
-                  </a:solidFill>
-                  <a:prstDash val="solid"/>
-                </a:ln>
-                <a:solidFill>
-                  <a:srgbClr val="A23C33">
-                    <a:lumMod val="75000"/>
-                  </a:srgbClr>
+                <a:ln w="0"/>
+                <a:solidFill>
+                  <a:srgbClr val="FF9966"/>
                 </a:solidFill>
                 <a:effectLst>
-                  <a:outerShdw blurRad="38100" dist="22860" dir="5400000" algn="tl" rotWithShape="0">
-                    <a:srgbClr val="000000">
-                      <a:alpha val="30000"/>
-                    </a:srgbClr>
+                  <a:outerShdw blurRad="38100" dist="19050" dir="2700000" algn="tl" rotWithShape="0">
+                    <a:schemeClr val="dk1">
+                      <a:alpha val="40000"/>
+                    </a:schemeClr>
                   </a:outerShdw>
                 </a:effectLst>
                 <a:latin typeface="BIZ UDPゴシック" panose="020B0400000000000000" pitchFamily="50" charset="-128"/>
@@ -9393,6 +9396,11 @@
           <a:prstGeom prst="rect">
             <a:avLst/>
           </a:prstGeom>
+          <a:ln>
+            <a:solidFill>
+              <a:srgbClr val="FFCC99"/>
+            </a:solidFill>
+          </a:ln>
         </p:spPr>
         <p:style>
           <a:lnRef idx="2">
@@ -9439,6 +9447,11 @@
           <a:prstGeom prst="line">
             <a:avLst/>
           </a:prstGeom>
+          <a:ln>
+            <a:solidFill>
+              <a:srgbClr val="FFCC66"/>
+            </a:solidFill>
+          </a:ln>
         </p:spPr>
         <p:style>
           <a:lnRef idx="1">
@@ -9781,24 +9794,15 @@
           <a:p>
             <a:r>
               <a:rPr lang="en-US" altLang="ja-JP" sz="4000" b="1" dirty="0">
-                <a:ln w="10160">
-                  <a:solidFill>
-                    <a:srgbClr val="D97828">
-                      <a:lumMod val="75000"/>
-                    </a:srgbClr>
-                  </a:solidFill>
-                  <a:prstDash val="solid"/>
-                </a:ln>
-                <a:solidFill>
-                  <a:srgbClr val="A23C33">
-                    <a:lumMod val="75000"/>
-                  </a:srgbClr>
+                <a:ln w="0"/>
+                <a:solidFill>
+                  <a:srgbClr val="FF9966"/>
                 </a:solidFill>
                 <a:effectLst>
-                  <a:outerShdw blurRad="38100" dist="22860" dir="5400000" algn="tl" rotWithShape="0">
-                    <a:srgbClr val="000000">
-                      <a:alpha val="30000"/>
-                    </a:srgbClr>
+                  <a:outerShdw blurRad="38100" dist="19050" dir="2700000" algn="tl" rotWithShape="0">
+                    <a:schemeClr val="dk1">
+                      <a:alpha val="40000"/>
+                    </a:schemeClr>
                   </a:outerShdw>
                 </a:effectLst>
                 <a:latin typeface="BIZ UDPゴシック" panose="020B0400000000000000" pitchFamily="50" charset="-128"/>
@@ -9808,24 +9812,15 @@
             </a:r>
             <a:r>
               <a:rPr lang="ja-JP" altLang="en-US" sz="4000" b="1" dirty="0">
-                <a:ln w="10160">
-                  <a:solidFill>
-                    <a:srgbClr val="D97828">
-                      <a:lumMod val="75000"/>
-                    </a:srgbClr>
-                  </a:solidFill>
-                  <a:prstDash val="solid"/>
-                </a:ln>
-                <a:solidFill>
-                  <a:srgbClr val="A23C33">
-                    <a:lumMod val="75000"/>
-                  </a:srgbClr>
+                <a:ln w="0"/>
+                <a:solidFill>
+                  <a:srgbClr val="FF9966"/>
                 </a:solidFill>
                 <a:effectLst>
-                  <a:outerShdw blurRad="38100" dist="22860" dir="5400000" algn="tl" rotWithShape="0">
-                    <a:srgbClr val="000000">
-                      <a:alpha val="30000"/>
-                    </a:srgbClr>
+                  <a:outerShdw blurRad="38100" dist="19050" dir="2700000" algn="tl" rotWithShape="0">
+                    <a:schemeClr val="dk1">
+                      <a:alpha val="40000"/>
+                    </a:schemeClr>
                   </a:outerShdw>
                 </a:effectLst>
                 <a:latin typeface="BIZ UDPゴシック" panose="020B0400000000000000" pitchFamily="50" charset="-128"/>
@@ -10358,6 +10353,11 @@
           <a:prstGeom prst="rect">
             <a:avLst/>
           </a:prstGeom>
+          <a:ln>
+            <a:solidFill>
+              <a:srgbClr val="FFCC99"/>
+            </a:solidFill>
+          </a:ln>
         </p:spPr>
         <p:style>
           <a:lnRef idx="2">
@@ -10404,6 +10404,11 @@
           <a:prstGeom prst="line">
             <a:avLst/>
           </a:prstGeom>
+          <a:ln>
+            <a:solidFill>
+              <a:srgbClr val="FFCC66"/>
+            </a:solidFill>
+          </a:ln>
         </p:spPr>
         <p:style>
           <a:lnRef idx="1">
@@ -11407,24 +11412,15 @@
           <a:p>
             <a:r>
               <a:rPr lang="en-US" altLang="ja-JP" sz="4000" b="1" dirty="0">
-                <a:ln w="10160">
-                  <a:solidFill>
-                    <a:srgbClr val="D97828">
-                      <a:lumMod val="75000"/>
-                    </a:srgbClr>
-                  </a:solidFill>
-                  <a:prstDash val="solid"/>
-                </a:ln>
-                <a:solidFill>
-                  <a:srgbClr val="A23C33">
-                    <a:lumMod val="75000"/>
-                  </a:srgbClr>
+                <a:ln w="0"/>
+                <a:solidFill>
+                  <a:srgbClr val="FF9966"/>
                 </a:solidFill>
                 <a:effectLst>
-                  <a:outerShdw blurRad="38100" dist="22860" dir="5400000" algn="tl" rotWithShape="0">
-                    <a:srgbClr val="000000">
-                      <a:alpha val="30000"/>
-                    </a:srgbClr>
+                  <a:outerShdw blurRad="38100" dist="19050" dir="2700000" algn="tl" rotWithShape="0">
+                    <a:schemeClr val="dk1">
+                      <a:alpha val="40000"/>
+                    </a:schemeClr>
                   </a:outerShdw>
                 </a:effectLst>
                 <a:latin typeface="BIZ UDPゴシック" panose="020B0400000000000000" pitchFamily="50" charset="-128"/>
@@ -11434,24 +11430,15 @@
             </a:r>
             <a:r>
               <a:rPr lang="ja-JP" altLang="en-US" sz="4000" b="1" dirty="0">
-                <a:ln w="10160">
-                  <a:solidFill>
-                    <a:srgbClr val="D97828">
-                      <a:lumMod val="75000"/>
-                    </a:srgbClr>
-                  </a:solidFill>
-                  <a:prstDash val="solid"/>
-                </a:ln>
-                <a:solidFill>
-                  <a:srgbClr val="A23C33">
-                    <a:lumMod val="75000"/>
-                  </a:srgbClr>
+                <a:ln w="0"/>
+                <a:solidFill>
+                  <a:srgbClr val="FF9966"/>
                 </a:solidFill>
                 <a:effectLst>
-                  <a:outerShdw blurRad="38100" dist="22860" dir="5400000" algn="tl" rotWithShape="0">
-                    <a:srgbClr val="000000">
-                      <a:alpha val="30000"/>
-                    </a:srgbClr>
+                  <a:outerShdw blurRad="38100" dist="19050" dir="2700000" algn="tl" rotWithShape="0">
+                    <a:schemeClr val="dk1">
+                      <a:alpha val="40000"/>
+                    </a:schemeClr>
                   </a:outerShdw>
                 </a:effectLst>
                 <a:latin typeface="BIZ UDPゴシック" panose="020B0400000000000000" pitchFamily="50" charset="-128"/>
@@ -11554,6 +11541,11 @@
           <a:prstGeom prst="rect">
             <a:avLst/>
           </a:prstGeom>
+          <a:ln>
+            <a:solidFill>
+              <a:srgbClr val="FFCC99"/>
+            </a:solidFill>
+          </a:ln>
         </p:spPr>
         <p:style>
           <a:lnRef idx="2">
@@ -11629,6 +11621,11 @@
           <a:prstGeom prst="line">
             <a:avLst/>
           </a:prstGeom>
+          <a:ln>
+            <a:solidFill>
+              <a:srgbClr val="FFCC66"/>
+            </a:solidFill>
+          </a:ln>
         </p:spPr>
         <p:style>
           <a:lnRef idx="1">
@@ -12002,24 +11999,15 @@
           <a:p>
             <a:r>
               <a:rPr lang="en-US" altLang="ja-JP" sz="4000" b="1" dirty="0">
-                <a:ln w="10160">
-                  <a:solidFill>
-                    <a:srgbClr val="D97828">
-                      <a:lumMod val="75000"/>
-                    </a:srgbClr>
-                  </a:solidFill>
-                  <a:prstDash val="solid"/>
-                </a:ln>
-                <a:solidFill>
-                  <a:srgbClr val="A23C33">
-                    <a:lumMod val="75000"/>
-                  </a:srgbClr>
+                <a:ln w="0"/>
+                <a:solidFill>
+                  <a:srgbClr val="FF9966"/>
                 </a:solidFill>
                 <a:effectLst>
-                  <a:outerShdw blurRad="38100" dist="22860" dir="5400000" algn="tl" rotWithShape="0">
-                    <a:srgbClr val="000000">
-                      <a:alpha val="30000"/>
-                    </a:srgbClr>
+                  <a:outerShdw blurRad="38100" dist="19050" dir="2700000" algn="tl" rotWithShape="0">
+                    <a:schemeClr val="dk1">
+                      <a:alpha val="40000"/>
+                    </a:schemeClr>
                   </a:outerShdw>
                 </a:effectLst>
                 <a:latin typeface="BIZ UDPゴシック" panose="020B0400000000000000" pitchFamily="50" charset="-128"/>
@@ -12029,24 +12017,15 @@
             </a:r>
             <a:r>
               <a:rPr lang="ja-JP" altLang="en-US" sz="4000" b="1" dirty="0">
-                <a:ln w="10160">
-                  <a:solidFill>
-                    <a:srgbClr val="D97828">
-                      <a:lumMod val="75000"/>
-                    </a:srgbClr>
-                  </a:solidFill>
-                  <a:prstDash val="solid"/>
-                </a:ln>
-                <a:solidFill>
-                  <a:srgbClr val="A23C33">
-                    <a:lumMod val="75000"/>
-                  </a:srgbClr>
+                <a:ln w="0"/>
+                <a:solidFill>
+                  <a:srgbClr val="FF9966"/>
                 </a:solidFill>
                 <a:effectLst>
-                  <a:outerShdw blurRad="38100" dist="22860" dir="5400000" algn="tl" rotWithShape="0">
-                    <a:srgbClr val="000000">
-                      <a:alpha val="30000"/>
-                    </a:srgbClr>
+                  <a:outerShdw blurRad="38100" dist="19050" dir="2700000" algn="tl" rotWithShape="0">
+                    <a:schemeClr val="dk1">
+                      <a:alpha val="40000"/>
+                    </a:schemeClr>
                   </a:outerShdw>
                 </a:effectLst>
                 <a:latin typeface="BIZ UDPゴシック" panose="020B0400000000000000" pitchFamily="50" charset="-128"/>
@@ -12666,6 +12645,11 @@
           <a:prstGeom prst="rect">
             <a:avLst/>
           </a:prstGeom>
+          <a:ln>
+            <a:solidFill>
+              <a:srgbClr val="FFCC99"/>
+            </a:solidFill>
+          </a:ln>
         </p:spPr>
         <p:style>
           <a:lnRef idx="2">
@@ -12741,6 +12725,11 @@
           <a:prstGeom prst="line">
             <a:avLst/>
           </a:prstGeom>
+          <a:ln>
+            <a:solidFill>
+              <a:srgbClr val="FFCC66"/>
+            </a:solidFill>
+          </a:ln>
         </p:spPr>
         <p:style>
           <a:lnRef idx="1">

--- a/documents/発表準備/成果発表会　案②.pptx
+++ b/documents/発表準備/成果発表会　案②.pptx
@@ -7187,7 +7187,7 @@
         </p:nvSpPr>
         <p:spPr>
           <a:xfrm>
-            <a:off x="5056512" y="3032012"/>
+            <a:off x="5056512" y="2653952"/>
             <a:ext cx="6303593" cy="2555342"/>
           </a:xfrm>
           <a:prstGeom prst="rect">
@@ -9847,8 +9847,8 @@
         </p:nvSpPr>
         <p:spPr>
           <a:xfrm>
-            <a:off x="2403143" y="2996074"/>
-            <a:ext cx="4698999" cy="1671783"/>
+            <a:off x="2623356" y="2932555"/>
+            <a:ext cx="4797757" cy="1655057"/>
           </a:xfrm>
           <a:prstGeom prst="rect">
             <a:avLst/>
@@ -10115,7 +10115,7 @@
               <a:defRPr/>
             </a:pPr>
             <a:r>
-              <a:rPr kumimoji="1" lang="ja-JP" altLang="en-US" sz="2400" b="1" i="0" u="none" strike="noStrike" kern="1200" cap="none" spc="0" normalizeH="0" baseline="0" noProof="0" dirty="0">
+              <a:rPr kumimoji="1" lang="ja-JP" altLang="en-US" sz="2000" b="1" i="0" u="none" strike="noStrike" kern="1200" cap="none" spc="0" normalizeH="0" baseline="0" noProof="0" dirty="0">
                 <a:ln>
                   <a:noFill/>
                 </a:ln>
@@ -10132,7 +10132,7 @@
               </a:rPr>
               <a:t>＊キーボード操作を最低限に</a:t>
             </a:r>
-            <a:endParaRPr kumimoji="1" lang="en-US" altLang="ja-JP" sz="2400" b="1" i="0" u="none" strike="noStrike" kern="1200" cap="none" spc="0" normalizeH="0" baseline="0" noProof="0" dirty="0">
+            <a:endParaRPr kumimoji="1" lang="en-US" altLang="ja-JP" sz="2000" b="1" i="0" u="none" strike="noStrike" kern="1200" cap="none" spc="0" normalizeH="0" baseline="0" noProof="0" dirty="0">
               <a:ln>
                 <a:noFill/>
               </a:ln>
@@ -10168,7 +10168,7 @@
               <a:tabLst/>
               <a:defRPr/>
             </a:pPr>
-            <a:endParaRPr kumimoji="1" lang="en-US" altLang="ja-JP" sz="2400" b="1" i="0" u="none" strike="noStrike" kern="1200" cap="none" spc="0" normalizeH="0" baseline="0" noProof="0" dirty="0">
+            <a:endParaRPr kumimoji="1" lang="en-US" altLang="ja-JP" sz="2000" b="1" i="0" u="none" strike="noStrike" kern="1200" cap="none" spc="0" normalizeH="0" baseline="0" noProof="0" dirty="0">
               <a:ln>
                 <a:noFill/>
               </a:ln>
@@ -10205,7 +10205,7 @@
               <a:defRPr/>
             </a:pPr>
             <a:r>
-              <a:rPr kumimoji="1" lang="ja-JP" altLang="en-US" sz="2400" b="1" i="0" u="none" strike="noStrike" kern="1200" cap="none" spc="0" normalizeH="0" baseline="0" noProof="0" dirty="0">
+              <a:rPr kumimoji="1" lang="ja-JP" altLang="en-US" sz="2000" b="1" i="0" u="none" strike="noStrike" kern="1200" cap="none" spc="0" normalizeH="0" baseline="0" noProof="0" dirty="0">
                 <a:ln>
                   <a:noFill/>
                 </a:ln>

--- a/documents/発表準備/成果発表会　案②.pptx
+++ b/documents/発表準備/成果発表会　案②.pptx
@@ -4,6 +4,9 @@
   <p:sldMasterIdLst>
     <p:sldMasterId id="2147483648" r:id="rId1"/>
   </p:sldMasterIdLst>
+  <p:notesMasterIdLst>
+    <p:notesMasterId r:id="rId10"/>
+  </p:notesMasterIdLst>
   <p:sldIdLst>
     <p:sldId id="256" r:id="rId2"/>
     <p:sldId id="257" r:id="rId3"/>
@@ -119,6 +122,1303 @@
 </p:presentation>
 </file>
 
+<file path=ppt/notesMasters/notesMaster1.xml><?xml version="1.0" encoding="utf-8"?>
+<p:notesMaster xmlns:a="http://schemas.openxmlformats.org/drawingml/2006/main" xmlns:r="http://schemas.openxmlformats.org/officeDocument/2006/relationships" xmlns:p="http://schemas.openxmlformats.org/presentationml/2006/main">
+  <p:cSld>
+    <p:bg>
+      <p:bgRef idx="1001">
+        <a:schemeClr val="bg1"/>
+      </p:bgRef>
+    </p:bg>
+    <p:spTree>
+      <p:nvGrpSpPr>
+        <p:cNvPr id="1" name=""/>
+        <p:cNvGrpSpPr/>
+        <p:nvPr/>
+      </p:nvGrpSpPr>
+      <p:grpSpPr>
+        <a:xfrm>
+          <a:off x="0" y="0"/>
+          <a:ext cx="0" cy="0"/>
+          <a:chOff x="0" y="0"/>
+          <a:chExt cx="0" cy="0"/>
+        </a:xfrm>
+      </p:grpSpPr>
+      <p:sp>
+        <p:nvSpPr>
+          <p:cNvPr id="2" name="ヘッダー プレースホルダー 1"/>
+          <p:cNvSpPr>
+            <a:spLocks noGrp="1"/>
+          </p:cNvSpPr>
+          <p:nvPr>
+            <p:ph type="hdr" sz="quarter"/>
+          </p:nvPr>
+        </p:nvSpPr>
+        <p:spPr>
+          <a:xfrm>
+            <a:off x="0" y="0"/>
+            <a:ext cx="2971800" cy="458788"/>
+          </a:xfrm>
+          <a:prstGeom prst="rect">
+            <a:avLst/>
+          </a:prstGeom>
+        </p:spPr>
+        <p:txBody>
+          <a:bodyPr vert="horz" lIns="91440" tIns="45720" rIns="91440" bIns="45720" rtlCol="0"/>
+          <a:lstStyle>
+            <a:lvl1pPr algn="l">
+              <a:defRPr sz="1200"/>
+            </a:lvl1pPr>
+          </a:lstStyle>
+          <a:p>
+            <a:endParaRPr kumimoji="1" lang="ja-JP" altLang="en-US"/>
+          </a:p>
+        </p:txBody>
+      </p:sp>
+      <p:sp>
+        <p:nvSpPr>
+          <p:cNvPr id="3" name="日付プレースホルダー 2"/>
+          <p:cNvSpPr>
+            <a:spLocks noGrp="1"/>
+          </p:cNvSpPr>
+          <p:nvPr>
+            <p:ph type="dt" idx="1"/>
+          </p:nvPr>
+        </p:nvSpPr>
+        <p:spPr>
+          <a:xfrm>
+            <a:off x="3884613" y="0"/>
+            <a:ext cx="2971800" cy="458788"/>
+          </a:xfrm>
+          <a:prstGeom prst="rect">
+            <a:avLst/>
+          </a:prstGeom>
+        </p:spPr>
+        <p:txBody>
+          <a:bodyPr vert="horz" lIns="91440" tIns="45720" rIns="91440" bIns="45720" rtlCol="0"/>
+          <a:lstStyle>
+            <a:lvl1pPr algn="r">
+              <a:defRPr sz="1200"/>
+            </a:lvl1pPr>
+          </a:lstStyle>
+          <a:p>
+            <a:fld id="{9C368627-90AF-4F17-AF94-665E049D5104}" type="datetimeFigureOut">
+              <a:rPr kumimoji="1" lang="ja-JP" altLang="en-US" smtClean="0"/>
+              <a:t>2025/6/25</a:t>
+            </a:fld>
+            <a:endParaRPr kumimoji="1" lang="ja-JP" altLang="en-US"/>
+          </a:p>
+        </p:txBody>
+      </p:sp>
+      <p:sp>
+        <p:nvSpPr>
+          <p:cNvPr id="4" name="スライド イメージ プレースホルダー 3"/>
+          <p:cNvSpPr>
+            <a:spLocks noGrp="1" noRot="1" noChangeAspect="1"/>
+          </p:cNvSpPr>
+          <p:nvPr>
+            <p:ph type="sldImg" idx="2"/>
+          </p:nvPr>
+        </p:nvSpPr>
+        <p:spPr>
+          <a:xfrm>
+            <a:off x="685800" y="1143000"/>
+            <a:ext cx="5486400" cy="3086100"/>
+          </a:xfrm>
+          <a:prstGeom prst="rect">
+            <a:avLst/>
+          </a:prstGeom>
+          <a:noFill/>
+          <a:ln w="12700">
+            <a:solidFill>
+              <a:prstClr val="black"/>
+            </a:solidFill>
+          </a:ln>
+        </p:spPr>
+        <p:txBody>
+          <a:bodyPr vert="horz" lIns="91440" tIns="45720" rIns="91440" bIns="45720" rtlCol="0" anchor="ctr"/>
+          <a:lstStyle/>
+          <a:p>
+            <a:endParaRPr lang="ja-JP" altLang="en-US"/>
+          </a:p>
+        </p:txBody>
+      </p:sp>
+      <p:sp>
+        <p:nvSpPr>
+          <p:cNvPr id="5" name="ノート プレースホルダー 4"/>
+          <p:cNvSpPr>
+            <a:spLocks noGrp="1"/>
+          </p:cNvSpPr>
+          <p:nvPr>
+            <p:ph type="body" sz="quarter" idx="3"/>
+          </p:nvPr>
+        </p:nvSpPr>
+        <p:spPr>
+          <a:xfrm>
+            <a:off x="685800" y="4400550"/>
+            <a:ext cx="5486400" cy="3600450"/>
+          </a:xfrm>
+          <a:prstGeom prst="rect">
+            <a:avLst/>
+          </a:prstGeom>
+        </p:spPr>
+        <p:txBody>
+          <a:bodyPr vert="horz" lIns="91440" tIns="45720" rIns="91440" bIns="45720" rtlCol="0"/>
+          <a:lstStyle/>
+          <a:p>
+            <a:pPr lvl="0"/>
+            <a:r>
+              <a:rPr kumimoji="1" lang="ja-JP" altLang="en-US"/>
+              <a:t>マスター テキストの書式設定</a:t>
+            </a:r>
+          </a:p>
+          <a:p>
+            <a:pPr lvl="1"/>
+            <a:r>
+              <a:rPr kumimoji="1" lang="ja-JP" altLang="en-US"/>
+              <a:t>第 </a:t>
+            </a:r>
+            <a:r>
+              <a:rPr kumimoji="1" lang="en-US" altLang="ja-JP"/>
+              <a:t>2 </a:t>
+            </a:r>
+            <a:r>
+              <a:rPr kumimoji="1" lang="ja-JP" altLang="en-US"/>
+              <a:t>レベル</a:t>
+            </a:r>
+          </a:p>
+          <a:p>
+            <a:pPr lvl="2"/>
+            <a:r>
+              <a:rPr kumimoji="1" lang="ja-JP" altLang="en-US"/>
+              <a:t>第 </a:t>
+            </a:r>
+            <a:r>
+              <a:rPr kumimoji="1" lang="en-US" altLang="ja-JP"/>
+              <a:t>3 </a:t>
+            </a:r>
+            <a:r>
+              <a:rPr kumimoji="1" lang="ja-JP" altLang="en-US"/>
+              <a:t>レベル</a:t>
+            </a:r>
+          </a:p>
+          <a:p>
+            <a:pPr lvl="3"/>
+            <a:r>
+              <a:rPr kumimoji="1" lang="ja-JP" altLang="en-US"/>
+              <a:t>第 </a:t>
+            </a:r>
+            <a:r>
+              <a:rPr kumimoji="1" lang="en-US" altLang="ja-JP"/>
+              <a:t>4 </a:t>
+            </a:r>
+            <a:r>
+              <a:rPr kumimoji="1" lang="ja-JP" altLang="en-US"/>
+              <a:t>レベル</a:t>
+            </a:r>
+          </a:p>
+          <a:p>
+            <a:pPr lvl="4"/>
+            <a:r>
+              <a:rPr kumimoji="1" lang="ja-JP" altLang="en-US"/>
+              <a:t>第 </a:t>
+            </a:r>
+            <a:r>
+              <a:rPr kumimoji="1" lang="en-US" altLang="ja-JP"/>
+              <a:t>5 </a:t>
+            </a:r>
+            <a:r>
+              <a:rPr kumimoji="1" lang="ja-JP" altLang="en-US"/>
+              <a:t>レベル</a:t>
+            </a:r>
+          </a:p>
+        </p:txBody>
+      </p:sp>
+      <p:sp>
+        <p:nvSpPr>
+          <p:cNvPr id="6" name="フッター プレースホルダー 5"/>
+          <p:cNvSpPr>
+            <a:spLocks noGrp="1"/>
+          </p:cNvSpPr>
+          <p:nvPr>
+            <p:ph type="ftr" sz="quarter" idx="4"/>
+          </p:nvPr>
+        </p:nvSpPr>
+        <p:spPr>
+          <a:xfrm>
+            <a:off x="0" y="8685213"/>
+            <a:ext cx="2971800" cy="458787"/>
+          </a:xfrm>
+          <a:prstGeom prst="rect">
+            <a:avLst/>
+          </a:prstGeom>
+        </p:spPr>
+        <p:txBody>
+          <a:bodyPr vert="horz" lIns="91440" tIns="45720" rIns="91440" bIns="45720" rtlCol="0" anchor="b"/>
+          <a:lstStyle>
+            <a:lvl1pPr algn="l">
+              <a:defRPr sz="1200"/>
+            </a:lvl1pPr>
+          </a:lstStyle>
+          <a:p>
+            <a:endParaRPr kumimoji="1" lang="ja-JP" altLang="en-US"/>
+          </a:p>
+        </p:txBody>
+      </p:sp>
+      <p:sp>
+        <p:nvSpPr>
+          <p:cNvPr id="7" name="スライド番号プレースホルダー 6"/>
+          <p:cNvSpPr>
+            <a:spLocks noGrp="1"/>
+          </p:cNvSpPr>
+          <p:nvPr>
+            <p:ph type="sldNum" sz="quarter" idx="5"/>
+          </p:nvPr>
+        </p:nvSpPr>
+        <p:spPr>
+          <a:xfrm>
+            <a:off x="3884613" y="8685213"/>
+            <a:ext cx="2971800" cy="458787"/>
+          </a:xfrm>
+          <a:prstGeom prst="rect">
+            <a:avLst/>
+          </a:prstGeom>
+        </p:spPr>
+        <p:txBody>
+          <a:bodyPr vert="horz" lIns="91440" tIns="45720" rIns="91440" bIns="45720" rtlCol="0" anchor="b"/>
+          <a:lstStyle>
+            <a:lvl1pPr algn="r">
+              <a:defRPr sz="1200"/>
+            </a:lvl1pPr>
+          </a:lstStyle>
+          <a:p>
+            <a:fld id="{C91693B1-9BFD-4732-A9AA-E516087F4AB6}" type="slidenum">
+              <a:rPr kumimoji="1" lang="ja-JP" altLang="en-US" smtClean="0"/>
+              <a:t>‹#›</a:t>
+            </a:fld>
+            <a:endParaRPr kumimoji="1" lang="ja-JP" altLang="en-US"/>
+          </a:p>
+        </p:txBody>
+      </p:sp>
+    </p:spTree>
+    <p:extLst>
+      <p:ext uri="{BB962C8B-B14F-4D97-AF65-F5344CB8AC3E}">
+        <p14:creationId xmlns:p14="http://schemas.microsoft.com/office/powerpoint/2010/main" val="1622687667"/>
+      </p:ext>
+    </p:extLst>
+  </p:cSld>
+  <p:clrMap bg1="lt1" tx1="dk1" bg2="lt2" tx2="dk2" accent1="accent1" accent2="accent2" accent3="accent3" accent4="accent4" accent5="accent5" accent6="accent6" hlink="hlink" folHlink="folHlink"/>
+  <p:notesStyle>
+    <a:lvl1pPr marL="0" algn="l" defTabSz="914400" rtl="0" eaLnBrk="1" latinLnBrk="0" hangingPunct="1">
+      <a:defRPr kumimoji="1" sz="1200" kern="1200">
+        <a:solidFill>
+          <a:schemeClr val="tx1"/>
+        </a:solidFill>
+        <a:latin typeface="+mn-lt"/>
+        <a:ea typeface="+mn-ea"/>
+        <a:cs typeface="+mn-cs"/>
+      </a:defRPr>
+    </a:lvl1pPr>
+    <a:lvl2pPr marL="457200" algn="l" defTabSz="914400" rtl="0" eaLnBrk="1" latinLnBrk="0" hangingPunct="1">
+      <a:defRPr kumimoji="1" sz="1200" kern="1200">
+        <a:solidFill>
+          <a:schemeClr val="tx1"/>
+        </a:solidFill>
+        <a:latin typeface="+mn-lt"/>
+        <a:ea typeface="+mn-ea"/>
+        <a:cs typeface="+mn-cs"/>
+      </a:defRPr>
+    </a:lvl2pPr>
+    <a:lvl3pPr marL="914400" algn="l" defTabSz="914400" rtl="0" eaLnBrk="1" latinLnBrk="0" hangingPunct="1">
+      <a:defRPr kumimoji="1" sz="1200" kern="1200">
+        <a:solidFill>
+          <a:schemeClr val="tx1"/>
+        </a:solidFill>
+        <a:latin typeface="+mn-lt"/>
+        <a:ea typeface="+mn-ea"/>
+        <a:cs typeface="+mn-cs"/>
+      </a:defRPr>
+    </a:lvl3pPr>
+    <a:lvl4pPr marL="1371600" algn="l" defTabSz="914400" rtl="0" eaLnBrk="1" latinLnBrk="0" hangingPunct="1">
+      <a:defRPr kumimoji="1" sz="1200" kern="1200">
+        <a:solidFill>
+          <a:schemeClr val="tx1"/>
+        </a:solidFill>
+        <a:latin typeface="+mn-lt"/>
+        <a:ea typeface="+mn-ea"/>
+        <a:cs typeface="+mn-cs"/>
+      </a:defRPr>
+    </a:lvl4pPr>
+    <a:lvl5pPr marL="1828800" algn="l" defTabSz="914400" rtl="0" eaLnBrk="1" latinLnBrk="0" hangingPunct="1">
+      <a:defRPr kumimoji="1" sz="1200" kern="1200">
+        <a:solidFill>
+          <a:schemeClr val="tx1"/>
+        </a:solidFill>
+        <a:latin typeface="+mn-lt"/>
+        <a:ea typeface="+mn-ea"/>
+        <a:cs typeface="+mn-cs"/>
+      </a:defRPr>
+    </a:lvl5pPr>
+    <a:lvl6pPr marL="2286000" algn="l" defTabSz="914400" rtl="0" eaLnBrk="1" latinLnBrk="0" hangingPunct="1">
+      <a:defRPr kumimoji="1" sz="1200" kern="1200">
+        <a:solidFill>
+          <a:schemeClr val="tx1"/>
+        </a:solidFill>
+        <a:latin typeface="+mn-lt"/>
+        <a:ea typeface="+mn-ea"/>
+        <a:cs typeface="+mn-cs"/>
+      </a:defRPr>
+    </a:lvl6pPr>
+    <a:lvl7pPr marL="2743200" algn="l" defTabSz="914400" rtl="0" eaLnBrk="1" latinLnBrk="0" hangingPunct="1">
+      <a:defRPr kumimoji="1" sz="1200" kern="1200">
+        <a:solidFill>
+          <a:schemeClr val="tx1"/>
+        </a:solidFill>
+        <a:latin typeface="+mn-lt"/>
+        <a:ea typeface="+mn-ea"/>
+        <a:cs typeface="+mn-cs"/>
+      </a:defRPr>
+    </a:lvl7pPr>
+    <a:lvl8pPr marL="3200400" algn="l" defTabSz="914400" rtl="0" eaLnBrk="1" latinLnBrk="0" hangingPunct="1">
+      <a:defRPr kumimoji="1" sz="1200" kern="1200">
+        <a:solidFill>
+          <a:schemeClr val="tx1"/>
+        </a:solidFill>
+        <a:latin typeface="+mn-lt"/>
+        <a:ea typeface="+mn-ea"/>
+        <a:cs typeface="+mn-cs"/>
+      </a:defRPr>
+    </a:lvl8pPr>
+    <a:lvl9pPr marL="3657600" algn="l" defTabSz="914400" rtl="0" eaLnBrk="1" latinLnBrk="0" hangingPunct="1">
+      <a:defRPr kumimoji="1" sz="1200" kern="1200">
+        <a:solidFill>
+          <a:schemeClr val="tx1"/>
+        </a:solidFill>
+        <a:latin typeface="+mn-lt"/>
+        <a:ea typeface="+mn-ea"/>
+        <a:cs typeface="+mn-cs"/>
+      </a:defRPr>
+    </a:lvl9pPr>
+  </p:notesStyle>
+</p:notesMaster>
+</file>
+
+<file path=ppt/notesSlides/notesSlide1.xml><?xml version="1.0" encoding="utf-8"?>
+<p:notes xmlns:a="http://schemas.openxmlformats.org/drawingml/2006/main" xmlns:r="http://schemas.openxmlformats.org/officeDocument/2006/relationships" xmlns:p="http://schemas.openxmlformats.org/presentationml/2006/main">
+  <p:cSld>
+    <p:spTree>
+      <p:nvGrpSpPr>
+        <p:cNvPr id="1" name=""/>
+        <p:cNvGrpSpPr/>
+        <p:nvPr/>
+      </p:nvGrpSpPr>
+      <p:grpSpPr>
+        <a:xfrm>
+          <a:off x="0" y="0"/>
+          <a:ext cx="0" cy="0"/>
+          <a:chOff x="0" y="0"/>
+          <a:chExt cx="0" cy="0"/>
+        </a:xfrm>
+      </p:grpSpPr>
+      <p:sp>
+        <p:nvSpPr>
+          <p:cNvPr id="2" name="スライド イメージ プレースホルダー 1"/>
+          <p:cNvSpPr>
+            <a:spLocks noGrp="1" noRot="1" noChangeAspect="1"/>
+          </p:cNvSpPr>
+          <p:nvPr>
+            <p:ph type="sldImg"/>
+          </p:nvPr>
+        </p:nvSpPr>
+        <p:spPr/>
+      </p:sp>
+      <p:sp>
+        <p:nvSpPr>
+          <p:cNvPr id="3" name="ノート プレースホルダー 2"/>
+          <p:cNvSpPr>
+            <a:spLocks noGrp="1"/>
+          </p:cNvSpPr>
+          <p:nvPr>
+            <p:ph type="body" idx="1"/>
+          </p:nvPr>
+        </p:nvSpPr>
+        <p:spPr/>
+        <p:txBody>
+          <a:bodyPr/>
+          <a:lstStyle/>
+          <a:p>
+            <a:r>
+              <a:rPr kumimoji="1" lang="ja-JP" altLang="en-US" dirty="0"/>
+              <a:t>これからチーム</a:t>
+            </a:r>
+            <a:r>
+              <a:rPr kumimoji="1" lang="en-US" altLang="ja-JP" dirty="0"/>
+              <a:t>A5</a:t>
+            </a:r>
+            <a:r>
+              <a:rPr kumimoji="1" lang="ja-JP" altLang="en-US" dirty="0"/>
+              <a:t>の発表を始めさせていただきます。</a:t>
+            </a:r>
+            <a:endParaRPr kumimoji="1" lang="en-US" altLang="ja-JP" dirty="0"/>
+          </a:p>
+          <a:p>
+            <a:r>
+              <a:rPr kumimoji="1" lang="ja-JP" altLang="en-US" dirty="0"/>
+              <a:t>よろしくお願い致します。</a:t>
+            </a:r>
+          </a:p>
+        </p:txBody>
+      </p:sp>
+      <p:sp>
+        <p:nvSpPr>
+          <p:cNvPr id="4" name="スライド番号プレースホルダー 3"/>
+          <p:cNvSpPr>
+            <a:spLocks noGrp="1"/>
+          </p:cNvSpPr>
+          <p:nvPr>
+            <p:ph type="sldNum" sz="quarter" idx="5"/>
+          </p:nvPr>
+        </p:nvSpPr>
+        <p:spPr/>
+        <p:txBody>
+          <a:bodyPr/>
+          <a:lstStyle/>
+          <a:p>
+            <a:fld id="{C91693B1-9BFD-4732-A9AA-E516087F4AB6}" type="slidenum">
+              <a:rPr kumimoji="1" lang="ja-JP" altLang="en-US" smtClean="0"/>
+              <a:t>1</a:t>
+            </a:fld>
+            <a:endParaRPr kumimoji="1" lang="ja-JP" altLang="en-US"/>
+          </a:p>
+        </p:txBody>
+      </p:sp>
+    </p:spTree>
+    <p:extLst>
+      <p:ext uri="{BB962C8B-B14F-4D97-AF65-F5344CB8AC3E}">
+        <p14:creationId xmlns:p14="http://schemas.microsoft.com/office/powerpoint/2010/main" val="428474536"/>
+      </p:ext>
+    </p:extLst>
+  </p:cSld>
+  <p:clrMapOvr>
+    <a:masterClrMapping/>
+  </p:clrMapOvr>
+</p:notes>
+</file>
+
+<file path=ppt/notesSlides/notesSlide2.xml><?xml version="1.0" encoding="utf-8"?>
+<p:notes xmlns:a="http://schemas.openxmlformats.org/drawingml/2006/main" xmlns:r="http://schemas.openxmlformats.org/officeDocument/2006/relationships" xmlns:p="http://schemas.openxmlformats.org/presentationml/2006/main">
+  <p:cSld>
+    <p:spTree>
+      <p:nvGrpSpPr>
+        <p:cNvPr id="1" name=""/>
+        <p:cNvGrpSpPr/>
+        <p:nvPr/>
+      </p:nvGrpSpPr>
+      <p:grpSpPr>
+        <a:xfrm>
+          <a:off x="0" y="0"/>
+          <a:ext cx="0" cy="0"/>
+          <a:chOff x="0" y="0"/>
+          <a:chExt cx="0" cy="0"/>
+        </a:xfrm>
+      </p:grpSpPr>
+      <p:sp>
+        <p:nvSpPr>
+          <p:cNvPr id="2" name="スライド イメージ プレースホルダー 1"/>
+          <p:cNvSpPr>
+            <a:spLocks noGrp="1" noRot="1" noChangeAspect="1"/>
+          </p:cNvSpPr>
+          <p:nvPr>
+            <p:ph type="sldImg"/>
+          </p:nvPr>
+        </p:nvSpPr>
+        <p:spPr/>
+      </p:sp>
+      <p:sp>
+        <p:nvSpPr>
+          <p:cNvPr id="3" name="ノート プレースホルダー 2"/>
+          <p:cNvSpPr>
+            <a:spLocks noGrp="1"/>
+          </p:cNvSpPr>
+          <p:nvPr>
+            <p:ph type="body" idx="1"/>
+          </p:nvPr>
+        </p:nvSpPr>
+        <p:spPr/>
+        <p:txBody>
+          <a:bodyPr/>
+          <a:lstStyle/>
+          <a:p>
+            <a:r>
+              <a:rPr kumimoji="1" lang="ja-JP" altLang="en-US" b="1" dirty="0"/>
+              <a:t>担当：川﨑</a:t>
+            </a:r>
+            <a:endParaRPr kumimoji="1" lang="en-US" altLang="ja-JP" b="1" dirty="0"/>
+          </a:p>
+          <a:p>
+            <a:endParaRPr kumimoji="1" lang="en-US" altLang="ja-JP" b="1" dirty="0"/>
+          </a:p>
+          <a:p>
+            <a:r>
+              <a:rPr kumimoji="1" lang="ja-JP" altLang="en-US" b="1" dirty="0"/>
+              <a:t>・チーム全員バイト経験があり、シフトを効率的にできるのでは？</a:t>
+            </a:r>
+            <a:endParaRPr kumimoji="1" lang="en-US" altLang="ja-JP" b="1" dirty="0"/>
+          </a:p>
+          <a:p>
+            <a:r>
+              <a:rPr kumimoji="1" lang="ja-JP" altLang="en-US" b="1" dirty="0"/>
+              <a:t>・おばあちゃん　機械音痴　誰でも使いやすいように</a:t>
+            </a:r>
+            <a:endParaRPr kumimoji="1" lang="en-US" altLang="ja-JP" b="1" dirty="0"/>
+          </a:p>
+          <a:p>
+            <a:r>
+              <a:rPr kumimoji="1" lang="ja-JP" altLang="en-US" b="1" dirty="0"/>
+              <a:t>・データを大量に必要しないものは何かと考える。</a:t>
+            </a:r>
+            <a:endParaRPr kumimoji="1" lang="en-US" altLang="ja-JP" b="1" dirty="0"/>
+          </a:p>
+          <a:p>
+            <a:r>
+              <a:rPr kumimoji="1" lang="ja-JP" altLang="en-US" b="1" dirty="0"/>
+              <a:t>・開発を通して、勉強してる</a:t>
+            </a:r>
+            <a:endParaRPr kumimoji="1" lang="en-US" altLang="ja-JP" b="1" dirty="0"/>
+          </a:p>
+        </p:txBody>
+      </p:sp>
+      <p:sp>
+        <p:nvSpPr>
+          <p:cNvPr id="4" name="スライド番号プレースホルダー 3"/>
+          <p:cNvSpPr>
+            <a:spLocks noGrp="1"/>
+          </p:cNvSpPr>
+          <p:nvPr>
+            <p:ph type="sldNum" sz="quarter" idx="5"/>
+          </p:nvPr>
+        </p:nvSpPr>
+        <p:spPr/>
+        <p:txBody>
+          <a:bodyPr/>
+          <a:lstStyle/>
+          <a:p>
+            <a:fld id="{C91693B1-9BFD-4732-A9AA-E516087F4AB6}" type="slidenum">
+              <a:rPr kumimoji="1" lang="ja-JP" altLang="en-US" smtClean="0"/>
+              <a:t>3</a:t>
+            </a:fld>
+            <a:endParaRPr kumimoji="1" lang="ja-JP" altLang="en-US"/>
+          </a:p>
+        </p:txBody>
+      </p:sp>
+    </p:spTree>
+    <p:extLst>
+      <p:ext uri="{BB962C8B-B14F-4D97-AF65-F5344CB8AC3E}">
+        <p14:creationId xmlns:p14="http://schemas.microsoft.com/office/powerpoint/2010/main" val="737488884"/>
+      </p:ext>
+    </p:extLst>
+  </p:cSld>
+  <p:clrMapOvr>
+    <a:masterClrMapping/>
+  </p:clrMapOvr>
+</p:notes>
+</file>
+
+<file path=ppt/notesSlides/notesSlide3.xml><?xml version="1.0" encoding="utf-8"?>
+<p:notes xmlns:a="http://schemas.openxmlformats.org/drawingml/2006/main" xmlns:r="http://schemas.openxmlformats.org/officeDocument/2006/relationships" xmlns:p="http://schemas.openxmlformats.org/presentationml/2006/main">
+  <p:cSld>
+    <p:spTree>
+      <p:nvGrpSpPr>
+        <p:cNvPr id="1" name=""/>
+        <p:cNvGrpSpPr/>
+        <p:nvPr/>
+      </p:nvGrpSpPr>
+      <p:grpSpPr>
+        <a:xfrm>
+          <a:off x="0" y="0"/>
+          <a:ext cx="0" cy="0"/>
+          <a:chOff x="0" y="0"/>
+          <a:chExt cx="0" cy="0"/>
+        </a:xfrm>
+      </p:grpSpPr>
+      <p:sp>
+        <p:nvSpPr>
+          <p:cNvPr id="2" name="スライド イメージ プレースホルダー 1"/>
+          <p:cNvSpPr>
+            <a:spLocks noGrp="1" noRot="1" noChangeAspect="1"/>
+          </p:cNvSpPr>
+          <p:nvPr>
+            <p:ph type="sldImg"/>
+          </p:nvPr>
+        </p:nvSpPr>
+        <p:spPr/>
+      </p:sp>
+      <p:sp>
+        <p:nvSpPr>
+          <p:cNvPr id="3" name="ノート プレースホルダー 2"/>
+          <p:cNvSpPr>
+            <a:spLocks noGrp="1"/>
+          </p:cNvSpPr>
+          <p:nvPr>
+            <p:ph type="body" idx="1"/>
+          </p:nvPr>
+        </p:nvSpPr>
+        <p:spPr/>
+        <p:txBody>
+          <a:bodyPr/>
+          <a:lstStyle/>
+          <a:p>
+            <a:r>
+              <a:rPr kumimoji="1" lang="ja-JP" altLang="en-US" b="1" dirty="0"/>
+              <a:t>担当：梶川</a:t>
+            </a:r>
+            <a:endParaRPr kumimoji="1" lang="en-US" altLang="ja-JP" b="1" dirty="0"/>
+          </a:p>
+          <a:p>
+            <a:endParaRPr kumimoji="1" lang="en-US" altLang="ja-JP" b="1" dirty="0"/>
+          </a:p>
+          <a:p>
+            <a:r>
+              <a:rPr kumimoji="1" lang="ja-JP" altLang="en-US" b="1" dirty="0"/>
+              <a:t>・却下された案について話す。　スーパーとコスメ、農業、通勤時間　データが大量に必要だったためと</a:t>
+            </a:r>
+            <a:r>
+              <a:rPr kumimoji="1" lang="en-US" altLang="ja-JP" b="1" dirty="0"/>
+              <a:t>API</a:t>
+            </a:r>
+            <a:r>
+              <a:rPr kumimoji="1" lang="ja-JP" altLang="en-US" b="1" dirty="0"/>
+              <a:t>の無料の制限を超えるため。</a:t>
+            </a:r>
+            <a:endParaRPr kumimoji="1" lang="en-US" altLang="ja-JP" b="1" dirty="0"/>
+          </a:p>
+          <a:p>
+            <a:endParaRPr kumimoji="1" lang="en-US" altLang="ja-JP" b="1" dirty="0"/>
+          </a:p>
+          <a:p>
+            <a:r>
+              <a:rPr kumimoji="1" lang="ja-JP" altLang="en-US" b="1" dirty="0"/>
+              <a:t>・</a:t>
+            </a:r>
+            <a:r>
+              <a:rPr kumimoji="1" lang="en-US" altLang="ja-JP" b="1" dirty="0"/>
+              <a:t>Canva</a:t>
+            </a:r>
+            <a:r>
+              <a:rPr kumimoji="1" lang="ja-JP" altLang="en-US" b="1" dirty="0"/>
+              <a:t>を用いた共同図面制作。何を作成したいか見える化。チーム内での情報共有や意見交換。</a:t>
+            </a:r>
+            <a:endParaRPr kumimoji="1" lang="en-US" altLang="ja-JP" b="1" dirty="0"/>
+          </a:p>
+          <a:p>
+            <a:endParaRPr kumimoji="1" lang="en-US" altLang="ja-JP" b="1" dirty="0"/>
+          </a:p>
+          <a:p>
+            <a:r>
+              <a:rPr kumimoji="1" lang="ja-JP" altLang="en-US" b="1" dirty="0"/>
+              <a:t>・ペルソナ　３～４人作った中の代表的なペルソナ　黒澤　譲司　さん　（</a:t>
+            </a:r>
+            <a:r>
+              <a:rPr kumimoji="1" lang="en-US" altLang="ja-JP" b="1" dirty="0"/>
+              <a:t>52</a:t>
+            </a:r>
+            <a:r>
+              <a:rPr kumimoji="1" lang="ja-JP" altLang="en-US" b="1" dirty="0"/>
+              <a:t>）　老眼あり。　パソコン操作が苦手。</a:t>
+            </a:r>
+            <a:endParaRPr kumimoji="1" lang="en-US" altLang="ja-JP" b="1" dirty="0"/>
+          </a:p>
+          <a:p>
+            <a:endParaRPr kumimoji="1" lang="en-US" altLang="ja-JP" b="1" dirty="0"/>
+          </a:p>
+          <a:p>
+            <a:endParaRPr kumimoji="1" lang="en-US" altLang="ja-JP" b="1" dirty="0"/>
+          </a:p>
+          <a:p>
+            <a:r>
+              <a:rPr kumimoji="1" lang="ja-JP" altLang="en-US" b="1" dirty="0"/>
+              <a:t>・アドリブ入れる</a:t>
+            </a:r>
+          </a:p>
+        </p:txBody>
+      </p:sp>
+      <p:sp>
+        <p:nvSpPr>
+          <p:cNvPr id="4" name="スライド番号プレースホルダー 3"/>
+          <p:cNvSpPr>
+            <a:spLocks noGrp="1"/>
+          </p:cNvSpPr>
+          <p:nvPr>
+            <p:ph type="sldNum" sz="quarter" idx="5"/>
+          </p:nvPr>
+        </p:nvSpPr>
+        <p:spPr/>
+        <p:txBody>
+          <a:bodyPr/>
+          <a:lstStyle/>
+          <a:p>
+            <a:fld id="{C91693B1-9BFD-4732-A9AA-E516087F4AB6}" type="slidenum">
+              <a:rPr kumimoji="1" lang="ja-JP" altLang="en-US" smtClean="0"/>
+              <a:t>4</a:t>
+            </a:fld>
+            <a:endParaRPr kumimoji="1" lang="ja-JP" altLang="en-US"/>
+          </a:p>
+        </p:txBody>
+      </p:sp>
+    </p:spTree>
+    <p:extLst>
+      <p:ext uri="{BB962C8B-B14F-4D97-AF65-F5344CB8AC3E}">
+        <p14:creationId xmlns:p14="http://schemas.microsoft.com/office/powerpoint/2010/main" val="690542603"/>
+      </p:ext>
+    </p:extLst>
+  </p:cSld>
+  <p:clrMapOvr>
+    <a:masterClrMapping/>
+  </p:clrMapOvr>
+</p:notes>
+</file>
+
+<file path=ppt/notesSlides/notesSlide4.xml><?xml version="1.0" encoding="utf-8"?>
+<p:notes xmlns:a="http://schemas.openxmlformats.org/drawingml/2006/main" xmlns:r="http://schemas.openxmlformats.org/officeDocument/2006/relationships" xmlns:p="http://schemas.openxmlformats.org/presentationml/2006/main">
+  <p:cSld>
+    <p:spTree>
+      <p:nvGrpSpPr>
+        <p:cNvPr id="1" name=""/>
+        <p:cNvGrpSpPr/>
+        <p:nvPr/>
+      </p:nvGrpSpPr>
+      <p:grpSpPr>
+        <a:xfrm>
+          <a:off x="0" y="0"/>
+          <a:ext cx="0" cy="0"/>
+          <a:chOff x="0" y="0"/>
+          <a:chExt cx="0" cy="0"/>
+        </a:xfrm>
+      </p:grpSpPr>
+      <p:sp>
+        <p:nvSpPr>
+          <p:cNvPr id="2" name="スライド イメージ プレースホルダー 1"/>
+          <p:cNvSpPr>
+            <a:spLocks noGrp="1" noRot="1" noChangeAspect="1"/>
+          </p:cNvSpPr>
+          <p:nvPr>
+            <p:ph type="sldImg"/>
+          </p:nvPr>
+        </p:nvSpPr>
+        <p:spPr/>
+      </p:sp>
+      <p:sp>
+        <p:nvSpPr>
+          <p:cNvPr id="3" name="ノート プレースホルダー 2"/>
+          <p:cNvSpPr>
+            <a:spLocks noGrp="1"/>
+          </p:cNvSpPr>
+          <p:nvPr>
+            <p:ph type="body" idx="1"/>
+          </p:nvPr>
+        </p:nvSpPr>
+        <p:spPr/>
+        <p:txBody>
+          <a:bodyPr/>
+          <a:lstStyle/>
+          <a:p>
+            <a:r>
+              <a:rPr kumimoji="1" lang="ja-JP" altLang="en-US" b="1" dirty="0"/>
+              <a:t>担当：村井</a:t>
+            </a:r>
+            <a:endParaRPr kumimoji="1" lang="en-US" altLang="ja-JP" b="1" dirty="0"/>
+          </a:p>
+          <a:p>
+            <a:endParaRPr kumimoji="1" lang="en-US" altLang="ja-JP" b="1" dirty="0"/>
+          </a:p>
+          <a:p>
+            <a:endParaRPr kumimoji="1" lang="en-US" altLang="ja-JP" b="1" dirty="0"/>
+          </a:p>
+          <a:p>
+            <a:r>
+              <a:rPr kumimoji="1" lang="ja-JP" altLang="en-US" b="1" dirty="0"/>
+              <a:t>・ペルソナの設定に沿ったアプリ開発</a:t>
+            </a:r>
+            <a:endParaRPr kumimoji="1" lang="en-US" altLang="ja-JP" b="1" dirty="0"/>
+          </a:p>
+          <a:p>
+            <a:endParaRPr kumimoji="1" lang="en-US" altLang="ja-JP" b="1" dirty="0"/>
+          </a:p>
+          <a:p>
+            <a:r>
+              <a:rPr kumimoji="1" lang="ja-JP" altLang="en-US" b="1" dirty="0"/>
+              <a:t>・無駄な操作を減らす。</a:t>
+            </a:r>
+            <a:endParaRPr kumimoji="1" lang="en-US" altLang="ja-JP" b="1" dirty="0"/>
+          </a:p>
+          <a:p>
+            <a:endParaRPr kumimoji="1" lang="en-US" altLang="ja-JP" b="1" dirty="0"/>
+          </a:p>
+          <a:p>
+            <a:r>
+              <a:rPr kumimoji="1" lang="ja-JP" altLang="en-US" b="1" u="sng" dirty="0">
+                <a:solidFill>
+                  <a:srgbClr val="C00000"/>
+                </a:solidFill>
+              </a:rPr>
+              <a:t>☆日常業務でキーボード操作を必要としない　アピールポイント！</a:t>
+            </a:r>
+            <a:endParaRPr kumimoji="1" lang="en-US" altLang="ja-JP" b="1" u="sng" dirty="0">
+              <a:solidFill>
+                <a:srgbClr val="C00000"/>
+              </a:solidFill>
+            </a:endParaRPr>
+          </a:p>
+          <a:p>
+            <a:endParaRPr kumimoji="1" lang="en-US" altLang="ja-JP" b="1" dirty="0"/>
+          </a:p>
+          <a:p>
+            <a:r>
+              <a:rPr kumimoji="1" lang="ja-JP" altLang="en-US" b="1" dirty="0"/>
+              <a:t>・店長のできないのとは対象的に、機会慣れしている人（店員）のほうには、ハンバーガメニューを付けるなど工夫した。</a:t>
+            </a:r>
+            <a:endParaRPr kumimoji="1" lang="en-US" altLang="ja-JP" b="1" dirty="0"/>
+          </a:p>
+          <a:p>
+            <a:endParaRPr kumimoji="1" lang="en-US" altLang="ja-JP" b="1" dirty="0"/>
+          </a:p>
+          <a:p>
+            <a:r>
+              <a:rPr kumimoji="1" lang="ja-JP" altLang="en-US" b="1" dirty="0"/>
+              <a:t>・スマホとパソコンから両方から開いても大丈夫なようにデザインを考えた。（ボタンのデザイン・配置）ほとんど縦長。レスポンシブデザインはしていない。</a:t>
+            </a:r>
+            <a:endParaRPr kumimoji="1" lang="en-US" altLang="ja-JP" b="1" dirty="0"/>
+          </a:p>
+          <a:p>
+            <a:r>
+              <a:rPr kumimoji="1" lang="ja-JP" altLang="en-US" b="1" dirty="0"/>
+              <a:t>　親指で触りやすい。ハンバーガーメニューを右側に配置。</a:t>
+            </a:r>
+            <a:endParaRPr kumimoji="1" lang="en-US" altLang="ja-JP" b="1" dirty="0"/>
+          </a:p>
+          <a:p>
+            <a:endParaRPr kumimoji="1" lang="en-US" altLang="ja-JP" b="1" dirty="0"/>
+          </a:p>
+          <a:p>
+            <a:endParaRPr kumimoji="1" lang="ja-JP" altLang="en-US" b="1" dirty="0"/>
+          </a:p>
+        </p:txBody>
+      </p:sp>
+      <p:sp>
+        <p:nvSpPr>
+          <p:cNvPr id="4" name="スライド番号プレースホルダー 3"/>
+          <p:cNvSpPr>
+            <a:spLocks noGrp="1"/>
+          </p:cNvSpPr>
+          <p:nvPr>
+            <p:ph type="sldNum" sz="quarter" idx="5"/>
+          </p:nvPr>
+        </p:nvSpPr>
+        <p:spPr/>
+        <p:txBody>
+          <a:bodyPr/>
+          <a:lstStyle/>
+          <a:p>
+            <a:fld id="{C91693B1-9BFD-4732-A9AA-E516087F4AB6}" type="slidenum">
+              <a:rPr kumimoji="1" lang="ja-JP" altLang="en-US" smtClean="0"/>
+              <a:t>5</a:t>
+            </a:fld>
+            <a:endParaRPr kumimoji="1" lang="ja-JP" altLang="en-US"/>
+          </a:p>
+        </p:txBody>
+      </p:sp>
+    </p:spTree>
+    <p:extLst>
+      <p:ext uri="{BB962C8B-B14F-4D97-AF65-F5344CB8AC3E}">
+        <p14:creationId xmlns:p14="http://schemas.microsoft.com/office/powerpoint/2010/main" val="2394452498"/>
+      </p:ext>
+    </p:extLst>
+  </p:cSld>
+  <p:clrMapOvr>
+    <a:masterClrMapping/>
+  </p:clrMapOvr>
+</p:notes>
+</file>
+
+<file path=ppt/notesSlides/notesSlide5.xml><?xml version="1.0" encoding="utf-8"?>
+<p:notes xmlns:a="http://schemas.openxmlformats.org/drawingml/2006/main" xmlns:r="http://schemas.openxmlformats.org/officeDocument/2006/relationships" xmlns:p="http://schemas.openxmlformats.org/presentationml/2006/main">
+  <p:cSld>
+    <p:spTree>
+      <p:nvGrpSpPr>
+        <p:cNvPr id="1" name=""/>
+        <p:cNvGrpSpPr/>
+        <p:nvPr/>
+      </p:nvGrpSpPr>
+      <p:grpSpPr>
+        <a:xfrm>
+          <a:off x="0" y="0"/>
+          <a:ext cx="0" cy="0"/>
+          <a:chOff x="0" y="0"/>
+          <a:chExt cx="0" cy="0"/>
+        </a:xfrm>
+      </p:grpSpPr>
+      <p:sp>
+        <p:nvSpPr>
+          <p:cNvPr id="2" name="スライド イメージ プレースホルダー 1"/>
+          <p:cNvSpPr>
+            <a:spLocks noGrp="1" noRot="1" noChangeAspect="1"/>
+          </p:cNvSpPr>
+          <p:nvPr>
+            <p:ph type="sldImg"/>
+          </p:nvPr>
+        </p:nvSpPr>
+        <p:spPr/>
+      </p:sp>
+      <p:sp>
+        <p:nvSpPr>
+          <p:cNvPr id="3" name="ノート プレースホルダー 2"/>
+          <p:cNvSpPr>
+            <a:spLocks noGrp="1"/>
+          </p:cNvSpPr>
+          <p:nvPr>
+            <p:ph type="body" idx="1"/>
+          </p:nvPr>
+        </p:nvSpPr>
+        <p:spPr/>
+        <p:txBody>
+          <a:bodyPr/>
+          <a:lstStyle/>
+          <a:p>
+            <a:r>
+              <a:rPr kumimoji="1" lang="ja-JP" altLang="en-US" b="1" dirty="0"/>
+              <a:t>担当：二上</a:t>
+            </a:r>
+            <a:endParaRPr kumimoji="1" lang="en-US" altLang="ja-JP" b="1" dirty="0"/>
+          </a:p>
+          <a:p>
+            <a:endParaRPr kumimoji="1" lang="en-US" altLang="ja-JP" b="1" dirty="0"/>
+          </a:p>
+          <a:p>
+            <a:r>
+              <a:rPr kumimoji="1" lang="ja-JP" altLang="en-US" b="1" dirty="0"/>
+              <a:t>・アドリブを入れる</a:t>
+            </a:r>
+            <a:endParaRPr kumimoji="1" lang="en-US" altLang="ja-JP" b="1" dirty="0"/>
+          </a:p>
+          <a:p>
+            <a:endParaRPr kumimoji="1" lang="en-US" altLang="ja-JP" b="1" dirty="0"/>
+          </a:p>
+          <a:p>
+            <a:r>
+              <a:rPr kumimoji="1" lang="ja-JP" altLang="en-US" b="1" dirty="0"/>
+              <a:t>・要件定義が一番きつかった。案は出るけど、データの問題などで次に進めなかった。見落としが多い。例）ログアウトができない、文字の打ちミス</a:t>
+            </a:r>
+            <a:endParaRPr kumimoji="1" lang="en-US" altLang="ja-JP" b="1" dirty="0"/>
+          </a:p>
+          <a:p>
+            <a:endParaRPr kumimoji="1" lang="en-US" altLang="ja-JP" b="1" dirty="0"/>
+          </a:p>
+          <a:p>
+            <a:r>
+              <a:rPr kumimoji="1" lang="ja-JP" altLang="en-US" b="1" dirty="0"/>
+              <a:t>・要件定義は頭も使い、疲労度が高かった。</a:t>
+            </a:r>
+            <a:endParaRPr kumimoji="1" lang="en-US" altLang="ja-JP" b="1" dirty="0"/>
+          </a:p>
+          <a:p>
+            <a:endParaRPr kumimoji="1" lang="en-US" altLang="ja-JP" b="1" dirty="0"/>
+          </a:p>
+          <a:p>
+            <a:r>
+              <a:rPr kumimoji="1" lang="ja-JP" altLang="en-US" b="1" dirty="0"/>
+              <a:t>・プログラミングの苦労は全員。得意不得意、やりたいことをイメージできても、それをコードにすることができない。</a:t>
+            </a:r>
+            <a:endParaRPr kumimoji="1" lang="en-US" altLang="ja-JP" b="1" dirty="0"/>
+          </a:p>
+          <a:p>
+            <a:endParaRPr kumimoji="1" lang="en-US" altLang="ja-JP" b="1" dirty="0"/>
+          </a:p>
+          <a:p>
+            <a:r>
+              <a:rPr kumimoji="1" lang="ja-JP" altLang="en-US" b="1" dirty="0"/>
+              <a:t>・作業時間や期限の短さ、人の少なさ、作業の遅れ</a:t>
+            </a:r>
+            <a:endParaRPr kumimoji="1" lang="en-US" altLang="ja-JP" b="1" dirty="0"/>
+          </a:p>
+          <a:p>
+            <a:endParaRPr kumimoji="1" lang="en-US" altLang="ja-JP" b="1" dirty="0"/>
+          </a:p>
+          <a:p>
+            <a:r>
+              <a:rPr kumimoji="1" lang="ja-JP" altLang="en-US" b="1" dirty="0"/>
+              <a:t>・認識のずれ</a:t>
+            </a:r>
+            <a:endParaRPr kumimoji="1" lang="en-US" altLang="ja-JP" b="1" dirty="0"/>
+          </a:p>
+          <a:p>
+            <a:r>
+              <a:rPr kumimoji="1" lang="ja-JP" altLang="en-US" sz="1200" b="1" kern="1200" dirty="0">
+                <a:solidFill>
+                  <a:schemeClr val="tx1"/>
+                </a:solidFill>
+                <a:effectLst/>
+                <a:latin typeface="+mn-lt"/>
+                <a:ea typeface="+mn-ea"/>
+                <a:cs typeface="+mn-cs"/>
+              </a:rPr>
+              <a:t>　　</a:t>
+            </a:r>
+            <a:r>
+              <a:rPr kumimoji="1" lang="en-US" altLang="ja-JP" sz="1200" kern="1200" dirty="0">
+                <a:solidFill>
+                  <a:schemeClr val="tx1"/>
+                </a:solidFill>
+                <a:effectLst/>
+                <a:latin typeface="+mn-lt"/>
+                <a:ea typeface="+mn-ea"/>
+                <a:cs typeface="+mn-cs"/>
+              </a:rPr>
+              <a:t>‐</a:t>
+            </a:r>
+            <a:r>
+              <a:rPr kumimoji="1" lang="ja-JP" altLang="ja-JP" sz="1200" kern="1200" dirty="0">
+                <a:solidFill>
+                  <a:schemeClr val="tx1"/>
+                </a:solidFill>
+                <a:effectLst/>
+                <a:latin typeface="+mn-lt"/>
+                <a:ea typeface="+mn-ea"/>
+                <a:cs typeface="+mn-cs"/>
+              </a:rPr>
+              <a:t>店長ログイン画面のイメージのずれ</a:t>
+            </a:r>
+          </a:p>
+          <a:p>
+            <a:r>
+              <a:rPr kumimoji="1" lang="ja-JP" altLang="en-US" sz="1200" kern="1200" dirty="0">
+                <a:solidFill>
+                  <a:schemeClr val="tx1"/>
+                </a:solidFill>
+                <a:effectLst/>
+                <a:latin typeface="+mn-lt"/>
+                <a:ea typeface="+mn-ea"/>
+                <a:cs typeface="+mn-cs"/>
+              </a:rPr>
+              <a:t>　　　</a:t>
+            </a:r>
+            <a:r>
+              <a:rPr kumimoji="1" lang="ja-JP" altLang="ja-JP" sz="1200" kern="1200" dirty="0">
+                <a:solidFill>
+                  <a:schemeClr val="tx1"/>
+                </a:solidFill>
+                <a:effectLst/>
+                <a:latin typeface="+mn-lt"/>
+                <a:ea typeface="+mn-ea"/>
+                <a:cs typeface="+mn-cs"/>
+              </a:rPr>
+              <a:t>１．店長がログインし、その後の画面で店員を追加する。</a:t>
+            </a:r>
+          </a:p>
+          <a:p>
+            <a:r>
+              <a:rPr kumimoji="1" lang="ja-JP" altLang="en-US" sz="1200" kern="1200" dirty="0">
+                <a:solidFill>
+                  <a:schemeClr val="tx1"/>
+                </a:solidFill>
+                <a:effectLst/>
+                <a:latin typeface="+mn-lt"/>
+                <a:ea typeface="+mn-ea"/>
+                <a:cs typeface="+mn-cs"/>
+              </a:rPr>
+              <a:t>　　　</a:t>
+            </a:r>
+            <a:r>
+              <a:rPr kumimoji="1" lang="ja-JP" altLang="ja-JP" sz="1200" kern="1200" dirty="0">
+                <a:solidFill>
+                  <a:schemeClr val="tx1"/>
+                </a:solidFill>
+                <a:effectLst/>
+                <a:latin typeface="+mn-lt"/>
+                <a:ea typeface="+mn-ea"/>
+                <a:cs typeface="+mn-cs"/>
+              </a:rPr>
+              <a:t>２．まず店長でログインし、その後同じ画面にもどって店員を同じように追加する。</a:t>
+            </a:r>
+          </a:p>
+          <a:p>
+            <a:endParaRPr kumimoji="1" lang="en-US" altLang="ja-JP" b="1" dirty="0"/>
+          </a:p>
+          <a:p>
+            <a:endParaRPr kumimoji="1" lang="en-US" altLang="ja-JP" b="1" dirty="0"/>
+          </a:p>
+          <a:p>
+            <a:endParaRPr kumimoji="1" lang="ja-JP" altLang="en-US" b="1" dirty="0"/>
+          </a:p>
+        </p:txBody>
+      </p:sp>
+      <p:sp>
+        <p:nvSpPr>
+          <p:cNvPr id="4" name="スライド番号プレースホルダー 3"/>
+          <p:cNvSpPr>
+            <a:spLocks noGrp="1"/>
+          </p:cNvSpPr>
+          <p:nvPr>
+            <p:ph type="sldNum" sz="quarter" idx="5"/>
+          </p:nvPr>
+        </p:nvSpPr>
+        <p:spPr/>
+        <p:txBody>
+          <a:bodyPr/>
+          <a:lstStyle/>
+          <a:p>
+            <a:fld id="{C91693B1-9BFD-4732-A9AA-E516087F4AB6}" type="slidenum">
+              <a:rPr kumimoji="1" lang="ja-JP" altLang="en-US" smtClean="0"/>
+              <a:t>6</a:t>
+            </a:fld>
+            <a:endParaRPr kumimoji="1" lang="ja-JP" altLang="en-US"/>
+          </a:p>
+        </p:txBody>
+      </p:sp>
+    </p:spTree>
+    <p:extLst>
+      <p:ext uri="{BB962C8B-B14F-4D97-AF65-F5344CB8AC3E}">
+        <p14:creationId xmlns:p14="http://schemas.microsoft.com/office/powerpoint/2010/main" val="2974780081"/>
+      </p:ext>
+    </p:extLst>
+  </p:cSld>
+  <p:clrMapOvr>
+    <a:masterClrMapping/>
+  </p:clrMapOvr>
+</p:notes>
+</file>
+
+<file path=ppt/notesSlides/notesSlide6.xml><?xml version="1.0" encoding="utf-8"?>
+<p:notes xmlns:a="http://schemas.openxmlformats.org/drawingml/2006/main" xmlns:r="http://schemas.openxmlformats.org/officeDocument/2006/relationships" xmlns:p="http://schemas.openxmlformats.org/presentationml/2006/main">
+  <p:cSld>
+    <p:spTree>
+      <p:nvGrpSpPr>
+        <p:cNvPr id="1" name=""/>
+        <p:cNvGrpSpPr/>
+        <p:nvPr/>
+      </p:nvGrpSpPr>
+      <p:grpSpPr>
+        <a:xfrm>
+          <a:off x="0" y="0"/>
+          <a:ext cx="0" cy="0"/>
+          <a:chOff x="0" y="0"/>
+          <a:chExt cx="0" cy="0"/>
+        </a:xfrm>
+      </p:grpSpPr>
+      <p:sp>
+        <p:nvSpPr>
+          <p:cNvPr id="2" name="スライド イメージ プレースホルダー 1"/>
+          <p:cNvSpPr>
+            <a:spLocks noGrp="1" noRot="1" noChangeAspect="1"/>
+          </p:cNvSpPr>
+          <p:nvPr>
+            <p:ph type="sldImg"/>
+          </p:nvPr>
+        </p:nvSpPr>
+        <p:spPr/>
+      </p:sp>
+      <p:sp>
+        <p:nvSpPr>
+          <p:cNvPr id="3" name="ノート プレースホルダー 2"/>
+          <p:cNvSpPr>
+            <a:spLocks noGrp="1"/>
+          </p:cNvSpPr>
+          <p:nvPr>
+            <p:ph type="body" idx="1"/>
+          </p:nvPr>
+        </p:nvSpPr>
+        <p:spPr/>
+        <p:txBody>
+          <a:bodyPr/>
+          <a:lstStyle/>
+          <a:p>
+            <a:r>
+              <a:rPr kumimoji="1" lang="ja-JP" altLang="en-US" b="1" dirty="0"/>
+              <a:t>担当：青木</a:t>
+            </a:r>
+            <a:endParaRPr kumimoji="1" lang="en-US" altLang="ja-JP" b="1" dirty="0"/>
+          </a:p>
+          <a:p>
+            <a:endParaRPr kumimoji="1" lang="en-US" altLang="ja-JP" b="1" dirty="0"/>
+          </a:p>
+          <a:p>
+            <a:r>
+              <a:rPr kumimoji="1" lang="ja-JP" altLang="en-US" b="1" dirty="0"/>
+              <a:t>・進捗状況の数字での見える化　自分自身や周囲の進捗状況が把握できるため、目標も立てやすい。　</a:t>
+            </a:r>
+            <a:endParaRPr kumimoji="1" lang="en-US" altLang="ja-JP" b="1" dirty="0"/>
+          </a:p>
+          <a:p>
+            <a:r>
+              <a:rPr kumimoji="1" lang="ja-JP" altLang="en-US" b="1" dirty="0"/>
+              <a:t>　定期的な話し合いによって、個々人の現状を周囲が把握できる。誰が助けが必要かどうかにつながる。</a:t>
+            </a:r>
+            <a:endParaRPr kumimoji="1" lang="en-US" altLang="ja-JP" b="1" dirty="0"/>
+          </a:p>
+          <a:p>
+            <a:endParaRPr kumimoji="1" lang="en-US" altLang="ja-JP" b="1" dirty="0"/>
+          </a:p>
+          <a:p>
+            <a:r>
+              <a:rPr kumimoji="1" lang="ja-JP" altLang="en-US" b="1" dirty="0"/>
+              <a:t>・報告・連絡・相談の大切さ　</a:t>
+            </a:r>
+            <a:endParaRPr kumimoji="1" lang="en-US" altLang="ja-JP" b="1" dirty="0"/>
+          </a:p>
+          <a:p>
+            <a:endParaRPr kumimoji="1" lang="en-US" altLang="ja-JP" b="1" dirty="0"/>
+          </a:p>
+          <a:p>
+            <a:r>
+              <a:rPr kumimoji="1" lang="ja-JP" altLang="en-US" b="1" dirty="0"/>
+              <a:t>・役割分担の重要性　適材適所を考える。</a:t>
+            </a:r>
+            <a:r>
+              <a:rPr kumimoji="1" lang="en-US" altLang="ja-JP" b="1" dirty="0"/>
+              <a:t>1</a:t>
+            </a:r>
+            <a:r>
+              <a:rPr kumimoji="1" lang="ja-JP" altLang="en-US" b="1" dirty="0"/>
+              <a:t>人に仕事を与えすぎない。程よい役割の分散　</a:t>
+            </a:r>
+          </a:p>
+        </p:txBody>
+      </p:sp>
+      <p:sp>
+        <p:nvSpPr>
+          <p:cNvPr id="4" name="スライド番号プレースホルダー 3"/>
+          <p:cNvSpPr>
+            <a:spLocks noGrp="1"/>
+          </p:cNvSpPr>
+          <p:nvPr>
+            <p:ph type="sldNum" sz="quarter" idx="5"/>
+          </p:nvPr>
+        </p:nvSpPr>
+        <p:spPr/>
+        <p:txBody>
+          <a:bodyPr/>
+          <a:lstStyle/>
+          <a:p>
+            <a:fld id="{C91693B1-9BFD-4732-A9AA-E516087F4AB6}" type="slidenum">
+              <a:rPr kumimoji="1" lang="ja-JP" altLang="en-US" smtClean="0"/>
+              <a:t>7</a:t>
+            </a:fld>
+            <a:endParaRPr kumimoji="1" lang="ja-JP" altLang="en-US"/>
+          </a:p>
+        </p:txBody>
+      </p:sp>
+    </p:spTree>
+    <p:extLst>
+      <p:ext uri="{BB962C8B-B14F-4D97-AF65-F5344CB8AC3E}">
+        <p14:creationId xmlns:p14="http://schemas.microsoft.com/office/powerpoint/2010/main" val="3062025817"/>
+      </p:ext>
+    </p:extLst>
+  </p:cSld>
+  <p:clrMapOvr>
+    <a:masterClrMapping/>
+  </p:clrMapOvr>
+</p:notes>
+</file>
+
 <file path=ppt/slideLayouts/slideLayout1.xml><?xml version="1.0" encoding="utf-8"?>
 <p:sldLayout xmlns:a="http://schemas.openxmlformats.org/drawingml/2006/main" xmlns:r="http://schemas.openxmlformats.org/officeDocument/2006/relationships" xmlns:p="http://schemas.openxmlformats.org/presentationml/2006/main" type="title" preserve="1">
   <p:cSld name="タイトル スライド">
@@ -266,7 +1566,7 @@
           <a:p>
             <a:fld id="{33BE257A-FC2E-4761-96AA-13599905D04A}" type="datetimeFigureOut">
               <a:rPr kumimoji="1" lang="ja-JP" altLang="en-US" smtClean="0"/>
-              <a:t>2025/6/24</a:t>
+              <a:t>2025/6/25</a:t>
             </a:fld>
             <a:endParaRPr kumimoji="1" lang="ja-JP" altLang="en-US"/>
           </a:p>
@@ -496,7 +1796,7 @@
           <a:p>
             <a:fld id="{33BE257A-FC2E-4761-96AA-13599905D04A}" type="datetimeFigureOut">
               <a:rPr kumimoji="1" lang="ja-JP" altLang="en-US" smtClean="0"/>
-              <a:t>2025/6/24</a:t>
+              <a:t>2025/6/25</a:t>
             </a:fld>
             <a:endParaRPr kumimoji="1" lang="ja-JP" altLang="en-US"/>
           </a:p>
@@ -736,7 +2036,7 @@
           <a:p>
             <a:fld id="{33BE257A-FC2E-4761-96AA-13599905D04A}" type="datetimeFigureOut">
               <a:rPr kumimoji="1" lang="ja-JP" altLang="en-US" smtClean="0"/>
-              <a:t>2025/6/24</a:t>
+              <a:t>2025/6/25</a:t>
             </a:fld>
             <a:endParaRPr kumimoji="1" lang="ja-JP" altLang="en-US"/>
           </a:p>
@@ -966,7 +2266,7 @@
           <a:p>
             <a:fld id="{33BE257A-FC2E-4761-96AA-13599905D04A}" type="datetimeFigureOut">
               <a:rPr kumimoji="1" lang="ja-JP" altLang="en-US" smtClean="0"/>
-              <a:t>2025/6/24</a:t>
+              <a:t>2025/6/25</a:t>
             </a:fld>
             <a:endParaRPr kumimoji="1" lang="ja-JP" altLang="en-US"/>
           </a:p>
@@ -1241,7 +2541,7 @@
           <a:p>
             <a:fld id="{33BE257A-FC2E-4761-96AA-13599905D04A}" type="datetimeFigureOut">
               <a:rPr kumimoji="1" lang="ja-JP" altLang="en-US" smtClean="0"/>
-              <a:t>2025/6/24</a:t>
+              <a:t>2025/6/25</a:t>
             </a:fld>
             <a:endParaRPr kumimoji="1" lang="ja-JP" altLang="en-US"/>
           </a:p>
@@ -1570,7 +2870,7 @@
           <a:p>
             <a:fld id="{33BE257A-FC2E-4761-96AA-13599905D04A}" type="datetimeFigureOut">
               <a:rPr kumimoji="1" lang="ja-JP" altLang="en-US" smtClean="0"/>
-              <a:t>2025/6/24</a:t>
+              <a:t>2025/6/25</a:t>
             </a:fld>
             <a:endParaRPr kumimoji="1" lang="ja-JP" altLang="en-US"/>
           </a:p>
@@ -2046,7 +3346,7 @@
           <a:p>
             <a:fld id="{33BE257A-FC2E-4761-96AA-13599905D04A}" type="datetimeFigureOut">
               <a:rPr kumimoji="1" lang="ja-JP" altLang="en-US" smtClean="0"/>
-              <a:t>2025/6/24</a:t>
+              <a:t>2025/6/25</a:t>
             </a:fld>
             <a:endParaRPr kumimoji="1" lang="ja-JP" altLang="en-US"/>
           </a:p>
@@ -2187,7 +3487,7 @@
           <a:p>
             <a:fld id="{33BE257A-FC2E-4761-96AA-13599905D04A}" type="datetimeFigureOut">
               <a:rPr kumimoji="1" lang="ja-JP" altLang="en-US" smtClean="0"/>
-              <a:t>2025/6/24</a:t>
+              <a:t>2025/6/25</a:t>
             </a:fld>
             <a:endParaRPr kumimoji="1" lang="ja-JP" altLang="en-US"/>
           </a:p>
@@ -2300,7 +3600,7 @@
           <a:p>
             <a:fld id="{33BE257A-FC2E-4761-96AA-13599905D04A}" type="datetimeFigureOut">
               <a:rPr kumimoji="1" lang="ja-JP" altLang="en-US" smtClean="0"/>
-              <a:t>2025/6/24</a:t>
+              <a:t>2025/6/25</a:t>
             </a:fld>
             <a:endParaRPr kumimoji="1" lang="ja-JP" altLang="en-US"/>
           </a:p>
@@ -2643,7 +3943,7 @@
           <a:p>
             <a:fld id="{33BE257A-FC2E-4761-96AA-13599905D04A}" type="datetimeFigureOut">
               <a:rPr kumimoji="1" lang="ja-JP" altLang="en-US" smtClean="0"/>
-              <a:t>2025/6/24</a:t>
+              <a:t>2025/6/25</a:t>
             </a:fld>
             <a:endParaRPr kumimoji="1" lang="ja-JP" altLang="en-US"/>
           </a:p>
@@ -2931,7 +4231,7 @@
           <a:p>
             <a:fld id="{33BE257A-FC2E-4761-96AA-13599905D04A}" type="datetimeFigureOut">
               <a:rPr kumimoji="1" lang="ja-JP" altLang="en-US" smtClean="0"/>
-              <a:t>2025/6/24</a:t>
+              <a:t>2025/6/25</a:t>
             </a:fld>
             <a:endParaRPr kumimoji="1" lang="ja-JP" altLang="en-US"/>
           </a:p>
@@ -3204,7 +4504,7 @@
           <a:p>
             <a:fld id="{33BE257A-FC2E-4761-96AA-13599905D04A}" type="datetimeFigureOut">
               <a:rPr kumimoji="1" lang="ja-JP" altLang="en-US" smtClean="0"/>
-              <a:t>2025/6/24</a:t>
+              <a:t>2025/6/25</a:t>
             </a:fld>
             <a:endParaRPr kumimoji="1" lang="ja-JP" altLang="en-US"/>
           </a:p>
@@ -3636,7 +4936,7 @@
           <p:nvPr/>
         </p:nvPicPr>
         <p:blipFill>
-          <a:blip r:embed="rId2">
+          <a:blip r:embed="rId3">
             <a:extLst>
               <a:ext uri="{28A0092B-C50C-407E-A947-70E740481C1C}">
                 <a14:useLocalDpi xmlns:a14="http://schemas.microsoft.com/office/drawing/2010/main" val="0"/>
@@ -6659,7 +7959,7 @@
           <p:nvPr/>
         </p:nvPicPr>
         <p:blipFill>
-          <a:blip r:embed="rId2">
+          <a:blip r:embed="rId3">
             <a:extLst>
               <a:ext uri="{28A0092B-C50C-407E-A947-70E740481C1C}">
                 <a14:useLocalDpi xmlns:a14="http://schemas.microsoft.com/office/drawing/2010/main" val="0"/>
@@ -7150,7 +8450,7 @@
           <p:nvPr/>
         </p:nvPicPr>
         <p:blipFill>
-          <a:blip r:embed="rId3">
+          <a:blip r:embed="rId4">
             <a:extLst>
               <a:ext uri="{28A0092B-C50C-407E-A947-70E740481C1C}">
                 <a14:useLocalDpi xmlns:a14="http://schemas.microsoft.com/office/drawing/2010/main" val="0"/>
@@ -7551,7 +8851,7 @@
           <p:nvPr/>
         </p:nvPicPr>
         <p:blipFill>
-          <a:blip r:embed="rId2">
+          <a:blip r:embed="rId3">
             <a:extLst>
               <a:ext uri="{28A0092B-C50C-407E-A947-70E740481C1C}">
                 <a14:useLocalDpi xmlns:a14="http://schemas.microsoft.com/office/drawing/2010/main" val="0"/>
@@ -8042,7 +9342,7 @@
           <p:nvPr/>
         </p:nvPicPr>
         <p:blipFill>
-          <a:blip r:embed="rId3">
+          <a:blip r:embed="rId4">
             <a:extLst>
               <a:ext uri="{28A0092B-C50C-407E-A947-70E740481C1C}">
                 <a14:useLocalDpi xmlns:a14="http://schemas.microsoft.com/office/drawing/2010/main" val="0"/>
@@ -8055,8 +9355,8 @@
         </p:blipFill>
         <p:spPr>
           <a:xfrm>
-            <a:off x="1117686" y="1538967"/>
-            <a:ext cx="7001082" cy="4527417"/>
+            <a:off x="1060264" y="1503799"/>
+            <a:ext cx="7001082" cy="4562586"/>
           </a:xfrm>
           <a:prstGeom prst="rect">
             <a:avLst/>
@@ -8554,66 +9854,6 @@
           </a:p>
         </p:txBody>
       </p:sp>
-      <p:pic>
-        <p:nvPicPr>
-          <p:cNvPr id="8" name="Picture 2">
-            <a:extLst>
-              <a:ext uri="{FF2B5EF4-FFF2-40B4-BE49-F238E27FC236}">
-                <a16:creationId xmlns:a16="http://schemas.microsoft.com/office/drawing/2014/main" id="{764EAC4D-4173-58F4-9784-1E612CA5F1E4}"/>
-              </a:ext>
-            </a:extLst>
-          </p:cNvPr>
-          <p:cNvPicPr>
-            <a:picLocks noChangeAspect="1" noChangeArrowheads="1"/>
-          </p:cNvPicPr>
-          <p:nvPr/>
-        </p:nvPicPr>
-        <p:blipFill>
-          <a:blip r:embed="rId4">
-            <a:extLst>
-              <a:ext uri="{28A0092B-C50C-407E-A947-70E740481C1C}">
-                <a14:useLocalDpi xmlns:a14="http://schemas.microsoft.com/office/drawing/2010/main" val="0"/>
-              </a:ext>
-            </a:extLst>
-          </a:blip>
-          <a:srcRect/>
-          <a:stretch>
-            <a:fillRect/>
-          </a:stretch>
-        </p:blipFill>
-        <p:spPr bwMode="auto">
-          <a:xfrm>
-            <a:off x="8061346" y="1769167"/>
-            <a:ext cx="3062374" cy="4060131"/>
-          </a:xfrm>
-          <a:prstGeom prst="rect">
-            <a:avLst/>
-          </a:prstGeom>
-          <a:noFill/>
-          <a:ln>
-            <a:noFill/>
-          </a:ln>
-          <a:extLst>
-            <a:ext uri="{909E8E84-426E-40DD-AFC4-6F175D3DCCD1}">
-              <a14:hiddenFill xmlns:a14="http://schemas.microsoft.com/office/drawing/2010/main">
-                <a:solidFill>
-                  <a:srgbClr val="FFFFFF"/>
-                </a:solidFill>
-              </a14:hiddenFill>
-            </a:ext>
-            <a:ext uri="{91240B29-F687-4F45-9708-019B960494DF}">
-              <a14:hiddenLine xmlns:a14="http://schemas.microsoft.com/office/drawing/2010/main" w="9525">
-                <a:solidFill>
-                  <a:srgbClr val="000000"/>
-                </a:solidFill>
-                <a:miter lim="800000"/>
-                <a:headEnd/>
-                <a:tailEnd/>
-              </a14:hiddenLine>
-            </a:ext>
-          </a:extLst>
-        </p:spPr>
-      </p:pic>
       <p:sp>
         <p:nvSpPr>
           <p:cNvPr id="9" name="コンテンツ プレースホルダー 2">
@@ -9304,6 +10544,42 @@
           </a:p>
         </p:txBody>
       </p:sp>
+      <p:pic>
+        <p:nvPicPr>
+          <p:cNvPr id="13" name="図 12" descr="メガネを掛けた男性&#10;&#10;AI 生成コンテンツは誤りを含む可能性があります。">
+            <a:extLst>
+              <a:ext uri="{FF2B5EF4-FFF2-40B4-BE49-F238E27FC236}">
+                <a16:creationId xmlns:a16="http://schemas.microsoft.com/office/drawing/2014/main" id="{D1C01C99-4241-5AC6-DA3B-D9A37AA522C9}"/>
+              </a:ext>
+            </a:extLst>
+          </p:cNvPr>
+          <p:cNvPicPr>
+            <a:picLocks noChangeAspect="1"/>
+          </p:cNvPicPr>
+          <p:nvPr/>
+        </p:nvPicPr>
+        <p:blipFill>
+          <a:blip r:embed="rId5">
+            <a:extLst>
+              <a:ext uri="{28A0092B-C50C-407E-A947-70E740481C1C}">
+                <a14:useLocalDpi xmlns:a14="http://schemas.microsoft.com/office/drawing/2010/main" val="0"/>
+              </a:ext>
+            </a:extLst>
+          </a:blip>
+          <a:stretch>
+            <a:fillRect/>
+          </a:stretch>
+        </p:blipFill>
+        <p:spPr>
+          <a:xfrm>
+            <a:off x="7761373" y="1696915"/>
+            <a:ext cx="3312942" cy="4141177"/>
+          </a:xfrm>
+          <a:prstGeom prst="rect">
+            <a:avLst/>
+          </a:prstGeom>
+        </p:spPr>
+      </p:pic>
     </p:spTree>
     <p:extLst>
       <p:ext uri="{BB962C8B-B14F-4D97-AF65-F5344CB8AC3E}">
@@ -9355,7 +10631,7 @@
           <p:nvPr/>
         </p:nvPicPr>
         <p:blipFill>
-          <a:blip r:embed="rId2">
+          <a:blip r:embed="rId3">
             <a:extLst>
               <a:ext uri="{28A0092B-C50C-407E-A947-70E740481C1C}">
                 <a14:useLocalDpi xmlns:a14="http://schemas.microsoft.com/office/drawing/2010/main" val="0"/>
@@ -10240,7 +11516,7 @@
           <p:nvPr/>
         </p:nvPicPr>
         <p:blipFill>
-          <a:blip r:embed="rId3">
+          <a:blip r:embed="rId4">
             <a:extLst>
               <a:ext uri="{28A0092B-C50C-407E-A947-70E740481C1C}">
                 <a14:useLocalDpi xmlns:a14="http://schemas.microsoft.com/office/drawing/2010/main" val="0"/>
@@ -10312,7 +11588,7 @@
           <p:nvPr/>
         </p:nvPicPr>
         <p:blipFill>
-          <a:blip r:embed="rId2">
+          <a:blip r:embed="rId3">
             <a:extLst>
               <a:ext uri="{28A0092B-C50C-407E-A947-70E740481C1C}">
                 <a14:useLocalDpi xmlns:a14="http://schemas.microsoft.com/office/drawing/2010/main" val="0"/>
@@ -11281,7 +12557,7 @@
           <p:nvPr/>
         </p:nvPicPr>
         <p:blipFill>
-          <a:blip r:embed="rId3">
+          <a:blip r:embed="rId4">
             <a:extLst>
               <a:ext uri="{28A0092B-C50C-407E-A947-70E740481C1C}">
                 <a14:useLocalDpi xmlns:a14="http://schemas.microsoft.com/office/drawing/2010/main" val="0"/>
@@ -11500,7 +12776,7 @@
           <p:nvPr/>
         </p:nvPicPr>
         <p:blipFill>
-          <a:blip r:embed="rId2">
+          <a:blip r:embed="rId3">
             <a:extLst>
               <a:ext uri="{28A0092B-C50C-407E-A947-70E740481C1C}">
                 <a14:useLocalDpi xmlns:a14="http://schemas.microsoft.com/office/drawing/2010/main" val="0"/>
@@ -12496,7 +13772,7 @@
           <p:nvPr/>
         </p:nvPicPr>
         <p:blipFill>
-          <a:blip r:embed="rId3">
+          <a:blip r:embed="rId4">
             <a:extLst>
               <a:ext uri="{28A0092B-C50C-407E-A947-70E740481C1C}">
                 <a14:useLocalDpi xmlns:a14="http://schemas.microsoft.com/office/drawing/2010/main" val="0"/>
@@ -12532,7 +13808,7 @@
           <p:nvPr/>
         </p:nvPicPr>
         <p:blipFill>
-          <a:blip r:embed="rId4">
+          <a:blip r:embed="rId5">
             <a:extLst>
               <a:ext uri="{28A0092B-C50C-407E-A947-70E740481C1C}">
                 <a14:useLocalDpi xmlns:a14="http://schemas.microsoft.com/office/drawing/2010/main" val="0"/>
@@ -13381,4 +14657,319 @@
     </a:ext>
   </a:extLst>
 </a:theme>
+</file>
+
+<file path=ppt/theme/theme2.xml><?xml version="1.0" encoding="utf-8"?>
+<a:theme xmlns:a="http://schemas.openxmlformats.org/drawingml/2006/main" name="Office テーマ">
+  <a:themeElements>
+    <a:clrScheme name="Office">
+      <a:dk1>
+        <a:sysClr val="windowText" lastClr="000000"/>
+      </a:dk1>
+      <a:lt1>
+        <a:sysClr val="window" lastClr="FFFFFF"/>
+      </a:lt1>
+      <a:dk2>
+        <a:srgbClr val="0E2841"/>
+      </a:dk2>
+      <a:lt2>
+        <a:srgbClr val="E8E8E8"/>
+      </a:lt2>
+      <a:accent1>
+        <a:srgbClr val="156082"/>
+      </a:accent1>
+      <a:accent2>
+        <a:srgbClr val="E97132"/>
+      </a:accent2>
+      <a:accent3>
+        <a:srgbClr val="196B24"/>
+      </a:accent3>
+      <a:accent4>
+        <a:srgbClr val="0F9ED5"/>
+      </a:accent4>
+      <a:accent5>
+        <a:srgbClr val="A02B93"/>
+      </a:accent5>
+      <a:accent6>
+        <a:srgbClr val="4EA72E"/>
+      </a:accent6>
+      <a:hlink>
+        <a:srgbClr val="467886"/>
+      </a:hlink>
+      <a:folHlink>
+        <a:srgbClr val="96607D"/>
+      </a:folHlink>
+    </a:clrScheme>
+    <a:fontScheme name="Office">
+      <a:majorFont>
+        <a:latin typeface="游ゴシック Light" panose="02110004020202020204"/>
+        <a:ea typeface=""/>
+        <a:cs typeface=""/>
+        <a:font script="Jpan" typeface="游ゴシック Light"/>
+        <a:font script="Hang" typeface="맑은 고딕"/>
+        <a:font script="Hans" typeface="等线 Light"/>
+        <a:font script="Hant" typeface="新細明體"/>
+        <a:font script="Arab" typeface="Times New Roman"/>
+        <a:font script="Hebr" typeface="Times New Roman"/>
+        <a:font script="Thai" typeface="Angsana New"/>
+        <a:font script="Ethi" typeface="Nyala"/>
+        <a:font script="Beng" typeface="Vrinda"/>
+        <a:font script="Gujr" typeface="Shruti"/>
+        <a:font script="Khmr" typeface="MoolBoran"/>
+        <a:font script="Knda" typeface="Tunga"/>
+        <a:font script="Guru" typeface="Raavi"/>
+        <a:font script="Cans" typeface="Euphemia"/>
+        <a:font script="Cher" typeface="Plantagenet Cherokee"/>
+        <a:font script="Yiii" typeface="Microsoft Yi Baiti"/>
+        <a:font script="Tibt" typeface="Microsoft Himalaya"/>
+        <a:font script="Thaa" typeface="MV Boli"/>
+        <a:font script="Deva" typeface="Mangal"/>
+        <a:font script="Telu" typeface="Gautami"/>
+        <a:font script="Taml" typeface="Latha"/>
+        <a:font script="Syrc" typeface="Estrangelo Edessa"/>
+        <a:font script="Orya" typeface="Kalinga"/>
+        <a:font script="Mlym" typeface="Kartika"/>
+        <a:font script="Laoo" typeface="DokChampa"/>
+        <a:font script="Sinh" typeface="Iskoola Pota"/>
+        <a:font script="Mong" typeface="Mongolian Baiti"/>
+        <a:font script="Viet" typeface="Times New Roman"/>
+        <a:font script="Uigh" typeface="Microsoft Uighur"/>
+        <a:font script="Geor" typeface="Sylfaen"/>
+        <a:font script="Armn" typeface="Arial"/>
+        <a:font script="Bugi" typeface="Leelawadee UI"/>
+        <a:font script="Bopo" typeface="Microsoft JhengHei"/>
+        <a:font script="Java" typeface="Javanese Text"/>
+        <a:font script="Lisu" typeface="Segoe UI"/>
+        <a:font script="Mymr" typeface="Myanmar Text"/>
+        <a:font script="Nkoo" typeface="Ebrima"/>
+        <a:font script="Olck" typeface="Nirmala UI"/>
+        <a:font script="Osma" typeface="Ebrima"/>
+        <a:font script="Phag" typeface="Phagspa"/>
+        <a:font script="Syrn" typeface="Estrangelo Edessa"/>
+        <a:font script="Syrj" typeface="Estrangelo Edessa"/>
+        <a:font script="Syre" typeface="Estrangelo Edessa"/>
+        <a:font script="Sora" typeface="Nirmala UI"/>
+        <a:font script="Tale" typeface="Microsoft Tai Le"/>
+        <a:font script="Talu" typeface="Microsoft New Tai Lue"/>
+        <a:font script="Tfng" typeface="Ebrima"/>
+      </a:majorFont>
+      <a:minorFont>
+        <a:latin typeface="游ゴシック" panose="02110004020202020204"/>
+        <a:ea typeface=""/>
+        <a:cs typeface=""/>
+        <a:font script="Jpan" typeface="游ゴシック"/>
+        <a:font script="Hang" typeface="맑은 고딕"/>
+        <a:font script="Hans" typeface="等线"/>
+        <a:font script="Hant" typeface="新細明體"/>
+        <a:font script="Arab" typeface="Arial"/>
+        <a:font script="Hebr" typeface="Arial"/>
+        <a:font script="Thai" typeface="Cordia New"/>
+        <a:font script="Ethi" typeface="Nyala"/>
+        <a:font script="Beng" typeface="Vrinda"/>
+        <a:font script="Gujr" typeface="Shruti"/>
+        <a:font script="Khmr" typeface="DaunPenh"/>
+        <a:font script="Knda" typeface="Tunga"/>
+        <a:font script="Guru" typeface="Raavi"/>
+        <a:font script="Cans" typeface="Euphemia"/>
+        <a:font script="Cher" typeface="Plantagenet Cherokee"/>
+        <a:font script="Yiii" typeface="Microsoft Yi Baiti"/>
+        <a:font script="Tibt" typeface="Microsoft Himalaya"/>
+        <a:font script="Thaa" typeface="MV Boli"/>
+        <a:font script="Deva" typeface="Mangal"/>
+        <a:font script="Telu" typeface="Gautami"/>
+        <a:font script="Taml" typeface="Latha"/>
+        <a:font script="Syrc" typeface="Estrangelo Edessa"/>
+        <a:font script="Orya" typeface="Kalinga"/>
+        <a:font script="Mlym" typeface="Kartika"/>
+        <a:font script="Laoo" typeface="DokChampa"/>
+        <a:font script="Sinh" typeface="Iskoola Pota"/>
+        <a:font script="Mong" typeface="Mongolian Baiti"/>
+        <a:font script="Viet" typeface="Arial"/>
+        <a:font script="Uigh" typeface="Microsoft Uighur"/>
+        <a:font script="Geor" typeface="Sylfaen"/>
+        <a:font script="Armn" typeface="Arial"/>
+        <a:font script="Bugi" typeface="Leelawadee UI"/>
+        <a:font script="Bopo" typeface="Microsoft JhengHei"/>
+        <a:font script="Java" typeface="Javanese Text"/>
+        <a:font script="Lisu" typeface="Segoe UI"/>
+        <a:font script="Mymr" typeface="Myanmar Text"/>
+        <a:font script="Nkoo" typeface="Ebrima"/>
+        <a:font script="Olck" typeface="Nirmala UI"/>
+        <a:font script="Osma" typeface="Ebrima"/>
+        <a:font script="Phag" typeface="Phagspa"/>
+        <a:font script="Syrn" typeface="Estrangelo Edessa"/>
+        <a:font script="Syrj" typeface="Estrangelo Edessa"/>
+        <a:font script="Syre" typeface="Estrangelo Edessa"/>
+        <a:font script="Sora" typeface="Nirmala UI"/>
+        <a:font script="Tale" typeface="Microsoft Tai Le"/>
+        <a:font script="Talu" typeface="Microsoft New Tai Lue"/>
+        <a:font script="Tfng" typeface="Ebrima"/>
+      </a:minorFont>
+    </a:fontScheme>
+    <a:fmtScheme name="Office">
+      <a:fillStyleLst>
+        <a:solidFill>
+          <a:schemeClr val="phClr"/>
+        </a:solidFill>
+        <a:gradFill rotWithShape="1">
+          <a:gsLst>
+            <a:gs pos="0">
+              <a:schemeClr val="phClr">
+                <a:lumMod val="110000"/>
+                <a:satMod val="105000"/>
+                <a:tint val="67000"/>
+              </a:schemeClr>
+            </a:gs>
+            <a:gs pos="50000">
+              <a:schemeClr val="phClr">
+                <a:lumMod val="105000"/>
+                <a:satMod val="103000"/>
+                <a:tint val="73000"/>
+              </a:schemeClr>
+            </a:gs>
+            <a:gs pos="100000">
+              <a:schemeClr val="phClr">
+                <a:lumMod val="105000"/>
+                <a:satMod val="109000"/>
+                <a:tint val="81000"/>
+              </a:schemeClr>
+            </a:gs>
+          </a:gsLst>
+          <a:lin ang="5400000" scaled="0"/>
+        </a:gradFill>
+        <a:gradFill rotWithShape="1">
+          <a:gsLst>
+            <a:gs pos="0">
+              <a:schemeClr val="phClr">
+                <a:satMod val="103000"/>
+                <a:lumMod val="102000"/>
+                <a:tint val="94000"/>
+              </a:schemeClr>
+            </a:gs>
+            <a:gs pos="50000">
+              <a:schemeClr val="phClr">
+                <a:satMod val="110000"/>
+                <a:lumMod val="100000"/>
+                <a:shade val="100000"/>
+              </a:schemeClr>
+            </a:gs>
+            <a:gs pos="100000">
+              <a:schemeClr val="phClr">
+                <a:lumMod val="99000"/>
+                <a:satMod val="120000"/>
+                <a:shade val="78000"/>
+              </a:schemeClr>
+            </a:gs>
+          </a:gsLst>
+          <a:lin ang="5400000" scaled="0"/>
+        </a:gradFill>
+      </a:fillStyleLst>
+      <a:lnStyleLst>
+        <a:ln w="12700" cap="flat" cmpd="sng" algn="ctr">
+          <a:solidFill>
+            <a:schemeClr val="phClr"/>
+          </a:solidFill>
+          <a:prstDash val="solid"/>
+          <a:miter lim="800000"/>
+        </a:ln>
+        <a:ln w="19050" cap="flat" cmpd="sng" algn="ctr">
+          <a:solidFill>
+            <a:schemeClr val="phClr"/>
+          </a:solidFill>
+          <a:prstDash val="solid"/>
+          <a:miter lim="800000"/>
+        </a:ln>
+        <a:ln w="25400" cap="flat" cmpd="sng" algn="ctr">
+          <a:solidFill>
+            <a:schemeClr val="phClr"/>
+          </a:solidFill>
+          <a:prstDash val="solid"/>
+          <a:miter lim="800000"/>
+        </a:ln>
+      </a:lnStyleLst>
+      <a:effectStyleLst>
+        <a:effectStyle>
+          <a:effectLst/>
+        </a:effectStyle>
+        <a:effectStyle>
+          <a:effectLst/>
+        </a:effectStyle>
+        <a:effectStyle>
+          <a:effectLst>
+            <a:outerShdw blurRad="57150" dist="19050" dir="5400000" algn="ctr" rotWithShape="0">
+              <a:srgbClr val="000000">
+                <a:alpha val="63000"/>
+              </a:srgbClr>
+            </a:outerShdw>
+          </a:effectLst>
+        </a:effectStyle>
+      </a:effectStyleLst>
+      <a:bgFillStyleLst>
+        <a:solidFill>
+          <a:schemeClr val="phClr"/>
+        </a:solidFill>
+        <a:solidFill>
+          <a:schemeClr val="phClr">
+            <a:tint val="95000"/>
+            <a:satMod val="170000"/>
+          </a:schemeClr>
+        </a:solidFill>
+        <a:gradFill rotWithShape="1">
+          <a:gsLst>
+            <a:gs pos="0">
+              <a:schemeClr val="phClr">
+                <a:tint val="93000"/>
+                <a:satMod val="150000"/>
+                <a:shade val="98000"/>
+                <a:lumMod val="102000"/>
+              </a:schemeClr>
+            </a:gs>
+            <a:gs pos="50000">
+              <a:schemeClr val="phClr">
+                <a:tint val="98000"/>
+                <a:satMod val="130000"/>
+                <a:shade val="90000"/>
+                <a:lumMod val="103000"/>
+              </a:schemeClr>
+            </a:gs>
+            <a:gs pos="100000">
+              <a:schemeClr val="phClr">
+                <a:shade val="63000"/>
+                <a:satMod val="120000"/>
+              </a:schemeClr>
+            </a:gs>
+          </a:gsLst>
+          <a:lin ang="5400000" scaled="0"/>
+        </a:gradFill>
+      </a:bgFillStyleLst>
+    </a:fmtScheme>
+  </a:themeElements>
+  <a:objectDefaults>
+    <a:lnDef>
+      <a:spPr/>
+      <a:bodyPr/>
+      <a:lstStyle/>
+      <a:style>
+        <a:lnRef idx="2">
+          <a:schemeClr val="accent1"/>
+        </a:lnRef>
+        <a:fillRef idx="0">
+          <a:schemeClr val="accent1"/>
+        </a:fillRef>
+        <a:effectRef idx="1">
+          <a:schemeClr val="accent1"/>
+        </a:effectRef>
+        <a:fontRef idx="minor">
+          <a:schemeClr val="tx1"/>
+        </a:fontRef>
+      </a:style>
+    </a:lnDef>
+  </a:objectDefaults>
+  <a:extraClrSchemeLst/>
+  <a:extLst>
+    <a:ext uri="{05A4C25C-085E-4340-85A3-A5531E510DB2}">
+      <thm15:themeFamily xmlns:thm15="http://schemas.microsoft.com/office/thememl/2012/main" name="Office Theme" id="{2E142A2C-CD16-42D6-873A-C26D2A0506FA}" vid="{1BDDFF52-6CD6-40A5-AB3C-68EB2F1E4D0A}"/>
+    </a:ext>
+  </a:extLst>
+</a:theme>
 </file>
--- a/documents/発表準備/成果発表会　案②.pptx
+++ b/documents/発表準備/成果発表会　案②.pptx
@@ -5,17 +5,21 @@
     <p:sldMasterId id="2147483648" r:id="rId1"/>
   </p:sldMasterIdLst>
   <p:notesMasterIdLst>
-    <p:notesMasterId r:id="rId10"/>
+    <p:notesMasterId r:id="rId14"/>
   </p:notesMasterIdLst>
   <p:sldIdLst>
     <p:sldId id="256" r:id="rId2"/>
     <p:sldId id="257" r:id="rId3"/>
-    <p:sldId id="258" r:id="rId4"/>
-    <p:sldId id="260" r:id="rId5"/>
-    <p:sldId id="259" r:id="rId6"/>
-    <p:sldId id="261" r:id="rId7"/>
-    <p:sldId id="262" r:id="rId8"/>
-    <p:sldId id="263" r:id="rId9"/>
+    <p:sldId id="264" r:id="rId4"/>
+    <p:sldId id="267" r:id="rId5"/>
+    <p:sldId id="258" r:id="rId6"/>
+    <p:sldId id="265" r:id="rId7"/>
+    <p:sldId id="260" r:id="rId8"/>
+    <p:sldId id="259" r:id="rId9"/>
+    <p:sldId id="266" r:id="rId10"/>
+    <p:sldId id="261" r:id="rId11"/>
+    <p:sldId id="262" r:id="rId12"/>
+    <p:sldId id="263" r:id="rId13"/>
   </p:sldIdLst>
   <p:sldSz cx="12192000" cy="6858000"/>
   <p:notesSz cx="6858000" cy="9144000"/>
@@ -705,7 +709,7 @@
           <a:p>
             <a:fld id="{C91693B1-9BFD-4732-A9AA-E516087F4AB6}" type="slidenum">
               <a:rPr kumimoji="1" lang="ja-JP" altLang="en-US" smtClean="0"/>
-              <a:t>3</a:t>
+              <a:t>5</a:t>
             </a:fld>
             <a:endParaRPr kumimoji="1" lang="ja-JP" altLang="en-US"/>
           </a:p>
@@ -859,7 +863,7 @@
           <a:p>
             <a:fld id="{C91693B1-9BFD-4732-A9AA-E516087F4AB6}" type="slidenum">
               <a:rPr kumimoji="1" lang="ja-JP" altLang="en-US" smtClean="0"/>
-              <a:t>4</a:t>
+              <a:t>7</a:t>
             </a:fld>
             <a:endParaRPr kumimoji="1" lang="ja-JP" altLang="en-US"/>
           </a:p>
@@ -1021,7 +1025,7 @@
           <a:p>
             <a:fld id="{C91693B1-9BFD-4732-A9AA-E516087F4AB6}" type="slidenum">
               <a:rPr kumimoji="1" lang="ja-JP" altLang="en-US" smtClean="0"/>
-              <a:t>5</a:t>
+              <a:t>8</a:t>
             </a:fld>
             <a:endParaRPr kumimoji="1" lang="ja-JP" altLang="en-US"/>
           </a:p>
@@ -1268,7 +1272,7 @@
           <a:p>
             <a:fld id="{C91693B1-9BFD-4732-A9AA-E516087F4AB6}" type="slidenum">
               <a:rPr kumimoji="1" lang="ja-JP" altLang="en-US" smtClean="0"/>
-              <a:t>6</a:t>
+              <a:t>10</a:t>
             </a:fld>
             <a:endParaRPr kumimoji="1" lang="ja-JP" altLang="en-US"/>
           </a:p>
@@ -1400,7 +1404,7 @@
           <a:p>
             <a:fld id="{C91693B1-9BFD-4732-A9AA-E516087F4AB6}" type="slidenum">
               <a:rPr kumimoji="1" lang="ja-JP" altLang="en-US" smtClean="0"/>
-              <a:t>7</a:t>
+              <a:t>11</a:t>
             </a:fld>
             <a:endParaRPr kumimoji="1" lang="ja-JP" altLang="en-US"/>
           </a:p>
@@ -5735,6 +5739,2800 @@
 </p:sld>
 </file>
 
+<file path=ppt/slides/slide10.xml><?xml version="1.0" encoding="utf-8"?>
+<p:sld xmlns:a="http://schemas.openxmlformats.org/drawingml/2006/main" xmlns:r="http://schemas.openxmlformats.org/officeDocument/2006/relationships" xmlns:p="http://schemas.openxmlformats.org/presentationml/2006/main">
+  <p:cSld>
+    <p:spTree>
+      <p:nvGrpSpPr>
+        <p:cNvPr id="1" name="">
+          <a:extLst>
+            <a:ext uri="{FF2B5EF4-FFF2-40B4-BE49-F238E27FC236}">
+              <a16:creationId xmlns:a16="http://schemas.microsoft.com/office/drawing/2014/main" id="{B9EC4855-E718-C004-4752-D5DD5100DF4A}"/>
+            </a:ext>
+          </a:extLst>
+        </p:cNvPr>
+        <p:cNvGrpSpPr/>
+        <p:nvPr/>
+      </p:nvGrpSpPr>
+      <p:grpSpPr>
+        <a:xfrm>
+          <a:off x="0" y="0"/>
+          <a:ext cx="0" cy="0"/>
+          <a:chOff x="0" y="0"/>
+          <a:chExt cx="0" cy="0"/>
+        </a:xfrm>
+      </p:grpSpPr>
+      <p:pic>
+        <p:nvPicPr>
+          <p:cNvPr id="11" name="図 10" descr="背景パターン&#10;&#10;AI 生成コンテンツは誤りを含む可能性があります。">
+            <a:extLst>
+              <a:ext uri="{FF2B5EF4-FFF2-40B4-BE49-F238E27FC236}">
+                <a16:creationId xmlns:a16="http://schemas.microsoft.com/office/drawing/2014/main" id="{0EF196D7-C87C-7B4A-DD6D-EE3554F47BB1}"/>
+              </a:ext>
+            </a:extLst>
+          </p:cNvPr>
+          <p:cNvPicPr>
+            <a:picLocks noChangeAspect="1"/>
+          </p:cNvPicPr>
+          <p:nvPr/>
+        </p:nvPicPr>
+        <p:blipFill>
+          <a:blip r:embed="rId3">
+            <a:extLst>
+              <a:ext uri="{28A0092B-C50C-407E-A947-70E740481C1C}">
+                <a14:useLocalDpi xmlns:a14="http://schemas.microsoft.com/office/drawing/2010/main" val="0"/>
+              </a:ext>
+            </a:extLst>
+          </a:blip>
+          <a:stretch>
+            <a:fillRect/>
+          </a:stretch>
+        </p:blipFill>
+        <p:spPr>
+          <a:xfrm>
+            <a:off x="0" y="0"/>
+            <a:ext cx="12192000" cy="6858000"/>
+          </a:xfrm>
+          <a:prstGeom prst="rect">
+            <a:avLst/>
+          </a:prstGeom>
+        </p:spPr>
+      </p:pic>
+      <p:sp>
+        <p:nvSpPr>
+          <p:cNvPr id="12" name="正方形/長方形 11">
+            <a:extLst>
+              <a:ext uri="{FF2B5EF4-FFF2-40B4-BE49-F238E27FC236}">
+                <a16:creationId xmlns:a16="http://schemas.microsoft.com/office/drawing/2014/main" id="{1A0DC97C-526C-9D6F-5731-167969FD704C}"/>
+              </a:ext>
+            </a:extLst>
+          </p:cNvPr>
+          <p:cNvSpPr/>
+          <p:nvPr/>
+        </p:nvSpPr>
+        <p:spPr>
+          <a:xfrm>
+            <a:off x="879231" y="427128"/>
+            <a:ext cx="11017719" cy="5717590"/>
+          </a:xfrm>
+          <a:prstGeom prst="rect">
+            <a:avLst/>
+          </a:prstGeom>
+          <a:ln>
+            <a:solidFill>
+              <a:srgbClr val="FFCC99"/>
+            </a:solidFill>
+          </a:ln>
+        </p:spPr>
+        <p:style>
+          <a:lnRef idx="2">
+            <a:schemeClr val="accent6"/>
+          </a:lnRef>
+          <a:fillRef idx="1">
+            <a:schemeClr val="lt1"/>
+          </a:fillRef>
+          <a:effectRef idx="0">
+            <a:schemeClr val="accent6"/>
+          </a:effectRef>
+          <a:fontRef idx="minor">
+            <a:schemeClr val="dk1"/>
+          </a:fontRef>
+        </p:style>
+        <p:txBody>
+          <a:bodyPr rtlCol="0" anchor="ctr"/>
+          <a:lstStyle/>
+          <a:p>
+            <a:pPr algn="ctr"/>
+            <a:endParaRPr kumimoji="1" lang="ja-JP" altLang="en-US"/>
+          </a:p>
+        </p:txBody>
+      </p:sp>
+      <p:cxnSp>
+        <p:nvCxnSpPr>
+          <p:cNvPr id="15" name="直線コネクタ 14">
+            <a:extLst>
+              <a:ext uri="{FF2B5EF4-FFF2-40B4-BE49-F238E27FC236}">
+                <a16:creationId xmlns:a16="http://schemas.microsoft.com/office/drawing/2014/main" id="{A87E7AF3-7D86-9A50-0AF4-8879FD348D56}"/>
+              </a:ext>
+            </a:extLst>
+          </p:cNvPr>
+          <p:cNvCxnSpPr>
+            <a:cxnSpLocks/>
+          </p:cNvCxnSpPr>
+          <p:nvPr/>
+        </p:nvCxnSpPr>
+        <p:spPr>
+          <a:xfrm>
+            <a:off x="1582615" y="1624686"/>
+            <a:ext cx="9856550" cy="0"/>
+          </a:xfrm>
+          <a:prstGeom prst="line">
+            <a:avLst/>
+          </a:prstGeom>
+          <a:ln>
+            <a:solidFill>
+              <a:srgbClr val="FFCC66"/>
+            </a:solidFill>
+          </a:ln>
+        </p:spPr>
+        <p:style>
+          <a:lnRef idx="1">
+            <a:schemeClr val="accent6"/>
+          </a:lnRef>
+          <a:fillRef idx="0">
+            <a:schemeClr val="accent6"/>
+          </a:fillRef>
+          <a:effectRef idx="0">
+            <a:schemeClr val="accent6"/>
+          </a:effectRef>
+          <a:fontRef idx="minor">
+            <a:schemeClr val="tx1"/>
+          </a:fontRef>
+        </p:style>
+      </p:cxnSp>
+      <p:sp>
+        <p:nvSpPr>
+          <p:cNvPr id="21" name="字幕 2">
+            <a:extLst>
+              <a:ext uri="{FF2B5EF4-FFF2-40B4-BE49-F238E27FC236}">
+                <a16:creationId xmlns:a16="http://schemas.microsoft.com/office/drawing/2014/main" id="{9BC41249-84C5-5E87-E2FE-9CED38BBBD27}"/>
+              </a:ext>
+            </a:extLst>
+          </p:cNvPr>
+          <p:cNvSpPr txBox="1">
+            <a:spLocks/>
+          </p:cNvSpPr>
+          <p:nvPr/>
+        </p:nvSpPr>
+        <p:spPr>
+          <a:xfrm>
+            <a:off x="9933459" y="5587355"/>
+            <a:ext cx="2053494" cy="378513"/>
+          </a:xfrm>
+          <a:prstGeom prst="rect">
+            <a:avLst/>
+          </a:prstGeom>
+        </p:spPr>
+        <p:txBody>
+          <a:bodyPr vert="horz" lIns="91440" tIns="45720" rIns="91440" bIns="45720" rtlCol="0">
+            <a:normAutofit/>
+          </a:bodyPr>
+          <a:lstStyle>
+            <a:lvl1pPr marL="0" indent="0" algn="ctr" defTabSz="914400" rtl="0" eaLnBrk="1" latinLnBrk="0" hangingPunct="1">
+              <a:lnSpc>
+                <a:spcPct val="90000"/>
+              </a:lnSpc>
+              <a:spcBef>
+                <a:spcPts val="1000"/>
+              </a:spcBef>
+              <a:buFont typeface="Arial" panose="020B0604020202020204" pitchFamily="34" charset="0"/>
+              <a:buNone/>
+              <a:defRPr kumimoji="1" sz="2400" kern="1200">
+                <a:solidFill>
+                  <a:schemeClr val="tx1"/>
+                </a:solidFill>
+                <a:latin typeface="+mn-lt"/>
+                <a:ea typeface="+mn-ea"/>
+                <a:cs typeface="+mn-cs"/>
+              </a:defRPr>
+            </a:lvl1pPr>
+            <a:lvl2pPr marL="457200" indent="0" algn="ctr" defTabSz="914400" rtl="0" eaLnBrk="1" latinLnBrk="0" hangingPunct="1">
+              <a:lnSpc>
+                <a:spcPct val="90000"/>
+              </a:lnSpc>
+              <a:spcBef>
+                <a:spcPts val="500"/>
+              </a:spcBef>
+              <a:buFont typeface="Arial" panose="020B0604020202020204" pitchFamily="34" charset="0"/>
+              <a:buNone/>
+              <a:defRPr kumimoji="1" sz="2000" kern="1200">
+                <a:solidFill>
+                  <a:schemeClr val="tx1"/>
+                </a:solidFill>
+                <a:latin typeface="+mn-lt"/>
+                <a:ea typeface="+mn-ea"/>
+                <a:cs typeface="+mn-cs"/>
+              </a:defRPr>
+            </a:lvl2pPr>
+            <a:lvl3pPr marL="914400" indent="0" algn="ctr" defTabSz="914400" rtl="0" eaLnBrk="1" latinLnBrk="0" hangingPunct="1">
+              <a:lnSpc>
+                <a:spcPct val="90000"/>
+              </a:lnSpc>
+              <a:spcBef>
+                <a:spcPts val="500"/>
+              </a:spcBef>
+              <a:buFont typeface="Arial" panose="020B0604020202020204" pitchFamily="34" charset="0"/>
+              <a:buNone/>
+              <a:defRPr kumimoji="1" sz="1800" kern="1200">
+                <a:solidFill>
+                  <a:schemeClr val="tx1"/>
+                </a:solidFill>
+                <a:latin typeface="+mn-lt"/>
+                <a:ea typeface="+mn-ea"/>
+                <a:cs typeface="+mn-cs"/>
+              </a:defRPr>
+            </a:lvl3pPr>
+            <a:lvl4pPr marL="1371600" indent="0" algn="ctr" defTabSz="914400" rtl="0" eaLnBrk="1" latinLnBrk="0" hangingPunct="1">
+              <a:lnSpc>
+                <a:spcPct val="90000"/>
+              </a:lnSpc>
+              <a:spcBef>
+                <a:spcPts val="500"/>
+              </a:spcBef>
+              <a:buFont typeface="Arial" panose="020B0604020202020204" pitchFamily="34" charset="0"/>
+              <a:buNone/>
+              <a:defRPr kumimoji="1" sz="1600" kern="1200">
+                <a:solidFill>
+                  <a:schemeClr val="tx1"/>
+                </a:solidFill>
+                <a:latin typeface="+mn-lt"/>
+                <a:ea typeface="+mn-ea"/>
+                <a:cs typeface="+mn-cs"/>
+              </a:defRPr>
+            </a:lvl4pPr>
+            <a:lvl5pPr marL="1828800" indent="0" algn="ctr" defTabSz="914400" rtl="0" eaLnBrk="1" latinLnBrk="0" hangingPunct="1">
+              <a:lnSpc>
+                <a:spcPct val="90000"/>
+              </a:lnSpc>
+              <a:spcBef>
+                <a:spcPts val="500"/>
+              </a:spcBef>
+              <a:buFont typeface="Arial" panose="020B0604020202020204" pitchFamily="34" charset="0"/>
+              <a:buNone/>
+              <a:defRPr kumimoji="1" sz="1600" kern="1200">
+                <a:solidFill>
+                  <a:schemeClr val="tx1"/>
+                </a:solidFill>
+                <a:latin typeface="+mn-lt"/>
+                <a:ea typeface="+mn-ea"/>
+                <a:cs typeface="+mn-cs"/>
+              </a:defRPr>
+            </a:lvl5pPr>
+            <a:lvl6pPr marL="2286000" indent="0" algn="ctr" defTabSz="914400" rtl="0" eaLnBrk="1" latinLnBrk="0" hangingPunct="1">
+              <a:lnSpc>
+                <a:spcPct val="90000"/>
+              </a:lnSpc>
+              <a:spcBef>
+                <a:spcPts val="500"/>
+              </a:spcBef>
+              <a:buFont typeface="Arial" panose="020B0604020202020204" pitchFamily="34" charset="0"/>
+              <a:buNone/>
+              <a:defRPr kumimoji="1" sz="1600" kern="1200">
+                <a:solidFill>
+                  <a:schemeClr val="tx1"/>
+                </a:solidFill>
+                <a:latin typeface="+mn-lt"/>
+                <a:ea typeface="+mn-ea"/>
+                <a:cs typeface="+mn-cs"/>
+              </a:defRPr>
+            </a:lvl6pPr>
+            <a:lvl7pPr marL="2743200" indent="0" algn="ctr" defTabSz="914400" rtl="0" eaLnBrk="1" latinLnBrk="0" hangingPunct="1">
+              <a:lnSpc>
+                <a:spcPct val="90000"/>
+              </a:lnSpc>
+              <a:spcBef>
+                <a:spcPts val="500"/>
+              </a:spcBef>
+              <a:buFont typeface="Arial" panose="020B0604020202020204" pitchFamily="34" charset="0"/>
+              <a:buNone/>
+              <a:defRPr kumimoji="1" sz="1600" kern="1200">
+                <a:solidFill>
+                  <a:schemeClr val="tx1"/>
+                </a:solidFill>
+                <a:latin typeface="+mn-lt"/>
+                <a:ea typeface="+mn-ea"/>
+                <a:cs typeface="+mn-cs"/>
+              </a:defRPr>
+            </a:lvl7pPr>
+            <a:lvl8pPr marL="3200400" indent="0" algn="ctr" defTabSz="914400" rtl="0" eaLnBrk="1" latinLnBrk="0" hangingPunct="1">
+              <a:lnSpc>
+                <a:spcPct val="90000"/>
+              </a:lnSpc>
+              <a:spcBef>
+                <a:spcPts val="500"/>
+              </a:spcBef>
+              <a:buFont typeface="Arial" panose="020B0604020202020204" pitchFamily="34" charset="0"/>
+              <a:buNone/>
+              <a:defRPr kumimoji="1" sz="1600" kern="1200">
+                <a:solidFill>
+                  <a:schemeClr val="tx1"/>
+                </a:solidFill>
+                <a:latin typeface="+mn-lt"/>
+                <a:ea typeface="+mn-ea"/>
+                <a:cs typeface="+mn-cs"/>
+              </a:defRPr>
+            </a:lvl8pPr>
+            <a:lvl9pPr marL="3657600" indent="0" algn="ctr" defTabSz="914400" rtl="0" eaLnBrk="1" latinLnBrk="0" hangingPunct="1">
+              <a:lnSpc>
+                <a:spcPct val="90000"/>
+              </a:lnSpc>
+              <a:spcBef>
+                <a:spcPts val="500"/>
+              </a:spcBef>
+              <a:buFont typeface="Arial" panose="020B0604020202020204" pitchFamily="34" charset="0"/>
+              <a:buNone/>
+              <a:defRPr kumimoji="1" sz="1600" kern="1200">
+                <a:solidFill>
+                  <a:schemeClr val="tx1"/>
+                </a:solidFill>
+                <a:latin typeface="+mn-lt"/>
+                <a:ea typeface="+mn-ea"/>
+                <a:cs typeface="+mn-cs"/>
+              </a:defRPr>
+            </a:lvl9pPr>
+          </a:lstStyle>
+          <a:p>
+            <a:r>
+              <a:rPr lang="en-US" altLang="ja-JP" sz="1200" b="1" dirty="0">
+                <a:solidFill>
+                  <a:schemeClr val="bg1">
+                    <a:lumMod val="75000"/>
+                  </a:schemeClr>
+                </a:solidFill>
+                <a:latin typeface="BIZ UDPゴシック" panose="020B0400000000000000" pitchFamily="50" charset="-128"/>
+                <a:ea typeface="BIZ UDPゴシック" panose="020B0400000000000000" pitchFamily="50" charset="-128"/>
+              </a:rPr>
+              <a:t>2025.6.30</a:t>
+            </a:r>
+            <a:endParaRPr lang="ja-JP" altLang="en-US" sz="1200" b="1" dirty="0">
+              <a:solidFill>
+                <a:schemeClr val="bg1">
+                  <a:lumMod val="75000"/>
+                </a:schemeClr>
+              </a:solidFill>
+              <a:latin typeface="BIZ UDPゴシック" panose="020B0400000000000000" pitchFamily="50" charset="-128"/>
+              <a:ea typeface="BIZ UDPゴシック" panose="020B0400000000000000" pitchFamily="50" charset="-128"/>
+            </a:endParaRPr>
+          </a:p>
+        </p:txBody>
+      </p:sp>
+      <p:sp>
+        <p:nvSpPr>
+          <p:cNvPr id="3" name="コンテンツ プレースホルダー 2">
+            <a:extLst>
+              <a:ext uri="{FF2B5EF4-FFF2-40B4-BE49-F238E27FC236}">
+                <a16:creationId xmlns:a16="http://schemas.microsoft.com/office/drawing/2014/main" id="{D0DBFD95-D625-3741-863E-C4DB83E064F1}"/>
+              </a:ext>
+            </a:extLst>
+          </p:cNvPr>
+          <p:cNvSpPr txBox="1">
+            <a:spLocks/>
+          </p:cNvSpPr>
+          <p:nvPr/>
+        </p:nvSpPr>
+        <p:spPr>
+          <a:xfrm>
+            <a:off x="4440116" y="2193615"/>
+            <a:ext cx="6999050" cy="3168073"/>
+          </a:xfrm>
+          <a:prstGeom prst="rect">
+            <a:avLst/>
+          </a:prstGeom>
+        </p:spPr>
+        <p:txBody>
+          <a:bodyPr vert="horz" lIns="91440" tIns="45720" rIns="91440" bIns="45720" rtlCol="0" anchor="t">
+            <a:noAutofit/>
+          </a:bodyPr>
+          <a:lstStyle>
+            <a:lvl1pPr marL="285750" indent="-285750" algn="l" defTabSz="457200" rtl="0" eaLnBrk="1" latinLnBrk="0" hangingPunct="1">
+              <a:spcBef>
+                <a:spcPct val="20000"/>
+              </a:spcBef>
+              <a:spcAft>
+                <a:spcPts val="600"/>
+              </a:spcAft>
+              <a:buClr>
+                <a:schemeClr val="accent1"/>
+              </a:buClr>
+              <a:buSzPct val="115000"/>
+              <a:buFont typeface="Arial"/>
+              <a:buChar char="•"/>
+              <a:defRPr kumimoji="1" sz="2400" kern="1200" cap="none">
+                <a:solidFill>
+                  <a:schemeClr val="tx1">
+                    <a:lumMod val="85000"/>
+                    <a:lumOff val="15000"/>
+                  </a:schemeClr>
+                </a:solidFill>
+                <a:effectLst/>
+                <a:latin typeface="+mn-lt"/>
+                <a:ea typeface="+mn-ea"/>
+                <a:cs typeface="+mn-cs"/>
+              </a:defRPr>
+            </a:lvl1pPr>
+            <a:lvl2pPr marL="742950" indent="-285750" algn="l" defTabSz="457200" rtl="0" eaLnBrk="1" latinLnBrk="0" hangingPunct="1">
+              <a:spcBef>
+                <a:spcPct val="20000"/>
+              </a:spcBef>
+              <a:spcAft>
+                <a:spcPts val="600"/>
+              </a:spcAft>
+              <a:buClr>
+                <a:schemeClr val="accent1"/>
+              </a:buClr>
+              <a:buSzPct val="115000"/>
+              <a:buFont typeface="Arial"/>
+              <a:buChar char="•"/>
+              <a:defRPr kumimoji="1" sz="2000" kern="1200" cap="none">
+                <a:solidFill>
+                  <a:schemeClr val="tx1">
+                    <a:lumMod val="85000"/>
+                    <a:lumOff val="15000"/>
+                  </a:schemeClr>
+                </a:solidFill>
+                <a:effectLst/>
+                <a:latin typeface="+mn-lt"/>
+                <a:ea typeface="+mn-ea"/>
+                <a:cs typeface="+mn-cs"/>
+              </a:defRPr>
+            </a:lvl2pPr>
+            <a:lvl3pPr marL="1200150" indent="-285750" algn="l" defTabSz="457200" rtl="0" eaLnBrk="1" latinLnBrk="0" hangingPunct="1">
+              <a:spcBef>
+                <a:spcPct val="20000"/>
+              </a:spcBef>
+              <a:spcAft>
+                <a:spcPts val="600"/>
+              </a:spcAft>
+              <a:buClr>
+                <a:schemeClr val="accent1"/>
+              </a:buClr>
+              <a:buSzPct val="115000"/>
+              <a:buFont typeface="Arial"/>
+              <a:buChar char="•"/>
+              <a:defRPr kumimoji="1" sz="1800" kern="1200" cap="none">
+                <a:solidFill>
+                  <a:schemeClr val="tx1">
+                    <a:lumMod val="85000"/>
+                    <a:lumOff val="15000"/>
+                  </a:schemeClr>
+                </a:solidFill>
+                <a:effectLst/>
+                <a:latin typeface="+mn-lt"/>
+                <a:ea typeface="+mn-ea"/>
+                <a:cs typeface="+mn-cs"/>
+              </a:defRPr>
+            </a:lvl3pPr>
+            <a:lvl4pPr marL="1543050" indent="-171450" algn="l" defTabSz="457200" rtl="0" eaLnBrk="1" latinLnBrk="0" hangingPunct="1">
+              <a:spcBef>
+                <a:spcPct val="20000"/>
+              </a:spcBef>
+              <a:spcAft>
+                <a:spcPts val="600"/>
+              </a:spcAft>
+              <a:buClr>
+                <a:schemeClr val="accent1"/>
+              </a:buClr>
+              <a:buSzPct val="115000"/>
+              <a:buFont typeface="Arial"/>
+              <a:buChar char="•"/>
+              <a:defRPr kumimoji="1" sz="1600" kern="1200" cap="none">
+                <a:solidFill>
+                  <a:schemeClr val="tx1">
+                    <a:lumMod val="85000"/>
+                    <a:lumOff val="15000"/>
+                  </a:schemeClr>
+                </a:solidFill>
+                <a:effectLst/>
+                <a:latin typeface="+mn-lt"/>
+                <a:ea typeface="+mn-ea"/>
+                <a:cs typeface="+mn-cs"/>
+              </a:defRPr>
+            </a:lvl4pPr>
+            <a:lvl5pPr marL="2000250" indent="-171450" algn="l" defTabSz="457200" rtl="0" eaLnBrk="1" latinLnBrk="0" hangingPunct="1">
+              <a:spcBef>
+                <a:spcPct val="20000"/>
+              </a:spcBef>
+              <a:spcAft>
+                <a:spcPts val="600"/>
+              </a:spcAft>
+              <a:buClr>
+                <a:schemeClr val="accent1"/>
+              </a:buClr>
+              <a:buSzPct val="115000"/>
+              <a:buFont typeface="Arial"/>
+              <a:buChar char="•"/>
+              <a:defRPr kumimoji="1" sz="1400" kern="1200" cap="none">
+                <a:solidFill>
+                  <a:schemeClr val="tx1">
+                    <a:lumMod val="85000"/>
+                    <a:lumOff val="15000"/>
+                  </a:schemeClr>
+                </a:solidFill>
+                <a:effectLst/>
+                <a:latin typeface="+mn-lt"/>
+                <a:ea typeface="+mn-ea"/>
+                <a:cs typeface="+mn-cs"/>
+              </a:defRPr>
+            </a:lvl5pPr>
+            <a:lvl6pPr marL="2514600" indent="-228600" algn="l" defTabSz="457200" rtl="0" eaLnBrk="1" latinLnBrk="0" hangingPunct="1">
+              <a:spcBef>
+                <a:spcPct val="20000"/>
+              </a:spcBef>
+              <a:spcAft>
+                <a:spcPts val="600"/>
+              </a:spcAft>
+              <a:buClr>
+                <a:schemeClr val="accent1"/>
+              </a:buClr>
+              <a:buSzPct val="115000"/>
+              <a:buFont typeface="Arial"/>
+              <a:buChar char="•"/>
+              <a:defRPr kumimoji="1" sz="1400" kern="1200" cap="none">
+                <a:solidFill>
+                  <a:schemeClr val="tx1">
+                    <a:lumMod val="85000"/>
+                    <a:lumOff val="15000"/>
+                  </a:schemeClr>
+                </a:solidFill>
+                <a:effectLst/>
+                <a:latin typeface="+mn-lt"/>
+                <a:ea typeface="+mn-ea"/>
+                <a:cs typeface="+mn-cs"/>
+              </a:defRPr>
+            </a:lvl6pPr>
+            <a:lvl7pPr marL="2971800" indent="-228600" algn="l" defTabSz="457200" rtl="0" eaLnBrk="1" latinLnBrk="0" hangingPunct="1">
+              <a:spcBef>
+                <a:spcPct val="20000"/>
+              </a:spcBef>
+              <a:spcAft>
+                <a:spcPts val="600"/>
+              </a:spcAft>
+              <a:buClr>
+                <a:schemeClr val="accent1"/>
+              </a:buClr>
+              <a:buSzPct val="115000"/>
+              <a:buFont typeface="Arial"/>
+              <a:buChar char="•"/>
+              <a:defRPr kumimoji="1" sz="1400" kern="1200" cap="none">
+                <a:solidFill>
+                  <a:schemeClr val="tx1">
+                    <a:lumMod val="85000"/>
+                    <a:lumOff val="15000"/>
+                  </a:schemeClr>
+                </a:solidFill>
+                <a:effectLst/>
+                <a:latin typeface="+mn-lt"/>
+                <a:ea typeface="+mn-ea"/>
+                <a:cs typeface="+mn-cs"/>
+              </a:defRPr>
+            </a:lvl7pPr>
+            <a:lvl8pPr marL="3429000" indent="-228600" algn="l" defTabSz="457200" rtl="0" eaLnBrk="1" latinLnBrk="0" hangingPunct="1">
+              <a:spcBef>
+                <a:spcPct val="20000"/>
+              </a:spcBef>
+              <a:spcAft>
+                <a:spcPts val="600"/>
+              </a:spcAft>
+              <a:buClr>
+                <a:schemeClr val="accent1"/>
+              </a:buClr>
+              <a:buSzPct val="115000"/>
+              <a:buFont typeface="Arial"/>
+              <a:buChar char="•"/>
+              <a:defRPr kumimoji="1" sz="1400" kern="1200" cap="none">
+                <a:solidFill>
+                  <a:schemeClr val="tx1">
+                    <a:lumMod val="85000"/>
+                    <a:lumOff val="15000"/>
+                  </a:schemeClr>
+                </a:solidFill>
+                <a:effectLst/>
+                <a:latin typeface="+mn-lt"/>
+                <a:ea typeface="+mn-ea"/>
+                <a:cs typeface="+mn-cs"/>
+              </a:defRPr>
+            </a:lvl8pPr>
+            <a:lvl9pPr marL="3886200" indent="-228600" algn="l" defTabSz="457200" rtl="0" eaLnBrk="1" latinLnBrk="0" hangingPunct="1">
+              <a:spcBef>
+                <a:spcPct val="20000"/>
+              </a:spcBef>
+              <a:spcAft>
+                <a:spcPts val="600"/>
+              </a:spcAft>
+              <a:buClr>
+                <a:schemeClr val="accent1"/>
+              </a:buClr>
+              <a:buSzPct val="115000"/>
+              <a:buFont typeface="Arial"/>
+              <a:buChar char="•"/>
+              <a:defRPr kumimoji="1" sz="1400" kern="1200" cap="none">
+                <a:solidFill>
+                  <a:schemeClr val="tx1">
+                    <a:lumMod val="85000"/>
+                    <a:lumOff val="15000"/>
+                  </a:schemeClr>
+                </a:solidFill>
+                <a:effectLst/>
+                <a:latin typeface="+mn-lt"/>
+                <a:ea typeface="+mn-ea"/>
+                <a:cs typeface="+mn-cs"/>
+              </a:defRPr>
+            </a:lvl9pPr>
+          </a:lstStyle>
+          <a:p>
+            <a:pPr marL="0" marR="0" lvl="0" indent="0" algn="l" defTabSz="457200" rtl="0" eaLnBrk="1" fontAlgn="auto" latinLnBrk="0" hangingPunct="1">
+              <a:lnSpc>
+                <a:spcPct val="100000"/>
+              </a:lnSpc>
+              <a:spcBef>
+                <a:spcPct val="20000"/>
+              </a:spcBef>
+              <a:spcAft>
+                <a:spcPts val="600"/>
+              </a:spcAft>
+              <a:buClr>
+                <a:srgbClr val="83992A"/>
+              </a:buClr>
+              <a:buSzPct val="115000"/>
+              <a:buFont typeface="Arial"/>
+              <a:buNone/>
+              <a:tabLst/>
+              <a:defRPr/>
+            </a:pPr>
+            <a:r>
+              <a:rPr kumimoji="1" lang="ja-JP" altLang="en-US" sz="2000" b="1" i="0" u="none" strike="noStrike" kern="1200" cap="none" spc="0" normalizeH="0" baseline="0" noProof="0" dirty="0">
+                <a:ln>
+                  <a:noFill/>
+                </a:ln>
+                <a:solidFill>
+                  <a:schemeClr val="bg2">
+                    <a:lumMod val="25000"/>
+                  </a:schemeClr>
+                </a:solidFill>
+                <a:effectLst/>
+                <a:uLnTx/>
+                <a:uFillTx/>
+                <a:latin typeface="BIZ UDPゴシック" panose="020B0400000000000000" pitchFamily="50" charset="-128"/>
+                <a:ea typeface="BIZ UDPゴシック" panose="020B0400000000000000" pitchFamily="50" charset="-128"/>
+              </a:rPr>
+              <a:t>＊度重なる案出しの却下　　＊ペルソナの再構築</a:t>
+            </a:r>
+            <a:endParaRPr kumimoji="1" lang="en-US" altLang="ja-JP" sz="2000" b="1" i="0" u="none" strike="noStrike" kern="1200" cap="none" spc="0" normalizeH="0" baseline="0" noProof="0" dirty="0">
+              <a:ln>
+                <a:noFill/>
+              </a:ln>
+              <a:solidFill>
+                <a:schemeClr val="bg2">
+                  <a:lumMod val="25000"/>
+                </a:schemeClr>
+              </a:solidFill>
+              <a:effectLst/>
+              <a:uLnTx/>
+              <a:uFillTx/>
+              <a:latin typeface="BIZ UDPゴシック" panose="020B0400000000000000" pitchFamily="50" charset="-128"/>
+              <a:ea typeface="BIZ UDPゴシック" panose="020B0400000000000000" pitchFamily="50" charset="-128"/>
+            </a:endParaRPr>
+          </a:p>
+          <a:p>
+            <a:pPr marL="0" marR="0" lvl="0" indent="0" algn="l" defTabSz="457200" rtl="0" eaLnBrk="1" fontAlgn="auto" latinLnBrk="0" hangingPunct="1">
+              <a:lnSpc>
+                <a:spcPct val="100000"/>
+              </a:lnSpc>
+              <a:spcBef>
+                <a:spcPct val="20000"/>
+              </a:spcBef>
+              <a:spcAft>
+                <a:spcPts val="600"/>
+              </a:spcAft>
+              <a:buClr>
+                <a:srgbClr val="83992A"/>
+              </a:buClr>
+              <a:buSzPct val="115000"/>
+              <a:buFont typeface="Arial"/>
+              <a:buNone/>
+              <a:tabLst/>
+              <a:defRPr/>
+            </a:pPr>
+            <a:endParaRPr kumimoji="1" lang="en-US" altLang="ja-JP" sz="2000" b="1" i="0" u="none" strike="noStrike" kern="1200" cap="none" spc="0" normalizeH="0" baseline="0" noProof="0" dirty="0">
+              <a:ln>
+                <a:noFill/>
+              </a:ln>
+              <a:solidFill>
+                <a:schemeClr val="bg2">
+                  <a:lumMod val="25000"/>
+                </a:schemeClr>
+              </a:solidFill>
+              <a:effectLst/>
+              <a:uLnTx/>
+              <a:uFillTx/>
+              <a:latin typeface="BIZ UDPゴシック" panose="020B0400000000000000" pitchFamily="50" charset="-128"/>
+              <a:ea typeface="BIZ UDPゴシック" panose="020B0400000000000000" pitchFamily="50" charset="-128"/>
+            </a:endParaRPr>
+          </a:p>
+          <a:p>
+            <a:pPr marL="0" marR="0" lvl="0" indent="0" algn="l" defTabSz="457200" rtl="0" eaLnBrk="1" fontAlgn="auto" latinLnBrk="0" hangingPunct="1">
+              <a:lnSpc>
+                <a:spcPct val="100000"/>
+              </a:lnSpc>
+              <a:spcBef>
+                <a:spcPct val="20000"/>
+              </a:spcBef>
+              <a:spcAft>
+                <a:spcPts val="600"/>
+              </a:spcAft>
+              <a:buClr>
+                <a:srgbClr val="83992A"/>
+              </a:buClr>
+              <a:buSzPct val="115000"/>
+              <a:buFont typeface="Arial"/>
+              <a:buNone/>
+              <a:tabLst/>
+              <a:defRPr/>
+            </a:pPr>
+            <a:r>
+              <a:rPr kumimoji="1" lang="ja-JP" altLang="en-US" sz="2000" b="1" i="0" u="none" strike="noStrike" kern="1200" cap="none" spc="0" normalizeH="0" baseline="0" noProof="0" dirty="0">
+                <a:ln>
+                  <a:noFill/>
+                </a:ln>
+                <a:solidFill>
+                  <a:schemeClr val="bg2">
+                    <a:lumMod val="25000"/>
+                  </a:schemeClr>
+                </a:solidFill>
+                <a:effectLst/>
+                <a:uLnTx/>
+                <a:uFillTx/>
+                <a:latin typeface="BIZ UDPゴシック" panose="020B0400000000000000" pitchFamily="50" charset="-128"/>
+                <a:ea typeface="BIZ UDPゴシック" panose="020B0400000000000000" pitchFamily="50" charset="-128"/>
+              </a:rPr>
+              <a:t>＊その遅れを引きずった状態での開発　＊全体的な日程管理　</a:t>
+            </a:r>
+            <a:endParaRPr kumimoji="1" lang="en-US" altLang="ja-JP" sz="2000" b="1" i="0" u="none" strike="noStrike" kern="1200" cap="none" spc="0" normalizeH="0" baseline="0" noProof="0" dirty="0">
+              <a:ln>
+                <a:noFill/>
+              </a:ln>
+              <a:solidFill>
+                <a:schemeClr val="bg2">
+                  <a:lumMod val="25000"/>
+                </a:schemeClr>
+              </a:solidFill>
+              <a:effectLst/>
+              <a:uLnTx/>
+              <a:uFillTx/>
+              <a:latin typeface="BIZ UDPゴシック" panose="020B0400000000000000" pitchFamily="50" charset="-128"/>
+              <a:ea typeface="BIZ UDPゴシック" panose="020B0400000000000000" pitchFamily="50" charset="-128"/>
+            </a:endParaRPr>
+          </a:p>
+          <a:p>
+            <a:pPr marL="0" marR="0" lvl="0" indent="0" algn="l" defTabSz="457200" rtl="0" eaLnBrk="1" fontAlgn="auto" latinLnBrk="0" hangingPunct="1">
+              <a:lnSpc>
+                <a:spcPct val="100000"/>
+              </a:lnSpc>
+              <a:spcBef>
+                <a:spcPct val="20000"/>
+              </a:spcBef>
+              <a:spcAft>
+                <a:spcPts val="600"/>
+              </a:spcAft>
+              <a:buClr>
+                <a:srgbClr val="83992A"/>
+              </a:buClr>
+              <a:buSzPct val="115000"/>
+              <a:buFont typeface="Arial"/>
+              <a:buNone/>
+              <a:tabLst/>
+              <a:defRPr/>
+            </a:pPr>
+            <a:endParaRPr kumimoji="1" lang="en-US" altLang="ja-JP" sz="2000" b="1" i="0" u="none" strike="noStrike" kern="1200" cap="none" spc="0" normalizeH="0" baseline="0" noProof="0" dirty="0">
+              <a:ln>
+                <a:noFill/>
+              </a:ln>
+              <a:solidFill>
+                <a:schemeClr val="bg2">
+                  <a:lumMod val="25000"/>
+                </a:schemeClr>
+              </a:solidFill>
+              <a:effectLst/>
+              <a:uLnTx/>
+              <a:uFillTx/>
+              <a:latin typeface="BIZ UDPゴシック" panose="020B0400000000000000" pitchFamily="50" charset="-128"/>
+              <a:ea typeface="BIZ UDPゴシック" panose="020B0400000000000000" pitchFamily="50" charset="-128"/>
+            </a:endParaRPr>
+          </a:p>
+          <a:p>
+            <a:pPr marL="0" marR="0" lvl="0" indent="0" algn="l" defTabSz="457200" rtl="0" eaLnBrk="1" fontAlgn="auto" latinLnBrk="0" hangingPunct="1">
+              <a:lnSpc>
+                <a:spcPct val="100000"/>
+              </a:lnSpc>
+              <a:spcBef>
+                <a:spcPct val="20000"/>
+              </a:spcBef>
+              <a:spcAft>
+                <a:spcPts val="600"/>
+              </a:spcAft>
+              <a:buClr>
+                <a:srgbClr val="83992A"/>
+              </a:buClr>
+              <a:buSzPct val="115000"/>
+              <a:buFont typeface="Arial"/>
+              <a:buNone/>
+              <a:tabLst/>
+              <a:defRPr/>
+            </a:pPr>
+            <a:r>
+              <a:rPr kumimoji="1" lang="ja-JP" altLang="en-US" sz="2000" b="1" i="0" u="none" strike="noStrike" kern="1200" cap="none" spc="0" normalizeH="0" baseline="0" noProof="0" dirty="0">
+                <a:ln>
+                  <a:noFill/>
+                </a:ln>
+                <a:solidFill>
+                  <a:schemeClr val="bg2">
+                    <a:lumMod val="25000"/>
+                  </a:schemeClr>
+                </a:solidFill>
+                <a:effectLst/>
+                <a:uLnTx/>
+                <a:uFillTx/>
+                <a:latin typeface="BIZ UDPゴシック" panose="020B0400000000000000" pitchFamily="50" charset="-128"/>
+                <a:ea typeface="BIZ UDPゴシック" panose="020B0400000000000000" pitchFamily="50" charset="-128"/>
+              </a:rPr>
+              <a:t>＊有料</a:t>
+            </a:r>
+            <a:r>
+              <a:rPr kumimoji="1" lang="en-US" altLang="ja-JP" sz="2000" b="1" i="0" u="none" strike="noStrike" kern="1200" cap="none" spc="0" normalizeH="0" baseline="0" noProof="0" dirty="0">
+                <a:ln>
+                  <a:noFill/>
+                </a:ln>
+                <a:solidFill>
+                  <a:schemeClr val="bg2">
+                    <a:lumMod val="25000"/>
+                  </a:schemeClr>
+                </a:solidFill>
+                <a:effectLst/>
+                <a:uLnTx/>
+                <a:uFillTx/>
+                <a:latin typeface="BIZ UDPゴシック" panose="020B0400000000000000" pitchFamily="50" charset="-128"/>
+                <a:ea typeface="BIZ UDPゴシック" panose="020B0400000000000000" pitchFamily="50" charset="-128"/>
+              </a:rPr>
+              <a:t>API</a:t>
+            </a:r>
+            <a:r>
+              <a:rPr kumimoji="1" lang="ja-JP" altLang="en-US" sz="2000" b="1" i="0" u="none" strike="noStrike" kern="1200" cap="none" spc="0" normalizeH="0" baseline="0" noProof="0" dirty="0">
+                <a:ln>
+                  <a:noFill/>
+                </a:ln>
+                <a:solidFill>
+                  <a:schemeClr val="bg2">
+                    <a:lumMod val="25000"/>
+                  </a:schemeClr>
+                </a:solidFill>
+                <a:effectLst/>
+                <a:uLnTx/>
+                <a:uFillTx/>
+                <a:latin typeface="BIZ UDPゴシック" panose="020B0400000000000000" pitchFamily="50" charset="-128"/>
+                <a:ea typeface="BIZ UDPゴシック" panose="020B0400000000000000" pitchFamily="50" charset="-128"/>
+              </a:rPr>
+              <a:t>の壁　＊ガントチャートの実装　</a:t>
+            </a:r>
+            <a:endParaRPr kumimoji="1" lang="en-US" altLang="ja-JP" sz="2000" b="1" i="0" u="none" strike="noStrike" kern="1200" cap="none" spc="0" normalizeH="0" baseline="0" noProof="0" dirty="0">
+              <a:ln>
+                <a:noFill/>
+              </a:ln>
+              <a:solidFill>
+                <a:schemeClr val="bg2">
+                  <a:lumMod val="25000"/>
+                </a:schemeClr>
+              </a:solidFill>
+              <a:effectLst/>
+              <a:uLnTx/>
+              <a:uFillTx/>
+              <a:latin typeface="BIZ UDPゴシック" panose="020B0400000000000000" pitchFamily="50" charset="-128"/>
+              <a:ea typeface="BIZ UDPゴシック" panose="020B0400000000000000" pitchFamily="50" charset="-128"/>
+            </a:endParaRPr>
+          </a:p>
+          <a:p>
+            <a:pPr marL="0" marR="0" lvl="0" indent="0" algn="l" defTabSz="457200" rtl="0" eaLnBrk="1" fontAlgn="auto" latinLnBrk="0" hangingPunct="1">
+              <a:lnSpc>
+                <a:spcPct val="100000"/>
+              </a:lnSpc>
+              <a:spcBef>
+                <a:spcPct val="20000"/>
+              </a:spcBef>
+              <a:spcAft>
+                <a:spcPts val="600"/>
+              </a:spcAft>
+              <a:buClr>
+                <a:srgbClr val="83992A"/>
+              </a:buClr>
+              <a:buSzPct val="115000"/>
+              <a:buFont typeface="Arial"/>
+              <a:buNone/>
+              <a:tabLst/>
+              <a:defRPr/>
+            </a:pPr>
+            <a:endParaRPr kumimoji="1" lang="en-US" altLang="ja-JP" sz="2000" b="1" i="0" u="none" strike="noStrike" kern="1200" cap="none" spc="0" normalizeH="0" baseline="0" noProof="0" dirty="0">
+              <a:ln>
+                <a:noFill/>
+              </a:ln>
+              <a:solidFill>
+                <a:schemeClr val="bg2">
+                  <a:lumMod val="25000"/>
+                </a:schemeClr>
+              </a:solidFill>
+              <a:effectLst/>
+              <a:uLnTx/>
+              <a:uFillTx/>
+              <a:latin typeface="BIZ UDPゴシック" panose="020B0400000000000000" pitchFamily="50" charset="-128"/>
+              <a:ea typeface="BIZ UDPゴシック" panose="020B0400000000000000" pitchFamily="50" charset="-128"/>
+            </a:endParaRPr>
+          </a:p>
+          <a:p>
+            <a:pPr marL="0" marR="0" lvl="0" indent="0" algn="l" defTabSz="457200" rtl="0" eaLnBrk="1" fontAlgn="auto" latinLnBrk="0" hangingPunct="1">
+              <a:lnSpc>
+                <a:spcPct val="100000"/>
+              </a:lnSpc>
+              <a:spcBef>
+                <a:spcPct val="20000"/>
+              </a:spcBef>
+              <a:spcAft>
+                <a:spcPts val="600"/>
+              </a:spcAft>
+              <a:buClr>
+                <a:srgbClr val="83992A"/>
+              </a:buClr>
+              <a:buSzPct val="115000"/>
+              <a:buFont typeface="Arial"/>
+              <a:buNone/>
+              <a:tabLst/>
+              <a:defRPr/>
+            </a:pPr>
+            <a:r>
+              <a:rPr kumimoji="1" lang="ja-JP" altLang="en-US" sz="2000" b="1" i="0" u="none" strike="noStrike" kern="1200" cap="none" spc="0" normalizeH="0" baseline="0" noProof="0" dirty="0">
+                <a:ln>
+                  <a:noFill/>
+                </a:ln>
+                <a:solidFill>
+                  <a:schemeClr val="bg2">
+                    <a:lumMod val="25000"/>
+                  </a:schemeClr>
+                </a:solidFill>
+                <a:effectLst/>
+                <a:uLnTx/>
+                <a:uFillTx/>
+                <a:latin typeface="BIZ UDPゴシック" panose="020B0400000000000000" pitchFamily="50" charset="-128"/>
+                <a:ea typeface="BIZ UDPゴシック" panose="020B0400000000000000" pitchFamily="50" charset="-128"/>
+              </a:rPr>
+              <a:t>＊予定をカレンダーに同期　　＊多対多のデータのやり取り</a:t>
+            </a:r>
+            <a:endParaRPr kumimoji="1" lang="en-US" altLang="ja-JP" sz="2000" b="1" i="0" u="none" strike="noStrike" kern="1200" cap="none" spc="0" normalizeH="0" baseline="0" noProof="0" dirty="0">
+              <a:ln>
+                <a:noFill/>
+              </a:ln>
+              <a:solidFill>
+                <a:schemeClr val="bg2">
+                  <a:lumMod val="25000"/>
+                </a:schemeClr>
+              </a:solidFill>
+              <a:effectLst/>
+              <a:uLnTx/>
+              <a:uFillTx/>
+              <a:latin typeface="BIZ UDPゴシック" panose="020B0400000000000000" pitchFamily="50" charset="-128"/>
+              <a:ea typeface="BIZ UDPゴシック" panose="020B0400000000000000" pitchFamily="50" charset="-128"/>
+            </a:endParaRPr>
+          </a:p>
+        </p:txBody>
+      </p:sp>
+      <p:pic>
+        <p:nvPicPr>
+          <p:cNvPr id="7" name="図 6" descr="皿の上にあるケーキ&#10;&#10;AI 生成コンテンツは誤りを含む可能性があります。">
+            <a:extLst>
+              <a:ext uri="{FF2B5EF4-FFF2-40B4-BE49-F238E27FC236}">
+                <a16:creationId xmlns:a16="http://schemas.microsoft.com/office/drawing/2014/main" id="{17E0A17A-00E3-65BE-DC38-5F0FCF0C1C4A}"/>
+              </a:ext>
+            </a:extLst>
+          </p:cNvPr>
+          <p:cNvPicPr>
+            <a:picLocks noChangeAspect="1"/>
+          </p:cNvPicPr>
+          <p:nvPr/>
+        </p:nvPicPr>
+        <p:blipFill>
+          <a:blip r:embed="rId4">
+            <a:extLst>
+              <a:ext uri="{28A0092B-C50C-407E-A947-70E740481C1C}">
+                <a14:useLocalDpi xmlns:a14="http://schemas.microsoft.com/office/drawing/2010/main" val="0"/>
+              </a:ext>
+            </a:extLst>
+          </a:blip>
+          <a:stretch>
+            <a:fillRect/>
+          </a:stretch>
+        </p:blipFill>
+        <p:spPr>
+          <a:xfrm>
+            <a:off x="1230429" y="3429000"/>
+            <a:ext cx="2979100" cy="2234325"/>
+          </a:xfrm>
+          <a:prstGeom prst="rect">
+            <a:avLst/>
+          </a:prstGeom>
+        </p:spPr>
+      </p:pic>
+      <p:sp>
+        <p:nvSpPr>
+          <p:cNvPr id="4" name="タイトル 1">
+            <a:extLst>
+              <a:ext uri="{FF2B5EF4-FFF2-40B4-BE49-F238E27FC236}">
+                <a16:creationId xmlns:a16="http://schemas.microsoft.com/office/drawing/2014/main" id="{2F2BE39D-900F-171C-CDFB-91EF182C135B}"/>
+              </a:ext>
+            </a:extLst>
+          </p:cNvPr>
+          <p:cNvSpPr txBox="1">
+            <a:spLocks/>
+          </p:cNvSpPr>
+          <p:nvPr/>
+        </p:nvSpPr>
+        <p:spPr>
+          <a:xfrm>
+            <a:off x="4084602" y="682293"/>
+            <a:ext cx="4304145" cy="1009651"/>
+          </a:xfrm>
+          <a:prstGeom prst="rect">
+            <a:avLst/>
+          </a:prstGeom>
+          <a:effectLst/>
+        </p:spPr>
+        <p:txBody>
+          <a:bodyPr vert="horz" lIns="91440" tIns="45720" rIns="91440" bIns="45720" rtlCol="0" anchor="ctr">
+            <a:normAutofit/>
+          </a:bodyPr>
+          <a:lstStyle>
+            <a:lvl1pPr algn="ctr" defTabSz="457200" rtl="0" eaLnBrk="1" latinLnBrk="0" hangingPunct="1">
+              <a:spcBef>
+                <a:spcPct val="0"/>
+              </a:spcBef>
+              <a:buNone/>
+              <a:defRPr kumimoji="1" sz="4400" kern="1200" cap="none">
+                <a:ln w="3175" cmpd="sng">
+                  <a:noFill/>
+                </a:ln>
+                <a:solidFill>
+                  <a:schemeClr val="tx1">
+                    <a:lumMod val="85000"/>
+                    <a:lumOff val="15000"/>
+                  </a:schemeClr>
+                </a:solidFill>
+                <a:effectLst/>
+                <a:latin typeface="+mj-lt"/>
+                <a:ea typeface="+mj-ea"/>
+                <a:cs typeface="+mj-cs"/>
+              </a:defRPr>
+            </a:lvl1pPr>
+            <a:lvl2pPr eaLnBrk="1" hangingPunct="1">
+              <a:defRPr kumimoji="1">
+                <a:solidFill>
+                  <a:schemeClr val="tx2"/>
+                </a:solidFill>
+              </a:defRPr>
+            </a:lvl2pPr>
+            <a:lvl3pPr eaLnBrk="1" hangingPunct="1">
+              <a:defRPr kumimoji="1">
+                <a:solidFill>
+                  <a:schemeClr val="tx2"/>
+                </a:solidFill>
+              </a:defRPr>
+            </a:lvl3pPr>
+            <a:lvl4pPr eaLnBrk="1" hangingPunct="1">
+              <a:defRPr kumimoji="1">
+                <a:solidFill>
+                  <a:schemeClr val="tx2"/>
+                </a:solidFill>
+              </a:defRPr>
+            </a:lvl4pPr>
+            <a:lvl5pPr eaLnBrk="1" hangingPunct="1">
+              <a:defRPr kumimoji="1">
+                <a:solidFill>
+                  <a:schemeClr val="tx2"/>
+                </a:solidFill>
+              </a:defRPr>
+            </a:lvl5pPr>
+            <a:lvl6pPr eaLnBrk="1" hangingPunct="1">
+              <a:defRPr kumimoji="1">
+                <a:solidFill>
+                  <a:schemeClr val="tx2"/>
+                </a:solidFill>
+              </a:defRPr>
+            </a:lvl6pPr>
+            <a:lvl7pPr eaLnBrk="1" hangingPunct="1">
+              <a:defRPr kumimoji="1">
+                <a:solidFill>
+                  <a:schemeClr val="tx2"/>
+                </a:solidFill>
+              </a:defRPr>
+            </a:lvl7pPr>
+            <a:lvl8pPr eaLnBrk="1" hangingPunct="1">
+              <a:defRPr kumimoji="1">
+                <a:solidFill>
+                  <a:schemeClr val="tx2"/>
+                </a:solidFill>
+              </a:defRPr>
+            </a:lvl8pPr>
+            <a:lvl9pPr eaLnBrk="1" hangingPunct="1">
+              <a:defRPr kumimoji="1">
+                <a:solidFill>
+                  <a:schemeClr val="tx2"/>
+                </a:solidFill>
+              </a:defRPr>
+            </a:lvl9pPr>
+          </a:lstStyle>
+          <a:p>
+            <a:r>
+              <a:rPr lang="en-US" altLang="ja-JP" sz="4000" b="1" dirty="0">
+                <a:ln w="0"/>
+                <a:solidFill>
+                  <a:srgbClr val="FF9966"/>
+                </a:solidFill>
+                <a:effectLst>
+                  <a:outerShdw blurRad="38100" dist="19050" dir="2700000" algn="tl" rotWithShape="0">
+                    <a:schemeClr val="dk1">
+                      <a:alpha val="40000"/>
+                    </a:schemeClr>
+                  </a:outerShdw>
+                </a:effectLst>
+                <a:latin typeface="BIZ UDPゴシック" panose="020B0400000000000000" pitchFamily="50" charset="-128"/>
+                <a:ea typeface="BIZ UDPゴシック" panose="020B0400000000000000" pitchFamily="50" charset="-128"/>
+              </a:rPr>
+              <a:t>Ⅳ</a:t>
+            </a:r>
+            <a:r>
+              <a:rPr lang="ja-JP" altLang="en-US" sz="4000" b="1" dirty="0">
+                <a:ln w="0"/>
+                <a:solidFill>
+                  <a:srgbClr val="FF9966"/>
+                </a:solidFill>
+                <a:effectLst>
+                  <a:outerShdw blurRad="38100" dist="19050" dir="2700000" algn="tl" rotWithShape="0">
+                    <a:schemeClr val="dk1">
+                      <a:alpha val="40000"/>
+                    </a:schemeClr>
+                  </a:outerShdw>
+                </a:effectLst>
+                <a:latin typeface="BIZ UDPゴシック" panose="020B0400000000000000" pitchFamily="50" charset="-128"/>
+                <a:ea typeface="BIZ UDPゴシック" panose="020B0400000000000000" pitchFamily="50" charset="-128"/>
+              </a:rPr>
+              <a:t>　苦労した点</a:t>
+            </a:r>
+          </a:p>
+        </p:txBody>
+      </p:sp>
+    </p:spTree>
+    <p:extLst>
+      <p:ext uri="{BB962C8B-B14F-4D97-AF65-F5344CB8AC3E}">
+        <p14:creationId xmlns:p14="http://schemas.microsoft.com/office/powerpoint/2010/main" val="3226323332"/>
+      </p:ext>
+    </p:extLst>
+  </p:cSld>
+  <p:clrMapOvr>
+    <a:masterClrMapping/>
+  </p:clrMapOvr>
+</p:sld>
+</file>
+
+<file path=ppt/slides/slide11.xml><?xml version="1.0" encoding="utf-8"?>
+<p:sld xmlns:a="http://schemas.openxmlformats.org/drawingml/2006/main" xmlns:r="http://schemas.openxmlformats.org/officeDocument/2006/relationships" xmlns:p="http://schemas.openxmlformats.org/presentationml/2006/main">
+  <p:cSld>
+    <p:spTree>
+      <p:nvGrpSpPr>
+        <p:cNvPr id="1" name="">
+          <a:extLst>
+            <a:ext uri="{FF2B5EF4-FFF2-40B4-BE49-F238E27FC236}">
+              <a16:creationId xmlns:a16="http://schemas.microsoft.com/office/drawing/2014/main" id="{3A509D55-9173-8A09-3884-449B1BF9D0E5}"/>
+            </a:ext>
+          </a:extLst>
+        </p:cNvPr>
+        <p:cNvGrpSpPr/>
+        <p:nvPr/>
+      </p:nvGrpSpPr>
+      <p:grpSpPr>
+        <a:xfrm>
+          <a:off x="0" y="0"/>
+          <a:ext cx="0" cy="0"/>
+          <a:chOff x="0" y="0"/>
+          <a:chExt cx="0" cy="0"/>
+        </a:xfrm>
+      </p:grpSpPr>
+      <p:pic>
+        <p:nvPicPr>
+          <p:cNvPr id="11" name="図 10" descr="背景パターン&#10;&#10;AI 生成コンテンツは誤りを含む可能性があります。">
+            <a:extLst>
+              <a:ext uri="{FF2B5EF4-FFF2-40B4-BE49-F238E27FC236}">
+                <a16:creationId xmlns:a16="http://schemas.microsoft.com/office/drawing/2014/main" id="{E465D7C6-054A-032B-EE34-465EF5D59FE1}"/>
+              </a:ext>
+            </a:extLst>
+          </p:cNvPr>
+          <p:cNvPicPr>
+            <a:picLocks noChangeAspect="1"/>
+          </p:cNvPicPr>
+          <p:nvPr/>
+        </p:nvPicPr>
+        <p:blipFill>
+          <a:blip r:embed="rId3">
+            <a:extLst>
+              <a:ext uri="{28A0092B-C50C-407E-A947-70E740481C1C}">
+                <a14:useLocalDpi xmlns:a14="http://schemas.microsoft.com/office/drawing/2010/main" val="0"/>
+              </a:ext>
+            </a:extLst>
+          </a:blip>
+          <a:stretch>
+            <a:fillRect/>
+          </a:stretch>
+        </p:blipFill>
+        <p:spPr>
+          <a:xfrm>
+            <a:off x="0" y="0"/>
+            <a:ext cx="12192000" cy="6858000"/>
+          </a:xfrm>
+          <a:prstGeom prst="rect">
+            <a:avLst/>
+          </a:prstGeom>
+        </p:spPr>
+      </p:pic>
+      <p:sp>
+        <p:nvSpPr>
+          <p:cNvPr id="12" name="正方形/長方形 11">
+            <a:extLst>
+              <a:ext uri="{FF2B5EF4-FFF2-40B4-BE49-F238E27FC236}">
+                <a16:creationId xmlns:a16="http://schemas.microsoft.com/office/drawing/2014/main" id="{0540648B-FEFA-9A69-2E03-A2409FBB7D02}"/>
+              </a:ext>
+            </a:extLst>
+          </p:cNvPr>
+          <p:cNvSpPr/>
+          <p:nvPr/>
+        </p:nvSpPr>
+        <p:spPr>
+          <a:xfrm>
+            <a:off x="783012" y="481567"/>
+            <a:ext cx="11017719" cy="5717590"/>
+          </a:xfrm>
+          <a:prstGeom prst="rect">
+            <a:avLst/>
+          </a:prstGeom>
+          <a:ln>
+            <a:solidFill>
+              <a:srgbClr val="FFCC99"/>
+            </a:solidFill>
+          </a:ln>
+        </p:spPr>
+        <p:style>
+          <a:lnRef idx="2">
+            <a:schemeClr val="accent6"/>
+          </a:lnRef>
+          <a:fillRef idx="1">
+            <a:schemeClr val="lt1"/>
+          </a:fillRef>
+          <a:effectRef idx="0">
+            <a:schemeClr val="accent6"/>
+          </a:effectRef>
+          <a:fontRef idx="minor">
+            <a:schemeClr val="dk1"/>
+          </a:fontRef>
+        </p:style>
+        <p:txBody>
+          <a:bodyPr rtlCol="0" anchor="ctr"/>
+          <a:lstStyle/>
+          <a:p>
+            <a:pPr marL="0" marR="0" lvl="0" indent="0" algn="ctr" defTabSz="914400" rtl="0" eaLnBrk="1" fontAlgn="auto" latinLnBrk="0" hangingPunct="1">
+              <a:lnSpc>
+                <a:spcPct val="100000"/>
+              </a:lnSpc>
+              <a:spcBef>
+                <a:spcPts val="0"/>
+              </a:spcBef>
+              <a:spcAft>
+                <a:spcPts val="0"/>
+              </a:spcAft>
+              <a:buClrTx/>
+              <a:buSzTx/>
+              <a:buFontTx/>
+              <a:buNone/>
+              <a:tabLst/>
+              <a:defRPr/>
+            </a:pPr>
+            <a:endParaRPr kumimoji="1" lang="ja-JP" altLang="en-US" sz="1800" b="0" i="0" u="none" strike="noStrike" kern="1200" cap="none" spc="0" normalizeH="0" baseline="0" noProof="0">
+              <a:ln>
+                <a:noFill/>
+              </a:ln>
+              <a:solidFill>
+                <a:prstClr val="black"/>
+              </a:solidFill>
+              <a:effectLst/>
+              <a:uLnTx/>
+              <a:uFillTx/>
+              <a:latin typeface="游ゴシック" panose="02110004020202020204"/>
+              <a:ea typeface="游ゴシック" panose="020B0400000000000000" pitchFamily="50" charset="-128"/>
+              <a:cs typeface="+mn-cs"/>
+            </a:endParaRPr>
+          </a:p>
+        </p:txBody>
+      </p:sp>
+      <p:cxnSp>
+        <p:nvCxnSpPr>
+          <p:cNvPr id="15" name="直線コネクタ 14">
+            <a:extLst>
+              <a:ext uri="{FF2B5EF4-FFF2-40B4-BE49-F238E27FC236}">
+                <a16:creationId xmlns:a16="http://schemas.microsoft.com/office/drawing/2014/main" id="{1ABAC8FE-0EE3-69FC-6982-3E8B5072DD48}"/>
+              </a:ext>
+            </a:extLst>
+          </p:cNvPr>
+          <p:cNvCxnSpPr>
+            <a:cxnSpLocks/>
+          </p:cNvCxnSpPr>
+          <p:nvPr/>
+        </p:nvCxnSpPr>
+        <p:spPr>
+          <a:xfrm flipV="1">
+            <a:off x="1468315" y="1623850"/>
+            <a:ext cx="9940673" cy="19812"/>
+          </a:xfrm>
+          <a:prstGeom prst="line">
+            <a:avLst/>
+          </a:prstGeom>
+          <a:ln>
+            <a:solidFill>
+              <a:srgbClr val="FFCC66"/>
+            </a:solidFill>
+          </a:ln>
+        </p:spPr>
+        <p:style>
+          <a:lnRef idx="1">
+            <a:schemeClr val="accent6"/>
+          </a:lnRef>
+          <a:fillRef idx="0">
+            <a:schemeClr val="accent6"/>
+          </a:fillRef>
+          <a:effectRef idx="0">
+            <a:schemeClr val="accent6"/>
+          </a:effectRef>
+          <a:fontRef idx="minor">
+            <a:schemeClr val="tx1"/>
+          </a:fontRef>
+        </p:style>
+      </p:cxnSp>
+      <p:sp>
+        <p:nvSpPr>
+          <p:cNvPr id="21" name="字幕 2">
+            <a:extLst>
+              <a:ext uri="{FF2B5EF4-FFF2-40B4-BE49-F238E27FC236}">
+                <a16:creationId xmlns:a16="http://schemas.microsoft.com/office/drawing/2014/main" id="{4A1D92E0-17AC-5CFD-538E-A0B3EB235C10}"/>
+              </a:ext>
+            </a:extLst>
+          </p:cNvPr>
+          <p:cNvSpPr txBox="1">
+            <a:spLocks/>
+          </p:cNvSpPr>
+          <p:nvPr/>
+        </p:nvSpPr>
+        <p:spPr>
+          <a:xfrm>
+            <a:off x="9933459" y="5587355"/>
+            <a:ext cx="2053494" cy="378513"/>
+          </a:xfrm>
+          <a:prstGeom prst="rect">
+            <a:avLst/>
+          </a:prstGeom>
+        </p:spPr>
+        <p:txBody>
+          <a:bodyPr vert="horz" lIns="91440" tIns="45720" rIns="91440" bIns="45720" rtlCol="0">
+            <a:normAutofit/>
+          </a:bodyPr>
+          <a:lstStyle>
+            <a:lvl1pPr marL="0" indent="0" algn="ctr" defTabSz="914400" rtl="0" eaLnBrk="1" latinLnBrk="0" hangingPunct="1">
+              <a:lnSpc>
+                <a:spcPct val="90000"/>
+              </a:lnSpc>
+              <a:spcBef>
+                <a:spcPts val="1000"/>
+              </a:spcBef>
+              <a:buFont typeface="Arial" panose="020B0604020202020204" pitchFamily="34" charset="0"/>
+              <a:buNone/>
+              <a:defRPr kumimoji="1" sz="2400" kern="1200">
+                <a:solidFill>
+                  <a:schemeClr val="tx1"/>
+                </a:solidFill>
+                <a:latin typeface="+mn-lt"/>
+                <a:ea typeface="+mn-ea"/>
+                <a:cs typeface="+mn-cs"/>
+              </a:defRPr>
+            </a:lvl1pPr>
+            <a:lvl2pPr marL="457200" indent="0" algn="ctr" defTabSz="914400" rtl="0" eaLnBrk="1" latinLnBrk="0" hangingPunct="1">
+              <a:lnSpc>
+                <a:spcPct val="90000"/>
+              </a:lnSpc>
+              <a:spcBef>
+                <a:spcPts val="500"/>
+              </a:spcBef>
+              <a:buFont typeface="Arial" panose="020B0604020202020204" pitchFamily="34" charset="0"/>
+              <a:buNone/>
+              <a:defRPr kumimoji="1" sz="2000" kern="1200">
+                <a:solidFill>
+                  <a:schemeClr val="tx1"/>
+                </a:solidFill>
+                <a:latin typeface="+mn-lt"/>
+                <a:ea typeface="+mn-ea"/>
+                <a:cs typeface="+mn-cs"/>
+              </a:defRPr>
+            </a:lvl2pPr>
+            <a:lvl3pPr marL="914400" indent="0" algn="ctr" defTabSz="914400" rtl="0" eaLnBrk="1" latinLnBrk="0" hangingPunct="1">
+              <a:lnSpc>
+                <a:spcPct val="90000"/>
+              </a:lnSpc>
+              <a:spcBef>
+                <a:spcPts val="500"/>
+              </a:spcBef>
+              <a:buFont typeface="Arial" panose="020B0604020202020204" pitchFamily="34" charset="0"/>
+              <a:buNone/>
+              <a:defRPr kumimoji="1" sz="1800" kern="1200">
+                <a:solidFill>
+                  <a:schemeClr val="tx1"/>
+                </a:solidFill>
+                <a:latin typeface="+mn-lt"/>
+                <a:ea typeface="+mn-ea"/>
+                <a:cs typeface="+mn-cs"/>
+              </a:defRPr>
+            </a:lvl3pPr>
+            <a:lvl4pPr marL="1371600" indent="0" algn="ctr" defTabSz="914400" rtl="0" eaLnBrk="1" latinLnBrk="0" hangingPunct="1">
+              <a:lnSpc>
+                <a:spcPct val="90000"/>
+              </a:lnSpc>
+              <a:spcBef>
+                <a:spcPts val="500"/>
+              </a:spcBef>
+              <a:buFont typeface="Arial" panose="020B0604020202020204" pitchFamily="34" charset="0"/>
+              <a:buNone/>
+              <a:defRPr kumimoji="1" sz="1600" kern="1200">
+                <a:solidFill>
+                  <a:schemeClr val="tx1"/>
+                </a:solidFill>
+                <a:latin typeface="+mn-lt"/>
+                <a:ea typeface="+mn-ea"/>
+                <a:cs typeface="+mn-cs"/>
+              </a:defRPr>
+            </a:lvl4pPr>
+            <a:lvl5pPr marL="1828800" indent="0" algn="ctr" defTabSz="914400" rtl="0" eaLnBrk="1" latinLnBrk="0" hangingPunct="1">
+              <a:lnSpc>
+                <a:spcPct val="90000"/>
+              </a:lnSpc>
+              <a:spcBef>
+                <a:spcPts val="500"/>
+              </a:spcBef>
+              <a:buFont typeface="Arial" panose="020B0604020202020204" pitchFamily="34" charset="0"/>
+              <a:buNone/>
+              <a:defRPr kumimoji="1" sz="1600" kern="1200">
+                <a:solidFill>
+                  <a:schemeClr val="tx1"/>
+                </a:solidFill>
+                <a:latin typeface="+mn-lt"/>
+                <a:ea typeface="+mn-ea"/>
+                <a:cs typeface="+mn-cs"/>
+              </a:defRPr>
+            </a:lvl5pPr>
+            <a:lvl6pPr marL="2286000" indent="0" algn="ctr" defTabSz="914400" rtl="0" eaLnBrk="1" latinLnBrk="0" hangingPunct="1">
+              <a:lnSpc>
+                <a:spcPct val="90000"/>
+              </a:lnSpc>
+              <a:spcBef>
+                <a:spcPts val="500"/>
+              </a:spcBef>
+              <a:buFont typeface="Arial" panose="020B0604020202020204" pitchFamily="34" charset="0"/>
+              <a:buNone/>
+              <a:defRPr kumimoji="1" sz="1600" kern="1200">
+                <a:solidFill>
+                  <a:schemeClr val="tx1"/>
+                </a:solidFill>
+                <a:latin typeface="+mn-lt"/>
+                <a:ea typeface="+mn-ea"/>
+                <a:cs typeface="+mn-cs"/>
+              </a:defRPr>
+            </a:lvl6pPr>
+            <a:lvl7pPr marL="2743200" indent="0" algn="ctr" defTabSz="914400" rtl="0" eaLnBrk="1" latinLnBrk="0" hangingPunct="1">
+              <a:lnSpc>
+                <a:spcPct val="90000"/>
+              </a:lnSpc>
+              <a:spcBef>
+                <a:spcPts val="500"/>
+              </a:spcBef>
+              <a:buFont typeface="Arial" panose="020B0604020202020204" pitchFamily="34" charset="0"/>
+              <a:buNone/>
+              <a:defRPr kumimoji="1" sz="1600" kern="1200">
+                <a:solidFill>
+                  <a:schemeClr val="tx1"/>
+                </a:solidFill>
+                <a:latin typeface="+mn-lt"/>
+                <a:ea typeface="+mn-ea"/>
+                <a:cs typeface="+mn-cs"/>
+              </a:defRPr>
+            </a:lvl7pPr>
+            <a:lvl8pPr marL="3200400" indent="0" algn="ctr" defTabSz="914400" rtl="0" eaLnBrk="1" latinLnBrk="0" hangingPunct="1">
+              <a:lnSpc>
+                <a:spcPct val="90000"/>
+              </a:lnSpc>
+              <a:spcBef>
+                <a:spcPts val="500"/>
+              </a:spcBef>
+              <a:buFont typeface="Arial" panose="020B0604020202020204" pitchFamily="34" charset="0"/>
+              <a:buNone/>
+              <a:defRPr kumimoji="1" sz="1600" kern="1200">
+                <a:solidFill>
+                  <a:schemeClr val="tx1"/>
+                </a:solidFill>
+                <a:latin typeface="+mn-lt"/>
+                <a:ea typeface="+mn-ea"/>
+                <a:cs typeface="+mn-cs"/>
+              </a:defRPr>
+            </a:lvl8pPr>
+            <a:lvl9pPr marL="3657600" indent="0" algn="ctr" defTabSz="914400" rtl="0" eaLnBrk="1" latinLnBrk="0" hangingPunct="1">
+              <a:lnSpc>
+                <a:spcPct val="90000"/>
+              </a:lnSpc>
+              <a:spcBef>
+                <a:spcPts val="500"/>
+              </a:spcBef>
+              <a:buFont typeface="Arial" panose="020B0604020202020204" pitchFamily="34" charset="0"/>
+              <a:buNone/>
+              <a:defRPr kumimoji="1" sz="1600" kern="1200">
+                <a:solidFill>
+                  <a:schemeClr val="tx1"/>
+                </a:solidFill>
+                <a:latin typeface="+mn-lt"/>
+                <a:ea typeface="+mn-ea"/>
+                <a:cs typeface="+mn-cs"/>
+              </a:defRPr>
+            </a:lvl9pPr>
+          </a:lstStyle>
+          <a:p>
+            <a:pPr marL="0" marR="0" lvl="0" indent="0" algn="ctr" defTabSz="914400" rtl="0" eaLnBrk="1" fontAlgn="auto" latinLnBrk="0" hangingPunct="1">
+              <a:lnSpc>
+                <a:spcPct val="90000"/>
+              </a:lnSpc>
+              <a:spcBef>
+                <a:spcPts val="1000"/>
+              </a:spcBef>
+              <a:spcAft>
+                <a:spcPts val="0"/>
+              </a:spcAft>
+              <a:buClrTx/>
+              <a:buSzTx/>
+              <a:buFont typeface="Arial" panose="020B0604020202020204" pitchFamily="34" charset="0"/>
+              <a:buNone/>
+              <a:tabLst/>
+              <a:defRPr/>
+            </a:pPr>
+            <a:r>
+              <a:rPr kumimoji="1" lang="en-US" altLang="ja-JP" sz="1200" b="1" i="0" u="none" strike="noStrike" kern="1200" cap="none" spc="0" normalizeH="0" baseline="0" noProof="0" dirty="0">
+                <a:ln>
+                  <a:noFill/>
+                </a:ln>
+                <a:solidFill>
+                  <a:prstClr val="white">
+                    <a:lumMod val="75000"/>
+                  </a:prstClr>
+                </a:solidFill>
+                <a:effectLst/>
+                <a:uLnTx/>
+                <a:uFillTx/>
+                <a:latin typeface="BIZ UDPゴシック" panose="020B0400000000000000" pitchFamily="50" charset="-128"/>
+                <a:ea typeface="BIZ UDPゴシック" panose="020B0400000000000000" pitchFamily="50" charset="-128"/>
+                <a:cs typeface="+mn-cs"/>
+              </a:rPr>
+              <a:t>2025.6.30</a:t>
+            </a:r>
+            <a:endParaRPr kumimoji="1" lang="ja-JP" altLang="en-US" sz="1200" b="1" i="0" u="none" strike="noStrike" kern="1200" cap="none" spc="0" normalizeH="0" baseline="0" noProof="0" dirty="0">
+              <a:ln>
+                <a:noFill/>
+              </a:ln>
+              <a:solidFill>
+                <a:prstClr val="white">
+                  <a:lumMod val="75000"/>
+                </a:prstClr>
+              </a:solidFill>
+              <a:effectLst/>
+              <a:uLnTx/>
+              <a:uFillTx/>
+              <a:latin typeface="BIZ UDPゴシック" panose="020B0400000000000000" pitchFamily="50" charset="-128"/>
+              <a:ea typeface="BIZ UDPゴシック" panose="020B0400000000000000" pitchFamily="50" charset="-128"/>
+              <a:cs typeface="+mn-cs"/>
+            </a:endParaRPr>
+          </a:p>
+        </p:txBody>
+      </p:sp>
+      <p:sp>
+        <p:nvSpPr>
+          <p:cNvPr id="4" name="タイトル 1">
+            <a:extLst>
+              <a:ext uri="{FF2B5EF4-FFF2-40B4-BE49-F238E27FC236}">
+                <a16:creationId xmlns:a16="http://schemas.microsoft.com/office/drawing/2014/main" id="{D2112AB5-0135-15D1-397E-E1EF29ED66B7}"/>
+              </a:ext>
+            </a:extLst>
+          </p:cNvPr>
+          <p:cNvSpPr txBox="1">
+            <a:spLocks/>
+          </p:cNvSpPr>
+          <p:nvPr/>
+        </p:nvSpPr>
+        <p:spPr>
+          <a:xfrm>
+            <a:off x="3454888" y="748066"/>
+            <a:ext cx="5282223" cy="847981"/>
+          </a:xfrm>
+          <a:prstGeom prst="rect">
+            <a:avLst/>
+          </a:prstGeom>
+          <a:effectLst/>
+        </p:spPr>
+        <p:txBody>
+          <a:bodyPr vert="horz" lIns="91440" tIns="45720" rIns="91440" bIns="45720" rtlCol="0" anchor="ctr">
+            <a:normAutofit/>
+          </a:bodyPr>
+          <a:lstStyle>
+            <a:lvl1pPr algn="ctr" defTabSz="457200" rtl="0" eaLnBrk="1" latinLnBrk="0" hangingPunct="1">
+              <a:spcBef>
+                <a:spcPct val="0"/>
+              </a:spcBef>
+              <a:buNone/>
+              <a:defRPr kumimoji="1" sz="4400" kern="1200" cap="none">
+                <a:ln w="3175" cmpd="sng">
+                  <a:noFill/>
+                </a:ln>
+                <a:solidFill>
+                  <a:schemeClr val="tx1">
+                    <a:lumMod val="85000"/>
+                    <a:lumOff val="15000"/>
+                  </a:schemeClr>
+                </a:solidFill>
+                <a:effectLst/>
+                <a:latin typeface="+mj-lt"/>
+                <a:ea typeface="+mj-ea"/>
+                <a:cs typeface="+mj-cs"/>
+              </a:defRPr>
+            </a:lvl1pPr>
+            <a:lvl2pPr eaLnBrk="1" hangingPunct="1">
+              <a:defRPr kumimoji="1">
+                <a:solidFill>
+                  <a:schemeClr val="tx2"/>
+                </a:solidFill>
+              </a:defRPr>
+            </a:lvl2pPr>
+            <a:lvl3pPr eaLnBrk="1" hangingPunct="1">
+              <a:defRPr kumimoji="1">
+                <a:solidFill>
+                  <a:schemeClr val="tx2"/>
+                </a:solidFill>
+              </a:defRPr>
+            </a:lvl3pPr>
+            <a:lvl4pPr eaLnBrk="1" hangingPunct="1">
+              <a:defRPr kumimoji="1">
+                <a:solidFill>
+                  <a:schemeClr val="tx2"/>
+                </a:solidFill>
+              </a:defRPr>
+            </a:lvl4pPr>
+            <a:lvl5pPr eaLnBrk="1" hangingPunct="1">
+              <a:defRPr kumimoji="1">
+                <a:solidFill>
+                  <a:schemeClr val="tx2"/>
+                </a:solidFill>
+              </a:defRPr>
+            </a:lvl5pPr>
+            <a:lvl6pPr eaLnBrk="1" hangingPunct="1">
+              <a:defRPr kumimoji="1">
+                <a:solidFill>
+                  <a:schemeClr val="tx2"/>
+                </a:solidFill>
+              </a:defRPr>
+            </a:lvl6pPr>
+            <a:lvl7pPr eaLnBrk="1" hangingPunct="1">
+              <a:defRPr kumimoji="1">
+                <a:solidFill>
+                  <a:schemeClr val="tx2"/>
+                </a:solidFill>
+              </a:defRPr>
+            </a:lvl7pPr>
+            <a:lvl8pPr eaLnBrk="1" hangingPunct="1">
+              <a:defRPr kumimoji="1">
+                <a:solidFill>
+                  <a:schemeClr val="tx2"/>
+                </a:solidFill>
+              </a:defRPr>
+            </a:lvl8pPr>
+            <a:lvl9pPr eaLnBrk="1" hangingPunct="1">
+              <a:defRPr kumimoji="1">
+                <a:solidFill>
+                  <a:schemeClr val="tx2"/>
+                </a:solidFill>
+              </a:defRPr>
+            </a:lvl9pPr>
+          </a:lstStyle>
+          <a:p>
+            <a:r>
+              <a:rPr lang="en-US" altLang="ja-JP" sz="4000" b="1" dirty="0">
+                <a:ln w="0"/>
+                <a:solidFill>
+                  <a:srgbClr val="FF9966"/>
+                </a:solidFill>
+                <a:effectLst>
+                  <a:outerShdw blurRad="38100" dist="19050" dir="2700000" algn="tl" rotWithShape="0">
+                    <a:schemeClr val="dk1">
+                      <a:alpha val="40000"/>
+                    </a:schemeClr>
+                  </a:outerShdw>
+                </a:effectLst>
+                <a:latin typeface="BIZ UDPゴシック" panose="020B0400000000000000" pitchFamily="50" charset="-128"/>
+                <a:ea typeface="BIZ UDPゴシック" panose="020B0400000000000000" pitchFamily="50" charset="-128"/>
+              </a:rPr>
+              <a:t>Ⅴ</a:t>
+            </a:r>
+            <a:r>
+              <a:rPr lang="ja-JP" altLang="en-US" sz="4000" b="1" dirty="0">
+                <a:ln w="0"/>
+                <a:solidFill>
+                  <a:srgbClr val="FF9966"/>
+                </a:solidFill>
+                <a:effectLst>
+                  <a:outerShdw blurRad="38100" dist="19050" dir="2700000" algn="tl" rotWithShape="0">
+                    <a:schemeClr val="dk1">
+                      <a:alpha val="40000"/>
+                    </a:schemeClr>
+                  </a:outerShdw>
+                </a:effectLst>
+                <a:latin typeface="BIZ UDPゴシック" panose="020B0400000000000000" pitchFamily="50" charset="-128"/>
+                <a:ea typeface="BIZ UDPゴシック" panose="020B0400000000000000" pitchFamily="50" charset="-128"/>
+              </a:rPr>
+              <a:t>　研修で学んだこと</a:t>
+            </a:r>
+          </a:p>
+        </p:txBody>
+      </p:sp>
+      <p:sp>
+        <p:nvSpPr>
+          <p:cNvPr id="5" name="コンテンツ プレースホルダー 2">
+            <a:extLst>
+              <a:ext uri="{FF2B5EF4-FFF2-40B4-BE49-F238E27FC236}">
+                <a16:creationId xmlns:a16="http://schemas.microsoft.com/office/drawing/2014/main" id="{47349AB4-18A1-4CCB-2EC8-B2364A10CB82}"/>
+              </a:ext>
+            </a:extLst>
+          </p:cNvPr>
+          <p:cNvSpPr txBox="1">
+            <a:spLocks/>
+          </p:cNvSpPr>
+          <p:nvPr/>
+        </p:nvSpPr>
+        <p:spPr>
+          <a:xfrm>
+            <a:off x="1777767" y="2662729"/>
+            <a:ext cx="5589323" cy="1810328"/>
+          </a:xfrm>
+          <a:prstGeom prst="rect">
+            <a:avLst/>
+          </a:prstGeom>
+        </p:spPr>
+        <p:txBody>
+          <a:bodyPr vert="horz" lIns="91440" tIns="45720" rIns="91440" bIns="45720" rtlCol="0" anchor="t">
+            <a:normAutofit/>
+          </a:bodyPr>
+          <a:lstStyle>
+            <a:lvl1pPr marL="285750" indent="-285750" algn="l" defTabSz="457200" rtl="0" eaLnBrk="1" latinLnBrk="0" hangingPunct="1">
+              <a:spcBef>
+                <a:spcPct val="20000"/>
+              </a:spcBef>
+              <a:spcAft>
+                <a:spcPts val="600"/>
+              </a:spcAft>
+              <a:buClr>
+                <a:schemeClr val="accent1"/>
+              </a:buClr>
+              <a:buSzPct val="115000"/>
+              <a:buFont typeface="Arial"/>
+              <a:buChar char="•"/>
+              <a:defRPr kumimoji="1" sz="2400" kern="1200" cap="none">
+                <a:solidFill>
+                  <a:schemeClr val="tx1">
+                    <a:lumMod val="85000"/>
+                    <a:lumOff val="15000"/>
+                  </a:schemeClr>
+                </a:solidFill>
+                <a:effectLst/>
+                <a:latin typeface="+mn-lt"/>
+                <a:ea typeface="+mn-ea"/>
+                <a:cs typeface="+mn-cs"/>
+              </a:defRPr>
+            </a:lvl1pPr>
+            <a:lvl2pPr marL="742950" indent="-285750" algn="l" defTabSz="457200" rtl="0" eaLnBrk="1" latinLnBrk="0" hangingPunct="1">
+              <a:spcBef>
+                <a:spcPct val="20000"/>
+              </a:spcBef>
+              <a:spcAft>
+                <a:spcPts val="600"/>
+              </a:spcAft>
+              <a:buClr>
+                <a:schemeClr val="accent1"/>
+              </a:buClr>
+              <a:buSzPct val="115000"/>
+              <a:buFont typeface="Arial"/>
+              <a:buChar char="•"/>
+              <a:defRPr kumimoji="1" sz="2000" kern="1200" cap="none">
+                <a:solidFill>
+                  <a:schemeClr val="tx1">
+                    <a:lumMod val="85000"/>
+                    <a:lumOff val="15000"/>
+                  </a:schemeClr>
+                </a:solidFill>
+                <a:effectLst/>
+                <a:latin typeface="+mn-lt"/>
+                <a:ea typeface="+mn-ea"/>
+                <a:cs typeface="+mn-cs"/>
+              </a:defRPr>
+            </a:lvl2pPr>
+            <a:lvl3pPr marL="1200150" indent="-285750" algn="l" defTabSz="457200" rtl="0" eaLnBrk="1" latinLnBrk="0" hangingPunct="1">
+              <a:spcBef>
+                <a:spcPct val="20000"/>
+              </a:spcBef>
+              <a:spcAft>
+                <a:spcPts val="600"/>
+              </a:spcAft>
+              <a:buClr>
+                <a:schemeClr val="accent1"/>
+              </a:buClr>
+              <a:buSzPct val="115000"/>
+              <a:buFont typeface="Arial"/>
+              <a:buChar char="•"/>
+              <a:defRPr kumimoji="1" sz="1800" kern="1200" cap="none">
+                <a:solidFill>
+                  <a:schemeClr val="tx1">
+                    <a:lumMod val="85000"/>
+                    <a:lumOff val="15000"/>
+                  </a:schemeClr>
+                </a:solidFill>
+                <a:effectLst/>
+                <a:latin typeface="+mn-lt"/>
+                <a:ea typeface="+mn-ea"/>
+                <a:cs typeface="+mn-cs"/>
+              </a:defRPr>
+            </a:lvl3pPr>
+            <a:lvl4pPr marL="1543050" indent="-171450" algn="l" defTabSz="457200" rtl="0" eaLnBrk="1" latinLnBrk="0" hangingPunct="1">
+              <a:spcBef>
+                <a:spcPct val="20000"/>
+              </a:spcBef>
+              <a:spcAft>
+                <a:spcPts val="600"/>
+              </a:spcAft>
+              <a:buClr>
+                <a:schemeClr val="accent1"/>
+              </a:buClr>
+              <a:buSzPct val="115000"/>
+              <a:buFont typeface="Arial"/>
+              <a:buChar char="•"/>
+              <a:defRPr kumimoji="1" sz="1600" kern="1200" cap="none">
+                <a:solidFill>
+                  <a:schemeClr val="tx1">
+                    <a:lumMod val="85000"/>
+                    <a:lumOff val="15000"/>
+                  </a:schemeClr>
+                </a:solidFill>
+                <a:effectLst/>
+                <a:latin typeface="+mn-lt"/>
+                <a:ea typeface="+mn-ea"/>
+                <a:cs typeface="+mn-cs"/>
+              </a:defRPr>
+            </a:lvl4pPr>
+            <a:lvl5pPr marL="2000250" indent="-171450" algn="l" defTabSz="457200" rtl="0" eaLnBrk="1" latinLnBrk="0" hangingPunct="1">
+              <a:spcBef>
+                <a:spcPct val="20000"/>
+              </a:spcBef>
+              <a:spcAft>
+                <a:spcPts val="600"/>
+              </a:spcAft>
+              <a:buClr>
+                <a:schemeClr val="accent1"/>
+              </a:buClr>
+              <a:buSzPct val="115000"/>
+              <a:buFont typeface="Arial"/>
+              <a:buChar char="•"/>
+              <a:defRPr kumimoji="1" sz="1400" kern="1200" cap="none">
+                <a:solidFill>
+                  <a:schemeClr val="tx1">
+                    <a:lumMod val="85000"/>
+                    <a:lumOff val="15000"/>
+                  </a:schemeClr>
+                </a:solidFill>
+                <a:effectLst/>
+                <a:latin typeface="+mn-lt"/>
+                <a:ea typeface="+mn-ea"/>
+                <a:cs typeface="+mn-cs"/>
+              </a:defRPr>
+            </a:lvl5pPr>
+            <a:lvl6pPr marL="2514600" indent="-228600" algn="l" defTabSz="457200" rtl="0" eaLnBrk="1" latinLnBrk="0" hangingPunct="1">
+              <a:spcBef>
+                <a:spcPct val="20000"/>
+              </a:spcBef>
+              <a:spcAft>
+                <a:spcPts val="600"/>
+              </a:spcAft>
+              <a:buClr>
+                <a:schemeClr val="accent1"/>
+              </a:buClr>
+              <a:buSzPct val="115000"/>
+              <a:buFont typeface="Arial"/>
+              <a:buChar char="•"/>
+              <a:defRPr kumimoji="1" sz="1400" kern="1200" cap="none">
+                <a:solidFill>
+                  <a:schemeClr val="tx1">
+                    <a:lumMod val="85000"/>
+                    <a:lumOff val="15000"/>
+                  </a:schemeClr>
+                </a:solidFill>
+                <a:effectLst/>
+                <a:latin typeface="+mn-lt"/>
+                <a:ea typeface="+mn-ea"/>
+                <a:cs typeface="+mn-cs"/>
+              </a:defRPr>
+            </a:lvl6pPr>
+            <a:lvl7pPr marL="2971800" indent="-228600" algn="l" defTabSz="457200" rtl="0" eaLnBrk="1" latinLnBrk="0" hangingPunct="1">
+              <a:spcBef>
+                <a:spcPct val="20000"/>
+              </a:spcBef>
+              <a:spcAft>
+                <a:spcPts val="600"/>
+              </a:spcAft>
+              <a:buClr>
+                <a:schemeClr val="accent1"/>
+              </a:buClr>
+              <a:buSzPct val="115000"/>
+              <a:buFont typeface="Arial"/>
+              <a:buChar char="•"/>
+              <a:defRPr kumimoji="1" sz="1400" kern="1200" cap="none">
+                <a:solidFill>
+                  <a:schemeClr val="tx1">
+                    <a:lumMod val="85000"/>
+                    <a:lumOff val="15000"/>
+                  </a:schemeClr>
+                </a:solidFill>
+                <a:effectLst/>
+                <a:latin typeface="+mn-lt"/>
+                <a:ea typeface="+mn-ea"/>
+                <a:cs typeface="+mn-cs"/>
+              </a:defRPr>
+            </a:lvl7pPr>
+            <a:lvl8pPr marL="3429000" indent="-228600" algn="l" defTabSz="457200" rtl="0" eaLnBrk="1" latinLnBrk="0" hangingPunct="1">
+              <a:spcBef>
+                <a:spcPct val="20000"/>
+              </a:spcBef>
+              <a:spcAft>
+                <a:spcPts val="600"/>
+              </a:spcAft>
+              <a:buClr>
+                <a:schemeClr val="accent1"/>
+              </a:buClr>
+              <a:buSzPct val="115000"/>
+              <a:buFont typeface="Arial"/>
+              <a:buChar char="•"/>
+              <a:defRPr kumimoji="1" sz="1400" kern="1200" cap="none">
+                <a:solidFill>
+                  <a:schemeClr val="tx1">
+                    <a:lumMod val="85000"/>
+                    <a:lumOff val="15000"/>
+                  </a:schemeClr>
+                </a:solidFill>
+                <a:effectLst/>
+                <a:latin typeface="+mn-lt"/>
+                <a:ea typeface="+mn-ea"/>
+                <a:cs typeface="+mn-cs"/>
+              </a:defRPr>
+            </a:lvl8pPr>
+            <a:lvl9pPr marL="3886200" indent="-228600" algn="l" defTabSz="457200" rtl="0" eaLnBrk="1" latinLnBrk="0" hangingPunct="1">
+              <a:spcBef>
+                <a:spcPct val="20000"/>
+              </a:spcBef>
+              <a:spcAft>
+                <a:spcPts val="600"/>
+              </a:spcAft>
+              <a:buClr>
+                <a:schemeClr val="accent1"/>
+              </a:buClr>
+              <a:buSzPct val="115000"/>
+              <a:buFont typeface="Arial"/>
+              <a:buChar char="•"/>
+              <a:defRPr kumimoji="1" sz="1400" kern="1200" cap="none">
+                <a:solidFill>
+                  <a:schemeClr val="tx1">
+                    <a:lumMod val="85000"/>
+                    <a:lumOff val="15000"/>
+                  </a:schemeClr>
+                </a:solidFill>
+                <a:effectLst/>
+                <a:latin typeface="+mn-lt"/>
+                <a:ea typeface="+mn-ea"/>
+                <a:cs typeface="+mn-cs"/>
+              </a:defRPr>
+            </a:lvl9pPr>
+          </a:lstStyle>
+          <a:p>
+            <a:pPr marL="0" marR="0" lvl="0" indent="0" algn="l" defTabSz="457200" rtl="0" eaLnBrk="1" fontAlgn="auto" latinLnBrk="0" hangingPunct="1">
+              <a:lnSpc>
+                <a:spcPct val="100000"/>
+              </a:lnSpc>
+              <a:spcBef>
+                <a:spcPct val="20000"/>
+              </a:spcBef>
+              <a:spcAft>
+                <a:spcPts val="600"/>
+              </a:spcAft>
+              <a:buClr>
+                <a:srgbClr val="83992A"/>
+              </a:buClr>
+              <a:buSzPct val="115000"/>
+              <a:buFont typeface="Arial"/>
+              <a:buNone/>
+              <a:tabLst/>
+              <a:defRPr/>
+            </a:pPr>
+            <a:r>
+              <a:rPr kumimoji="1" lang="ja-JP" altLang="en-US" sz="2400" b="1" i="0" u="none" strike="noStrike" kern="1200" cap="none" spc="0" normalizeH="0" baseline="0" noProof="0" dirty="0">
+                <a:ln>
+                  <a:noFill/>
+                </a:ln>
+                <a:solidFill>
+                  <a:schemeClr val="bg2">
+                    <a:lumMod val="25000"/>
+                  </a:schemeClr>
+                </a:solidFill>
+                <a:effectLst/>
+                <a:uLnTx/>
+                <a:uFillTx/>
+                <a:latin typeface="BIZ UDPゴシック" panose="020B0400000000000000" pitchFamily="50" charset="-128"/>
+                <a:ea typeface="BIZ UDPゴシック" panose="020B0400000000000000" pitchFamily="50" charset="-128"/>
+              </a:rPr>
+              <a:t>＊目標設定　　　＊進捗</a:t>
+            </a:r>
+            <a:r>
+              <a:rPr kumimoji="1" lang="en-US" altLang="ja-JP" sz="2400" b="1" i="0" u="none" strike="noStrike" kern="1200" cap="none" spc="0" normalizeH="0" baseline="0" noProof="0" dirty="0">
+                <a:ln>
+                  <a:noFill/>
+                </a:ln>
+                <a:solidFill>
+                  <a:schemeClr val="bg2">
+                    <a:lumMod val="25000"/>
+                  </a:schemeClr>
+                </a:solidFill>
+                <a:effectLst/>
+                <a:uLnTx/>
+                <a:uFillTx/>
+                <a:latin typeface="BIZ UDPゴシック" panose="020B0400000000000000" pitchFamily="50" charset="-128"/>
+                <a:ea typeface="BIZ UDPゴシック" panose="020B0400000000000000" pitchFamily="50" charset="-128"/>
+              </a:rPr>
+              <a:t>/</a:t>
+            </a:r>
+            <a:r>
+              <a:rPr kumimoji="1" lang="ja-JP" altLang="en-US" sz="2400" b="1" i="0" u="none" strike="noStrike" kern="1200" cap="none" spc="0" normalizeH="0" baseline="0" noProof="0" dirty="0">
+                <a:ln>
+                  <a:noFill/>
+                </a:ln>
+                <a:solidFill>
+                  <a:schemeClr val="bg2">
+                    <a:lumMod val="25000"/>
+                  </a:schemeClr>
+                </a:solidFill>
+                <a:effectLst/>
+                <a:uLnTx/>
+                <a:uFillTx/>
+                <a:latin typeface="BIZ UDPゴシック" panose="020B0400000000000000" pitchFamily="50" charset="-128"/>
+                <a:ea typeface="BIZ UDPゴシック" panose="020B0400000000000000" pitchFamily="50" charset="-128"/>
+              </a:rPr>
+              <a:t>日程管理</a:t>
+            </a:r>
+            <a:endParaRPr kumimoji="1" lang="en-US" altLang="ja-JP" sz="2400" b="1" i="0" u="none" strike="noStrike" kern="1200" cap="none" spc="0" normalizeH="0" baseline="0" noProof="0" dirty="0">
+              <a:ln>
+                <a:noFill/>
+              </a:ln>
+              <a:solidFill>
+                <a:schemeClr val="bg2">
+                  <a:lumMod val="25000"/>
+                </a:schemeClr>
+              </a:solidFill>
+              <a:effectLst/>
+              <a:uLnTx/>
+              <a:uFillTx/>
+              <a:latin typeface="BIZ UDPゴシック" panose="020B0400000000000000" pitchFamily="50" charset="-128"/>
+              <a:ea typeface="BIZ UDPゴシック" panose="020B0400000000000000" pitchFamily="50" charset="-128"/>
+            </a:endParaRPr>
+          </a:p>
+          <a:p>
+            <a:pPr marL="0" marR="0" lvl="0" indent="0" algn="l" defTabSz="457200" rtl="0" eaLnBrk="1" fontAlgn="auto" latinLnBrk="0" hangingPunct="1">
+              <a:lnSpc>
+                <a:spcPct val="100000"/>
+              </a:lnSpc>
+              <a:spcBef>
+                <a:spcPct val="20000"/>
+              </a:spcBef>
+              <a:spcAft>
+                <a:spcPts val="600"/>
+              </a:spcAft>
+              <a:buClr>
+                <a:srgbClr val="83992A"/>
+              </a:buClr>
+              <a:buSzPct val="115000"/>
+              <a:buFont typeface="Arial"/>
+              <a:buNone/>
+              <a:tabLst/>
+              <a:defRPr/>
+            </a:pPr>
+            <a:endParaRPr kumimoji="1" lang="en-US" altLang="ja-JP" sz="2400" b="1" i="0" u="none" strike="noStrike" kern="1200" cap="none" spc="0" normalizeH="0" baseline="0" noProof="0" dirty="0">
+              <a:ln>
+                <a:noFill/>
+              </a:ln>
+              <a:solidFill>
+                <a:schemeClr val="bg2">
+                  <a:lumMod val="25000"/>
+                </a:schemeClr>
+              </a:solidFill>
+              <a:effectLst/>
+              <a:uLnTx/>
+              <a:uFillTx/>
+              <a:latin typeface="BIZ UDPゴシック" panose="020B0400000000000000" pitchFamily="50" charset="-128"/>
+              <a:ea typeface="BIZ UDPゴシック" panose="020B0400000000000000" pitchFamily="50" charset="-128"/>
+            </a:endParaRPr>
+          </a:p>
+          <a:p>
+            <a:pPr marL="0" marR="0" lvl="0" indent="0" algn="l" defTabSz="457200" rtl="0" eaLnBrk="1" fontAlgn="auto" latinLnBrk="0" hangingPunct="1">
+              <a:lnSpc>
+                <a:spcPct val="100000"/>
+              </a:lnSpc>
+              <a:spcBef>
+                <a:spcPct val="20000"/>
+              </a:spcBef>
+              <a:spcAft>
+                <a:spcPts val="600"/>
+              </a:spcAft>
+              <a:buClr>
+                <a:srgbClr val="83992A"/>
+              </a:buClr>
+              <a:buSzPct val="115000"/>
+              <a:buFont typeface="Arial"/>
+              <a:buNone/>
+              <a:tabLst/>
+              <a:defRPr/>
+            </a:pPr>
+            <a:r>
+              <a:rPr kumimoji="1" lang="ja-JP" altLang="en-US" sz="2400" b="1" i="0" u="none" strike="noStrike" kern="1200" cap="none" spc="0" normalizeH="0" baseline="0" noProof="0" dirty="0">
+                <a:ln>
+                  <a:noFill/>
+                </a:ln>
+                <a:solidFill>
+                  <a:schemeClr val="bg2">
+                    <a:lumMod val="25000"/>
+                  </a:schemeClr>
+                </a:solidFill>
+                <a:effectLst/>
+                <a:uLnTx/>
+                <a:uFillTx/>
+                <a:latin typeface="BIZ UDPゴシック" panose="020B0400000000000000" pitchFamily="50" charset="-128"/>
+                <a:ea typeface="BIZ UDPゴシック" panose="020B0400000000000000" pitchFamily="50" charset="-128"/>
+              </a:rPr>
+              <a:t>＊役割分担　　　＊和を以て貴しとなす</a:t>
+            </a:r>
+            <a:endParaRPr kumimoji="1" lang="en-US" altLang="ja-JP" sz="2400" b="1" i="0" u="none" strike="noStrike" kern="1200" cap="none" spc="0" normalizeH="0" baseline="0" noProof="0" dirty="0">
+              <a:ln>
+                <a:noFill/>
+              </a:ln>
+              <a:solidFill>
+                <a:schemeClr val="bg2">
+                  <a:lumMod val="25000"/>
+                </a:schemeClr>
+              </a:solidFill>
+              <a:effectLst/>
+              <a:uLnTx/>
+              <a:uFillTx/>
+              <a:latin typeface="BIZ UDPゴシック" panose="020B0400000000000000" pitchFamily="50" charset="-128"/>
+              <a:ea typeface="BIZ UDPゴシック" panose="020B0400000000000000" pitchFamily="50" charset="-128"/>
+            </a:endParaRPr>
+          </a:p>
+        </p:txBody>
+      </p:sp>
+      <p:pic>
+        <p:nvPicPr>
+          <p:cNvPr id="6" name="図 5" descr="カップに入ったアイスクリーム&#10;&#10;AI 生成コンテンツは誤りを含む可能性があります。">
+            <a:extLst>
+              <a:ext uri="{FF2B5EF4-FFF2-40B4-BE49-F238E27FC236}">
+                <a16:creationId xmlns:a16="http://schemas.microsoft.com/office/drawing/2014/main" id="{92A5A1E1-68F5-BD08-D69E-377EB2CCDD85}"/>
+              </a:ext>
+            </a:extLst>
+          </p:cNvPr>
+          <p:cNvPicPr>
+            <a:picLocks noChangeAspect="1"/>
+          </p:cNvPicPr>
+          <p:nvPr/>
+        </p:nvPicPr>
+        <p:blipFill>
+          <a:blip r:embed="rId4">
+            <a:extLst>
+              <a:ext uri="{28A0092B-C50C-407E-A947-70E740481C1C}">
+                <a14:useLocalDpi xmlns:a14="http://schemas.microsoft.com/office/drawing/2010/main" val="0"/>
+              </a:ext>
+            </a:extLst>
+          </a:blip>
+          <a:stretch>
+            <a:fillRect/>
+          </a:stretch>
+        </p:blipFill>
+        <p:spPr>
+          <a:xfrm>
+            <a:off x="9403462" y="2543989"/>
+            <a:ext cx="1193636" cy="2751741"/>
+          </a:xfrm>
+          <a:prstGeom prst="rect">
+            <a:avLst/>
+          </a:prstGeom>
+        </p:spPr>
+      </p:pic>
+      <p:pic>
+        <p:nvPicPr>
+          <p:cNvPr id="8" name="図 7" descr="皿の上のデザート&#10;&#10;AI 生成コンテンツは誤りを含む可能性があります。">
+            <a:extLst>
+              <a:ext uri="{FF2B5EF4-FFF2-40B4-BE49-F238E27FC236}">
+                <a16:creationId xmlns:a16="http://schemas.microsoft.com/office/drawing/2014/main" id="{B85D0C0B-1E98-51E1-F660-D73C53C391B2}"/>
+              </a:ext>
+            </a:extLst>
+          </p:cNvPr>
+          <p:cNvPicPr>
+            <a:picLocks noChangeAspect="1"/>
+          </p:cNvPicPr>
+          <p:nvPr/>
+        </p:nvPicPr>
+        <p:blipFill>
+          <a:blip r:embed="rId5">
+            <a:extLst>
+              <a:ext uri="{28A0092B-C50C-407E-A947-70E740481C1C}">
+                <a14:useLocalDpi xmlns:a14="http://schemas.microsoft.com/office/drawing/2010/main" val="0"/>
+              </a:ext>
+            </a:extLst>
+          </a:blip>
+          <a:stretch>
+            <a:fillRect/>
+          </a:stretch>
+        </p:blipFill>
+        <p:spPr>
+          <a:xfrm>
+            <a:off x="6979695" y="3503036"/>
+            <a:ext cx="2413770" cy="1810328"/>
+          </a:xfrm>
+          <a:prstGeom prst="rect">
+            <a:avLst/>
+          </a:prstGeom>
+        </p:spPr>
+      </p:pic>
+    </p:spTree>
+    <p:extLst>
+      <p:ext uri="{BB962C8B-B14F-4D97-AF65-F5344CB8AC3E}">
+        <p14:creationId xmlns:p14="http://schemas.microsoft.com/office/powerpoint/2010/main" val="2016185886"/>
+      </p:ext>
+    </p:extLst>
+  </p:cSld>
+  <p:clrMapOvr>
+    <a:masterClrMapping/>
+  </p:clrMapOvr>
+</p:sld>
+</file>
+
+<file path=ppt/slides/slide12.xml><?xml version="1.0" encoding="utf-8"?>
+<p:sld xmlns:a="http://schemas.openxmlformats.org/drawingml/2006/main" xmlns:r="http://schemas.openxmlformats.org/officeDocument/2006/relationships" xmlns:p="http://schemas.openxmlformats.org/presentationml/2006/main">
+  <p:cSld>
+    <p:spTree>
+      <p:nvGrpSpPr>
+        <p:cNvPr id="1" name="">
+          <a:extLst>
+            <a:ext uri="{FF2B5EF4-FFF2-40B4-BE49-F238E27FC236}">
+              <a16:creationId xmlns:a16="http://schemas.microsoft.com/office/drawing/2014/main" id="{175F73F6-A3BD-5D8D-5F89-3C9D02BD3217}"/>
+            </a:ext>
+          </a:extLst>
+        </p:cNvPr>
+        <p:cNvGrpSpPr/>
+        <p:nvPr/>
+      </p:nvGrpSpPr>
+      <p:grpSpPr>
+        <a:xfrm>
+          <a:off x="0" y="0"/>
+          <a:ext cx="0" cy="0"/>
+          <a:chOff x="0" y="0"/>
+          <a:chExt cx="0" cy="0"/>
+        </a:xfrm>
+      </p:grpSpPr>
+      <p:pic>
+        <p:nvPicPr>
+          <p:cNvPr id="11" name="図 10" descr="背景パターン&#10;&#10;AI 生成コンテンツは誤りを含む可能性があります。">
+            <a:extLst>
+              <a:ext uri="{FF2B5EF4-FFF2-40B4-BE49-F238E27FC236}">
+                <a16:creationId xmlns:a16="http://schemas.microsoft.com/office/drawing/2014/main" id="{F85B1C6D-93CF-654D-5F22-9596886B9A6D}"/>
+              </a:ext>
+            </a:extLst>
+          </p:cNvPr>
+          <p:cNvPicPr>
+            <a:picLocks noChangeAspect="1"/>
+          </p:cNvPicPr>
+          <p:nvPr/>
+        </p:nvPicPr>
+        <p:blipFill>
+          <a:blip r:embed="rId2">
+            <a:extLst>
+              <a:ext uri="{28A0092B-C50C-407E-A947-70E740481C1C}">
+                <a14:useLocalDpi xmlns:a14="http://schemas.microsoft.com/office/drawing/2010/main" val="0"/>
+              </a:ext>
+            </a:extLst>
+          </a:blip>
+          <a:stretch>
+            <a:fillRect/>
+          </a:stretch>
+        </p:blipFill>
+        <p:spPr>
+          <a:xfrm>
+            <a:off x="0" y="0"/>
+            <a:ext cx="12192000" cy="6858000"/>
+          </a:xfrm>
+          <a:prstGeom prst="rect">
+            <a:avLst/>
+          </a:prstGeom>
+        </p:spPr>
+      </p:pic>
+      <p:sp>
+        <p:nvSpPr>
+          <p:cNvPr id="12" name="正方形/長方形 11">
+            <a:extLst>
+              <a:ext uri="{FF2B5EF4-FFF2-40B4-BE49-F238E27FC236}">
+                <a16:creationId xmlns:a16="http://schemas.microsoft.com/office/drawing/2014/main" id="{1F614146-94A6-55B7-695D-85B77019E256}"/>
+              </a:ext>
+            </a:extLst>
+          </p:cNvPr>
+          <p:cNvSpPr/>
+          <p:nvPr/>
+        </p:nvSpPr>
+        <p:spPr>
+          <a:xfrm>
+            <a:off x="783012" y="481567"/>
+            <a:ext cx="11017719" cy="5717590"/>
+          </a:xfrm>
+          <a:prstGeom prst="rect">
+            <a:avLst/>
+          </a:prstGeom>
+          <a:ln>
+            <a:solidFill>
+              <a:srgbClr val="FFCC99"/>
+            </a:solidFill>
+          </a:ln>
+        </p:spPr>
+        <p:style>
+          <a:lnRef idx="2">
+            <a:schemeClr val="accent6"/>
+          </a:lnRef>
+          <a:fillRef idx="1">
+            <a:schemeClr val="lt1"/>
+          </a:fillRef>
+          <a:effectRef idx="0">
+            <a:schemeClr val="accent6"/>
+          </a:effectRef>
+          <a:fontRef idx="minor">
+            <a:schemeClr val="dk1"/>
+          </a:fontRef>
+        </p:style>
+        <p:txBody>
+          <a:bodyPr rtlCol="0" anchor="ctr"/>
+          <a:lstStyle/>
+          <a:p>
+            <a:pPr marL="0" marR="0" lvl="0" indent="0" algn="ctr" defTabSz="914400" rtl="0" eaLnBrk="1" fontAlgn="auto" latinLnBrk="0" hangingPunct="1">
+              <a:lnSpc>
+                <a:spcPct val="100000"/>
+              </a:lnSpc>
+              <a:spcBef>
+                <a:spcPts val="0"/>
+              </a:spcBef>
+              <a:spcAft>
+                <a:spcPts val="0"/>
+              </a:spcAft>
+              <a:buClrTx/>
+              <a:buSzTx/>
+              <a:buFontTx/>
+              <a:buNone/>
+              <a:tabLst/>
+              <a:defRPr/>
+            </a:pPr>
+            <a:endParaRPr kumimoji="1" lang="ja-JP" altLang="en-US" sz="1800" b="0" i="0" u="none" strike="noStrike" kern="1200" cap="none" spc="0" normalizeH="0" baseline="0" noProof="0">
+              <a:ln>
+                <a:noFill/>
+              </a:ln>
+              <a:solidFill>
+                <a:prstClr val="black"/>
+              </a:solidFill>
+              <a:effectLst/>
+              <a:uLnTx/>
+              <a:uFillTx/>
+              <a:latin typeface="游ゴシック" panose="02110004020202020204"/>
+              <a:ea typeface="游ゴシック" panose="020B0400000000000000" pitchFamily="50" charset="-128"/>
+              <a:cs typeface="+mn-cs"/>
+            </a:endParaRPr>
+          </a:p>
+        </p:txBody>
+      </p:sp>
+      <p:cxnSp>
+        <p:nvCxnSpPr>
+          <p:cNvPr id="15" name="直線コネクタ 14">
+            <a:extLst>
+              <a:ext uri="{FF2B5EF4-FFF2-40B4-BE49-F238E27FC236}">
+                <a16:creationId xmlns:a16="http://schemas.microsoft.com/office/drawing/2014/main" id="{31BA48D2-E414-3F36-0F69-9266D96BFB28}"/>
+              </a:ext>
+            </a:extLst>
+          </p:cNvPr>
+          <p:cNvCxnSpPr>
+            <a:cxnSpLocks/>
+          </p:cNvCxnSpPr>
+          <p:nvPr/>
+        </p:nvCxnSpPr>
+        <p:spPr>
+          <a:xfrm flipV="1">
+            <a:off x="1321531" y="3470750"/>
+            <a:ext cx="9940673" cy="19812"/>
+          </a:xfrm>
+          <a:prstGeom prst="line">
+            <a:avLst/>
+          </a:prstGeom>
+          <a:ln>
+            <a:solidFill>
+              <a:srgbClr val="FFCC66"/>
+            </a:solidFill>
+          </a:ln>
+        </p:spPr>
+        <p:style>
+          <a:lnRef idx="1">
+            <a:schemeClr val="accent6"/>
+          </a:lnRef>
+          <a:fillRef idx="0">
+            <a:schemeClr val="accent6"/>
+          </a:fillRef>
+          <a:effectRef idx="0">
+            <a:schemeClr val="accent6"/>
+          </a:effectRef>
+          <a:fontRef idx="minor">
+            <a:schemeClr val="tx1"/>
+          </a:fontRef>
+        </p:style>
+      </p:cxnSp>
+      <p:sp>
+        <p:nvSpPr>
+          <p:cNvPr id="21" name="字幕 2">
+            <a:extLst>
+              <a:ext uri="{FF2B5EF4-FFF2-40B4-BE49-F238E27FC236}">
+                <a16:creationId xmlns:a16="http://schemas.microsoft.com/office/drawing/2014/main" id="{F5F34EAF-76DE-4523-0F49-F5E9178C2509}"/>
+              </a:ext>
+            </a:extLst>
+          </p:cNvPr>
+          <p:cNvSpPr txBox="1">
+            <a:spLocks/>
+          </p:cNvSpPr>
+          <p:nvPr/>
+        </p:nvSpPr>
+        <p:spPr>
+          <a:xfrm>
+            <a:off x="9933459" y="5587355"/>
+            <a:ext cx="2053494" cy="378513"/>
+          </a:xfrm>
+          <a:prstGeom prst="rect">
+            <a:avLst/>
+          </a:prstGeom>
+        </p:spPr>
+        <p:txBody>
+          <a:bodyPr vert="horz" lIns="91440" tIns="45720" rIns="91440" bIns="45720" rtlCol="0">
+            <a:normAutofit/>
+          </a:bodyPr>
+          <a:lstStyle>
+            <a:lvl1pPr marL="0" indent="0" algn="ctr" defTabSz="914400" rtl="0" eaLnBrk="1" latinLnBrk="0" hangingPunct="1">
+              <a:lnSpc>
+                <a:spcPct val="90000"/>
+              </a:lnSpc>
+              <a:spcBef>
+                <a:spcPts val="1000"/>
+              </a:spcBef>
+              <a:buFont typeface="Arial" panose="020B0604020202020204" pitchFamily="34" charset="0"/>
+              <a:buNone/>
+              <a:defRPr kumimoji="1" sz="2400" kern="1200">
+                <a:solidFill>
+                  <a:schemeClr val="tx1"/>
+                </a:solidFill>
+                <a:latin typeface="+mn-lt"/>
+                <a:ea typeface="+mn-ea"/>
+                <a:cs typeface="+mn-cs"/>
+              </a:defRPr>
+            </a:lvl1pPr>
+            <a:lvl2pPr marL="457200" indent="0" algn="ctr" defTabSz="914400" rtl="0" eaLnBrk="1" latinLnBrk="0" hangingPunct="1">
+              <a:lnSpc>
+                <a:spcPct val="90000"/>
+              </a:lnSpc>
+              <a:spcBef>
+                <a:spcPts val="500"/>
+              </a:spcBef>
+              <a:buFont typeface="Arial" panose="020B0604020202020204" pitchFamily="34" charset="0"/>
+              <a:buNone/>
+              <a:defRPr kumimoji="1" sz="2000" kern="1200">
+                <a:solidFill>
+                  <a:schemeClr val="tx1"/>
+                </a:solidFill>
+                <a:latin typeface="+mn-lt"/>
+                <a:ea typeface="+mn-ea"/>
+                <a:cs typeface="+mn-cs"/>
+              </a:defRPr>
+            </a:lvl2pPr>
+            <a:lvl3pPr marL="914400" indent="0" algn="ctr" defTabSz="914400" rtl="0" eaLnBrk="1" latinLnBrk="0" hangingPunct="1">
+              <a:lnSpc>
+                <a:spcPct val="90000"/>
+              </a:lnSpc>
+              <a:spcBef>
+                <a:spcPts val="500"/>
+              </a:spcBef>
+              <a:buFont typeface="Arial" panose="020B0604020202020204" pitchFamily="34" charset="0"/>
+              <a:buNone/>
+              <a:defRPr kumimoji="1" sz="1800" kern="1200">
+                <a:solidFill>
+                  <a:schemeClr val="tx1"/>
+                </a:solidFill>
+                <a:latin typeface="+mn-lt"/>
+                <a:ea typeface="+mn-ea"/>
+                <a:cs typeface="+mn-cs"/>
+              </a:defRPr>
+            </a:lvl3pPr>
+            <a:lvl4pPr marL="1371600" indent="0" algn="ctr" defTabSz="914400" rtl="0" eaLnBrk="1" latinLnBrk="0" hangingPunct="1">
+              <a:lnSpc>
+                <a:spcPct val="90000"/>
+              </a:lnSpc>
+              <a:spcBef>
+                <a:spcPts val="500"/>
+              </a:spcBef>
+              <a:buFont typeface="Arial" panose="020B0604020202020204" pitchFamily="34" charset="0"/>
+              <a:buNone/>
+              <a:defRPr kumimoji="1" sz="1600" kern="1200">
+                <a:solidFill>
+                  <a:schemeClr val="tx1"/>
+                </a:solidFill>
+                <a:latin typeface="+mn-lt"/>
+                <a:ea typeface="+mn-ea"/>
+                <a:cs typeface="+mn-cs"/>
+              </a:defRPr>
+            </a:lvl4pPr>
+            <a:lvl5pPr marL="1828800" indent="0" algn="ctr" defTabSz="914400" rtl="0" eaLnBrk="1" latinLnBrk="0" hangingPunct="1">
+              <a:lnSpc>
+                <a:spcPct val="90000"/>
+              </a:lnSpc>
+              <a:spcBef>
+                <a:spcPts val="500"/>
+              </a:spcBef>
+              <a:buFont typeface="Arial" panose="020B0604020202020204" pitchFamily="34" charset="0"/>
+              <a:buNone/>
+              <a:defRPr kumimoji="1" sz="1600" kern="1200">
+                <a:solidFill>
+                  <a:schemeClr val="tx1"/>
+                </a:solidFill>
+                <a:latin typeface="+mn-lt"/>
+                <a:ea typeface="+mn-ea"/>
+                <a:cs typeface="+mn-cs"/>
+              </a:defRPr>
+            </a:lvl5pPr>
+            <a:lvl6pPr marL="2286000" indent="0" algn="ctr" defTabSz="914400" rtl="0" eaLnBrk="1" latinLnBrk="0" hangingPunct="1">
+              <a:lnSpc>
+                <a:spcPct val="90000"/>
+              </a:lnSpc>
+              <a:spcBef>
+                <a:spcPts val="500"/>
+              </a:spcBef>
+              <a:buFont typeface="Arial" panose="020B0604020202020204" pitchFamily="34" charset="0"/>
+              <a:buNone/>
+              <a:defRPr kumimoji="1" sz="1600" kern="1200">
+                <a:solidFill>
+                  <a:schemeClr val="tx1"/>
+                </a:solidFill>
+                <a:latin typeface="+mn-lt"/>
+                <a:ea typeface="+mn-ea"/>
+                <a:cs typeface="+mn-cs"/>
+              </a:defRPr>
+            </a:lvl6pPr>
+            <a:lvl7pPr marL="2743200" indent="0" algn="ctr" defTabSz="914400" rtl="0" eaLnBrk="1" latinLnBrk="0" hangingPunct="1">
+              <a:lnSpc>
+                <a:spcPct val="90000"/>
+              </a:lnSpc>
+              <a:spcBef>
+                <a:spcPts val="500"/>
+              </a:spcBef>
+              <a:buFont typeface="Arial" panose="020B0604020202020204" pitchFamily="34" charset="0"/>
+              <a:buNone/>
+              <a:defRPr kumimoji="1" sz="1600" kern="1200">
+                <a:solidFill>
+                  <a:schemeClr val="tx1"/>
+                </a:solidFill>
+                <a:latin typeface="+mn-lt"/>
+                <a:ea typeface="+mn-ea"/>
+                <a:cs typeface="+mn-cs"/>
+              </a:defRPr>
+            </a:lvl7pPr>
+            <a:lvl8pPr marL="3200400" indent="0" algn="ctr" defTabSz="914400" rtl="0" eaLnBrk="1" latinLnBrk="0" hangingPunct="1">
+              <a:lnSpc>
+                <a:spcPct val="90000"/>
+              </a:lnSpc>
+              <a:spcBef>
+                <a:spcPts val="500"/>
+              </a:spcBef>
+              <a:buFont typeface="Arial" panose="020B0604020202020204" pitchFamily="34" charset="0"/>
+              <a:buNone/>
+              <a:defRPr kumimoji="1" sz="1600" kern="1200">
+                <a:solidFill>
+                  <a:schemeClr val="tx1"/>
+                </a:solidFill>
+                <a:latin typeface="+mn-lt"/>
+                <a:ea typeface="+mn-ea"/>
+                <a:cs typeface="+mn-cs"/>
+              </a:defRPr>
+            </a:lvl8pPr>
+            <a:lvl9pPr marL="3657600" indent="0" algn="ctr" defTabSz="914400" rtl="0" eaLnBrk="1" latinLnBrk="0" hangingPunct="1">
+              <a:lnSpc>
+                <a:spcPct val="90000"/>
+              </a:lnSpc>
+              <a:spcBef>
+                <a:spcPts val="500"/>
+              </a:spcBef>
+              <a:buFont typeface="Arial" panose="020B0604020202020204" pitchFamily="34" charset="0"/>
+              <a:buNone/>
+              <a:defRPr kumimoji="1" sz="1600" kern="1200">
+                <a:solidFill>
+                  <a:schemeClr val="tx1"/>
+                </a:solidFill>
+                <a:latin typeface="+mn-lt"/>
+                <a:ea typeface="+mn-ea"/>
+                <a:cs typeface="+mn-cs"/>
+              </a:defRPr>
+            </a:lvl9pPr>
+          </a:lstStyle>
+          <a:p>
+            <a:pPr marL="0" marR="0" lvl="0" indent="0" algn="ctr" defTabSz="914400" rtl="0" eaLnBrk="1" fontAlgn="auto" latinLnBrk="0" hangingPunct="1">
+              <a:lnSpc>
+                <a:spcPct val="90000"/>
+              </a:lnSpc>
+              <a:spcBef>
+                <a:spcPts val="1000"/>
+              </a:spcBef>
+              <a:spcAft>
+                <a:spcPts val="0"/>
+              </a:spcAft>
+              <a:buClrTx/>
+              <a:buSzTx/>
+              <a:buFont typeface="Arial" panose="020B0604020202020204" pitchFamily="34" charset="0"/>
+              <a:buNone/>
+              <a:tabLst/>
+              <a:defRPr/>
+            </a:pPr>
+            <a:r>
+              <a:rPr kumimoji="1" lang="en-US" altLang="ja-JP" sz="1200" b="1" i="0" u="none" strike="noStrike" kern="1200" cap="none" spc="0" normalizeH="0" baseline="0" noProof="0" dirty="0">
+                <a:ln>
+                  <a:noFill/>
+                </a:ln>
+                <a:solidFill>
+                  <a:prstClr val="white">
+                    <a:lumMod val="75000"/>
+                  </a:prstClr>
+                </a:solidFill>
+                <a:effectLst/>
+                <a:uLnTx/>
+                <a:uFillTx/>
+                <a:latin typeface="BIZ UDPゴシック" panose="020B0400000000000000" pitchFamily="50" charset="-128"/>
+                <a:ea typeface="BIZ UDPゴシック" panose="020B0400000000000000" pitchFamily="50" charset="-128"/>
+                <a:cs typeface="+mn-cs"/>
+              </a:rPr>
+              <a:t>2025.6.30</a:t>
+            </a:r>
+            <a:endParaRPr kumimoji="1" lang="ja-JP" altLang="en-US" sz="1200" b="1" i="0" u="none" strike="noStrike" kern="1200" cap="none" spc="0" normalizeH="0" baseline="0" noProof="0" dirty="0">
+              <a:ln>
+                <a:noFill/>
+              </a:ln>
+              <a:solidFill>
+                <a:prstClr val="white">
+                  <a:lumMod val="75000"/>
+                </a:prstClr>
+              </a:solidFill>
+              <a:effectLst/>
+              <a:uLnTx/>
+              <a:uFillTx/>
+              <a:latin typeface="BIZ UDPゴシック" panose="020B0400000000000000" pitchFamily="50" charset="-128"/>
+              <a:ea typeface="BIZ UDPゴシック" panose="020B0400000000000000" pitchFamily="50" charset="-128"/>
+              <a:cs typeface="+mn-cs"/>
+            </a:endParaRPr>
+          </a:p>
+        </p:txBody>
+      </p:sp>
+      <p:sp>
+        <p:nvSpPr>
+          <p:cNvPr id="2" name="タイトル 1">
+            <a:extLst>
+              <a:ext uri="{FF2B5EF4-FFF2-40B4-BE49-F238E27FC236}">
+                <a16:creationId xmlns:a16="http://schemas.microsoft.com/office/drawing/2014/main" id="{C9062233-4D96-F1F4-681D-E513BB8D41BB}"/>
+              </a:ext>
+            </a:extLst>
+          </p:cNvPr>
+          <p:cNvSpPr txBox="1">
+            <a:spLocks/>
+          </p:cNvSpPr>
+          <p:nvPr/>
+        </p:nvSpPr>
+        <p:spPr>
+          <a:xfrm>
+            <a:off x="2978989" y="2691515"/>
+            <a:ext cx="6625759" cy="648847"/>
+          </a:xfrm>
+          <a:prstGeom prst="rect">
+            <a:avLst/>
+          </a:prstGeom>
+        </p:spPr>
+        <p:txBody>
+          <a:bodyPr vert="horz" lIns="91440" tIns="45720" rIns="91440" bIns="45720" rtlCol="0" anchor="b">
+            <a:normAutofit/>
+          </a:bodyPr>
+          <a:lstStyle>
+            <a:lvl1pPr algn="ctr" defTabSz="914400" rtl="0" eaLnBrk="1" latinLnBrk="0" hangingPunct="1">
+              <a:lnSpc>
+                <a:spcPct val="90000"/>
+              </a:lnSpc>
+              <a:spcBef>
+                <a:spcPct val="0"/>
+              </a:spcBef>
+              <a:buNone/>
+              <a:defRPr kumimoji="1" sz="6000" kern="1200">
+                <a:solidFill>
+                  <a:schemeClr val="tx1"/>
+                </a:solidFill>
+                <a:latin typeface="+mj-lt"/>
+                <a:ea typeface="+mj-ea"/>
+                <a:cs typeface="+mj-cs"/>
+              </a:defRPr>
+            </a:lvl1pPr>
+          </a:lstStyle>
+          <a:p>
+            <a:r>
+              <a:rPr lang="ja-JP" altLang="en-US" sz="3200" b="1" dirty="0">
+                <a:solidFill>
+                  <a:schemeClr val="bg2">
+                    <a:lumMod val="25000"/>
+                  </a:schemeClr>
+                </a:solidFill>
+                <a:latin typeface="BIZ UDPゴシック" panose="020B0400000000000000" pitchFamily="50" charset="-128"/>
+                <a:ea typeface="BIZ UDPゴシック" panose="020B0400000000000000" pitchFamily="50" charset="-128"/>
+              </a:rPr>
+              <a:t>＊ご清聴ありがとうございました＊</a:t>
+            </a:r>
+          </a:p>
+        </p:txBody>
+      </p:sp>
+    </p:spTree>
+    <p:extLst>
+      <p:ext uri="{BB962C8B-B14F-4D97-AF65-F5344CB8AC3E}">
+        <p14:creationId xmlns:p14="http://schemas.microsoft.com/office/powerpoint/2010/main" val="1038582364"/>
+      </p:ext>
+    </p:extLst>
+  </p:cSld>
+  <p:clrMapOvr>
+    <a:masterClrMapping/>
+  </p:clrMapOvr>
+</p:sld>
+</file>
+
 <file path=ppt/slides/slide2.xml><?xml version="1.0" encoding="utf-8"?>
 <p:sld xmlns:a="http://schemas.openxmlformats.org/drawingml/2006/main" xmlns:r="http://schemas.openxmlformats.org/officeDocument/2006/relationships" xmlns:p="http://schemas.openxmlformats.org/presentationml/2006/main">
   <p:cSld>
@@ -7929,6 +10727,1072 @@
         <p:cNvPr id="1" name="">
           <a:extLst>
             <a:ext uri="{FF2B5EF4-FFF2-40B4-BE49-F238E27FC236}">
+              <a16:creationId xmlns:a16="http://schemas.microsoft.com/office/drawing/2014/main" id="{65AB241A-4900-A49A-5EEE-3B5EB7519364}"/>
+            </a:ext>
+          </a:extLst>
+        </p:cNvPr>
+        <p:cNvGrpSpPr/>
+        <p:nvPr/>
+      </p:nvGrpSpPr>
+      <p:grpSpPr>
+        <a:xfrm>
+          <a:off x="0" y="0"/>
+          <a:ext cx="0" cy="0"/>
+          <a:chOff x="0" y="0"/>
+          <a:chExt cx="0" cy="0"/>
+        </a:xfrm>
+      </p:grpSpPr>
+      <p:pic>
+        <p:nvPicPr>
+          <p:cNvPr id="11" name="図 10" descr="背景パターン&#10;&#10;AI 生成コンテンツは誤りを含む可能性があります。">
+            <a:extLst>
+              <a:ext uri="{FF2B5EF4-FFF2-40B4-BE49-F238E27FC236}">
+                <a16:creationId xmlns:a16="http://schemas.microsoft.com/office/drawing/2014/main" id="{B7CCE835-9EDC-09B8-23D9-5BF34F502F60}"/>
+              </a:ext>
+            </a:extLst>
+          </p:cNvPr>
+          <p:cNvPicPr>
+            <a:picLocks noChangeAspect="1"/>
+          </p:cNvPicPr>
+          <p:nvPr/>
+        </p:nvPicPr>
+        <p:blipFill>
+          <a:blip r:embed="rId2">
+            <a:extLst>
+              <a:ext uri="{28A0092B-C50C-407E-A947-70E740481C1C}">
+                <a14:useLocalDpi xmlns:a14="http://schemas.microsoft.com/office/drawing/2010/main" val="0"/>
+              </a:ext>
+            </a:extLst>
+          </a:blip>
+          <a:stretch>
+            <a:fillRect/>
+          </a:stretch>
+        </p:blipFill>
+        <p:spPr>
+          <a:xfrm>
+            <a:off x="0" y="0"/>
+            <a:ext cx="12192000" cy="6858000"/>
+          </a:xfrm>
+          <a:prstGeom prst="rect">
+            <a:avLst/>
+          </a:prstGeom>
+        </p:spPr>
+      </p:pic>
+      <p:sp>
+        <p:nvSpPr>
+          <p:cNvPr id="12" name="正方形/長方形 11">
+            <a:extLst>
+              <a:ext uri="{FF2B5EF4-FFF2-40B4-BE49-F238E27FC236}">
+                <a16:creationId xmlns:a16="http://schemas.microsoft.com/office/drawing/2014/main" id="{418427BD-6C0A-1418-28BD-49BE4ADEC926}"/>
+              </a:ext>
+            </a:extLst>
+          </p:cNvPr>
+          <p:cNvSpPr/>
+          <p:nvPr/>
+        </p:nvSpPr>
+        <p:spPr>
+          <a:xfrm>
+            <a:off x="949570" y="771873"/>
+            <a:ext cx="10603522" cy="5314253"/>
+          </a:xfrm>
+          <a:prstGeom prst="rect">
+            <a:avLst/>
+          </a:prstGeom>
+          <a:ln>
+            <a:solidFill>
+              <a:srgbClr val="FFCC99"/>
+            </a:solidFill>
+          </a:ln>
+        </p:spPr>
+        <p:style>
+          <a:lnRef idx="2">
+            <a:schemeClr val="accent6"/>
+          </a:lnRef>
+          <a:fillRef idx="1">
+            <a:schemeClr val="lt1"/>
+          </a:fillRef>
+          <a:effectRef idx="0">
+            <a:schemeClr val="accent6"/>
+          </a:effectRef>
+          <a:fontRef idx="minor">
+            <a:schemeClr val="dk1"/>
+          </a:fontRef>
+        </p:style>
+        <p:txBody>
+          <a:bodyPr rtlCol="0" anchor="ctr"/>
+          <a:lstStyle/>
+          <a:p>
+            <a:pPr algn="ctr"/>
+            <a:endParaRPr kumimoji="1" lang="ja-JP" altLang="en-US">
+              <a:solidFill>
+                <a:srgbClr val="FFCC66"/>
+              </a:solidFill>
+            </a:endParaRPr>
+          </a:p>
+        </p:txBody>
+      </p:sp>
+      <p:cxnSp>
+        <p:nvCxnSpPr>
+          <p:cNvPr id="15" name="直線コネクタ 14">
+            <a:extLst>
+              <a:ext uri="{FF2B5EF4-FFF2-40B4-BE49-F238E27FC236}">
+                <a16:creationId xmlns:a16="http://schemas.microsoft.com/office/drawing/2014/main" id="{29693F3C-563E-3275-7E5F-EB6D05B0337D}"/>
+              </a:ext>
+            </a:extLst>
+          </p:cNvPr>
+          <p:cNvCxnSpPr>
+            <a:cxnSpLocks/>
+          </p:cNvCxnSpPr>
+          <p:nvPr/>
+        </p:nvCxnSpPr>
+        <p:spPr>
+          <a:xfrm>
+            <a:off x="2286047" y="1908149"/>
+            <a:ext cx="8459666" cy="0"/>
+          </a:xfrm>
+          <a:prstGeom prst="line">
+            <a:avLst/>
+          </a:prstGeom>
+          <a:ln>
+            <a:solidFill>
+              <a:srgbClr val="FFCC66"/>
+            </a:solidFill>
+          </a:ln>
+        </p:spPr>
+        <p:style>
+          <a:lnRef idx="1">
+            <a:schemeClr val="accent6"/>
+          </a:lnRef>
+          <a:fillRef idx="0">
+            <a:schemeClr val="accent6"/>
+          </a:fillRef>
+          <a:effectRef idx="0">
+            <a:schemeClr val="accent6"/>
+          </a:effectRef>
+          <a:fontRef idx="minor">
+            <a:schemeClr val="tx1"/>
+          </a:fontRef>
+        </p:style>
+      </p:cxnSp>
+      <p:sp>
+        <p:nvSpPr>
+          <p:cNvPr id="21" name="字幕 2">
+            <a:extLst>
+              <a:ext uri="{FF2B5EF4-FFF2-40B4-BE49-F238E27FC236}">
+                <a16:creationId xmlns:a16="http://schemas.microsoft.com/office/drawing/2014/main" id="{F657E0AC-1A9D-4016-5235-9C82BD46D37C}"/>
+              </a:ext>
+            </a:extLst>
+          </p:cNvPr>
+          <p:cNvSpPr txBox="1">
+            <a:spLocks/>
+          </p:cNvSpPr>
+          <p:nvPr/>
+        </p:nvSpPr>
+        <p:spPr>
+          <a:xfrm>
+            <a:off x="9718966" y="5552608"/>
+            <a:ext cx="2053494" cy="378513"/>
+          </a:xfrm>
+          <a:prstGeom prst="rect">
+            <a:avLst/>
+          </a:prstGeom>
+        </p:spPr>
+        <p:txBody>
+          <a:bodyPr vert="horz" lIns="91440" tIns="45720" rIns="91440" bIns="45720" rtlCol="0">
+            <a:normAutofit/>
+          </a:bodyPr>
+          <a:lstStyle>
+            <a:lvl1pPr marL="0" indent="0" algn="ctr" defTabSz="914400" rtl="0" eaLnBrk="1" latinLnBrk="0" hangingPunct="1">
+              <a:lnSpc>
+                <a:spcPct val="90000"/>
+              </a:lnSpc>
+              <a:spcBef>
+                <a:spcPts val="1000"/>
+              </a:spcBef>
+              <a:buFont typeface="Arial" panose="020B0604020202020204" pitchFamily="34" charset="0"/>
+              <a:buNone/>
+              <a:defRPr kumimoji="1" sz="2400" kern="1200">
+                <a:solidFill>
+                  <a:schemeClr val="tx1"/>
+                </a:solidFill>
+                <a:latin typeface="+mn-lt"/>
+                <a:ea typeface="+mn-ea"/>
+                <a:cs typeface="+mn-cs"/>
+              </a:defRPr>
+            </a:lvl1pPr>
+            <a:lvl2pPr marL="457200" indent="0" algn="ctr" defTabSz="914400" rtl="0" eaLnBrk="1" latinLnBrk="0" hangingPunct="1">
+              <a:lnSpc>
+                <a:spcPct val="90000"/>
+              </a:lnSpc>
+              <a:spcBef>
+                <a:spcPts val="500"/>
+              </a:spcBef>
+              <a:buFont typeface="Arial" panose="020B0604020202020204" pitchFamily="34" charset="0"/>
+              <a:buNone/>
+              <a:defRPr kumimoji="1" sz="2000" kern="1200">
+                <a:solidFill>
+                  <a:schemeClr val="tx1"/>
+                </a:solidFill>
+                <a:latin typeface="+mn-lt"/>
+                <a:ea typeface="+mn-ea"/>
+                <a:cs typeface="+mn-cs"/>
+              </a:defRPr>
+            </a:lvl2pPr>
+            <a:lvl3pPr marL="914400" indent="0" algn="ctr" defTabSz="914400" rtl="0" eaLnBrk="1" latinLnBrk="0" hangingPunct="1">
+              <a:lnSpc>
+                <a:spcPct val="90000"/>
+              </a:lnSpc>
+              <a:spcBef>
+                <a:spcPts val="500"/>
+              </a:spcBef>
+              <a:buFont typeface="Arial" panose="020B0604020202020204" pitchFamily="34" charset="0"/>
+              <a:buNone/>
+              <a:defRPr kumimoji="1" sz="1800" kern="1200">
+                <a:solidFill>
+                  <a:schemeClr val="tx1"/>
+                </a:solidFill>
+                <a:latin typeface="+mn-lt"/>
+                <a:ea typeface="+mn-ea"/>
+                <a:cs typeface="+mn-cs"/>
+              </a:defRPr>
+            </a:lvl3pPr>
+            <a:lvl4pPr marL="1371600" indent="0" algn="ctr" defTabSz="914400" rtl="0" eaLnBrk="1" latinLnBrk="0" hangingPunct="1">
+              <a:lnSpc>
+                <a:spcPct val="90000"/>
+              </a:lnSpc>
+              <a:spcBef>
+                <a:spcPts val="500"/>
+              </a:spcBef>
+              <a:buFont typeface="Arial" panose="020B0604020202020204" pitchFamily="34" charset="0"/>
+              <a:buNone/>
+              <a:defRPr kumimoji="1" sz="1600" kern="1200">
+                <a:solidFill>
+                  <a:schemeClr val="tx1"/>
+                </a:solidFill>
+                <a:latin typeface="+mn-lt"/>
+                <a:ea typeface="+mn-ea"/>
+                <a:cs typeface="+mn-cs"/>
+              </a:defRPr>
+            </a:lvl4pPr>
+            <a:lvl5pPr marL="1828800" indent="0" algn="ctr" defTabSz="914400" rtl="0" eaLnBrk="1" latinLnBrk="0" hangingPunct="1">
+              <a:lnSpc>
+                <a:spcPct val="90000"/>
+              </a:lnSpc>
+              <a:spcBef>
+                <a:spcPts val="500"/>
+              </a:spcBef>
+              <a:buFont typeface="Arial" panose="020B0604020202020204" pitchFamily="34" charset="0"/>
+              <a:buNone/>
+              <a:defRPr kumimoji="1" sz="1600" kern="1200">
+                <a:solidFill>
+                  <a:schemeClr val="tx1"/>
+                </a:solidFill>
+                <a:latin typeface="+mn-lt"/>
+                <a:ea typeface="+mn-ea"/>
+                <a:cs typeface="+mn-cs"/>
+              </a:defRPr>
+            </a:lvl5pPr>
+            <a:lvl6pPr marL="2286000" indent="0" algn="ctr" defTabSz="914400" rtl="0" eaLnBrk="1" latinLnBrk="0" hangingPunct="1">
+              <a:lnSpc>
+                <a:spcPct val="90000"/>
+              </a:lnSpc>
+              <a:spcBef>
+                <a:spcPts val="500"/>
+              </a:spcBef>
+              <a:buFont typeface="Arial" panose="020B0604020202020204" pitchFamily="34" charset="0"/>
+              <a:buNone/>
+              <a:defRPr kumimoji="1" sz="1600" kern="1200">
+                <a:solidFill>
+                  <a:schemeClr val="tx1"/>
+                </a:solidFill>
+                <a:latin typeface="+mn-lt"/>
+                <a:ea typeface="+mn-ea"/>
+                <a:cs typeface="+mn-cs"/>
+              </a:defRPr>
+            </a:lvl6pPr>
+            <a:lvl7pPr marL="2743200" indent="0" algn="ctr" defTabSz="914400" rtl="0" eaLnBrk="1" latinLnBrk="0" hangingPunct="1">
+              <a:lnSpc>
+                <a:spcPct val="90000"/>
+              </a:lnSpc>
+              <a:spcBef>
+                <a:spcPts val="500"/>
+              </a:spcBef>
+              <a:buFont typeface="Arial" panose="020B0604020202020204" pitchFamily="34" charset="0"/>
+              <a:buNone/>
+              <a:defRPr kumimoji="1" sz="1600" kern="1200">
+                <a:solidFill>
+                  <a:schemeClr val="tx1"/>
+                </a:solidFill>
+                <a:latin typeface="+mn-lt"/>
+                <a:ea typeface="+mn-ea"/>
+                <a:cs typeface="+mn-cs"/>
+              </a:defRPr>
+            </a:lvl7pPr>
+            <a:lvl8pPr marL="3200400" indent="0" algn="ctr" defTabSz="914400" rtl="0" eaLnBrk="1" latinLnBrk="0" hangingPunct="1">
+              <a:lnSpc>
+                <a:spcPct val="90000"/>
+              </a:lnSpc>
+              <a:spcBef>
+                <a:spcPts val="500"/>
+              </a:spcBef>
+              <a:buFont typeface="Arial" panose="020B0604020202020204" pitchFamily="34" charset="0"/>
+              <a:buNone/>
+              <a:defRPr kumimoji="1" sz="1600" kern="1200">
+                <a:solidFill>
+                  <a:schemeClr val="tx1"/>
+                </a:solidFill>
+                <a:latin typeface="+mn-lt"/>
+                <a:ea typeface="+mn-ea"/>
+                <a:cs typeface="+mn-cs"/>
+              </a:defRPr>
+            </a:lvl8pPr>
+            <a:lvl9pPr marL="3657600" indent="0" algn="ctr" defTabSz="914400" rtl="0" eaLnBrk="1" latinLnBrk="0" hangingPunct="1">
+              <a:lnSpc>
+                <a:spcPct val="90000"/>
+              </a:lnSpc>
+              <a:spcBef>
+                <a:spcPts val="500"/>
+              </a:spcBef>
+              <a:buFont typeface="Arial" panose="020B0604020202020204" pitchFamily="34" charset="0"/>
+              <a:buNone/>
+              <a:defRPr kumimoji="1" sz="1600" kern="1200">
+                <a:solidFill>
+                  <a:schemeClr val="tx1"/>
+                </a:solidFill>
+                <a:latin typeface="+mn-lt"/>
+                <a:ea typeface="+mn-ea"/>
+                <a:cs typeface="+mn-cs"/>
+              </a:defRPr>
+            </a:lvl9pPr>
+          </a:lstStyle>
+          <a:p>
+            <a:r>
+              <a:rPr lang="en-US" altLang="ja-JP" sz="1200" b="1" dirty="0">
+                <a:solidFill>
+                  <a:schemeClr val="bg1">
+                    <a:lumMod val="75000"/>
+                  </a:schemeClr>
+                </a:solidFill>
+                <a:latin typeface="BIZ UDPゴシック" panose="020B0400000000000000" pitchFamily="50" charset="-128"/>
+                <a:ea typeface="BIZ UDPゴシック" panose="020B0400000000000000" pitchFamily="50" charset="-128"/>
+              </a:rPr>
+              <a:t>2025.6.30</a:t>
+            </a:r>
+            <a:endParaRPr lang="ja-JP" altLang="en-US" sz="1200" b="1" dirty="0">
+              <a:solidFill>
+                <a:schemeClr val="bg1">
+                  <a:lumMod val="75000"/>
+                </a:schemeClr>
+              </a:solidFill>
+              <a:latin typeface="BIZ UDPゴシック" panose="020B0400000000000000" pitchFamily="50" charset="-128"/>
+              <a:ea typeface="BIZ UDPゴシック" panose="020B0400000000000000" pitchFamily="50" charset="-128"/>
+            </a:endParaRPr>
+          </a:p>
+        </p:txBody>
+      </p:sp>
+      <p:sp>
+        <p:nvSpPr>
+          <p:cNvPr id="3" name="タイトル 1">
+            <a:extLst>
+              <a:ext uri="{FF2B5EF4-FFF2-40B4-BE49-F238E27FC236}">
+                <a16:creationId xmlns:a16="http://schemas.microsoft.com/office/drawing/2014/main" id="{37CC829E-B35F-76FD-6365-A35A21432934}"/>
+              </a:ext>
+            </a:extLst>
+          </p:cNvPr>
+          <p:cNvSpPr txBox="1">
+            <a:spLocks/>
+          </p:cNvSpPr>
+          <p:nvPr/>
+        </p:nvSpPr>
+        <p:spPr>
+          <a:xfrm>
+            <a:off x="5171142" y="981929"/>
+            <a:ext cx="2355273" cy="1009651"/>
+          </a:xfrm>
+          <a:prstGeom prst="rect">
+            <a:avLst/>
+          </a:prstGeom>
+          <a:effectLst/>
+        </p:spPr>
+        <p:txBody>
+          <a:bodyPr vert="horz" lIns="91440" tIns="45720" rIns="91440" bIns="45720" rtlCol="0" anchor="ctr">
+            <a:normAutofit/>
+          </a:bodyPr>
+          <a:lstStyle>
+            <a:lvl1pPr algn="ctr" defTabSz="457200" rtl="0" eaLnBrk="1" latinLnBrk="0" hangingPunct="1">
+              <a:spcBef>
+                <a:spcPct val="0"/>
+              </a:spcBef>
+              <a:buNone/>
+              <a:defRPr kumimoji="1" sz="4400" kern="1200" cap="none">
+                <a:ln w="3175" cmpd="sng">
+                  <a:noFill/>
+                </a:ln>
+                <a:solidFill>
+                  <a:schemeClr val="tx1">
+                    <a:lumMod val="85000"/>
+                    <a:lumOff val="15000"/>
+                  </a:schemeClr>
+                </a:solidFill>
+                <a:effectLst/>
+                <a:latin typeface="+mj-lt"/>
+                <a:ea typeface="+mj-ea"/>
+                <a:cs typeface="+mj-cs"/>
+              </a:defRPr>
+            </a:lvl1pPr>
+            <a:lvl2pPr eaLnBrk="1" hangingPunct="1">
+              <a:defRPr kumimoji="1">
+                <a:solidFill>
+                  <a:schemeClr val="tx2"/>
+                </a:solidFill>
+              </a:defRPr>
+            </a:lvl2pPr>
+            <a:lvl3pPr eaLnBrk="1" hangingPunct="1">
+              <a:defRPr kumimoji="1">
+                <a:solidFill>
+                  <a:schemeClr val="tx2"/>
+                </a:solidFill>
+              </a:defRPr>
+            </a:lvl3pPr>
+            <a:lvl4pPr eaLnBrk="1" hangingPunct="1">
+              <a:defRPr kumimoji="1">
+                <a:solidFill>
+                  <a:schemeClr val="tx2"/>
+                </a:solidFill>
+              </a:defRPr>
+            </a:lvl4pPr>
+            <a:lvl5pPr eaLnBrk="1" hangingPunct="1">
+              <a:defRPr kumimoji="1">
+                <a:solidFill>
+                  <a:schemeClr val="tx2"/>
+                </a:solidFill>
+              </a:defRPr>
+            </a:lvl5pPr>
+            <a:lvl6pPr eaLnBrk="1" hangingPunct="1">
+              <a:defRPr kumimoji="1">
+                <a:solidFill>
+                  <a:schemeClr val="tx2"/>
+                </a:solidFill>
+              </a:defRPr>
+            </a:lvl6pPr>
+            <a:lvl7pPr eaLnBrk="1" hangingPunct="1">
+              <a:defRPr kumimoji="1">
+                <a:solidFill>
+                  <a:schemeClr val="tx2"/>
+                </a:solidFill>
+              </a:defRPr>
+            </a:lvl7pPr>
+            <a:lvl8pPr eaLnBrk="1" hangingPunct="1">
+              <a:defRPr kumimoji="1">
+                <a:solidFill>
+                  <a:schemeClr val="tx2"/>
+                </a:solidFill>
+              </a:defRPr>
+            </a:lvl8pPr>
+            <a:lvl9pPr eaLnBrk="1" hangingPunct="1">
+              <a:defRPr kumimoji="1">
+                <a:solidFill>
+                  <a:schemeClr val="tx2"/>
+                </a:solidFill>
+              </a:defRPr>
+            </a:lvl9pPr>
+          </a:lstStyle>
+          <a:p>
+            <a:pPr marL="0" marR="0" lvl="0" indent="0" algn="ctr" defTabSz="457200" rtl="0" eaLnBrk="1" fontAlgn="auto" latinLnBrk="0" hangingPunct="1">
+              <a:lnSpc>
+                <a:spcPct val="100000"/>
+              </a:lnSpc>
+              <a:spcBef>
+                <a:spcPct val="0"/>
+              </a:spcBef>
+              <a:spcAft>
+                <a:spcPts val="0"/>
+              </a:spcAft>
+              <a:buClrTx/>
+              <a:buSzTx/>
+              <a:buFontTx/>
+              <a:buNone/>
+              <a:tabLst/>
+              <a:defRPr/>
+            </a:pPr>
+            <a:r>
+              <a:rPr kumimoji="1" lang="ja-JP" altLang="en-US" sz="4000" b="1" i="0" u="none" strike="noStrike" kern="1200" normalizeH="0" baseline="0" noProof="0" dirty="0">
+                <a:ln w="0"/>
+                <a:solidFill>
+                  <a:srgbClr val="FF9966"/>
+                </a:solidFill>
+                <a:effectLst>
+                  <a:outerShdw blurRad="38100" dist="19050" dir="2700000" algn="tl" rotWithShape="0">
+                    <a:schemeClr val="dk1">
+                      <a:alpha val="40000"/>
+                    </a:schemeClr>
+                  </a:outerShdw>
+                </a:effectLst>
+                <a:uLnTx/>
+                <a:uFillTx/>
+                <a:latin typeface="BIZ UDPゴシック" panose="020B0400000000000000" pitchFamily="50" charset="-128"/>
+                <a:ea typeface="BIZ UDPゴシック" panose="020B0400000000000000" pitchFamily="50" charset="-128"/>
+                <a:cs typeface="+mj-cs"/>
+              </a:rPr>
+              <a:t>問題点</a:t>
+            </a:r>
+          </a:p>
+        </p:txBody>
+      </p:sp>
+    </p:spTree>
+    <p:extLst>
+      <p:ext uri="{BB962C8B-B14F-4D97-AF65-F5344CB8AC3E}">
+        <p14:creationId xmlns:p14="http://schemas.microsoft.com/office/powerpoint/2010/main" val="590538505"/>
+      </p:ext>
+    </p:extLst>
+  </p:cSld>
+  <p:clrMapOvr>
+    <a:masterClrMapping/>
+  </p:clrMapOvr>
+</p:sld>
+</file>
+
+<file path=ppt/slides/slide4.xml><?xml version="1.0" encoding="utf-8"?>
+<p:sld xmlns:a="http://schemas.openxmlformats.org/drawingml/2006/main" xmlns:r="http://schemas.openxmlformats.org/officeDocument/2006/relationships" xmlns:p="http://schemas.openxmlformats.org/presentationml/2006/main">
+  <p:cSld>
+    <p:spTree>
+      <p:nvGrpSpPr>
+        <p:cNvPr id="1" name="">
+          <a:extLst>
+            <a:ext uri="{FF2B5EF4-FFF2-40B4-BE49-F238E27FC236}">
+              <a16:creationId xmlns:a16="http://schemas.microsoft.com/office/drawing/2014/main" id="{1FC9EDFB-D8ED-2D2B-BA11-553C7C2D8F56}"/>
+            </a:ext>
+          </a:extLst>
+        </p:cNvPr>
+        <p:cNvGrpSpPr/>
+        <p:nvPr/>
+      </p:nvGrpSpPr>
+      <p:grpSpPr>
+        <a:xfrm>
+          <a:off x="0" y="0"/>
+          <a:ext cx="0" cy="0"/>
+          <a:chOff x="0" y="0"/>
+          <a:chExt cx="0" cy="0"/>
+        </a:xfrm>
+      </p:grpSpPr>
+      <p:pic>
+        <p:nvPicPr>
+          <p:cNvPr id="11" name="図 10" descr="背景パターン&#10;&#10;AI 生成コンテンツは誤りを含む可能性があります。">
+            <a:extLst>
+              <a:ext uri="{FF2B5EF4-FFF2-40B4-BE49-F238E27FC236}">
+                <a16:creationId xmlns:a16="http://schemas.microsoft.com/office/drawing/2014/main" id="{1B016C40-B24B-6151-AF4B-DB19413817A1}"/>
+              </a:ext>
+            </a:extLst>
+          </p:cNvPr>
+          <p:cNvPicPr>
+            <a:picLocks noChangeAspect="1"/>
+          </p:cNvPicPr>
+          <p:nvPr/>
+        </p:nvPicPr>
+        <p:blipFill>
+          <a:blip r:embed="rId2">
+            <a:extLst>
+              <a:ext uri="{28A0092B-C50C-407E-A947-70E740481C1C}">
+                <a14:useLocalDpi xmlns:a14="http://schemas.microsoft.com/office/drawing/2010/main" val="0"/>
+              </a:ext>
+            </a:extLst>
+          </a:blip>
+          <a:stretch>
+            <a:fillRect/>
+          </a:stretch>
+        </p:blipFill>
+        <p:spPr>
+          <a:xfrm>
+            <a:off x="0" y="0"/>
+            <a:ext cx="12192000" cy="6858000"/>
+          </a:xfrm>
+          <a:prstGeom prst="rect">
+            <a:avLst/>
+          </a:prstGeom>
+        </p:spPr>
+      </p:pic>
+      <p:sp>
+        <p:nvSpPr>
+          <p:cNvPr id="12" name="正方形/長方形 11">
+            <a:extLst>
+              <a:ext uri="{FF2B5EF4-FFF2-40B4-BE49-F238E27FC236}">
+                <a16:creationId xmlns:a16="http://schemas.microsoft.com/office/drawing/2014/main" id="{E00C6300-C84F-CABB-5122-BD7A338E0325}"/>
+              </a:ext>
+            </a:extLst>
+          </p:cNvPr>
+          <p:cNvSpPr/>
+          <p:nvPr/>
+        </p:nvSpPr>
+        <p:spPr>
+          <a:xfrm>
+            <a:off x="949570" y="771873"/>
+            <a:ext cx="10603522" cy="5314253"/>
+          </a:xfrm>
+          <a:prstGeom prst="rect">
+            <a:avLst/>
+          </a:prstGeom>
+          <a:ln>
+            <a:solidFill>
+              <a:srgbClr val="FFCC99"/>
+            </a:solidFill>
+          </a:ln>
+        </p:spPr>
+        <p:style>
+          <a:lnRef idx="2">
+            <a:schemeClr val="accent6"/>
+          </a:lnRef>
+          <a:fillRef idx="1">
+            <a:schemeClr val="lt1"/>
+          </a:fillRef>
+          <a:effectRef idx="0">
+            <a:schemeClr val="accent6"/>
+          </a:effectRef>
+          <a:fontRef idx="minor">
+            <a:schemeClr val="dk1"/>
+          </a:fontRef>
+        </p:style>
+        <p:txBody>
+          <a:bodyPr rtlCol="0" anchor="ctr"/>
+          <a:lstStyle/>
+          <a:p>
+            <a:pPr algn="ctr"/>
+            <a:endParaRPr kumimoji="1" lang="ja-JP" altLang="en-US">
+              <a:solidFill>
+                <a:srgbClr val="FFCC66"/>
+              </a:solidFill>
+            </a:endParaRPr>
+          </a:p>
+        </p:txBody>
+      </p:sp>
+      <p:cxnSp>
+        <p:nvCxnSpPr>
+          <p:cNvPr id="15" name="直線コネクタ 14">
+            <a:extLst>
+              <a:ext uri="{FF2B5EF4-FFF2-40B4-BE49-F238E27FC236}">
+                <a16:creationId xmlns:a16="http://schemas.microsoft.com/office/drawing/2014/main" id="{49B3FAAC-4F09-DD48-25B5-9098401111F8}"/>
+              </a:ext>
+            </a:extLst>
+          </p:cNvPr>
+          <p:cNvCxnSpPr>
+            <a:cxnSpLocks/>
+          </p:cNvCxnSpPr>
+          <p:nvPr/>
+        </p:nvCxnSpPr>
+        <p:spPr>
+          <a:xfrm>
+            <a:off x="2286047" y="1908149"/>
+            <a:ext cx="8459666" cy="0"/>
+          </a:xfrm>
+          <a:prstGeom prst="line">
+            <a:avLst/>
+          </a:prstGeom>
+          <a:ln>
+            <a:solidFill>
+              <a:srgbClr val="FFCC66"/>
+            </a:solidFill>
+          </a:ln>
+        </p:spPr>
+        <p:style>
+          <a:lnRef idx="1">
+            <a:schemeClr val="accent6"/>
+          </a:lnRef>
+          <a:fillRef idx="0">
+            <a:schemeClr val="accent6"/>
+          </a:fillRef>
+          <a:effectRef idx="0">
+            <a:schemeClr val="accent6"/>
+          </a:effectRef>
+          <a:fontRef idx="minor">
+            <a:schemeClr val="tx1"/>
+          </a:fontRef>
+        </p:style>
+      </p:cxnSp>
+      <p:sp>
+        <p:nvSpPr>
+          <p:cNvPr id="21" name="字幕 2">
+            <a:extLst>
+              <a:ext uri="{FF2B5EF4-FFF2-40B4-BE49-F238E27FC236}">
+                <a16:creationId xmlns:a16="http://schemas.microsoft.com/office/drawing/2014/main" id="{84DE586B-3867-2EDB-CBA8-97F6EFD1C4B2}"/>
+              </a:ext>
+            </a:extLst>
+          </p:cNvPr>
+          <p:cNvSpPr txBox="1">
+            <a:spLocks/>
+          </p:cNvSpPr>
+          <p:nvPr/>
+        </p:nvSpPr>
+        <p:spPr>
+          <a:xfrm>
+            <a:off x="9718966" y="5552608"/>
+            <a:ext cx="2053494" cy="378513"/>
+          </a:xfrm>
+          <a:prstGeom prst="rect">
+            <a:avLst/>
+          </a:prstGeom>
+        </p:spPr>
+        <p:txBody>
+          <a:bodyPr vert="horz" lIns="91440" tIns="45720" rIns="91440" bIns="45720" rtlCol="0">
+            <a:normAutofit/>
+          </a:bodyPr>
+          <a:lstStyle>
+            <a:lvl1pPr marL="0" indent="0" algn="ctr" defTabSz="914400" rtl="0" eaLnBrk="1" latinLnBrk="0" hangingPunct="1">
+              <a:lnSpc>
+                <a:spcPct val="90000"/>
+              </a:lnSpc>
+              <a:spcBef>
+                <a:spcPts val="1000"/>
+              </a:spcBef>
+              <a:buFont typeface="Arial" panose="020B0604020202020204" pitchFamily="34" charset="0"/>
+              <a:buNone/>
+              <a:defRPr kumimoji="1" sz="2400" kern="1200">
+                <a:solidFill>
+                  <a:schemeClr val="tx1"/>
+                </a:solidFill>
+                <a:latin typeface="+mn-lt"/>
+                <a:ea typeface="+mn-ea"/>
+                <a:cs typeface="+mn-cs"/>
+              </a:defRPr>
+            </a:lvl1pPr>
+            <a:lvl2pPr marL="457200" indent="0" algn="ctr" defTabSz="914400" rtl="0" eaLnBrk="1" latinLnBrk="0" hangingPunct="1">
+              <a:lnSpc>
+                <a:spcPct val="90000"/>
+              </a:lnSpc>
+              <a:spcBef>
+                <a:spcPts val="500"/>
+              </a:spcBef>
+              <a:buFont typeface="Arial" panose="020B0604020202020204" pitchFamily="34" charset="0"/>
+              <a:buNone/>
+              <a:defRPr kumimoji="1" sz="2000" kern="1200">
+                <a:solidFill>
+                  <a:schemeClr val="tx1"/>
+                </a:solidFill>
+                <a:latin typeface="+mn-lt"/>
+                <a:ea typeface="+mn-ea"/>
+                <a:cs typeface="+mn-cs"/>
+              </a:defRPr>
+            </a:lvl2pPr>
+            <a:lvl3pPr marL="914400" indent="0" algn="ctr" defTabSz="914400" rtl="0" eaLnBrk="1" latinLnBrk="0" hangingPunct="1">
+              <a:lnSpc>
+                <a:spcPct val="90000"/>
+              </a:lnSpc>
+              <a:spcBef>
+                <a:spcPts val="500"/>
+              </a:spcBef>
+              <a:buFont typeface="Arial" panose="020B0604020202020204" pitchFamily="34" charset="0"/>
+              <a:buNone/>
+              <a:defRPr kumimoji="1" sz="1800" kern="1200">
+                <a:solidFill>
+                  <a:schemeClr val="tx1"/>
+                </a:solidFill>
+                <a:latin typeface="+mn-lt"/>
+                <a:ea typeface="+mn-ea"/>
+                <a:cs typeface="+mn-cs"/>
+              </a:defRPr>
+            </a:lvl3pPr>
+            <a:lvl4pPr marL="1371600" indent="0" algn="ctr" defTabSz="914400" rtl="0" eaLnBrk="1" latinLnBrk="0" hangingPunct="1">
+              <a:lnSpc>
+                <a:spcPct val="90000"/>
+              </a:lnSpc>
+              <a:spcBef>
+                <a:spcPts val="500"/>
+              </a:spcBef>
+              <a:buFont typeface="Arial" panose="020B0604020202020204" pitchFamily="34" charset="0"/>
+              <a:buNone/>
+              <a:defRPr kumimoji="1" sz="1600" kern="1200">
+                <a:solidFill>
+                  <a:schemeClr val="tx1"/>
+                </a:solidFill>
+                <a:latin typeface="+mn-lt"/>
+                <a:ea typeface="+mn-ea"/>
+                <a:cs typeface="+mn-cs"/>
+              </a:defRPr>
+            </a:lvl4pPr>
+            <a:lvl5pPr marL="1828800" indent="0" algn="ctr" defTabSz="914400" rtl="0" eaLnBrk="1" latinLnBrk="0" hangingPunct="1">
+              <a:lnSpc>
+                <a:spcPct val="90000"/>
+              </a:lnSpc>
+              <a:spcBef>
+                <a:spcPts val="500"/>
+              </a:spcBef>
+              <a:buFont typeface="Arial" panose="020B0604020202020204" pitchFamily="34" charset="0"/>
+              <a:buNone/>
+              <a:defRPr kumimoji="1" sz="1600" kern="1200">
+                <a:solidFill>
+                  <a:schemeClr val="tx1"/>
+                </a:solidFill>
+                <a:latin typeface="+mn-lt"/>
+                <a:ea typeface="+mn-ea"/>
+                <a:cs typeface="+mn-cs"/>
+              </a:defRPr>
+            </a:lvl5pPr>
+            <a:lvl6pPr marL="2286000" indent="0" algn="ctr" defTabSz="914400" rtl="0" eaLnBrk="1" latinLnBrk="0" hangingPunct="1">
+              <a:lnSpc>
+                <a:spcPct val="90000"/>
+              </a:lnSpc>
+              <a:spcBef>
+                <a:spcPts val="500"/>
+              </a:spcBef>
+              <a:buFont typeface="Arial" panose="020B0604020202020204" pitchFamily="34" charset="0"/>
+              <a:buNone/>
+              <a:defRPr kumimoji="1" sz="1600" kern="1200">
+                <a:solidFill>
+                  <a:schemeClr val="tx1"/>
+                </a:solidFill>
+                <a:latin typeface="+mn-lt"/>
+                <a:ea typeface="+mn-ea"/>
+                <a:cs typeface="+mn-cs"/>
+              </a:defRPr>
+            </a:lvl6pPr>
+            <a:lvl7pPr marL="2743200" indent="0" algn="ctr" defTabSz="914400" rtl="0" eaLnBrk="1" latinLnBrk="0" hangingPunct="1">
+              <a:lnSpc>
+                <a:spcPct val="90000"/>
+              </a:lnSpc>
+              <a:spcBef>
+                <a:spcPts val="500"/>
+              </a:spcBef>
+              <a:buFont typeface="Arial" panose="020B0604020202020204" pitchFamily="34" charset="0"/>
+              <a:buNone/>
+              <a:defRPr kumimoji="1" sz="1600" kern="1200">
+                <a:solidFill>
+                  <a:schemeClr val="tx1"/>
+                </a:solidFill>
+                <a:latin typeface="+mn-lt"/>
+                <a:ea typeface="+mn-ea"/>
+                <a:cs typeface="+mn-cs"/>
+              </a:defRPr>
+            </a:lvl7pPr>
+            <a:lvl8pPr marL="3200400" indent="0" algn="ctr" defTabSz="914400" rtl="0" eaLnBrk="1" latinLnBrk="0" hangingPunct="1">
+              <a:lnSpc>
+                <a:spcPct val="90000"/>
+              </a:lnSpc>
+              <a:spcBef>
+                <a:spcPts val="500"/>
+              </a:spcBef>
+              <a:buFont typeface="Arial" panose="020B0604020202020204" pitchFamily="34" charset="0"/>
+              <a:buNone/>
+              <a:defRPr kumimoji="1" sz="1600" kern="1200">
+                <a:solidFill>
+                  <a:schemeClr val="tx1"/>
+                </a:solidFill>
+                <a:latin typeface="+mn-lt"/>
+                <a:ea typeface="+mn-ea"/>
+                <a:cs typeface="+mn-cs"/>
+              </a:defRPr>
+            </a:lvl8pPr>
+            <a:lvl9pPr marL="3657600" indent="0" algn="ctr" defTabSz="914400" rtl="0" eaLnBrk="1" latinLnBrk="0" hangingPunct="1">
+              <a:lnSpc>
+                <a:spcPct val="90000"/>
+              </a:lnSpc>
+              <a:spcBef>
+                <a:spcPts val="500"/>
+              </a:spcBef>
+              <a:buFont typeface="Arial" panose="020B0604020202020204" pitchFamily="34" charset="0"/>
+              <a:buNone/>
+              <a:defRPr kumimoji="1" sz="1600" kern="1200">
+                <a:solidFill>
+                  <a:schemeClr val="tx1"/>
+                </a:solidFill>
+                <a:latin typeface="+mn-lt"/>
+                <a:ea typeface="+mn-ea"/>
+                <a:cs typeface="+mn-cs"/>
+              </a:defRPr>
+            </a:lvl9pPr>
+          </a:lstStyle>
+          <a:p>
+            <a:r>
+              <a:rPr lang="en-US" altLang="ja-JP" sz="1200" b="1" dirty="0">
+                <a:solidFill>
+                  <a:schemeClr val="bg1">
+                    <a:lumMod val="75000"/>
+                  </a:schemeClr>
+                </a:solidFill>
+                <a:latin typeface="BIZ UDPゴシック" panose="020B0400000000000000" pitchFamily="50" charset="-128"/>
+                <a:ea typeface="BIZ UDPゴシック" panose="020B0400000000000000" pitchFamily="50" charset="-128"/>
+              </a:rPr>
+              <a:t>2025.6.30</a:t>
+            </a:r>
+            <a:endParaRPr lang="ja-JP" altLang="en-US" sz="1200" b="1" dirty="0">
+              <a:solidFill>
+                <a:schemeClr val="bg1">
+                  <a:lumMod val="75000"/>
+                </a:schemeClr>
+              </a:solidFill>
+              <a:latin typeface="BIZ UDPゴシック" panose="020B0400000000000000" pitchFamily="50" charset="-128"/>
+              <a:ea typeface="BIZ UDPゴシック" panose="020B0400000000000000" pitchFamily="50" charset="-128"/>
+            </a:endParaRPr>
+          </a:p>
+        </p:txBody>
+      </p:sp>
+      <p:sp>
+        <p:nvSpPr>
+          <p:cNvPr id="3" name="タイトル 1">
+            <a:extLst>
+              <a:ext uri="{FF2B5EF4-FFF2-40B4-BE49-F238E27FC236}">
+                <a16:creationId xmlns:a16="http://schemas.microsoft.com/office/drawing/2014/main" id="{9179014F-1589-A212-3DD4-DC840388A19B}"/>
+              </a:ext>
+            </a:extLst>
+          </p:cNvPr>
+          <p:cNvSpPr txBox="1">
+            <a:spLocks/>
+          </p:cNvSpPr>
+          <p:nvPr/>
+        </p:nvSpPr>
+        <p:spPr>
+          <a:xfrm>
+            <a:off x="5171142" y="981929"/>
+            <a:ext cx="2355273" cy="1009651"/>
+          </a:xfrm>
+          <a:prstGeom prst="rect">
+            <a:avLst/>
+          </a:prstGeom>
+          <a:effectLst/>
+        </p:spPr>
+        <p:txBody>
+          <a:bodyPr vert="horz" lIns="91440" tIns="45720" rIns="91440" bIns="45720" rtlCol="0" anchor="ctr">
+            <a:normAutofit/>
+          </a:bodyPr>
+          <a:lstStyle>
+            <a:lvl1pPr algn="ctr" defTabSz="457200" rtl="0" eaLnBrk="1" latinLnBrk="0" hangingPunct="1">
+              <a:spcBef>
+                <a:spcPct val="0"/>
+              </a:spcBef>
+              <a:buNone/>
+              <a:defRPr kumimoji="1" sz="4400" kern="1200" cap="none">
+                <a:ln w="3175" cmpd="sng">
+                  <a:noFill/>
+                </a:ln>
+                <a:solidFill>
+                  <a:schemeClr val="tx1">
+                    <a:lumMod val="85000"/>
+                    <a:lumOff val="15000"/>
+                  </a:schemeClr>
+                </a:solidFill>
+                <a:effectLst/>
+                <a:latin typeface="+mj-lt"/>
+                <a:ea typeface="+mj-ea"/>
+                <a:cs typeface="+mj-cs"/>
+              </a:defRPr>
+            </a:lvl1pPr>
+            <a:lvl2pPr eaLnBrk="1" hangingPunct="1">
+              <a:defRPr kumimoji="1">
+                <a:solidFill>
+                  <a:schemeClr val="tx2"/>
+                </a:solidFill>
+              </a:defRPr>
+            </a:lvl2pPr>
+            <a:lvl3pPr eaLnBrk="1" hangingPunct="1">
+              <a:defRPr kumimoji="1">
+                <a:solidFill>
+                  <a:schemeClr val="tx2"/>
+                </a:solidFill>
+              </a:defRPr>
+            </a:lvl3pPr>
+            <a:lvl4pPr eaLnBrk="1" hangingPunct="1">
+              <a:defRPr kumimoji="1">
+                <a:solidFill>
+                  <a:schemeClr val="tx2"/>
+                </a:solidFill>
+              </a:defRPr>
+            </a:lvl4pPr>
+            <a:lvl5pPr eaLnBrk="1" hangingPunct="1">
+              <a:defRPr kumimoji="1">
+                <a:solidFill>
+                  <a:schemeClr val="tx2"/>
+                </a:solidFill>
+              </a:defRPr>
+            </a:lvl5pPr>
+            <a:lvl6pPr eaLnBrk="1" hangingPunct="1">
+              <a:defRPr kumimoji="1">
+                <a:solidFill>
+                  <a:schemeClr val="tx2"/>
+                </a:solidFill>
+              </a:defRPr>
+            </a:lvl6pPr>
+            <a:lvl7pPr eaLnBrk="1" hangingPunct="1">
+              <a:defRPr kumimoji="1">
+                <a:solidFill>
+                  <a:schemeClr val="tx2"/>
+                </a:solidFill>
+              </a:defRPr>
+            </a:lvl7pPr>
+            <a:lvl8pPr eaLnBrk="1" hangingPunct="1">
+              <a:defRPr kumimoji="1">
+                <a:solidFill>
+                  <a:schemeClr val="tx2"/>
+                </a:solidFill>
+              </a:defRPr>
+            </a:lvl8pPr>
+            <a:lvl9pPr eaLnBrk="1" hangingPunct="1">
+              <a:defRPr kumimoji="1">
+                <a:solidFill>
+                  <a:schemeClr val="tx2"/>
+                </a:solidFill>
+              </a:defRPr>
+            </a:lvl9pPr>
+          </a:lstStyle>
+          <a:p>
+            <a:pPr marL="0" marR="0" lvl="0" indent="0" algn="ctr" defTabSz="457200" rtl="0" eaLnBrk="1" fontAlgn="auto" latinLnBrk="0" hangingPunct="1">
+              <a:lnSpc>
+                <a:spcPct val="100000"/>
+              </a:lnSpc>
+              <a:spcBef>
+                <a:spcPct val="0"/>
+              </a:spcBef>
+              <a:spcAft>
+                <a:spcPts val="0"/>
+              </a:spcAft>
+              <a:buClrTx/>
+              <a:buSzTx/>
+              <a:buFontTx/>
+              <a:buNone/>
+              <a:tabLst/>
+              <a:defRPr/>
+            </a:pPr>
+            <a:r>
+              <a:rPr kumimoji="1" lang="ja-JP" altLang="en-US" sz="4000" b="1" i="0" u="none" strike="noStrike" kern="1200" normalizeH="0" baseline="0" noProof="0" dirty="0">
+                <a:ln w="0"/>
+                <a:solidFill>
+                  <a:srgbClr val="FF9966"/>
+                </a:solidFill>
+                <a:effectLst>
+                  <a:outerShdw blurRad="38100" dist="19050" dir="2700000" algn="tl" rotWithShape="0">
+                    <a:schemeClr val="dk1">
+                      <a:alpha val="40000"/>
+                    </a:schemeClr>
+                  </a:outerShdw>
+                </a:effectLst>
+                <a:uLnTx/>
+                <a:uFillTx/>
+                <a:latin typeface="BIZ UDPゴシック" panose="020B0400000000000000" pitchFamily="50" charset="-128"/>
+                <a:ea typeface="BIZ UDPゴシック" panose="020B0400000000000000" pitchFamily="50" charset="-128"/>
+                <a:cs typeface="+mj-cs"/>
+              </a:rPr>
+              <a:t>問題点</a:t>
+            </a:r>
+          </a:p>
+        </p:txBody>
+      </p:sp>
+    </p:spTree>
+    <p:extLst>
+      <p:ext uri="{BB962C8B-B14F-4D97-AF65-F5344CB8AC3E}">
+        <p14:creationId xmlns:p14="http://schemas.microsoft.com/office/powerpoint/2010/main" val="641420216"/>
+      </p:ext>
+    </p:extLst>
+  </p:cSld>
+  <p:clrMapOvr>
+    <a:masterClrMapping/>
+  </p:clrMapOvr>
+</p:sld>
+</file>
+
+<file path=ppt/slides/slide5.xml><?xml version="1.0" encoding="utf-8"?>
+<p:sld xmlns:a="http://schemas.openxmlformats.org/drawingml/2006/main" xmlns:r="http://schemas.openxmlformats.org/officeDocument/2006/relationships" xmlns:p="http://schemas.openxmlformats.org/presentationml/2006/main">
+  <p:cSld>
+    <p:spTree>
+      <p:nvGrpSpPr>
+        <p:cNvPr id="1" name="">
+          <a:extLst>
+            <a:ext uri="{FF2B5EF4-FFF2-40B4-BE49-F238E27FC236}">
               <a16:creationId xmlns:a16="http://schemas.microsoft.com/office/drawing/2014/main" id="{B00A6292-1AEF-B2C5-D48D-FD709F7F9ACD}"/>
             </a:ext>
           </a:extLst>
@@ -8813,7 +12677,668 @@
 </p:sld>
 </file>
 
-<file path=ppt/slides/slide4.xml><?xml version="1.0" encoding="utf-8"?>
+<file path=ppt/slides/slide6.xml><?xml version="1.0" encoding="utf-8"?>
+<p:sld xmlns:a="http://schemas.openxmlformats.org/drawingml/2006/main" xmlns:r="http://schemas.openxmlformats.org/officeDocument/2006/relationships" xmlns:p="http://schemas.openxmlformats.org/presentationml/2006/main">
+  <p:cSld>
+    <p:spTree>
+      <p:nvGrpSpPr>
+        <p:cNvPr id="1" name="">
+          <a:extLst>
+            <a:ext uri="{FF2B5EF4-FFF2-40B4-BE49-F238E27FC236}">
+              <a16:creationId xmlns:a16="http://schemas.microsoft.com/office/drawing/2014/main" id="{AEB1C843-2BC8-F962-5B25-9AC2061EC7A6}"/>
+            </a:ext>
+          </a:extLst>
+        </p:cNvPr>
+        <p:cNvGrpSpPr/>
+        <p:nvPr/>
+      </p:nvGrpSpPr>
+      <p:grpSpPr>
+        <a:xfrm>
+          <a:off x="0" y="0"/>
+          <a:ext cx="0" cy="0"/>
+          <a:chOff x="0" y="0"/>
+          <a:chExt cx="0" cy="0"/>
+        </a:xfrm>
+      </p:grpSpPr>
+      <p:pic>
+        <p:nvPicPr>
+          <p:cNvPr id="11" name="図 10" descr="背景パターン&#10;&#10;AI 生成コンテンツは誤りを含む可能性があります。">
+            <a:extLst>
+              <a:ext uri="{FF2B5EF4-FFF2-40B4-BE49-F238E27FC236}">
+                <a16:creationId xmlns:a16="http://schemas.microsoft.com/office/drawing/2014/main" id="{F6471FB8-DB51-F895-19A7-C3495A746BBE}"/>
+              </a:ext>
+            </a:extLst>
+          </p:cNvPr>
+          <p:cNvPicPr>
+            <a:picLocks noChangeAspect="1"/>
+          </p:cNvPicPr>
+          <p:nvPr/>
+        </p:nvPicPr>
+        <p:blipFill>
+          <a:blip r:embed="rId2">
+            <a:extLst>
+              <a:ext uri="{28A0092B-C50C-407E-A947-70E740481C1C}">
+                <a14:useLocalDpi xmlns:a14="http://schemas.microsoft.com/office/drawing/2010/main" val="0"/>
+              </a:ext>
+            </a:extLst>
+          </a:blip>
+          <a:stretch>
+            <a:fillRect/>
+          </a:stretch>
+        </p:blipFill>
+        <p:spPr>
+          <a:xfrm>
+            <a:off x="0" y="0"/>
+            <a:ext cx="12192000" cy="6858000"/>
+          </a:xfrm>
+          <a:prstGeom prst="rect">
+            <a:avLst/>
+          </a:prstGeom>
+        </p:spPr>
+      </p:pic>
+      <p:sp>
+        <p:nvSpPr>
+          <p:cNvPr id="12" name="正方形/長方形 11">
+            <a:extLst>
+              <a:ext uri="{FF2B5EF4-FFF2-40B4-BE49-F238E27FC236}">
+                <a16:creationId xmlns:a16="http://schemas.microsoft.com/office/drawing/2014/main" id="{064F11E7-8C2D-858E-FAC4-C708CBC4178A}"/>
+              </a:ext>
+            </a:extLst>
+          </p:cNvPr>
+          <p:cNvSpPr/>
+          <p:nvPr/>
+        </p:nvSpPr>
+        <p:spPr>
+          <a:xfrm>
+            <a:off x="949570" y="771873"/>
+            <a:ext cx="10603522" cy="5314253"/>
+          </a:xfrm>
+          <a:prstGeom prst="rect">
+            <a:avLst/>
+          </a:prstGeom>
+          <a:ln>
+            <a:solidFill>
+              <a:srgbClr val="FFCC99"/>
+            </a:solidFill>
+          </a:ln>
+        </p:spPr>
+        <p:style>
+          <a:lnRef idx="2">
+            <a:schemeClr val="accent6"/>
+          </a:lnRef>
+          <a:fillRef idx="1">
+            <a:schemeClr val="lt1"/>
+          </a:fillRef>
+          <a:effectRef idx="0">
+            <a:schemeClr val="accent6"/>
+          </a:effectRef>
+          <a:fontRef idx="minor">
+            <a:schemeClr val="dk1"/>
+          </a:fontRef>
+        </p:style>
+        <p:txBody>
+          <a:bodyPr rtlCol="0" anchor="ctr"/>
+          <a:lstStyle/>
+          <a:p>
+            <a:pPr algn="ctr"/>
+            <a:endParaRPr kumimoji="1" lang="ja-JP" altLang="en-US">
+              <a:solidFill>
+                <a:srgbClr val="FFCC66"/>
+              </a:solidFill>
+            </a:endParaRPr>
+          </a:p>
+        </p:txBody>
+      </p:sp>
+      <p:cxnSp>
+        <p:nvCxnSpPr>
+          <p:cNvPr id="15" name="直線コネクタ 14">
+            <a:extLst>
+              <a:ext uri="{FF2B5EF4-FFF2-40B4-BE49-F238E27FC236}">
+                <a16:creationId xmlns:a16="http://schemas.microsoft.com/office/drawing/2014/main" id="{C27F71A0-1472-F4D4-BD47-302607750896}"/>
+              </a:ext>
+            </a:extLst>
+          </p:cNvPr>
+          <p:cNvCxnSpPr>
+            <a:cxnSpLocks/>
+          </p:cNvCxnSpPr>
+          <p:nvPr/>
+        </p:nvCxnSpPr>
+        <p:spPr>
+          <a:xfrm>
+            <a:off x="2286047" y="1908149"/>
+            <a:ext cx="8459666" cy="0"/>
+          </a:xfrm>
+          <a:prstGeom prst="line">
+            <a:avLst/>
+          </a:prstGeom>
+          <a:ln>
+            <a:solidFill>
+              <a:srgbClr val="FFCC66"/>
+            </a:solidFill>
+          </a:ln>
+        </p:spPr>
+        <p:style>
+          <a:lnRef idx="1">
+            <a:schemeClr val="accent6"/>
+          </a:lnRef>
+          <a:fillRef idx="0">
+            <a:schemeClr val="accent6"/>
+          </a:fillRef>
+          <a:effectRef idx="0">
+            <a:schemeClr val="accent6"/>
+          </a:effectRef>
+          <a:fontRef idx="minor">
+            <a:schemeClr val="tx1"/>
+          </a:fontRef>
+        </p:style>
+      </p:cxnSp>
+      <p:sp>
+        <p:nvSpPr>
+          <p:cNvPr id="21" name="字幕 2">
+            <a:extLst>
+              <a:ext uri="{FF2B5EF4-FFF2-40B4-BE49-F238E27FC236}">
+                <a16:creationId xmlns:a16="http://schemas.microsoft.com/office/drawing/2014/main" id="{8905B56F-108C-3927-E478-A21BDEE62680}"/>
+              </a:ext>
+            </a:extLst>
+          </p:cNvPr>
+          <p:cNvSpPr txBox="1">
+            <a:spLocks/>
+          </p:cNvSpPr>
+          <p:nvPr/>
+        </p:nvSpPr>
+        <p:spPr>
+          <a:xfrm>
+            <a:off x="9718966" y="5552608"/>
+            <a:ext cx="2053494" cy="378513"/>
+          </a:xfrm>
+          <a:prstGeom prst="rect">
+            <a:avLst/>
+          </a:prstGeom>
+        </p:spPr>
+        <p:txBody>
+          <a:bodyPr vert="horz" lIns="91440" tIns="45720" rIns="91440" bIns="45720" rtlCol="0">
+            <a:normAutofit/>
+          </a:bodyPr>
+          <a:lstStyle>
+            <a:lvl1pPr marL="0" indent="0" algn="ctr" defTabSz="914400" rtl="0" eaLnBrk="1" latinLnBrk="0" hangingPunct="1">
+              <a:lnSpc>
+                <a:spcPct val="90000"/>
+              </a:lnSpc>
+              <a:spcBef>
+                <a:spcPts val="1000"/>
+              </a:spcBef>
+              <a:buFont typeface="Arial" panose="020B0604020202020204" pitchFamily="34" charset="0"/>
+              <a:buNone/>
+              <a:defRPr kumimoji="1" sz="2400" kern="1200">
+                <a:solidFill>
+                  <a:schemeClr val="tx1"/>
+                </a:solidFill>
+                <a:latin typeface="+mn-lt"/>
+                <a:ea typeface="+mn-ea"/>
+                <a:cs typeface="+mn-cs"/>
+              </a:defRPr>
+            </a:lvl1pPr>
+            <a:lvl2pPr marL="457200" indent="0" algn="ctr" defTabSz="914400" rtl="0" eaLnBrk="1" latinLnBrk="0" hangingPunct="1">
+              <a:lnSpc>
+                <a:spcPct val="90000"/>
+              </a:lnSpc>
+              <a:spcBef>
+                <a:spcPts val="500"/>
+              </a:spcBef>
+              <a:buFont typeface="Arial" panose="020B0604020202020204" pitchFamily="34" charset="0"/>
+              <a:buNone/>
+              <a:defRPr kumimoji="1" sz="2000" kern="1200">
+                <a:solidFill>
+                  <a:schemeClr val="tx1"/>
+                </a:solidFill>
+                <a:latin typeface="+mn-lt"/>
+                <a:ea typeface="+mn-ea"/>
+                <a:cs typeface="+mn-cs"/>
+              </a:defRPr>
+            </a:lvl2pPr>
+            <a:lvl3pPr marL="914400" indent="0" algn="ctr" defTabSz="914400" rtl="0" eaLnBrk="1" latinLnBrk="0" hangingPunct="1">
+              <a:lnSpc>
+                <a:spcPct val="90000"/>
+              </a:lnSpc>
+              <a:spcBef>
+                <a:spcPts val="500"/>
+              </a:spcBef>
+              <a:buFont typeface="Arial" panose="020B0604020202020204" pitchFamily="34" charset="0"/>
+              <a:buNone/>
+              <a:defRPr kumimoji="1" sz="1800" kern="1200">
+                <a:solidFill>
+                  <a:schemeClr val="tx1"/>
+                </a:solidFill>
+                <a:latin typeface="+mn-lt"/>
+                <a:ea typeface="+mn-ea"/>
+                <a:cs typeface="+mn-cs"/>
+              </a:defRPr>
+            </a:lvl3pPr>
+            <a:lvl4pPr marL="1371600" indent="0" algn="ctr" defTabSz="914400" rtl="0" eaLnBrk="1" latinLnBrk="0" hangingPunct="1">
+              <a:lnSpc>
+                <a:spcPct val="90000"/>
+              </a:lnSpc>
+              <a:spcBef>
+                <a:spcPts val="500"/>
+              </a:spcBef>
+              <a:buFont typeface="Arial" panose="020B0604020202020204" pitchFamily="34" charset="0"/>
+              <a:buNone/>
+              <a:defRPr kumimoji="1" sz="1600" kern="1200">
+                <a:solidFill>
+                  <a:schemeClr val="tx1"/>
+                </a:solidFill>
+                <a:latin typeface="+mn-lt"/>
+                <a:ea typeface="+mn-ea"/>
+                <a:cs typeface="+mn-cs"/>
+              </a:defRPr>
+            </a:lvl4pPr>
+            <a:lvl5pPr marL="1828800" indent="0" algn="ctr" defTabSz="914400" rtl="0" eaLnBrk="1" latinLnBrk="0" hangingPunct="1">
+              <a:lnSpc>
+                <a:spcPct val="90000"/>
+              </a:lnSpc>
+              <a:spcBef>
+                <a:spcPts val="500"/>
+              </a:spcBef>
+              <a:buFont typeface="Arial" panose="020B0604020202020204" pitchFamily="34" charset="0"/>
+              <a:buNone/>
+              <a:defRPr kumimoji="1" sz="1600" kern="1200">
+                <a:solidFill>
+                  <a:schemeClr val="tx1"/>
+                </a:solidFill>
+                <a:latin typeface="+mn-lt"/>
+                <a:ea typeface="+mn-ea"/>
+                <a:cs typeface="+mn-cs"/>
+              </a:defRPr>
+            </a:lvl5pPr>
+            <a:lvl6pPr marL="2286000" indent="0" algn="ctr" defTabSz="914400" rtl="0" eaLnBrk="1" latinLnBrk="0" hangingPunct="1">
+              <a:lnSpc>
+                <a:spcPct val="90000"/>
+              </a:lnSpc>
+              <a:spcBef>
+                <a:spcPts val="500"/>
+              </a:spcBef>
+              <a:buFont typeface="Arial" panose="020B0604020202020204" pitchFamily="34" charset="0"/>
+              <a:buNone/>
+              <a:defRPr kumimoji="1" sz="1600" kern="1200">
+                <a:solidFill>
+                  <a:schemeClr val="tx1"/>
+                </a:solidFill>
+                <a:latin typeface="+mn-lt"/>
+                <a:ea typeface="+mn-ea"/>
+                <a:cs typeface="+mn-cs"/>
+              </a:defRPr>
+            </a:lvl6pPr>
+            <a:lvl7pPr marL="2743200" indent="0" algn="ctr" defTabSz="914400" rtl="0" eaLnBrk="1" latinLnBrk="0" hangingPunct="1">
+              <a:lnSpc>
+                <a:spcPct val="90000"/>
+              </a:lnSpc>
+              <a:spcBef>
+                <a:spcPts val="500"/>
+              </a:spcBef>
+              <a:buFont typeface="Arial" panose="020B0604020202020204" pitchFamily="34" charset="0"/>
+              <a:buNone/>
+              <a:defRPr kumimoji="1" sz="1600" kern="1200">
+                <a:solidFill>
+                  <a:schemeClr val="tx1"/>
+                </a:solidFill>
+                <a:latin typeface="+mn-lt"/>
+                <a:ea typeface="+mn-ea"/>
+                <a:cs typeface="+mn-cs"/>
+              </a:defRPr>
+            </a:lvl7pPr>
+            <a:lvl8pPr marL="3200400" indent="0" algn="ctr" defTabSz="914400" rtl="0" eaLnBrk="1" latinLnBrk="0" hangingPunct="1">
+              <a:lnSpc>
+                <a:spcPct val="90000"/>
+              </a:lnSpc>
+              <a:spcBef>
+                <a:spcPts val="500"/>
+              </a:spcBef>
+              <a:buFont typeface="Arial" panose="020B0604020202020204" pitchFamily="34" charset="0"/>
+              <a:buNone/>
+              <a:defRPr kumimoji="1" sz="1600" kern="1200">
+                <a:solidFill>
+                  <a:schemeClr val="tx1"/>
+                </a:solidFill>
+                <a:latin typeface="+mn-lt"/>
+                <a:ea typeface="+mn-ea"/>
+                <a:cs typeface="+mn-cs"/>
+              </a:defRPr>
+            </a:lvl8pPr>
+            <a:lvl9pPr marL="3657600" indent="0" algn="ctr" defTabSz="914400" rtl="0" eaLnBrk="1" latinLnBrk="0" hangingPunct="1">
+              <a:lnSpc>
+                <a:spcPct val="90000"/>
+              </a:lnSpc>
+              <a:spcBef>
+                <a:spcPts val="500"/>
+              </a:spcBef>
+              <a:buFont typeface="Arial" panose="020B0604020202020204" pitchFamily="34" charset="0"/>
+              <a:buNone/>
+              <a:defRPr kumimoji="1" sz="1600" kern="1200">
+                <a:solidFill>
+                  <a:schemeClr val="tx1"/>
+                </a:solidFill>
+                <a:latin typeface="+mn-lt"/>
+                <a:ea typeface="+mn-ea"/>
+                <a:cs typeface="+mn-cs"/>
+              </a:defRPr>
+            </a:lvl9pPr>
+          </a:lstStyle>
+          <a:p>
+            <a:r>
+              <a:rPr lang="en-US" altLang="ja-JP" sz="1200" b="1" dirty="0">
+                <a:solidFill>
+                  <a:schemeClr val="bg1">
+                    <a:lumMod val="75000"/>
+                  </a:schemeClr>
+                </a:solidFill>
+                <a:latin typeface="BIZ UDPゴシック" panose="020B0400000000000000" pitchFamily="50" charset="-128"/>
+                <a:ea typeface="BIZ UDPゴシック" panose="020B0400000000000000" pitchFamily="50" charset="-128"/>
+              </a:rPr>
+              <a:t>2025.6.30</a:t>
+            </a:r>
+            <a:endParaRPr lang="ja-JP" altLang="en-US" sz="1200" b="1" dirty="0">
+              <a:solidFill>
+                <a:schemeClr val="bg1">
+                  <a:lumMod val="75000"/>
+                </a:schemeClr>
+              </a:solidFill>
+              <a:latin typeface="BIZ UDPゴシック" panose="020B0400000000000000" pitchFamily="50" charset="-128"/>
+              <a:ea typeface="BIZ UDPゴシック" panose="020B0400000000000000" pitchFamily="50" charset="-128"/>
+            </a:endParaRPr>
+          </a:p>
+        </p:txBody>
+      </p:sp>
+      <p:sp>
+        <p:nvSpPr>
+          <p:cNvPr id="3" name="タイトル 1">
+            <a:extLst>
+              <a:ext uri="{FF2B5EF4-FFF2-40B4-BE49-F238E27FC236}">
+                <a16:creationId xmlns:a16="http://schemas.microsoft.com/office/drawing/2014/main" id="{95923F63-D91D-5E46-440D-3ABD0EAFEC33}"/>
+              </a:ext>
+            </a:extLst>
+          </p:cNvPr>
+          <p:cNvSpPr txBox="1">
+            <a:spLocks/>
+          </p:cNvSpPr>
+          <p:nvPr/>
+        </p:nvSpPr>
+        <p:spPr>
+          <a:xfrm>
+            <a:off x="5171142" y="981929"/>
+            <a:ext cx="2355273" cy="1009651"/>
+          </a:xfrm>
+          <a:prstGeom prst="rect">
+            <a:avLst/>
+          </a:prstGeom>
+          <a:effectLst/>
+        </p:spPr>
+        <p:txBody>
+          <a:bodyPr vert="horz" lIns="91440" tIns="45720" rIns="91440" bIns="45720" rtlCol="0" anchor="ctr">
+            <a:normAutofit fontScale="92500" lnSpcReduction="20000"/>
+          </a:bodyPr>
+          <a:lstStyle>
+            <a:lvl1pPr algn="ctr" defTabSz="457200" rtl="0" eaLnBrk="1" latinLnBrk="0" hangingPunct="1">
+              <a:spcBef>
+                <a:spcPct val="0"/>
+              </a:spcBef>
+              <a:buNone/>
+              <a:defRPr kumimoji="1" sz="4400" kern="1200" cap="none">
+                <a:ln w="3175" cmpd="sng">
+                  <a:noFill/>
+                </a:ln>
+                <a:solidFill>
+                  <a:schemeClr val="tx1">
+                    <a:lumMod val="85000"/>
+                    <a:lumOff val="15000"/>
+                  </a:schemeClr>
+                </a:solidFill>
+                <a:effectLst/>
+                <a:latin typeface="+mj-lt"/>
+                <a:ea typeface="+mj-ea"/>
+                <a:cs typeface="+mj-cs"/>
+              </a:defRPr>
+            </a:lvl1pPr>
+            <a:lvl2pPr eaLnBrk="1" hangingPunct="1">
+              <a:defRPr kumimoji="1">
+                <a:solidFill>
+                  <a:schemeClr val="tx2"/>
+                </a:solidFill>
+              </a:defRPr>
+            </a:lvl2pPr>
+            <a:lvl3pPr eaLnBrk="1" hangingPunct="1">
+              <a:defRPr kumimoji="1">
+                <a:solidFill>
+                  <a:schemeClr val="tx2"/>
+                </a:solidFill>
+              </a:defRPr>
+            </a:lvl3pPr>
+            <a:lvl4pPr eaLnBrk="1" hangingPunct="1">
+              <a:defRPr kumimoji="1">
+                <a:solidFill>
+                  <a:schemeClr val="tx2"/>
+                </a:solidFill>
+              </a:defRPr>
+            </a:lvl4pPr>
+            <a:lvl5pPr eaLnBrk="1" hangingPunct="1">
+              <a:defRPr kumimoji="1">
+                <a:solidFill>
+                  <a:schemeClr val="tx2"/>
+                </a:solidFill>
+              </a:defRPr>
+            </a:lvl5pPr>
+            <a:lvl6pPr eaLnBrk="1" hangingPunct="1">
+              <a:defRPr kumimoji="1">
+                <a:solidFill>
+                  <a:schemeClr val="tx2"/>
+                </a:solidFill>
+              </a:defRPr>
+            </a:lvl6pPr>
+            <a:lvl7pPr eaLnBrk="1" hangingPunct="1">
+              <a:defRPr kumimoji="1">
+                <a:solidFill>
+                  <a:schemeClr val="tx2"/>
+                </a:solidFill>
+              </a:defRPr>
+            </a:lvl7pPr>
+            <a:lvl8pPr eaLnBrk="1" hangingPunct="1">
+              <a:defRPr kumimoji="1">
+                <a:solidFill>
+                  <a:schemeClr val="tx2"/>
+                </a:solidFill>
+              </a:defRPr>
+            </a:lvl8pPr>
+            <a:lvl9pPr eaLnBrk="1" hangingPunct="1">
+              <a:defRPr kumimoji="1">
+                <a:solidFill>
+                  <a:schemeClr val="tx2"/>
+                </a:solidFill>
+              </a:defRPr>
+            </a:lvl9pPr>
+          </a:lstStyle>
+          <a:p>
+            <a:pPr marL="0" marR="0" lvl="0" indent="0" algn="ctr" defTabSz="457200" rtl="0" eaLnBrk="1" fontAlgn="auto" latinLnBrk="0" hangingPunct="1">
+              <a:lnSpc>
+                <a:spcPct val="100000"/>
+              </a:lnSpc>
+              <a:spcBef>
+                <a:spcPct val="0"/>
+              </a:spcBef>
+              <a:spcAft>
+                <a:spcPts val="0"/>
+              </a:spcAft>
+              <a:buClrTx/>
+              <a:buSzTx/>
+              <a:buFontTx/>
+              <a:buNone/>
+              <a:tabLst/>
+              <a:defRPr/>
+            </a:pPr>
+            <a:r>
+              <a:rPr lang="ja-JP" altLang="en-US" sz="4000" b="1" dirty="0">
+                <a:ln w="0"/>
+                <a:solidFill>
+                  <a:srgbClr val="FF9966"/>
+                </a:solidFill>
+                <a:effectLst>
+                  <a:outerShdw blurRad="38100" dist="19050" dir="2700000" algn="tl" rotWithShape="0">
+                    <a:schemeClr val="dk1">
+                      <a:alpha val="40000"/>
+                    </a:schemeClr>
+                  </a:outerShdw>
+                </a:effectLst>
+                <a:latin typeface="BIZ UDPゴシック" panose="020B0400000000000000" pitchFamily="50" charset="-128"/>
+                <a:ea typeface="BIZ UDPゴシック" panose="020B0400000000000000" pitchFamily="50" charset="-128"/>
+              </a:rPr>
+              <a:t>製作背景２</a:t>
+            </a:r>
+            <a:endParaRPr kumimoji="1" lang="ja-JP" altLang="en-US" sz="4000" b="1" i="0" u="none" strike="noStrike" kern="1200" normalizeH="0" baseline="0" noProof="0" dirty="0">
+              <a:ln w="0"/>
+              <a:solidFill>
+                <a:srgbClr val="FF9966"/>
+              </a:solidFill>
+              <a:effectLst>
+                <a:outerShdw blurRad="38100" dist="19050" dir="2700000" algn="tl" rotWithShape="0">
+                  <a:schemeClr val="dk1">
+                    <a:alpha val="40000"/>
+                  </a:schemeClr>
+                </a:outerShdw>
+              </a:effectLst>
+              <a:uLnTx/>
+              <a:uFillTx/>
+              <a:latin typeface="BIZ UDPゴシック" panose="020B0400000000000000" pitchFamily="50" charset="-128"/>
+              <a:ea typeface="BIZ UDPゴシック" panose="020B0400000000000000" pitchFamily="50" charset="-128"/>
+              <a:cs typeface="+mj-cs"/>
+            </a:endParaRPr>
+          </a:p>
+        </p:txBody>
+      </p:sp>
+      <p:sp>
+        <p:nvSpPr>
+          <p:cNvPr id="2" name="テキスト ボックス 1">
+            <a:extLst>
+              <a:ext uri="{FF2B5EF4-FFF2-40B4-BE49-F238E27FC236}">
+                <a16:creationId xmlns:a16="http://schemas.microsoft.com/office/drawing/2014/main" id="{924D7C1A-B45C-331F-C04F-6453E4AA691A}"/>
+              </a:ext>
+            </a:extLst>
+          </p:cNvPr>
+          <p:cNvSpPr txBox="1"/>
+          <p:nvPr/>
+        </p:nvSpPr>
+        <p:spPr>
+          <a:xfrm>
+            <a:off x="2732156" y="2150478"/>
+            <a:ext cx="7567448" cy="3693319"/>
+          </a:xfrm>
+          <a:prstGeom prst="rect">
+            <a:avLst/>
+          </a:prstGeom>
+          <a:noFill/>
+        </p:spPr>
+        <p:txBody>
+          <a:bodyPr wrap="square" rtlCol="0">
+            <a:spAutoFit/>
+          </a:bodyPr>
+          <a:lstStyle/>
+          <a:p>
+            <a:r>
+              <a:rPr kumimoji="1" lang="ja-JP" altLang="en-US" dirty="0"/>
+              <a:t>個人経営者向けの業務効率化アプリ</a:t>
+            </a:r>
+            <a:endParaRPr kumimoji="1" lang="en-US" altLang="ja-JP" dirty="0"/>
+          </a:p>
+          <a:p>
+            <a:endParaRPr lang="en-US" altLang="ja-JP" dirty="0"/>
+          </a:p>
+          <a:p>
+            <a:r>
+              <a:rPr kumimoji="1" lang="ja-JP" altLang="en-US" dirty="0"/>
+              <a:t>機械音痴で事務作業が苦手、休みが少なくて困っているペルソナ</a:t>
+            </a:r>
+            <a:r>
+              <a:rPr kumimoji="1" lang="en-US" altLang="ja-JP" dirty="0"/>
+              <a:t>(</a:t>
+            </a:r>
+            <a:r>
+              <a:rPr kumimoji="1" lang="ja-JP" altLang="en-US" dirty="0"/>
+              <a:t>後述</a:t>
+            </a:r>
+            <a:r>
+              <a:rPr kumimoji="1" lang="en-US" altLang="ja-JP" dirty="0"/>
+              <a:t>)</a:t>
+            </a:r>
+            <a:r>
+              <a:rPr kumimoji="1" lang="ja-JP" altLang="en-US" dirty="0"/>
+              <a:t>を助けるために開発</a:t>
+            </a:r>
+            <a:endParaRPr kumimoji="1" lang="en-US" altLang="ja-JP" dirty="0"/>
+          </a:p>
+          <a:p>
+            <a:endParaRPr lang="en-US" altLang="ja-JP" dirty="0"/>
+          </a:p>
+          <a:p>
+            <a:endParaRPr kumimoji="1" lang="en-US" altLang="ja-JP" dirty="0"/>
+          </a:p>
+          <a:p>
+            <a:r>
+              <a:rPr lang="ja-JP" altLang="en-US" dirty="0"/>
+              <a:t>いままで→</a:t>
+            </a:r>
+            <a:endParaRPr lang="en-US" altLang="ja-JP" dirty="0"/>
+          </a:p>
+          <a:p>
+            <a:r>
+              <a:rPr lang="ja-JP" altLang="en-US" dirty="0"/>
+              <a:t>店長が個別でシフト希望を募ってアナログで調整していた</a:t>
+            </a:r>
+            <a:endParaRPr lang="en-US" altLang="ja-JP" dirty="0"/>
+          </a:p>
+          <a:p>
+            <a:r>
+              <a:rPr lang="ja-JP" altLang="en-US" dirty="0"/>
+              <a:t>カレンダーやマニュアルを別途用意しなければいけなかった</a:t>
+            </a:r>
+            <a:endParaRPr lang="en-US" altLang="ja-JP" dirty="0"/>
+          </a:p>
+          <a:p>
+            <a:endParaRPr lang="en-US" altLang="ja-JP" dirty="0"/>
+          </a:p>
+          <a:p>
+            <a:r>
+              <a:rPr lang="ja-JP" altLang="en-US" dirty="0"/>
+              <a:t>これから→</a:t>
+            </a:r>
+            <a:endParaRPr lang="en-US" altLang="ja-JP" dirty="0"/>
+          </a:p>
+          <a:p>
+            <a:r>
+              <a:rPr lang="ja-JP" altLang="en-US" dirty="0"/>
+              <a:t>店長がシフト調整しなくてもよい</a:t>
+            </a:r>
+            <a:endParaRPr lang="en-US" altLang="ja-JP" dirty="0"/>
+          </a:p>
+          <a:p>
+            <a:r>
+              <a:rPr lang="ja-JP" altLang="en-US" dirty="0"/>
+              <a:t>カレンダーやマニュアルは一括で管理できる</a:t>
+            </a:r>
+            <a:endParaRPr kumimoji="1" lang="en-US" altLang="ja-JP" dirty="0"/>
+          </a:p>
+        </p:txBody>
+      </p:sp>
+    </p:spTree>
+    <p:extLst>
+      <p:ext uri="{BB962C8B-B14F-4D97-AF65-F5344CB8AC3E}">
+        <p14:creationId xmlns:p14="http://schemas.microsoft.com/office/powerpoint/2010/main" val="2826197394"/>
+      </p:ext>
+    </p:extLst>
+  </p:cSld>
+  <p:clrMapOvr>
+    <a:masterClrMapping/>
+  </p:clrMapOvr>
+</p:sld>
+</file>
+
+<file path=ppt/slides/slide7.xml><?xml version="1.0" encoding="utf-8"?>
 <p:sld xmlns:a="http://schemas.openxmlformats.org/drawingml/2006/main" xmlns:r="http://schemas.openxmlformats.org/officeDocument/2006/relationships" xmlns:p="http://schemas.openxmlformats.org/presentationml/2006/main">
   <p:cSld>
     <p:spTree>
@@ -10593,7 +15118,7 @@
 </p:sld>
 </file>
 
-<file path=ppt/slides/slide5.xml><?xml version="1.0" encoding="utf-8"?>
+<file path=ppt/slides/slide8.xml><?xml version="1.0" encoding="utf-8"?>
 <p:sld xmlns:a="http://schemas.openxmlformats.org/drawingml/2006/main" xmlns:r="http://schemas.openxmlformats.org/officeDocument/2006/relationships" xmlns:p="http://schemas.openxmlformats.org/presentationml/2006/main">
   <p:cSld>
     <p:spTree>
@@ -11550,7 +16075,7 @@
 </p:sld>
 </file>
 
-<file path=ppt/slides/slide6.xml><?xml version="1.0" encoding="utf-8"?>
+<file path=ppt/slides/slide9.xml><?xml version="1.0" encoding="utf-8"?>
 <p:sld xmlns:a="http://schemas.openxmlformats.org/drawingml/2006/main" xmlns:r="http://schemas.openxmlformats.org/officeDocument/2006/relationships" xmlns:p="http://schemas.openxmlformats.org/presentationml/2006/main">
   <p:cSld>
     <p:spTree>
@@ -11558,7 +16083,7 @@
         <p:cNvPr id="1" name="">
           <a:extLst>
             <a:ext uri="{FF2B5EF4-FFF2-40B4-BE49-F238E27FC236}">
-              <a16:creationId xmlns:a16="http://schemas.microsoft.com/office/drawing/2014/main" id="{B9EC4855-E718-C004-4752-D5DD5100DF4A}"/>
+              <a16:creationId xmlns:a16="http://schemas.microsoft.com/office/drawing/2014/main" id="{86B87111-6A32-F41F-FEC3-ABCB2E9CDC2E}"/>
             </a:ext>
           </a:extLst>
         </p:cNvPr>
@@ -11578,2299 +16103,7 @@
           <p:cNvPr id="11" name="図 10" descr="背景パターン&#10;&#10;AI 生成コンテンツは誤りを含む可能性があります。">
             <a:extLst>
               <a:ext uri="{FF2B5EF4-FFF2-40B4-BE49-F238E27FC236}">
-                <a16:creationId xmlns:a16="http://schemas.microsoft.com/office/drawing/2014/main" id="{0EF196D7-C87C-7B4A-DD6D-EE3554F47BB1}"/>
-              </a:ext>
-            </a:extLst>
-          </p:cNvPr>
-          <p:cNvPicPr>
-            <a:picLocks noChangeAspect="1"/>
-          </p:cNvPicPr>
-          <p:nvPr/>
-        </p:nvPicPr>
-        <p:blipFill>
-          <a:blip r:embed="rId3">
-            <a:extLst>
-              <a:ext uri="{28A0092B-C50C-407E-A947-70E740481C1C}">
-                <a14:useLocalDpi xmlns:a14="http://schemas.microsoft.com/office/drawing/2010/main" val="0"/>
-              </a:ext>
-            </a:extLst>
-          </a:blip>
-          <a:stretch>
-            <a:fillRect/>
-          </a:stretch>
-        </p:blipFill>
-        <p:spPr>
-          <a:xfrm>
-            <a:off x="0" y="0"/>
-            <a:ext cx="12192000" cy="6858000"/>
-          </a:xfrm>
-          <a:prstGeom prst="rect">
-            <a:avLst/>
-          </a:prstGeom>
-        </p:spPr>
-      </p:pic>
-      <p:sp>
-        <p:nvSpPr>
-          <p:cNvPr id="12" name="正方形/長方形 11">
-            <a:extLst>
-              <a:ext uri="{FF2B5EF4-FFF2-40B4-BE49-F238E27FC236}">
-                <a16:creationId xmlns:a16="http://schemas.microsoft.com/office/drawing/2014/main" id="{1A0DC97C-526C-9D6F-5731-167969FD704C}"/>
-              </a:ext>
-            </a:extLst>
-          </p:cNvPr>
-          <p:cNvSpPr/>
-          <p:nvPr/>
-        </p:nvSpPr>
-        <p:spPr>
-          <a:xfrm>
-            <a:off x="879231" y="427128"/>
-            <a:ext cx="11017719" cy="5717590"/>
-          </a:xfrm>
-          <a:prstGeom prst="rect">
-            <a:avLst/>
-          </a:prstGeom>
-          <a:ln>
-            <a:solidFill>
-              <a:srgbClr val="FFCC99"/>
-            </a:solidFill>
-          </a:ln>
-        </p:spPr>
-        <p:style>
-          <a:lnRef idx="2">
-            <a:schemeClr val="accent6"/>
-          </a:lnRef>
-          <a:fillRef idx="1">
-            <a:schemeClr val="lt1"/>
-          </a:fillRef>
-          <a:effectRef idx="0">
-            <a:schemeClr val="accent6"/>
-          </a:effectRef>
-          <a:fontRef idx="minor">
-            <a:schemeClr val="dk1"/>
-          </a:fontRef>
-        </p:style>
-        <p:txBody>
-          <a:bodyPr rtlCol="0" anchor="ctr"/>
-          <a:lstStyle/>
-          <a:p>
-            <a:pPr algn="ctr"/>
-            <a:endParaRPr kumimoji="1" lang="ja-JP" altLang="en-US"/>
-          </a:p>
-        </p:txBody>
-      </p:sp>
-      <p:cxnSp>
-        <p:nvCxnSpPr>
-          <p:cNvPr id="15" name="直線コネクタ 14">
-            <a:extLst>
-              <a:ext uri="{FF2B5EF4-FFF2-40B4-BE49-F238E27FC236}">
-                <a16:creationId xmlns:a16="http://schemas.microsoft.com/office/drawing/2014/main" id="{A87E7AF3-7D86-9A50-0AF4-8879FD348D56}"/>
-              </a:ext>
-            </a:extLst>
-          </p:cNvPr>
-          <p:cNvCxnSpPr>
-            <a:cxnSpLocks/>
-          </p:cNvCxnSpPr>
-          <p:nvPr/>
-        </p:nvCxnSpPr>
-        <p:spPr>
-          <a:xfrm>
-            <a:off x="1582615" y="1624686"/>
-            <a:ext cx="9856550" cy="0"/>
-          </a:xfrm>
-          <a:prstGeom prst="line">
-            <a:avLst/>
-          </a:prstGeom>
-          <a:ln>
-            <a:solidFill>
-              <a:srgbClr val="FFCC66"/>
-            </a:solidFill>
-          </a:ln>
-        </p:spPr>
-        <p:style>
-          <a:lnRef idx="1">
-            <a:schemeClr val="accent6"/>
-          </a:lnRef>
-          <a:fillRef idx="0">
-            <a:schemeClr val="accent6"/>
-          </a:fillRef>
-          <a:effectRef idx="0">
-            <a:schemeClr val="accent6"/>
-          </a:effectRef>
-          <a:fontRef idx="minor">
-            <a:schemeClr val="tx1"/>
-          </a:fontRef>
-        </p:style>
-      </p:cxnSp>
-      <p:sp>
-        <p:nvSpPr>
-          <p:cNvPr id="21" name="字幕 2">
-            <a:extLst>
-              <a:ext uri="{FF2B5EF4-FFF2-40B4-BE49-F238E27FC236}">
-                <a16:creationId xmlns:a16="http://schemas.microsoft.com/office/drawing/2014/main" id="{9BC41249-84C5-5E87-E2FE-9CED38BBBD27}"/>
-              </a:ext>
-            </a:extLst>
-          </p:cNvPr>
-          <p:cNvSpPr txBox="1">
-            <a:spLocks/>
-          </p:cNvSpPr>
-          <p:nvPr/>
-        </p:nvSpPr>
-        <p:spPr>
-          <a:xfrm>
-            <a:off x="9933459" y="5587355"/>
-            <a:ext cx="2053494" cy="378513"/>
-          </a:xfrm>
-          <a:prstGeom prst="rect">
-            <a:avLst/>
-          </a:prstGeom>
-        </p:spPr>
-        <p:txBody>
-          <a:bodyPr vert="horz" lIns="91440" tIns="45720" rIns="91440" bIns="45720" rtlCol="0">
-            <a:normAutofit/>
-          </a:bodyPr>
-          <a:lstStyle>
-            <a:lvl1pPr marL="0" indent="0" algn="ctr" defTabSz="914400" rtl="0" eaLnBrk="1" latinLnBrk="0" hangingPunct="1">
-              <a:lnSpc>
-                <a:spcPct val="90000"/>
-              </a:lnSpc>
-              <a:spcBef>
-                <a:spcPts val="1000"/>
-              </a:spcBef>
-              <a:buFont typeface="Arial" panose="020B0604020202020204" pitchFamily="34" charset="0"/>
-              <a:buNone/>
-              <a:defRPr kumimoji="1" sz="2400" kern="1200">
-                <a:solidFill>
-                  <a:schemeClr val="tx1"/>
-                </a:solidFill>
-                <a:latin typeface="+mn-lt"/>
-                <a:ea typeface="+mn-ea"/>
-                <a:cs typeface="+mn-cs"/>
-              </a:defRPr>
-            </a:lvl1pPr>
-            <a:lvl2pPr marL="457200" indent="0" algn="ctr" defTabSz="914400" rtl="0" eaLnBrk="1" latinLnBrk="0" hangingPunct="1">
-              <a:lnSpc>
-                <a:spcPct val="90000"/>
-              </a:lnSpc>
-              <a:spcBef>
-                <a:spcPts val="500"/>
-              </a:spcBef>
-              <a:buFont typeface="Arial" panose="020B0604020202020204" pitchFamily="34" charset="0"/>
-              <a:buNone/>
-              <a:defRPr kumimoji="1" sz="2000" kern="1200">
-                <a:solidFill>
-                  <a:schemeClr val="tx1"/>
-                </a:solidFill>
-                <a:latin typeface="+mn-lt"/>
-                <a:ea typeface="+mn-ea"/>
-                <a:cs typeface="+mn-cs"/>
-              </a:defRPr>
-            </a:lvl2pPr>
-            <a:lvl3pPr marL="914400" indent="0" algn="ctr" defTabSz="914400" rtl="0" eaLnBrk="1" latinLnBrk="0" hangingPunct="1">
-              <a:lnSpc>
-                <a:spcPct val="90000"/>
-              </a:lnSpc>
-              <a:spcBef>
-                <a:spcPts val="500"/>
-              </a:spcBef>
-              <a:buFont typeface="Arial" panose="020B0604020202020204" pitchFamily="34" charset="0"/>
-              <a:buNone/>
-              <a:defRPr kumimoji="1" sz="1800" kern="1200">
-                <a:solidFill>
-                  <a:schemeClr val="tx1"/>
-                </a:solidFill>
-                <a:latin typeface="+mn-lt"/>
-                <a:ea typeface="+mn-ea"/>
-                <a:cs typeface="+mn-cs"/>
-              </a:defRPr>
-            </a:lvl3pPr>
-            <a:lvl4pPr marL="1371600" indent="0" algn="ctr" defTabSz="914400" rtl="0" eaLnBrk="1" latinLnBrk="0" hangingPunct="1">
-              <a:lnSpc>
-                <a:spcPct val="90000"/>
-              </a:lnSpc>
-              <a:spcBef>
-                <a:spcPts val="500"/>
-              </a:spcBef>
-              <a:buFont typeface="Arial" panose="020B0604020202020204" pitchFamily="34" charset="0"/>
-              <a:buNone/>
-              <a:defRPr kumimoji="1" sz="1600" kern="1200">
-                <a:solidFill>
-                  <a:schemeClr val="tx1"/>
-                </a:solidFill>
-                <a:latin typeface="+mn-lt"/>
-                <a:ea typeface="+mn-ea"/>
-                <a:cs typeface="+mn-cs"/>
-              </a:defRPr>
-            </a:lvl4pPr>
-            <a:lvl5pPr marL="1828800" indent="0" algn="ctr" defTabSz="914400" rtl="0" eaLnBrk="1" latinLnBrk="0" hangingPunct="1">
-              <a:lnSpc>
-                <a:spcPct val="90000"/>
-              </a:lnSpc>
-              <a:spcBef>
-                <a:spcPts val="500"/>
-              </a:spcBef>
-              <a:buFont typeface="Arial" panose="020B0604020202020204" pitchFamily="34" charset="0"/>
-              <a:buNone/>
-              <a:defRPr kumimoji="1" sz="1600" kern="1200">
-                <a:solidFill>
-                  <a:schemeClr val="tx1"/>
-                </a:solidFill>
-                <a:latin typeface="+mn-lt"/>
-                <a:ea typeface="+mn-ea"/>
-                <a:cs typeface="+mn-cs"/>
-              </a:defRPr>
-            </a:lvl5pPr>
-            <a:lvl6pPr marL="2286000" indent="0" algn="ctr" defTabSz="914400" rtl="0" eaLnBrk="1" latinLnBrk="0" hangingPunct="1">
-              <a:lnSpc>
-                <a:spcPct val="90000"/>
-              </a:lnSpc>
-              <a:spcBef>
-                <a:spcPts val="500"/>
-              </a:spcBef>
-              <a:buFont typeface="Arial" panose="020B0604020202020204" pitchFamily="34" charset="0"/>
-              <a:buNone/>
-              <a:defRPr kumimoji="1" sz="1600" kern="1200">
-                <a:solidFill>
-                  <a:schemeClr val="tx1"/>
-                </a:solidFill>
-                <a:latin typeface="+mn-lt"/>
-                <a:ea typeface="+mn-ea"/>
-                <a:cs typeface="+mn-cs"/>
-              </a:defRPr>
-            </a:lvl6pPr>
-            <a:lvl7pPr marL="2743200" indent="0" algn="ctr" defTabSz="914400" rtl="0" eaLnBrk="1" latinLnBrk="0" hangingPunct="1">
-              <a:lnSpc>
-                <a:spcPct val="90000"/>
-              </a:lnSpc>
-              <a:spcBef>
-                <a:spcPts val="500"/>
-              </a:spcBef>
-              <a:buFont typeface="Arial" panose="020B0604020202020204" pitchFamily="34" charset="0"/>
-              <a:buNone/>
-              <a:defRPr kumimoji="1" sz="1600" kern="1200">
-                <a:solidFill>
-                  <a:schemeClr val="tx1"/>
-                </a:solidFill>
-                <a:latin typeface="+mn-lt"/>
-                <a:ea typeface="+mn-ea"/>
-                <a:cs typeface="+mn-cs"/>
-              </a:defRPr>
-            </a:lvl7pPr>
-            <a:lvl8pPr marL="3200400" indent="0" algn="ctr" defTabSz="914400" rtl="0" eaLnBrk="1" latinLnBrk="0" hangingPunct="1">
-              <a:lnSpc>
-                <a:spcPct val="90000"/>
-              </a:lnSpc>
-              <a:spcBef>
-                <a:spcPts val="500"/>
-              </a:spcBef>
-              <a:buFont typeface="Arial" panose="020B0604020202020204" pitchFamily="34" charset="0"/>
-              <a:buNone/>
-              <a:defRPr kumimoji="1" sz="1600" kern="1200">
-                <a:solidFill>
-                  <a:schemeClr val="tx1"/>
-                </a:solidFill>
-                <a:latin typeface="+mn-lt"/>
-                <a:ea typeface="+mn-ea"/>
-                <a:cs typeface="+mn-cs"/>
-              </a:defRPr>
-            </a:lvl8pPr>
-            <a:lvl9pPr marL="3657600" indent="0" algn="ctr" defTabSz="914400" rtl="0" eaLnBrk="1" latinLnBrk="0" hangingPunct="1">
-              <a:lnSpc>
-                <a:spcPct val="90000"/>
-              </a:lnSpc>
-              <a:spcBef>
-                <a:spcPts val="500"/>
-              </a:spcBef>
-              <a:buFont typeface="Arial" panose="020B0604020202020204" pitchFamily="34" charset="0"/>
-              <a:buNone/>
-              <a:defRPr kumimoji="1" sz="1600" kern="1200">
-                <a:solidFill>
-                  <a:schemeClr val="tx1"/>
-                </a:solidFill>
-                <a:latin typeface="+mn-lt"/>
-                <a:ea typeface="+mn-ea"/>
-                <a:cs typeface="+mn-cs"/>
-              </a:defRPr>
-            </a:lvl9pPr>
-          </a:lstStyle>
-          <a:p>
-            <a:r>
-              <a:rPr lang="en-US" altLang="ja-JP" sz="1200" b="1" dirty="0">
-                <a:solidFill>
-                  <a:schemeClr val="bg1">
-                    <a:lumMod val="75000"/>
-                  </a:schemeClr>
-                </a:solidFill>
-                <a:latin typeface="BIZ UDPゴシック" panose="020B0400000000000000" pitchFamily="50" charset="-128"/>
-                <a:ea typeface="BIZ UDPゴシック" panose="020B0400000000000000" pitchFamily="50" charset="-128"/>
-              </a:rPr>
-              <a:t>2025.6.30</a:t>
-            </a:r>
-            <a:endParaRPr lang="ja-JP" altLang="en-US" sz="1200" b="1" dirty="0">
-              <a:solidFill>
-                <a:schemeClr val="bg1">
-                  <a:lumMod val="75000"/>
-                </a:schemeClr>
-              </a:solidFill>
-              <a:latin typeface="BIZ UDPゴシック" panose="020B0400000000000000" pitchFamily="50" charset="-128"/>
-              <a:ea typeface="BIZ UDPゴシック" panose="020B0400000000000000" pitchFamily="50" charset="-128"/>
-            </a:endParaRPr>
-          </a:p>
-        </p:txBody>
-      </p:sp>
-      <p:sp>
-        <p:nvSpPr>
-          <p:cNvPr id="3" name="コンテンツ プレースホルダー 2">
-            <a:extLst>
-              <a:ext uri="{FF2B5EF4-FFF2-40B4-BE49-F238E27FC236}">
-                <a16:creationId xmlns:a16="http://schemas.microsoft.com/office/drawing/2014/main" id="{D0DBFD95-D625-3741-863E-C4DB83E064F1}"/>
-              </a:ext>
-            </a:extLst>
-          </p:cNvPr>
-          <p:cNvSpPr txBox="1">
-            <a:spLocks/>
-          </p:cNvSpPr>
-          <p:nvPr/>
-        </p:nvSpPr>
-        <p:spPr>
-          <a:xfrm>
-            <a:off x="4440116" y="2193615"/>
-            <a:ext cx="6999050" cy="3168073"/>
-          </a:xfrm>
-          <a:prstGeom prst="rect">
-            <a:avLst/>
-          </a:prstGeom>
-        </p:spPr>
-        <p:txBody>
-          <a:bodyPr vert="horz" lIns="91440" tIns="45720" rIns="91440" bIns="45720" rtlCol="0" anchor="t">
-            <a:noAutofit/>
-          </a:bodyPr>
-          <a:lstStyle>
-            <a:lvl1pPr marL="285750" indent="-285750" algn="l" defTabSz="457200" rtl="0" eaLnBrk="1" latinLnBrk="0" hangingPunct="1">
-              <a:spcBef>
-                <a:spcPct val="20000"/>
-              </a:spcBef>
-              <a:spcAft>
-                <a:spcPts val="600"/>
-              </a:spcAft>
-              <a:buClr>
-                <a:schemeClr val="accent1"/>
-              </a:buClr>
-              <a:buSzPct val="115000"/>
-              <a:buFont typeface="Arial"/>
-              <a:buChar char="•"/>
-              <a:defRPr kumimoji="1" sz="2400" kern="1200" cap="none">
-                <a:solidFill>
-                  <a:schemeClr val="tx1">
-                    <a:lumMod val="85000"/>
-                    <a:lumOff val="15000"/>
-                  </a:schemeClr>
-                </a:solidFill>
-                <a:effectLst/>
-                <a:latin typeface="+mn-lt"/>
-                <a:ea typeface="+mn-ea"/>
-                <a:cs typeface="+mn-cs"/>
-              </a:defRPr>
-            </a:lvl1pPr>
-            <a:lvl2pPr marL="742950" indent="-285750" algn="l" defTabSz="457200" rtl="0" eaLnBrk="1" latinLnBrk="0" hangingPunct="1">
-              <a:spcBef>
-                <a:spcPct val="20000"/>
-              </a:spcBef>
-              <a:spcAft>
-                <a:spcPts val="600"/>
-              </a:spcAft>
-              <a:buClr>
-                <a:schemeClr val="accent1"/>
-              </a:buClr>
-              <a:buSzPct val="115000"/>
-              <a:buFont typeface="Arial"/>
-              <a:buChar char="•"/>
-              <a:defRPr kumimoji="1" sz="2000" kern="1200" cap="none">
-                <a:solidFill>
-                  <a:schemeClr val="tx1">
-                    <a:lumMod val="85000"/>
-                    <a:lumOff val="15000"/>
-                  </a:schemeClr>
-                </a:solidFill>
-                <a:effectLst/>
-                <a:latin typeface="+mn-lt"/>
-                <a:ea typeface="+mn-ea"/>
-                <a:cs typeface="+mn-cs"/>
-              </a:defRPr>
-            </a:lvl2pPr>
-            <a:lvl3pPr marL="1200150" indent="-285750" algn="l" defTabSz="457200" rtl="0" eaLnBrk="1" latinLnBrk="0" hangingPunct="1">
-              <a:spcBef>
-                <a:spcPct val="20000"/>
-              </a:spcBef>
-              <a:spcAft>
-                <a:spcPts val="600"/>
-              </a:spcAft>
-              <a:buClr>
-                <a:schemeClr val="accent1"/>
-              </a:buClr>
-              <a:buSzPct val="115000"/>
-              <a:buFont typeface="Arial"/>
-              <a:buChar char="•"/>
-              <a:defRPr kumimoji="1" sz="1800" kern="1200" cap="none">
-                <a:solidFill>
-                  <a:schemeClr val="tx1">
-                    <a:lumMod val="85000"/>
-                    <a:lumOff val="15000"/>
-                  </a:schemeClr>
-                </a:solidFill>
-                <a:effectLst/>
-                <a:latin typeface="+mn-lt"/>
-                <a:ea typeface="+mn-ea"/>
-                <a:cs typeface="+mn-cs"/>
-              </a:defRPr>
-            </a:lvl3pPr>
-            <a:lvl4pPr marL="1543050" indent="-171450" algn="l" defTabSz="457200" rtl="0" eaLnBrk="1" latinLnBrk="0" hangingPunct="1">
-              <a:spcBef>
-                <a:spcPct val="20000"/>
-              </a:spcBef>
-              <a:spcAft>
-                <a:spcPts val="600"/>
-              </a:spcAft>
-              <a:buClr>
-                <a:schemeClr val="accent1"/>
-              </a:buClr>
-              <a:buSzPct val="115000"/>
-              <a:buFont typeface="Arial"/>
-              <a:buChar char="•"/>
-              <a:defRPr kumimoji="1" sz="1600" kern="1200" cap="none">
-                <a:solidFill>
-                  <a:schemeClr val="tx1">
-                    <a:lumMod val="85000"/>
-                    <a:lumOff val="15000"/>
-                  </a:schemeClr>
-                </a:solidFill>
-                <a:effectLst/>
-                <a:latin typeface="+mn-lt"/>
-                <a:ea typeface="+mn-ea"/>
-                <a:cs typeface="+mn-cs"/>
-              </a:defRPr>
-            </a:lvl4pPr>
-            <a:lvl5pPr marL="2000250" indent="-171450" algn="l" defTabSz="457200" rtl="0" eaLnBrk="1" latinLnBrk="0" hangingPunct="1">
-              <a:spcBef>
-                <a:spcPct val="20000"/>
-              </a:spcBef>
-              <a:spcAft>
-                <a:spcPts val="600"/>
-              </a:spcAft>
-              <a:buClr>
-                <a:schemeClr val="accent1"/>
-              </a:buClr>
-              <a:buSzPct val="115000"/>
-              <a:buFont typeface="Arial"/>
-              <a:buChar char="•"/>
-              <a:defRPr kumimoji="1" sz="1400" kern="1200" cap="none">
-                <a:solidFill>
-                  <a:schemeClr val="tx1">
-                    <a:lumMod val="85000"/>
-                    <a:lumOff val="15000"/>
-                  </a:schemeClr>
-                </a:solidFill>
-                <a:effectLst/>
-                <a:latin typeface="+mn-lt"/>
-                <a:ea typeface="+mn-ea"/>
-                <a:cs typeface="+mn-cs"/>
-              </a:defRPr>
-            </a:lvl5pPr>
-            <a:lvl6pPr marL="2514600" indent="-228600" algn="l" defTabSz="457200" rtl="0" eaLnBrk="1" latinLnBrk="0" hangingPunct="1">
-              <a:spcBef>
-                <a:spcPct val="20000"/>
-              </a:spcBef>
-              <a:spcAft>
-                <a:spcPts val="600"/>
-              </a:spcAft>
-              <a:buClr>
-                <a:schemeClr val="accent1"/>
-              </a:buClr>
-              <a:buSzPct val="115000"/>
-              <a:buFont typeface="Arial"/>
-              <a:buChar char="•"/>
-              <a:defRPr kumimoji="1" sz="1400" kern="1200" cap="none">
-                <a:solidFill>
-                  <a:schemeClr val="tx1">
-                    <a:lumMod val="85000"/>
-                    <a:lumOff val="15000"/>
-                  </a:schemeClr>
-                </a:solidFill>
-                <a:effectLst/>
-                <a:latin typeface="+mn-lt"/>
-                <a:ea typeface="+mn-ea"/>
-                <a:cs typeface="+mn-cs"/>
-              </a:defRPr>
-            </a:lvl6pPr>
-            <a:lvl7pPr marL="2971800" indent="-228600" algn="l" defTabSz="457200" rtl="0" eaLnBrk="1" latinLnBrk="0" hangingPunct="1">
-              <a:spcBef>
-                <a:spcPct val="20000"/>
-              </a:spcBef>
-              <a:spcAft>
-                <a:spcPts val="600"/>
-              </a:spcAft>
-              <a:buClr>
-                <a:schemeClr val="accent1"/>
-              </a:buClr>
-              <a:buSzPct val="115000"/>
-              <a:buFont typeface="Arial"/>
-              <a:buChar char="•"/>
-              <a:defRPr kumimoji="1" sz="1400" kern="1200" cap="none">
-                <a:solidFill>
-                  <a:schemeClr val="tx1">
-                    <a:lumMod val="85000"/>
-                    <a:lumOff val="15000"/>
-                  </a:schemeClr>
-                </a:solidFill>
-                <a:effectLst/>
-                <a:latin typeface="+mn-lt"/>
-                <a:ea typeface="+mn-ea"/>
-                <a:cs typeface="+mn-cs"/>
-              </a:defRPr>
-            </a:lvl7pPr>
-            <a:lvl8pPr marL="3429000" indent="-228600" algn="l" defTabSz="457200" rtl="0" eaLnBrk="1" latinLnBrk="0" hangingPunct="1">
-              <a:spcBef>
-                <a:spcPct val="20000"/>
-              </a:spcBef>
-              <a:spcAft>
-                <a:spcPts val="600"/>
-              </a:spcAft>
-              <a:buClr>
-                <a:schemeClr val="accent1"/>
-              </a:buClr>
-              <a:buSzPct val="115000"/>
-              <a:buFont typeface="Arial"/>
-              <a:buChar char="•"/>
-              <a:defRPr kumimoji="1" sz="1400" kern="1200" cap="none">
-                <a:solidFill>
-                  <a:schemeClr val="tx1">
-                    <a:lumMod val="85000"/>
-                    <a:lumOff val="15000"/>
-                  </a:schemeClr>
-                </a:solidFill>
-                <a:effectLst/>
-                <a:latin typeface="+mn-lt"/>
-                <a:ea typeface="+mn-ea"/>
-                <a:cs typeface="+mn-cs"/>
-              </a:defRPr>
-            </a:lvl8pPr>
-            <a:lvl9pPr marL="3886200" indent="-228600" algn="l" defTabSz="457200" rtl="0" eaLnBrk="1" latinLnBrk="0" hangingPunct="1">
-              <a:spcBef>
-                <a:spcPct val="20000"/>
-              </a:spcBef>
-              <a:spcAft>
-                <a:spcPts val="600"/>
-              </a:spcAft>
-              <a:buClr>
-                <a:schemeClr val="accent1"/>
-              </a:buClr>
-              <a:buSzPct val="115000"/>
-              <a:buFont typeface="Arial"/>
-              <a:buChar char="•"/>
-              <a:defRPr kumimoji="1" sz="1400" kern="1200" cap="none">
-                <a:solidFill>
-                  <a:schemeClr val="tx1">
-                    <a:lumMod val="85000"/>
-                    <a:lumOff val="15000"/>
-                  </a:schemeClr>
-                </a:solidFill>
-                <a:effectLst/>
-                <a:latin typeface="+mn-lt"/>
-                <a:ea typeface="+mn-ea"/>
-                <a:cs typeface="+mn-cs"/>
-              </a:defRPr>
-            </a:lvl9pPr>
-          </a:lstStyle>
-          <a:p>
-            <a:pPr marL="0" marR="0" lvl="0" indent="0" algn="l" defTabSz="457200" rtl="0" eaLnBrk="1" fontAlgn="auto" latinLnBrk="0" hangingPunct="1">
-              <a:lnSpc>
-                <a:spcPct val="100000"/>
-              </a:lnSpc>
-              <a:spcBef>
-                <a:spcPct val="20000"/>
-              </a:spcBef>
-              <a:spcAft>
-                <a:spcPts val="600"/>
-              </a:spcAft>
-              <a:buClr>
-                <a:srgbClr val="83992A"/>
-              </a:buClr>
-              <a:buSzPct val="115000"/>
-              <a:buFont typeface="Arial"/>
-              <a:buNone/>
-              <a:tabLst/>
-              <a:defRPr/>
-            </a:pPr>
-            <a:r>
-              <a:rPr kumimoji="1" lang="ja-JP" altLang="en-US" sz="2000" b="1" i="0" u="none" strike="noStrike" kern="1200" cap="none" spc="0" normalizeH="0" baseline="0" noProof="0" dirty="0">
-                <a:ln>
-                  <a:noFill/>
-                </a:ln>
-                <a:solidFill>
-                  <a:schemeClr val="bg2">
-                    <a:lumMod val="25000"/>
-                  </a:schemeClr>
-                </a:solidFill>
-                <a:effectLst/>
-                <a:uLnTx/>
-                <a:uFillTx/>
-                <a:latin typeface="BIZ UDPゴシック" panose="020B0400000000000000" pitchFamily="50" charset="-128"/>
-                <a:ea typeface="BIZ UDPゴシック" panose="020B0400000000000000" pitchFamily="50" charset="-128"/>
-              </a:rPr>
-              <a:t>＊度重なる案出しの却下　　＊ペルソナの再構築</a:t>
-            </a:r>
-            <a:endParaRPr kumimoji="1" lang="en-US" altLang="ja-JP" sz="2000" b="1" i="0" u="none" strike="noStrike" kern="1200" cap="none" spc="0" normalizeH="0" baseline="0" noProof="0" dirty="0">
-              <a:ln>
-                <a:noFill/>
-              </a:ln>
-              <a:solidFill>
-                <a:schemeClr val="bg2">
-                  <a:lumMod val="25000"/>
-                </a:schemeClr>
-              </a:solidFill>
-              <a:effectLst/>
-              <a:uLnTx/>
-              <a:uFillTx/>
-              <a:latin typeface="BIZ UDPゴシック" panose="020B0400000000000000" pitchFamily="50" charset="-128"/>
-              <a:ea typeface="BIZ UDPゴシック" panose="020B0400000000000000" pitchFamily="50" charset="-128"/>
-            </a:endParaRPr>
-          </a:p>
-          <a:p>
-            <a:pPr marL="0" marR="0" lvl="0" indent="0" algn="l" defTabSz="457200" rtl="0" eaLnBrk="1" fontAlgn="auto" latinLnBrk="0" hangingPunct="1">
-              <a:lnSpc>
-                <a:spcPct val="100000"/>
-              </a:lnSpc>
-              <a:spcBef>
-                <a:spcPct val="20000"/>
-              </a:spcBef>
-              <a:spcAft>
-                <a:spcPts val="600"/>
-              </a:spcAft>
-              <a:buClr>
-                <a:srgbClr val="83992A"/>
-              </a:buClr>
-              <a:buSzPct val="115000"/>
-              <a:buFont typeface="Arial"/>
-              <a:buNone/>
-              <a:tabLst/>
-              <a:defRPr/>
-            </a:pPr>
-            <a:endParaRPr kumimoji="1" lang="en-US" altLang="ja-JP" sz="2000" b="1" i="0" u="none" strike="noStrike" kern="1200" cap="none" spc="0" normalizeH="0" baseline="0" noProof="0" dirty="0">
-              <a:ln>
-                <a:noFill/>
-              </a:ln>
-              <a:solidFill>
-                <a:schemeClr val="bg2">
-                  <a:lumMod val="25000"/>
-                </a:schemeClr>
-              </a:solidFill>
-              <a:effectLst/>
-              <a:uLnTx/>
-              <a:uFillTx/>
-              <a:latin typeface="BIZ UDPゴシック" panose="020B0400000000000000" pitchFamily="50" charset="-128"/>
-              <a:ea typeface="BIZ UDPゴシック" panose="020B0400000000000000" pitchFamily="50" charset="-128"/>
-            </a:endParaRPr>
-          </a:p>
-          <a:p>
-            <a:pPr marL="0" marR="0" lvl="0" indent="0" algn="l" defTabSz="457200" rtl="0" eaLnBrk="1" fontAlgn="auto" latinLnBrk="0" hangingPunct="1">
-              <a:lnSpc>
-                <a:spcPct val="100000"/>
-              </a:lnSpc>
-              <a:spcBef>
-                <a:spcPct val="20000"/>
-              </a:spcBef>
-              <a:spcAft>
-                <a:spcPts val="600"/>
-              </a:spcAft>
-              <a:buClr>
-                <a:srgbClr val="83992A"/>
-              </a:buClr>
-              <a:buSzPct val="115000"/>
-              <a:buFont typeface="Arial"/>
-              <a:buNone/>
-              <a:tabLst/>
-              <a:defRPr/>
-            </a:pPr>
-            <a:r>
-              <a:rPr kumimoji="1" lang="ja-JP" altLang="en-US" sz="2000" b="1" i="0" u="none" strike="noStrike" kern="1200" cap="none" spc="0" normalizeH="0" baseline="0" noProof="0" dirty="0">
-                <a:ln>
-                  <a:noFill/>
-                </a:ln>
-                <a:solidFill>
-                  <a:schemeClr val="bg2">
-                    <a:lumMod val="25000"/>
-                  </a:schemeClr>
-                </a:solidFill>
-                <a:effectLst/>
-                <a:uLnTx/>
-                <a:uFillTx/>
-                <a:latin typeface="BIZ UDPゴシック" panose="020B0400000000000000" pitchFamily="50" charset="-128"/>
-                <a:ea typeface="BIZ UDPゴシック" panose="020B0400000000000000" pitchFamily="50" charset="-128"/>
-              </a:rPr>
-              <a:t>＊その遅れを引きずった状態での開発　＊全体的な日程管理　</a:t>
-            </a:r>
-            <a:endParaRPr kumimoji="1" lang="en-US" altLang="ja-JP" sz="2000" b="1" i="0" u="none" strike="noStrike" kern="1200" cap="none" spc="0" normalizeH="0" baseline="0" noProof="0" dirty="0">
-              <a:ln>
-                <a:noFill/>
-              </a:ln>
-              <a:solidFill>
-                <a:schemeClr val="bg2">
-                  <a:lumMod val="25000"/>
-                </a:schemeClr>
-              </a:solidFill>
-              <a:effectLst/>
-              <a:uLnTx/>
-              <a:uFillTx/>
-              <a:latin typeface="BIZ UDPゴシック" panose="020B0400000000000000" pitchFamily="50" charset="-128"/>
-              <a:ea typeface="BIZ UDPゴシック" panose="020B0400000000000000" pitchFamily="50" charset="-128"/>
-            </a:endParaRPr>
-          </a:p>
-          <a:p>
-            <a:pPr marL="0" marR="0" lvl="0" indent="0" algn="l" defTabSz="457200" rtl="0" eaLnBrk="1" fontAlgn="auto" latinLnBrk="0" hangingPunct="1">
-              <a:lnSpc>
-                <a:spcPct val="100000"/>
-              </a:lnSpc>
-              <a:spcBef>
-                <a:spcPct val="20000"/>
-              </a:spcBef>
-              <a:spcAft>
-                <a:spcPts val="600"/>
-              </a:spcAft>
-              <a:buClr>
-                <a:srgbClr val="83992A"/>
-              </a:buClr>
-              <a:buSzPct val="115000"/>
-              <a:buFont typeface="Arial"/>
-              <a:buNone/>
-              <a:tabLst/>
-              <a:defRPr/>
-            </a:pPr>
-            <a:endParaRPr kumimoji="1" lang="en-US" altLang="ja-JP" sz="2000" b="1" i="0" u="none" strike="noStrike" kern="1200" cap="none" spc="0" normalizeH="0" baseline="0" noProof="0" dirty="0">
-              <a:ln>
-                <a:noFill/>
-              </a:ln>
-              <a:solidFill>
-                <a:schemeClr val="bg2">
-                  <a:lumMod val="25000"/>
-                </a:schemeClr>
-              </a:solidFill>
-              <a:effectLst/>
-              <a:uLnTx/>
-              <a:uFillTx/>
-              <a:latin typeface="BIZ UDPゴシック" panose="020B0400000000000000" pitchFamily="50" charset="-128"/>
-              <a:ea typeface="BIZ UDPゴシック" panose="020B0400000000000000" pitchFamily="50" charset="-128"/>
-            </a:endParaRPr>
-          </a:p>
-          <a:p>
-            <a:pPr marL="0" marR="0" lvl="0" indent="0" algn="l" defTabSz="457200" rtl="0" eaLnBrk="1" fontAlgn="auto" latinLnBrk="0" hangingPunct="1">
-              <a:lnSpc>
-                <a:spcPct val="100000"/>
-              </a:lnSpc>
-              <a:spcBef>
-                <a:spcPct val="20000"/>
-              </a:spcBef>
-              <a:spcAft>
-                <a:spcPts val="600"/>
-              </a:spcAft>
-              <a:buClr>
-                <a:srgbClr val="83992A"/>
-              </a:buClr>
-              <a:buSzPct val="115000"/>
-              <a:buFont typeface="Arial"/>
-              <a:buNone/>
-              <a:tabLst/>
-              <a:defRPr/>
-            </a:pPr>
-            <a:r>
-              <a:rPr kumimoji="1" lang="ja-JP" altLang="en-US" sz="2000" b="1" i="0" u="none" strike="noStrike" kern="1200" cap="none" spc="0" normalizeH="0" baseline="0" noProof="0" dirty="0">
-                <a:ln>
-                  <a:noFill/>
-                </a:ln>
-                <a:solidFill>
-                  <a:schemeClr val="bg2">
-                    <a:lumMod val="25000"/>
-                  </a:schemeClr>
-                </a:solidFill>
-                <a:effectLst/>
-                <a:uLnTx/>
-                <a:uFillTx/>
-                <a:latin typeface="BIZ UDPゴシック" panose="020B0400000000000000" pitchFamily="50" charset="-128"/>
-                <a:ea typeface="BIZ UDPゴシック" panose="020B0400000000000000" pitchFamily="50" charset="-128"/>
-              </a:rPr>
-              <a:t>＊有料</a:t>
-            </a:r>
-            <a:r>
-              <a:rPr kumimoji="1" lang="en-US" altLang="ja-JP" sz="2000" b="1" i="0" u="none" strike="noStrike" kern="1200" cap="none" spc="0" normalizeH="0" baseline="0" noProof="0" dirty="0">
-                <a:ln>
-                  <a:noFill/>
-                </a:ln>
-                <a:solidFill>
-                  <a:schemeClr val="bg2">
-                    <a:lumMod val="25000"/>
-                  </a:schemeClr>
-                </a:solidFill>
-                <a:effectLst/>
-                <a:uLnTx/>
-                <a:uFillTx/>
-                <a:latin typeface="BIZ UDPゴシック" panose="020B0400000000000000" pitchFamily="50" charset="-128"/>
-                <a:ea typeface="BIZ UDPゴシック" panose="020B0400000000000000" pitchFamily="50" charset="-128"/>
-              </a:rPr>
-              <a:t>API</a:t>
-            </a:r>
-            <a:r>
-              <a:rPr kumimoji="1" lang="ja-JP" altLang="en-US" sz="2000" b="1" i="0" u="none" strike="noStrike" kern="1200" cap="none" spc="0" normalizeH="0" baseline="0" noProof="0" dirty="0">
-                <a:ln>
-                  <a:noFill/>
-                </a:ln>
-                <a:solidFill>
-                  <a:schemeClr val="bg2">
-                    <a:lumMod val="25000"/>
-                  </a:schemeClr>
-                </a:solidFill>
-                <a:effectLst/>
-                <a:uLnTx/>
-                <a:uFillTx/>
-                <a:latin typeface="BIZ UDPゴシック" panose="020B0400000000000000" pitchFamily="50" charset="-128"/>
-                <a:ea typeface="BIZ UDPゴシック" panose="020B0400000000000000" pitchFamily="50" charset="-128"/>
-              </a:rPr>
-              <a:t>の壁　＊ガントチャートの実装　</a:t>
-            </a:r>
-            <a:endParaRPr kumimoji="1" lang="en-US" altLang="ja-JP" sz="2000" b="1" i="0" u="none" strike="noStrike" kern="1200" cap="none" spc="0" normalizeH="0" baseline="0" noProof="0" dirty="0">
-              <a:ln>
-                <a:noFill/>
-              </a:ln>
-              <a:solidFill>
-                <a:schemeClr val="bg2">
-                  <a:lumMod val="25000"/>
-                </a:schemeClr>
-              </a:solidFill>
-              <a:effectLst/>
-              <a:uLnTx/>
-              <a:uFillTx/>
-              <a:latin typeface="BIZ UDPゴシック" panose="020B0400000000000000" pitchFamily="50" charset="-128"/>
-              <a:ea typeface="BIZ UDPゴシック" panose="020B0400000000000000" pitchFamily="50" charset="-128"/>
-            </a:endParaRPr>
-          </a:p>
-          <a:p>
-            <a:pPr marL="0" marR="0" lvl="0" indent="0" algn="l" defTabSz="457200" rtl="0" eaLnBrk="1" fontAlgn="auto" latinLnBrk="0" hangingPunct="1">
-              <a:lnSpc>
-                <a:spcPct val="100000"/>
-              </a:lnSpc>
-              <a:spcBef>
-                <a:spcPct val="20000"/>
-              </a:spcBef>
-              <a:spcAft>
-                <a:spcPts val="600"/>
-              </a:spcAft>
-              <a:buClr>
-                <a:srgbClr val="83992A"/>
-              </a:buClr>
-              <a:buSzPct val="115000"/>
-              <a:buFont typeface="Arial"/>
-              <a:buNone/>
-              <a:tabLst/>
-              <a:defRPr/>
-            </a:pPr>
-            <a:endParaRPr kumimoji="1" lang="en-US" altLang="ja-JP" sz="2000" b="1" i="0" u="none" strike="noStrike" kern="1200" cap="none" spc="0" normalizeH="0" baseline="0" noProof="0" dirty="0">
-              <a:ln>
-                <a:noFill/>
-              </a:ln>
-              <a:solidFill>
-                <a:schemeClr val="bg2">
-                  <a:lumMod val="25000"/>
-                </a:schemeClr>
-              </a:solidFill>
-              <a:effectLst/>
-              <a:uLnTx/>
-              <a:uFillTx/>
-              <a:latin typeface="BIZ UDPゴシック" panose="020B0400000000000000" pitchFamily="50" charset="-128"/>
-              <a:ea typeface="BIZ UDPゴシック" panose="020B0400000000000000" pitchFamily="50" charset="-128"/>
-            </a:endParaRPr>
-          </a:p>
-          <a:p>
-            <a:pPr marL="0" marR="0" lvl="0" indent="0" algn="l" defTabSz="457200" rtl="0" eaLnBrk="1" fontAlgn="auto" latinLnBrk="0" hangingPunct="1">
-              <a:lnSpc>
-                <a:spcPct val="100000"/>
-              </a:lnSpc>
-              <a:spcBef>
-                <a:spcPct val="20000"/>
-              </a:spcBef>
-              <a:spcAft>
-                <a:spcPts val="600"/>
-              </a:spcAft>
-              <a:buClr>
-                <a:srgbClr val="83992A"/>
-              </a:buClr>
-              <a:buSzPct val="115000"/>
-              <a:buFont typeface="Arial"/>
-              <a:buNone/>
-              <a:tabLst/>
-              <a:defRPr/>
-            </a:pPr>
-            <a:r>
-              <a:rPr kumimoji="1" lang="ja-JP" altLang="en-US" sz="2000" b="1" i="0" u="none" strike="noStrike" kern="1200" cap="none" spc="0" normalizeH="0" baseline="0" noProof="0" dirty="0">
-                <a:ln>
-                  <a:noFill/>
-                </a:ln>
-                <a:solidFill>
-                  <a:schemeClr val="bg2">
-                    <a:lumMod val="25000"/>
-                  </a:schemeClr>
-                </a:solidFill>
-                <a:effectLst/>
-                <a:uLnTx/>
-                <a:uFillTx/>
-                <a:latin typeface="BIZ UDPゴシック" panose="020B0400000000000000" pitchFamily="50" charset="-128"/>
-                <a:ea typeface="BIZ UDPゴシック" panose="020B0400000000000000" pitchFamily="50" charset="-128"/>
-              </a:rPr>
-              <a:t>＊予定をカレンダーに同期　　＊多対多のデータのやり取り</a:t>
-            </a:r>
-            <a:endParaRPr kumimoji="1" lang="en-US" altLang="ja-JP" sz="2000" b="1" i="0" u="none" strike="noStrike" kern="1200" cap="none" spc="0" normalizeH="0" baseline="0" noProof="0" dirty="0">
-              <a:ln>
-                <a:noFill/>
-              </a:ln>
-              <a:solidFill>
-                <a:schemeClr val="bg2">
-                  <a:lumMod val="25000"/>
-                </a:schemeClr>
-              </a:solidFill>
-              <a:effectLst/>
-              <a:uLnTx/>
-              <a:uFillTx/>
-              <a:latin typeface="BIZ UDPゴシック" panose="020B0400000000000000" pitchFamily="50" charset="-128"/>
-              <a:ea typeface="BIZ UDPゴシック" panose="020B0400000000000000" pitchFamily="50" charset="-128"/>
-            </a:endParaRPr>
-          </a:p>
-        </p:txBody>
-      </p:sp>
-      <p:pic>
-        <p:nvPicPr>
-          <p:cNvPr id="7" name="図 6" descr="皿の上にあるケーキ&#10;&#10;AI 生成コンテンツは誤りを含む可能性があります。">
-            <a:extLst>
-              <a:ext uri="{FF2B5EF4-FFF2-40B4-BE49-F238E27FC236}">
-                <a16:creationId xmlns:a16="http://schemas.microsoft.com/office/drawing/2014/main" id="{17E0A17A-00E3-65BE-DC38-5F0FCF0C1C4A}"/>
-              </a:ext>
-            </a:extLst>
-          </p:cNvPr>
-          <p:cNvPicPr>
-            <a:picLocks noChangeAspect="1"/>
-          </p:cNvPicPr>
-          <p:nvPr/>
-        </p:nvPicPr>
-        <p:blipFill>
-          <a:blip r:embed="rId4">
-            <a:extLst>
-              <a:ext uri="{28A0092B-C50C-407E-A947-70E740481C1C}">
-                <a14:useLocalDpi xmlns:a14="http://schemas.microsoft.com/office/drawing/2010/main" val="0"/>
-              </a:ext>
-            </a:extLst>
-          </a:blip>
-          <a:stretch>
-            <a:fillRect/>
-          </a:stretch>
-        </p:blipFill>
-        <p:spPr>
-          <a:xfrm>
-            <a:off x="1230429" y="3429000"/>
-            <a:ext cx="2979100" cy="2234325"/>
-          </a:xfrm>
-          <a:prstGeom prst="rect">
-            <a:avLst/>
-          </a:prstGeom>
-        </p:spPr>
-      </p:pic>
-      <p:sp>
-        <p:nvSpPr>
-          <p:cNvPr id="4" name="タイトル 1">
-            <a:extLst>
-              <a:ext uri="{FF2B5EF4-FFF2-40B4-BE49-F238E27FC236}">
-                <a16:creationId xmlns:a16="http://schemas.microsoft.com/office/drawing/2014/main" id="{2F2BE39D-900F-171C-CDFB-91EF182C135B}"/>
-              </a:ext>
-            </a:extLst>
-          </p:cNvPr>
-          <p:cNvSpPr txBox="1">
-            <a:spLocks/>
-          </p:cNvSpPr>
-          <p:nvPr/>
-        </p:nvSpPr>
-        <p:spPr>
-          <a:xfrm>
-            <a:off x="4084602" y="682293"/>
-            <a:ext cx="4304145" cy="1009651"/>
-          </a:xfrm>
-          <a:prstGeom prst="rect">
-            <a:avLst/>
-          </a:prstGeom>
-          <a:effectLst/>
-        </p:spPr>
-        <p:txBody>
-          <a:bodyPr vert="horz" lIns="91440" tIns="45720" rIns="91440" bIns="45720" rtlCol="0" anchor="ctr">
-            <a:normAutofit/>
-          </a:bodyPr>
-          <a:lstStyle>
-            <a:lvl1pPr algn="ctr" defTabSz="457200" rtl="0" eaLnBrk="1" latinLnBrk="0" hangingPunct="1">
-              <a:spcBef>
-                <a:spcPct val="0"/>
-              </a:spcBef>
-              <a:buNone/>
-              <a:defRPr kumimoji="1" sz="4400" kern="1200" cap="none">
-                <a:ln w="3175" cmpd="sng">
-                  <a:noFill/>
-                </a:ln>
-                <a:solidFill>
-                  <a:schemeClr val="tx1">
-                    <a:lumMod val="85000"/>
-                    <a:lumOff val="15000"/>
-                  </a:schemeClr>
-                </a:solidFill>
-                <a:effectLst/>
-                <a:latin typeface="+mj-lt"/>
-                <a:ea typeface="+mj-ea"/>
-                <a:cs typeface="+mj-cs"/>
-              </a:defRPr>
-            </a:lvl1pPr>
-            <a:lvl2pPr eaLnBrk="1" hangingPunct="1">
-              <a:defRPr kumimoji="1">
-                <a:solidFill>
-                  <a:schemeClr val="tx2"/>
-                </a:solidFill>
-              </a:defRPr>
-            </a:lvl2pPr>
-            <a:lvl3pPr eaLnBrk="1" hangingPunct="1">
-              <a:defRPr kumimoji="1">
-                <a:solidFill>
-                  <a:schemeClr val="tx2"/>
-                </a:solidFill>
-              </a:defRPr>
-            </a:lvl3pPr>
-            <a:lvl4pPr eaLnBrk="1" hangingPunct="1">
-              <a:defRPr kumimoji="1">
-                <a:solidFill>
-                  <a:schemeClr val="tx2"/>
-                </a:solidFill>
-              </a:defRPr>
-            </a:lvl4pPr>
-            <a:lvl5pPr eaLnBrk="1" hangingPunct="1">
-              <a:defRPr kumimoji="1">
-                <a:solidFill>
-                  <a:schemeClr val="tx2"/>
-                </a:solidFill>
-              </a:defRPr>
-            </a:lvl5pPr>
-            <a:lvl6pPr eaLnBrk="1" hangingPunct="1">
-              <a:defRPr kumimoji="1">
-                <a:solidFill>
-                  <a:schemeClr val="tx2"/>
-                </a:solidFill>
-              </a:defRPr>
-            </a:lvl6pPr>
-            <a:lvl7pPr eaLnBrk="1" hangingPunct="1">
-              <a:defRPr kumimoji="1">
-                <a:solidFill>
-                  <a:schemeClr val="tx2"/>
-                </a:solidFill>
-              </a:defRPr>
-            </a:lvl7pPr>
-            <a:lvl8pPr eaLnBrk="1" hangingPunct="1">
-              <a:defRPr kumimoji="1">
-                <a:solidFill>
-                  <a:schemeClr val="tx2"/>
-                </a:solidFill>
-              </a:defRPr>
-            </a:lvl8pPr>
-            <a:lvl9pPr eaLnBrk="1" hangingPunct="1">
-              <a:defRPr kumimoji="1">
-                <a:solidFill>
-                  <a:schemeClr val="tx2"/>
-                </a:solidFill>
-              </a:defRPr>
-            </a:lvl9pPr>
-          </a:lstStyle>
-          <a:p>
-            <a:r>
-              <a:rPr lang="en-US" altLang="ja-JP" sz="4000" b="1" dirty="0">
-                <a:ln w="0"/>
-                <a:solidFill>
-                  <a:srgbClr val="FF9966"/>
-                </a:solidFill>
-                <a:effectLst>
-                  <a:outerShdw blurRad="38100" dist="19050" dir="2700000" algn="tl" rotWithShape="0">
-                    <a:schemeClr val="dk1">
-                      <a:alpha val="40000"/>
-                    </a:schemeClr>
-                  </a:outerShdw>
-                </a:effectLst>
-                <a:latin typeface="BIZ UDPゴシック" panose="020B0400000000000000" pitchFamily="50" charset="-128"/>
-                <a:ea typeface="BIZ UDPゴシック" panose="020B0400000000000000" pitchFamily="50" charset="-128"/>
-              </a:rPr>
-              <a:t>Ⅳ</a:t>
-            </a:r>
-            <a:r>
-              <a:rPr lang="ja-JP" altLang="en-US" sz="4000" b="1" dirty="0">
-                <a:ln w="0"/>
-                <a:solidFill>
-                  <a:srgbClr val="FF9966"/>
-                </a:solidFill>
-                <a:effectLst>
-                  <a:outerShdw blurRad="38100" dist="19050" dir="2700000" algn="tl" rotWithShape="0">
-                    <a:schemeClr val="dk1">
-                      <a:alpha val="40000"/>
-                    </a:schemeClr>
-                  </a:outerShdw>
-                </a:effectLst>
-                <a:latin typeface="BIZ UDPゴシック" panose="020B0400000000000000" pitchFamily="50" charset="-128"/>
-                <a:ea typeface="BIZ UDPゴシック" panose="020B0400000000000000" pitchFamily="50" charset="-128"/>
-              </a:rPr>
-              <a:t>　苦労した点</a:t>
-            </a:r>
-          </a:p>
-        </p:txBody>
-      </p:sp>
-    </p:spTree>
-    <p:extLst>
-      <p:ext uri="{BB962C8B-B14F-4D97-AF65-F5344CB8AC3E}">
-        <p14:creationId xmlns:p14="http://schemas.microsoft.com/office/powerpoint/2010/main" val="3226323332"/>
-      </p:ext>
-    </p:extLst>
-  </p:cSld>
-  <p:clrMapOvr>
-    <a:masterClrMapping/>
-  </p:clrMapOvr>
-</p:sld>
-</file>
-
-<file path=ppt/slides/slide7.xml><?xml version="1.0" encoding="utf-8"?>
-<p:sld xmlns:a="http://schemas.openxmlformats.org/drawingml/2006/main" xmlns:r="http://schemas.openxmlformats.org/officeDocument/2006/relationships" xmlns:p="http://schemas.openxmlformats.org/presentationml/2006/main">
-  <p:cSld>
-    <p:spTree>
-      <p:nvGrpSpPr>
-        <p:cNvPr id="1" name="">
-          <a:extLst>
-            <a:ext uri="{FF2B5EF4-FFF2-40B4-BE49-F238E27FC236}">
-              <a16:creationId xmlns:a16="http://schemas.microsoft.com/office/drawing/2014/main" id="{3A509D55-9173-8A09-3884-449B1BF9D0E5}"/>
-            </a:ext>
-          </a:extLst>
-        </p:cNvPr>
-        <p:cNvGrpSpPr/>
-        <p:nvPr/>
-      </p:nvGrpSpPr>
-      <p:grpSpPr>
-        <a:xfrm>
-          <a:off x="0" y="0"/>
-          <a:ext cx="0" cy="0"/>
-          <a:chOff x="0" y="0"/>
-          <a:chExt cx="0" cy="0"/>
-        </a:xfrm>
-      </p:grpSpPr>
-      <p:pic>
-        <p:nvPicPr>
-          <p:cNvPr id="11" name="図 10" descr="背景パターン&#10;&#10;AI 生成コンテンツは誤りを含む可能性があります。">
-            <a:extLst>
-              <a:ext uri="{FF2B5EF4-FFF2-40B4-BE49-F238E27FC236}">
-                <a16:creationId xmlns:a16="http://schemas.microsoft.com/office/drawing/2014/main" id="{E465D7C6-054A-032B-EE34-465EF5D59FE1}"/>
-              </a:ext>
-            </a:extLst>
-          </p:cNvPr>
-          <p:cNvPicPr>
-            <a:picLocks noChangeAspect="1"/>
-          </p:cNvPicPr>
-          <p:nvPr/>
-        </p:nvPicPr>
-        <p:blipFill>
-          <a:blip r:embed="rId3">
-            <a:extLst>
-              <a:ext uri="{28A0092B-C50C-407E-A947-70E740481C1C}">
-                <a14:useLocalDpi xmlns:a14="http://schemas.microsoft.com/office/drawing/2010/main" val="0"/>
-              </a:ext>
-            </a:extLst>
-          </a:blip>
-          <a:stretch>
-            <a:fillRect/>
-          </a:stretch>
-        </p:blipFill>
-        <p:spPr>
-          <a:xfrm>
-            <a:off x="0" y="0"/>
-            <a:ext cx="12192000" cy="6858000"/>
-          </a:xfrm>
-          <a:prstGeom prst="rect">
-            <a:avLst/>
-          </a:prstGeom>
-        </p:spPr>
-      </p:pic>
-      <p:sp>
-        <p:nvSpPr>
-          <p:cNvPr id="12" name="正方形/長方形 11">
-            <a:extLst>
-              <a:ext uri="{FF2B5EF4-FFF2-40B4-BE49-F238E27FC236}">
-                <a16:creationId xmlns:a16="http://schemas.microsoft.com/office/drawing/2014/main" id="{0540648B-FEFA-9A69-2E03-A2409FBB7D02}"/>
-              </a:ext>
-            </a:extLst>
-          </p:cNvPr>
-          <p:cNvSpPr/>
-          <p:nvPr/>
-        </p:nvSpPr>
-        <p:spPr>
-          <a:xfrm>
-            <a:off x="783012" y="481567"/>
-            <a:ext cx="11017719" cy="5717590"/>
-          </a:xfrm>
-          <a:prstGeom prst="rect">
-            <a:avLst/>
-          </a:prstGeom>
-          <a:ln>
-            <a:solidFill>
-              <a:srgbClr val="FFCC99"/>
-            </a:solidFill>
-          </a:ln>
-        </p:spPr>
-        <p:style>
-          <a:lnRef idx="2">
-            <a:schemeClr val="accent6"/>
-          </a:lnRef>
-          <a:fillRef idx="1">
-            <a:schemeClr val="lt1"/>
-          </a:fillRef>
-          <a:effectRef idx="0">
-            <a:schemeClr val="accent6"/>
-          </a:effectRef>
-          <a:fontRef idx="minor">
-            <a:schemeClr val="dk1"/>
-          </a:fontRef>
-        </p:style>
-        <p:txBody>
-          <a:bodyPr rtlCol="0" anchor="ctr"/>
-          <a:lstStyle/>
-          <a:p>
-            <a:pPr marL="0" marR="0" lvl="0" indent="0" algn="ctr" defTabSz="914400" rtl="0" eaLnBrk="1" fontAlgn="auto" latinLnBrk="0" hangingPunct="1">
-              <a:lnSpc>
-                <a:spcPct val="100000"/>
-              </a:lnSpc>
-              <a:spcBef>
-                <a:spcPts val="0"/>
-              </a:spcBef>
-              <a:spcAft>
-                <a:spcPts val="0"/>
-              </a:spcAft>
-              <a:buClrTx/>
-              <a:buSzTx/>
-              <a:buFontTx/>
-              <a:buNone/>
-              <a:tabLst/>
-              <a:defRPr/>
-            </a:pPr>
-            <a:endParaRPr kumimoji="1" lang="ja-JP" altLang="en-US" sz="1800" b="0" i="0" u="none" strike="noStrike" kern="1200" cap="none" spc="0" normalizeH="0" baseline="0" noProof="0">
-              <a:ln>
-                <a:noFill/>
-              </a:ln>
-              <a:solidFill>
-                <a:prstClr val="black"/>
-              </a:solidFill>
-              <a:effectLst/>
-              <a:uLnTx/>
-              <a:uFillTx/>
-              <a:latin typeface="游ゴシック" panose="02110004020202020204"/>
-              <a:ea typeface="游ゴシック" panose="020B0400000000000000" pitchFamily="50" charset="-128"/>
-              <a:cs typeface="+mn-cs"/>
-            </a:endParaRPr>
-          </a:p>
-        </p:txBody>
-      </p:sp>
-      <p:cxnSp>
-        <p:nvCxnSpPr>
-          <p:cNvPr id="15" name="直線コネクタ 14">
-            <a:extLst>
-              <a:ext uri="{FF2B5EF4-FFF2-40B4-BE49-F238E27FC236}">
-                <a16:creationId xmlns:a16="http://schemas.microsoft.com/office/drawing/2014/main" id="{1ABAC8FE-0EE3-69FC-6982-3E8B5072DD48}"/>
-              </a:ext>
-            </a:extLst>
-          </p:cNvPr>
-          <p:cNvCxnSpPr>
-            <a:cxnSpLocks/>
-          </p:cNvCxnSpPr>
-          <p:nvPr/>
-        </p:nvCxnSpPr>
-        <p:spPr>
-          <a:xfrm flipV="1">
-            <a:off x="1468315" y="1623850"/>
-            <a:ext cx="9940673" cy="19812"/>
-          </a:xfrm>
-          <a:prstGeom prst="line">
-            <a:avLst/>
-          </a:prstGeom>
-          <a:ln>
-            <a:solidFill>
-              <a:srgbClr val="FFCC66"/>
-            </a:solidFill>
-          </a:ln>
-        </p:spPr>
-        <p:style>
-          <a:lnRef idx="1">
-            <a:schemeClr val="accent6"/>
-          </a:lnRef>
-          <a:fillRef idx="0">
-            <a:schemeClr val="accent6"/>
-          </a:fillRef>
-          <a:effectRef idx="0">
-            <a:schemeClr val="accent6"/>
-          </a:effectRef>
-          <a:fontRef idx="minor">
-            <a:schemeClr val="tx1"/>
-          </a:fontRef>
-        </p:style>
-      </p:cxnSp>
-      <p:sp>
-        <p:nvSpPr>
-          <p:cNvPr id="21" name="字幕 2">
-            <a:extLst>
-              <a:ext uri="{FF2B5EF4-FFF2-40B4-BE49-F238E27FC236}">
-                <a16:creationId xmlns:a16="http://schemas.microsoft.com/office/drawing/2014/main" id="{4A1D92E0-17AC-5CFD-538E-A0B3EB235C10}"/>
-              </a:ext>
-            </a:extLst>
-          </p:cNvPr>
-          <p:cNvSpPr txBox="1">
-            <a:spLocks/>
-          </p:cNvSpPr>
-          <p:nvPr/>
-        </p:nvSpPr>
-        <p:spPr>
-          <a:xfrm>
-            <a:off x="9933459" y="5587355"/>
-            <a:ext cx="2053494" cy="378513"/>
-          </a:xfrm>
-          <a:prstGeom prst="rect">
-            <a:avLst/>
-          </a:prstGeom>
-        </p:spPr>
-        <p:txBody>
-          <a:bodyPr vert="horz" lIns="91440" tIns="45720" rIns="91440" bIns="45720" rtlCol="0">
-            <a:normAutofit/>
-          </a:bodyPr>
-          <a:lstStyle>
-            <a:lvl1pPr marL="0" indent="0" algn="ctr" defTabSz="914400" rtl="0" eaLnBrk="1" latinLnBrk="0" hangingPunct="1">
-              <a:lnSpc>
-                <a:spcPct val="90000"/>
-              </a:lnSpc>
-              <a:spcBef>
-                <a:spcPts val="1000"/>
-              </a:spcBef>
-              <a:buFont typeface="Arial" panose="020B0604020202020204" pitchFamily="34" charset="0"/>
-              <a:buNone/>
-              <a:defRPr kumimoji="1" sz="2400" kern="1200">
-                <a:solidFill>
-                  <a:schemeClr val="tx1"/>
-                </a:solidFill>
-                <a:latin typeface="+mn-lt"/>
-                <a:ea typeface="+mn-ea"/>
-                <a:cs typeface="+mn-cs"/>
-              </a:defRPr>
-            </a:lvl1pPr>
-            <a:lvl2pPr marL="457200" indent="0" algn="ctr" defTabSz="914400" rtl="0" eaLnBrk="1" latinLnBrk="0" hangingPunct="1">
-              <a:lnSpc>
-                <a:spcPct val="90000"/>
-              </a:lnSpc>
-              <a:spcBef>
-                <a:spcPts val="500"/>
-              </a:spcBef>
-              <a:buFont typeface="Arial" panose="020B0604020202020204" pitchFamily="34" charset="0"/>
-              <a:buNone/>
-              <a:defRPr kumimoji="1" sz="2000" kern="1200">
-                <a:solidFill>
-                  <a:schemeClr val="tx1"/>
-                </a:solidFill>
-                <a:latin typeface="+mn-lt"/>
-                <a:ea typeface="+mn-ea"/>
-                <a:cs typeface="+mn-cs"/>
-              </a:defRPr>
-            </a:lvl2pPr>
-            <a:lvl3pPr marL="914400" indent="0" algn="ctr" defTabSz="914400" rtl="0" eaLnBrk="1" latinLnBrk="0" hangingPunct="1">
-              <a:lnSpc>
-                <a:spcPct val="90000"/>
-              </a:lnSpc>
-              <a:spcBef>
-                <a:spcPts val="500"/>
-              </a:spcBef>
-              <a:buFont typeface="Arial" panose="020B0604020202020204" pitchFamily="34" charset="0"/>
-              <a:buNone/>
-              <a:defRPr kumimoji="1" sz="1800" kern="1200">
-                <a:solidFill>
-                  <a:schemeClr val="tx1"/>
-                </a:solidFill>
-                <a:latin typeface="+mn-lt"/>
-                <a:ea typeface="+mn-ea"/>
-                <a:cs typeface="+mn-cs"/>
-              </a:defRPr>
-            </a:lvl3pPr>
-            <a:lvl4pPr marL="1371600" indent="0" algn="ctr" defTabSz="914400" rtl="0" eaLnBrk="1" latinLnBrk="0" hangingPunct="1">
-              <a:lnSpc>
-                <a:spcPct val="90000"/>
-              </a:lnSpc>
-              <a:spcBef>
-                <a:spcPts val="500"/>
-              </a:spcBef>
-              <a:buFont typeface="Arial" panose="020B0604020202020204" pitchFamily="34" charset="0"/>
-              <a:buNone/>
-              <a:defRPr kumimoji="1" sz="1600" kern="1200">
-                <a:solidFill>
-                  <a:schemeClr val="tx1"/>
-                </a:solidFill>
-                <a:latin typeface="+mn-lt"/>
-                <a:ea typeface="+mn-ea"/>
-                <a:cs typeface="+mn-cs"/>
-              </a:defRPr>
-            </a:lvl4pPr>
-            <a:lvl5pPr marL="1828800" indent="0" algn="ctr" defTabSz="914400" rtl="0" eaLnBrk="1" latinLnBrk="0" hangingPunct="1">
-              <a:lnSpc>
-                <a:spcPct val="90000"/>
-              </a:lnSpc>
-              <a:spcBef>
-                <a:spcPts val="500"/>
-              </a:spcBef>
-              <a:buFont typeface="Arial" panose="020B0604020202020204" pitchFamily="34" charset="0"/>
-              <a:buNone/>
-              <a:defRPr kumimoji="1" sz="1600" kern="1200">
-                <a:solidFill>
-                  <a:schemeClr val="tx1"/>
-                </a:solidFill>
-                <a:latin typeface="+mn-lt"/>
-                <a:ea typeface="+mn-ea"/>
-                <a:cs typeface="+mn-cs"/>
-              </a:defRPr>
-            </a:lvl5pPr>
-            <a:lvl6pPr marL="2286000" indent="0" algn="ctr" defTabSz="914400" rtl="0" eaLnBrk="1" latinLnBrk="0" hangingPunct="1">
-              <a:lnSpc>
-                <a:spcPct val="90000"/>
-              </a:lnSpc>
-              <a:spcBef>
-                <a:spcPts val="500"/>
-              </a:spcBef>
-              <a:buFont typeface="Arial" panose="020B0604020202020204" pitchFamily="34" charset="0"/>
-              <a:buNone/>
-              <a:defRPr kumimoji="1" sz="1600" kern="1200">
-                <a:solidFill>
-                  <a:schemeClr val="tx1"/>
-                </a:solidFill>
-                <a:latin typeface="+mn-lt"/>
-                <a:ea typeface="+mn-ea"/>
-                <a:cs typeface="+mn-cs"/>
-              </a:defRPr>
-            </a:lvl6pPr>
-            <a:lvl7pPr marL="2743200" indent="0" algn="ctr" defTabSz="914400" rtl="0" eaLnBrk="1" latinLnBrk="0" hangingPunct="1">
-              <a:lnSpc>
-                <a:spcPct val="90000"/>
-              </a:lnSpc>
-              <a:spcBef>
-                <a:spcPts val="500"/>
-              </a:spcBef>
-              <a:buFont typeface="Arial" panose="020B0604020202020204" pitchFamily="34" charset="0"/>
-              <a:buNone/>
-              <a:defRPr kumimoji="1" sz="1600" kern="1200">
-                <a:solidFill>
-                  <a:schemeClr val="tx1"/>
-                </a:solidFill>
-                <a:latin typeface="+mn-lt"/>
-                <a:ea typeface="+mn-ea"/>
-                <a:cs typeface="+mn-cs"/>
-              </a:defRPr>
-            </a:lvl7pPr>
-            <a:lvl8pPr marL="3200400" indent="0" algn="ctr" defTabSz="914400" rtl="0" eaLnBrk="1" latinLnBrk="0" hangingPunct="1">
-              <a:lnSpc>
-                <a:spcPct val="90000"/>
-              </a:lnSpc>
-              <a:spcBef>
-                <a:spcPts val="500"/>
-              </a:spcBef>
-              <a:buFont typeface="Arial" panose="020B0604020202020204" pitchFamily="34" charset="0"/>
-              <a:buNone/>
-              <a:defRPr kumimoji="1" sz="1600" kern="1200">
-                <a:solidFill>
-                  <a:schemeClr val="tx1"/>
-                </a:solidFill>
-                <a:latin typeface="+mn-lt"/>
-                <a:ea typeface="+mn-ea"/>
-                <a:cs typeface="+mn-cs"/>
-              </a:defRPr>
-            </a:lvl8pPr>
-            <a:lvl9pPr marL="3657600" indent="0" algn="ctr" defTabSz="914400" rtl="0" eaLnBrk="1" latinLnBrk="0" hangingPunct="1">
-              <a:lnSpc>
-                <a:spcPct val="90000"/>
-              </a:lnSpc>
-              <a:spcBef>
-                <a:spcPts val="500"/>
-              </a:spcBef>
-              <a:buFont typeface="Arial" panose="020B0604020202020204" pitchFamily="34" charset="0"/>
-              <a:buNone/>
-              <a:defRPr kumimoji="1" sz="1600" kern="1200">
-                <a:solidFill>
-                  <a:schemeClr val="tx1"/>
-                </a:solidFill>
-                <a:latin typeface="+mn-lt"/>
-                <a:ea typeface="+mn-ea"/>
-                <a:cs typeface="+mn-cs"/>
-              </a:defRPr>
-            </a:lvl9pPr>
-          </a:lstStyle>
-          <a:p>
-            <a:pPr marL="0" marR="0" lvl="0" indent="0" algn="ctr" defTabSz="914400" rtl="0" eaLnBrk="1" fontAlgn="auto" latinLnBrk="0" hangingPunct="1">
-              <a:lnSpc>
-                <a:spcPct val="90000"/>
-              </a:lnSpc>
-              <a:spcBef>
-                <a:spcPts val="1000"/>
-              </a:spcBef>
-              <a:spcAft>
-                <a:spcPts val="0"/>
-              </a:spcAft>
-              <a:buClrTx/>
-              <a:buSzTx/>
-              <a:buFont typeface="Arial" panose="020B0604020202020204" pitchFamily="34" charset="0"/>
-              <a:buNone/>
-              <a:tabLst/>
-              <a:defRPr/>
-            </a:pPr>
-            <a:r>
-              <a:rPr kumimoji="1" lang="en-US" altLang="ja-JP" sz="1200" b="1" i="0" u="none" strike="noStrike" kern="1200" cap="none" spc="0" normalizeH="0" baseline="0" noProof="0" dirty="0">
-                <a:ln>
-                  <a:noFill/>
-                </a:ln>
-                <a:solidFill>
-                  <a:prstClr val="white">
-                    <a:lumMod val="75000"/>
-                  </a:prstClr>
-                </a:solidFill>
-                <a:effectLst/>
-                <a:uLnTx/>
-                <a:uFillTx/>
-                <a:latin typeface="BIZ UDPゴシック" panose="020B0400000000000000" pitchFamily="50" charset="-128"/>
-                <a:ea typeface="BIZ UDPゴシック" panose="020B0400000000000000" pitchFamily="50" charset="-128"/>
-                <a:cs typeface="+mn-cs"/>
-              </a:rPr>
-              <a:t>2025.6.30</a:t>
-            </a:r>
-            <a:endParaRPr kumimoji="1" lang="ja-JP" altLang="en-US" sz="1200" b="1" i="0" u="none" strike="noStrike" kern="1200" cap="none" spc="0" normalizeH="0" baseline="0" noProof="0" dirty="0">
-              <a:ln>
-                <a:noFill/>
-              </a:ln>
-              <a:solidFill>
-                <a:prstClr val="white">
-                  <a:lumMod val="75000"/>
-                </a:prstClr>
-              </a:solidFill>
-              <a:effectLst/>
-              <a:uLnTx/>
-              <a:uFillTx/>
-              <a:latin typeface="BIZ UDPゴシック" panose="020B0400000000000000" pitchFamily="50" charset="-128"/>
-              <a:ea typeface="BIZ UDPゴシック" panose="020B0400000000000000" pitchFamily="50" charset="-128"/>
-              <a:cs typeface="+mn-cs"/>
-            </a:endParaRPr>
-          </a:p>
-        </p:txBody>
-      </p:sp>
-      <p:sp>
-        <p:nvSpPr>
-          <p:cNvPr id="4" name="タイトル 1">
-            <a:extLst>
-              <a:ext uri="{FF2B5EF4-FFF2-40B4-BE49-F238E27FC236}">
-                <a16:creationId xmlns:a16="http://schemas.microsoft.com/office/drawing/2014/main" id="{D2112AB5-0135-15D1-397E-E1EF29ED66B7}"/>
-              </a:ext>
-            </a:extLst>
-          </p:cNvPr>
-          <p:cNvSpPr txBox="1">
-            <a:spLocks/>
-          </p:cNvSpPr>
-          <p:nvPr/>
-        </p:nvSpPr>
-        <p:spPr>
-          <a:xfrm>
-            <a:off x="3454888" y="748066"/>
-            <a:ext cx="5282223" cy="847981"/>
-          </a:xfrm>
-          <a:prstGeom prst="rect">
-            <a:avLst/>
-          </a:prstGeom>
-          <a:effectLst/>
-        </p:spPr>
-        <p:txBody>
-          <a:bodyPr vert="horz" lIns="91440" tIns="45720" rIns="91440" bIns="45720" rtlCol="0" anchor="ctr">
-            <a:normAutofit/>
-          </a:bodyPr>
-          <a:lstStyle>
-            <a:lvl1pPr algn="ctr" defTabSz="457200" rtl="0" eaLnBrk="1" latinLnBrk="0" hangingPunct="1">
-              <a:spcBef>
-                <a:spcPct val="0"/>
-              </a:spcBef>
-              <a:buNone/>
-              <a:defRPr kumimoji="1" sz="4400" kern="1200" cap="none">
-                <a:ln w="3175" cmpd="sng">
-                  <a:noFill/>
-                </a:ln>
-                <a:solidFill>
-                  <a:schemeClr val="tx1">
-                    <a:lumMod val="85000"/>
-                    <a:lumOff val="15000"/>
-                  </a:schemeClr>
-                </a:solidFill>
-                <a:effectLst/>
-                <a:latin typeface="+mj-lt"/>
-                <a:ea typeface="+mj-ea"/>
-                <a:cs typeface="+mj-cs"/>
-              </a:defRPr>
-            </a:lvl1pPr>
-            <a:lvl2pPr eaLnBrk="1" hangingPunct="1">
-              <a:defRPr kumimoji="1">
-                <a:solidFill>
-                  <a:schemeClr val="tx2"/>
-                </a:solidFill>
-              </a:defRPr>
-            </a:lvl2pPr>
-            <a:lvl3pPr eaLnBrk="1" hangingPunct="1">
-              <a:defRPr kumimoji="1">
-                <a:solidFill>
-                  <a:schemeClr val="tx2"/>
-                </a:solidFill>
-              </a:defRPr>
-            </a:lvl3pPr>
-            <a:lvl4pPr eaLnBrk="1" hangingPunct="1">
-              <a:defRPr kumimoji="1">
-                <a:solidFill>
-                  <a:schemeClr val="tx2"/>
-                </a:solidFill>
-              </a:defRPr>
-            </a:lvl4pPr>
-            <a:lvl5pPr eaLnBrk="1" hangingPunct="1">
-              <a:defRPr kumimoji="1">
-                <a:solidFill>
-                  <a:schemeClr val="tx2"/>
-                </a:solidFill>
-              </a:defRPr>
-            </a:lvl5pPr>
-            <a:lvl6pPr eaLnBrk="1" hangingPunct="1">
-              <a:defRPr kumimoji="1">
-                <a:solidFill>
-                  <a:schemeClr val="tx2"/>
-                </a:solidFill>
-              </a:defRPr>
-            </a:lvl6pPr>
-            <a:lvl7pPr eaLnBrk="1" hangingPunct="1">
-              <a:defRPr kumimoji="1">
-                <a:solidFill>
-                  <a:schemeClr val="tx2"/>
-                </a:solidFill>
-              </a:defRPr>
-            </a:lvl7pPr>
-            <a:lvl8pPr eaLnBrk="1" hangingPunct="1">
-              <a:defRPr kumimoji="1">
-                <a:solidFill>
-                  <a:schemeClr val="tx2"/>
-                </a:solidFill>
-              </a:defRPr>
-            </a:lvl8pPr>
-            <a:lvl9pPr eaLnBrk="1" hangingPunct="1">
-              <a:defRPr kumimoji="1">
-                <a:solidFill>
-                  <a:schemeClr val="tx2"/>
-                </a:solidFill>
-              </a:defRPr>
-            </a:lvl9pPr>
-          </a:lstStyle>
-          <a:p>
-            <a:r>
-              <a:rPr lang="en-US" altLang="ja-JP" sz="4000" b="1" dirty="0">
-                <a:ln w="0"/>
-                <a:solidFill>
-                  <a:srgbClr val="FF9966"/>
-                </a:solidFill>
-                <a:effectLst>
-                  <a:outerShdw blurRad="38100" dist="19050" dir="2700000" algn="tl" rotWithShape="0">
-                    <a:schemeClr val="dk1">
-                      <a:alpha val="40000"/>
-                    </a:schemeClr>
-                  </a:outerShdw>
-                </a:effectLst>
-                <a:latin typeface="BIZ UDPゴシック" panose="020B0400000000000000" pitchFamily="50" charset="-128"/>
-                <a:ea typeface="BIZ UDPゴシック" panose="020B0400000000000000" pitchFamily="50" charset="-128"/>
-              </a:rPr>
-              <a:t>Ⅴ</a:t>
-            </a:r>
-            <a:r>
-              <a:rPr lang="ja-JP" altLang="en-US" sz="4000" b="1" dirty="0">
-                <a:ln w="0"/>
-                <a:solidFill>
-                  <a:srgbClr val="FF9966"/>
-                </a:solidFill>
-                <a:effectLst>
-                  <a:outerShdw blurRad="38100" dist="19050" dir="2700000" algn="tl" rotWithShape="0">
-                    <a:schemeClr val="dk1">
-                      <a:alpha val="40000"/>
-                    </a:schemeClr>
-                  </a:outerShdw>
-                </a:effectLst>
-                <a:latin typeface="BIZ UDPゴシック" panose="020B0400000000000000" pitchFamily="50" charset="-128"/>
-                <a:ea typeface="BIZ UDPゴシック" panose="020B0400000000000000" pitchFamily="50" charset="-128"/>
-              </a:rPr>
-              <a:t>　研修で学んだこと</a:t>
-            </a:r>
-          </a:p>
-        </p:txBody>
-      </p:sp>
-      <p:sp>
-        <p:nvSpPr>
-          <p:cNvPr id="5" name="コンテンツ プレースホルダー 2">
-            <a:extLst>
-              <a:ext uri="{FF2B5EF4-FFF2-40B4-BE49-F238E27FC236}">
-                <a16:creationId xmlns:a16="http://schemas.microsoft.com/office/drawing/2014/main" id="{47349AB4-18A1-4CCB-2EC8-B2364A10CB82}"/>
-              </a:ext>
-            </a:extLst>
-          </p:cNvPr>
-          <p:cNvSpPr txBox="1">
-            <a:spLocks/>
-          </p:cNvSpPr>
-          <p:nvPr/>
-        </p:nvSpPr>
-        <p:spPr>
-          <a:xfrm>
-            <a:off x="1777767" y="2662729"/>
-            <a:ext cx="5589323" cy="1810328"/>
-          </a:xfrm>
-          <a:prstGeom prst="rect">
-            <a:avLst/>
-          </a:prstGeom>
-        </p:spPr>
-        <p:txBody>
-          <a:bodyPr vert="horz" lIns="91440" tIns="45720" rIns="91440" bIns="45720" rtlCol="0" anchor="t">
-            <a:normAutofit/>
-          </a:bodyPr>
-          <a:lstStyle>
-            <a:lvl1pPr marL="285750" indent="-285750" algn="l" defTabSz="457200" rtl="0" eaLnBrk="1" latinLnBrk="0" hangingPunct="1">
-              <a:spcBef>
-                <a:spcPct val="20000"/>
-              </a:spcBef>
-              <a:spcAft>
-                <a:spcPts val="600"/>
-              </a:spcAft>
-              <a:buClr>
-                <a:schemeClr val="accent1"/>
-              </a:buClr>
-              <a:buSzPct val="115000"/>
-              <a:buFont typeface="Arial"/>
-              <a:buChar char="•"/>
-              <a:defRPr kumimoji="1" sz="2400" kern="1200" cap="none">
-                <a:solidFill>
-                  <a:schemeClr val="tx1">
-                    <a:lumMod val="85000"/>
-                    <a:lumOff val="15000"/>
-                  </a:schemeClr>
-                </a:solidFill>
-                <a:effectLst/>
-                <a:latin typeface="+mn-lt"/>
-                <a:ea typeface="+mn-ea"/>
-                <a:cs typeface="+mn-cs"/>
-              </a:defRPr>
-            </a:lvl1pPr>
-            <a:lvl2pPr marL="742950" indent="-285750" algn="l" defTabSz="457200" rtl="0" eaLnBrk="1" latinLnBrk="0" hangingPunct="1">
-              <a:spcBef>
-                <a:spcPct val="20000"/>
-              </a:spcBef>
-              <a:spcAft>
-                <a:spcPts val="600"/>
-              </a:spcAft>
-              <a:buClr>
-                <a:schemeClr val="accent1"/>
-              </a:buClr>
-              <a:buSzPct val="115000"/>
-              <a:buFont typeface="Arial"/>
-              <a:buChar char="•"/>
-              <a:defRPr kumimoji="1" sz="2000" kern="1200" cap="none">
-                <a:solidFill>
-                  <a:schemeClr val="tx1">
-                    <a:lumMod val="85000"/>
-                    <a:lumOff val="15000"/>
-                  </a:schemeClr>
-                </a:solidFill>
-                <a:effectLst/>
-                <a:latin typeface="+mn-lt"/>
-                <a:ea typeface="+mn-ea"/>
-                <a:cs typeface="+mn-cs"/>
-              </a:defRPr>
-            </a:lvl2pPr>
-            <a:lvl3pPr marL="1200150" indent="-285750" algn="l" defTabSz="457200" rtl="0" eaLnBrk="1" latinLnBrk="0" hangingPunct="1">
-              <a:spcBef>
-                <a:spcPct val="20000"/>
-              </a:spcBef>
-              <a:spcAft>
-                <a:spcPts val="600"/>
-              </a:spcAft>
-              <a:buClr>
-                <a:schemeClr val="accent1"/>
-              </a:buClr>
-              <a:buSzPct val="115000"/>
-              <a:buFont typeface="Arial"/>
-              <a:buChar char="•"/>
-              <a:defRPr kumimoji="1" sz="1800" kern="1200" cap="none">
-                <a:solidFill>
-                  <a:schemeClr val="tx1">
-                    <a:lumMod val="85000"/>
-                    <a:lumOff val="15000"/>
-                  </a:schemeClr>
-                </a:solidFill>
-                <a:effectLst/>
-                <a:latin typeface="+mn-lt"/>
-                <a:ea typeface="+mn-ea"/>
-                <a:cs typeface="+mn-cs"/>
-              </a:defRPr>
-            </a:lvl3pPr>
-            <a:lvl4pPr marL="1543050" indent="-171450" algn="l" defTabSz="457200" rtl="0" eaLnBrk="1" latinLnBrk="0" hangingPunct="1">
-              <a:spcBef>
-                <a:spcPct val="20000"/>
-              </a:spcBef>
-              <a:spcAft>
-                <a:spcPts val="600"/>
-              </a:spcAft>
-              <a:buClr>
-                <a:schemeClr val="accent1"/>
-              </a:buClr>
-              <a:buSzPct val="115000"/>
-              <a:buFont typeface="Arial"/>
-              <a:buChar char="•"/>
-              <a:defRPr kumimoji="1" sz="1600" kern="1200" cap="none">
-                <a:solidFill>
-                  <a:schemeClr val="tx1">
-                    <a:lumMod val="85000"/>
-                    <a:lumOff val="15000"/>
-                  </a:schemeClr>
-                </a:solidFill>
-                <a:effectLst/>
-                <a:latin typeface="+mn-lt"/>
-                <a:ea typeface="+mn-ea"/>
-                <a:cs typeface="+mn-cs"/>
-              </a:defRPr>
-            </a:lvl4pPr>
-            <a:lvl5pPr marL="2000250" indent="-171450" algn="l" defTabSz="457200" rtl="0" eaLnBrk="1" latinLnBrk="0" hangingPunct="1">
-              <a:spcBef>
-                <a:spcPct val="20000"/>
-              </a:spcBef>
-              <a:spcAft>
-                <a:spcPts val="600"/>
-              </a:spcAft>
-              <a:buClr>
-                <a:schemeClr val="accent1"/>
-              </a:buClr>
-              <a:buSzPct val="115000"/>
-              <a:buFont typeface="Arial"/>
-              <a:buChar char="•"/>
-              <a:defRPr kumimoji="1" sz="1400" kern="1200" cap="none">
-                <a:solidFill>
-                  <a:schemeClr val="tx1">
-                    <a:lumMod val="85000"/>
-                    <a:lumOff val="15000"/>
-                  </a:schemeClr>
-                </a:solidFill>
-                <a:effectLst/>
-                <a:latin typeface="+mn-lt"/>
-                <a:ea typeface="+mn-ea"/>
-                <a:cs typeface="+mn-cs"/>
-              </a:defRPr>
-            </a:lvl5pPr>
-            <a:lvl6pPr marL="2514600" indent="-228600" algn="l" defTabSz="457200" rtl="0" eaLnBrk="1" latinLnBrk="0" hangingPunct="1">
-              <a:spcBef>
-                <a:spcPct val="20000"/>
-              </a:spcBef>
-              <a:spcAft>
-                <a:spcPts val="600"/>
-              </a:spcAft>
-              <a:buClr>
-                <a:schemeClr val="accent1"/>
-              </a:buClr>
-              <a:buSzPct val="115000"/>
-              <a:buFont typeface="Arial"/>
-              <a:buChar char="•"/>
-              <a:defRPr kumimoji="1" sz="1400" kern="1200" cap="none">
-                <a:solidFill>
-                  <a:schemeClr val="tx1">
-                    <a:lumMod val="85000"/>
-                    <a:lumOff val="15000"/>
-                  </a:schemeClr>
-                </a:solidFill>
-                <a:effectLst/>
-                <a:latin typeface="+mn-lt"/>
-                <a:ea typeface="+mn-ea"/>
-                <a:cs typeface="+mn-cs"/>
-              </a:defRPr>
-            </a:lvl6pPr>
-            <a:lvl7pPr marL="2971800" indent="-228600" algn="l" defTabSz="457200" rtl="0" eaLnBrk="1" latinLnBrk="0" hangingPunct="1">
-              <a:spcBef>
-                <a:spcPct val="20000"/>
-              </a:spcBef>
-              <a:spcAft>
-                <a:spcPts val="600"/>
-              </a:spcAft>
-              <a:buClr>
-                <a:schemeClr val="accent1"/>
-              </a:buClr>
-              <a:buSzPct val="115000"/>
-              <a:buFont typeface="Arial"/>
-              <a:buChar char="•"/>
-              <a:defRPr kumimoji="1" sz="1400" kern="1200" cap="none">
-                <a:solidFill>
-                  <a:schemeClr val="tx1">
-                    <a:lumMod val="85000"/>
-                    <a:lumOff val="15000"/>
-                  </a:schemeClr>
-                </a:solidFill>
-                <a:effectLst/>
-                <a:latin typeface="+mn-lt"/>
-                <a:ea typeface="+mn-ea"/>
-                <a:cs typeface="+mn-cs"/>
-              </a:defRPr>
-            </a:lvl7pPr>
-            <a:lvl8pPr marL="3429000" indent="-228600" algn="l" defTabSz="457200" rtl="0" eaLnBrk="1" latinLnBrk="0" hangingPunct="1">
-              <a:spcBef>
-                <a:spcPct val="20000"/>
-              </a:spcBef>
-              <a:spcAft>
-                <a:spcPts val="600"/>
-              </a:spcAft>
-              <a:buClr>
-                <a:schemeClr val="accent1"/>
-              </a:buClr>
-              <a:buSzPct val="115000"/>
-              <a:buFont typeface="Arial"/>
-              <a:buChar char="•"/>
-              <a:defRPr kumimoji="1" sz="1400" kern="1200" cap="none">
-                <a:solidFill>
-                  <a:schemeClr val="tx1">
-                    <a:lumMod val="85000"/>
-                    <a:lumOff val="15000"/>
-                  </a:schemeClr>
-                </a:solidFill>
-                <a:effectLst/>
-                <a:latin typeface="+mn-lt"/>
-                <a:ea typeface="+mn-ea"/>
-                <a:cs typeface="+mn-cs"/>
-              </a:defRPr>
-            </a:lvl8pPr>
-            <a:lvl9pPr marL="3886200" indent="-228600" algn="l" defTabSz="457200" rtl="0" eaLnBrk="1" latinLnBrk="0" hangingPunct="1">
-              <a:spcBef>
-                <a:spcPct val="20000"/>
-              </a:spcBef>
-              <a:spcAft>
-                <a:spcPts val="600"/>
-              </a:spcAft>
-              <a:buClr>
-                <a:schemeClr val="accent1"/>
-              </a:buClr>
-              <a:buSzPct val="115000"/>
-              <a:buFont typeface="Arial"/>
-              <a:buChar char="•"/>
-              <a:defRPr kumimoji="1" sz="1400" kern="1200" cap="none">
-                <a:solidFill>
-                  <a:schemeClr val="tx1">
-                    <a:lumMod val="85000"/>
-                    <a:lumOff val="15000"/>
-                  </a:schemeClr>
-                </a:solidFill>
-                <a:effectLst/>
-                <a:latin typeface="+mn-lt"/>
-                <a:ea typeface="+mn-ea"/>
-                <a:cs typeface="+mn-cs"/>
-              </a:defRPr>
-            </a:lvl9pPr>
-          </a:lstStyle>
-          <a:p>
-            <a:pPr marL="0" marR="0" lvl="0" indent="0" algn="l" defTabSz="457200" rtl="0" eaLnBrk="1" fontAlgn="auto" latinLnBrk="0" hangingPunct="1">
-              <a:lnSpc>
-                <a:spcPct val="100000"/>
-              </a:lnSpc>
-              <a:spcBef>
-                <a:spcPct val="20000"/>
-              </a:spcBef>
-              <a:spcAft>
-                <a:spcPts val="600"/>
-              </a:spcAft>
-              <a:buClr>
-                <a:srgbClr val="83992A"/>
-              </a:buClr>
-              <a:buSzPct val="115000"/>
-              <a:buFont typeface="Arial"/>
-              <a:buNone/>
-              <a:tabLst/>
-              <a:defRPr/>
-            </a:pPr>
-            <a:r>
-              <a:rPr kumimoji="1" lang="ja-JP" altLang="en-US" sz="2400" b="1" i="0" u="none" strike="noStrike" kern="1200" cap="none" spc="0" normalizeH="0" baseline="0" noProof="0" dirty="0">
-                <a:ln>
-                  <a:noFill/>
-                </a:ln>
-                <a:solidFill>
-                  <a:schemeClr val="bg2">
-                    <a:lumMod val="25000"/>
-                  </a:schemeClr>
-                </a:solidFill>
-                <a:effectLst/>
-                <a:uLnTx/>
-                <a:uFillTx/>
-                <a:latin typeface="BIZ UDPゴシック" panose="020B0400000000000000" pitchFamily="50" charset="-128"/>
-                <a:ea typeface="BIZ UDPゴシック" panose="020B0400000000000000" pitchFamily="50" charset="-128"/>
-              </a:rPr>
-              <a:t>＊目標設定　　　＊進捗</a:t>
-            </a:r>
-            <a:r>
-              <a:rPr kumimoji="1" lang="en-US" altLang="ja-JP" sz="2400" b="1" i="0" u="none" strike="noStrike" kern="1200" cap="none" spc="0" normalizeH="0" baseline="0" noProof="0" dirty="0">
-                <a:ln>
-                  <a:noFill/>
-                </a:ln>
-                <a:solidFill>
-                  <a:schemeClr val="bg2">
-                    <a:lumMod val="25000"/>
-                  </a:schemeClr>
-                </a:solidFill>
-                <a:effectLst/>
-                <a:uLnTx/>
-                <a:uFillTx/>
-                <a:latin typeface="BIZ UDPゴシック" panose="020B0400000000000000" pitchFamily="50" charset="-128"/>
-                <a:ea typeface="BIZ UDPゴシック" panose="020B0400000000000000" pitchFamily="50" charset="-128"/>
-              </a:rPr>
-              <a:t>/</a:t>
-            </a:r>
-            <a:r>
-              <a:rPr kumimoji="1" lang="ja-JP" altLang="en-US" sz="2400" b="1" i="0" u="none" strike="noStrike" kern="1200" cap="none" spc="0" normalizeH="0" baseline="0" noProof="0" dirty="0">
-                <a:ln>
-                  <a:noFill/>
-                </a:ln>
-                <a:solidFill>
-                  <a:schemeClr val="bg2">
-                    <a:lumMod val="25000"/>
-                  </a:schemeClr>
-                </a:solidFill>
-                <a:effectLst/>
-                <a:uLnTx/>
-                <a:uFillTx/>
-                <a:latin typeface="BIZ UDPゴシック" panose="020B0400000000000000" pitchFamily="50" charset="-128"/>
-                <a:ea typeface="BIZ UDPゴシック" panose="020B0400000000000000" pitchFamily="50" charset="-128"/>
-              </a:rPr>
-              <a:t>日程管理</a:t>
-            </a:r>
-            <a:endParaRPr kumimoji="1" lang="en-US" altLang="ja-JP" sz="2400" b="1" i="0" u="none" strike="noStrike" kern="1200" cap="none" spc="0" normalizeH="0" baseline="0" noProof="0" dirty="0">
-              <a:ln>
-                <a:noFill/>
-              </a:ln>
-              <a:solidFill>
-                <a:schemeClr val="bg2">
-                  <a:lumMod val="25000"/>
-                </a:schemeClr>
-              </a:solidFill>
-              <a:effectLst/>
-              <a:uLnTx/>
-              <a:uFillTx/>
-              <a:latin typeface="BIZ UDPゴシック" panose="020B0400000000000000" pitchFamily="50" charset="-128"/>
-              <a:ea typeface="BIZ UDPゴシック" panose="020B0400000000000000" pitchFamily="50" charset="-128"/>
-            </a:endParaRPr>
-          </a:p>
-          <a:p>
-            <a:pPr marL="0" marR="0" lvl="0" indent="0" algn="l" defTabSz="457200" rtl="0" eaLnBrk="1" fontAlgn="auto" latinLnBrk="0" hangingPunct="1">
-              <a:lnSpc>
-                <a:spcPct val="100000"/>
-              </a:lnSpc>
-              <a:spcBef>
-                <a:spcPct val="20000"/>
-              </a:spcBef>
-              <a:spcAft>
-                <a:spcPts val="600"/>
-              </a:spcAft>
-              <a:buClr>
-                <a:srgbClr val="83992A"/>
-              </a:buClr>
-              <a:buSzPct val="115000"/>
-              <a:buFont typeface="Arial"/>
-              <a:buNone/>
-              <a:tabLst/>
-              <a:defRPr/>
-            </a:pPr>
-            <a:endParaRPr kumimoji="1" lang="en-US" altLang="ja-JP" sz="2400" b="1" i="0" u="none" strike="noStrike" kern="1200" cap="none" spc="0" normalizeH="0" baseline="0" noProof="0" dirty="0">
-              <a:ln>
-                <a:noFill/>
-              </a:ln>
-              <a:solidFill>
-                <a:schemeClr val="bg2">
-                  <a:lumMod val="25000"/>
-                </a:schemeClr>
-              </a:solidFill>
-              <a:effectLst/>
-              <a:uLnTx/>
-              <a:uFillTx/>
-              <a:latin typeface="BIZ UDPゴシック" panose="020B0400000000000000" pitchFamily="50" charset="-128"/>
-              <a:ea typeface="BIZ UDPゴシック" panose="020B0400000000000000" pitchFamily="50" charset="-128"/>
-            </a:endParaRPr>
-          </a:p>
-          <a:p>
-            <a:pPr marL="0" marR="0" lvl="0" indent="0" algn="l" defTabSz="457200" rtl="0" eaLnBrk="1" fontAlgn="auto" latinLnBrk="0" hangingPunct="1">
-              <a:lnSpc>
-                <a:spcPct val="100000"/>
-              </a:lnSpc>
-              <a:spcBef>
-                <a:spcPct val="20000"/>
-              </a:spcBef>
-              <a:spcAft>
-                <a:spcPts val="600"/>
-              </a:spcAft>
-              <a:buClr>
-                <a:srgbClr val="83992A"/>
-              </a:buClr>
-              <a:buSzPct val="115000"/>
-              <a:buFont typeface="Arial"/>
-              <a:buNone/>
-              <a:tabLst/>
-              <a:defRPr/>
-            </a:pPr>
-            <a:r>
-              <a:rPr kumimoji="1" lang="ja-JP" altLang="en-US" sz="2400" b="1" i="0" u="none" strike="noStrike" kern="1200" cap="none" spc="0" normalizeH="0" baseline="0" noProof="0" dirty="0">
-                <a:ln>
-                  <a:noFill/>
-                </a:ln>
-                <a:solidFill>
-                  <a:schemeClr val="bg2">
-                    <a:lumMod val="25000"/>
-                  </a:schemeClr>
-                </a:solidFill>
-                <a:effectLst/>
-                <a:uLnTx/>
-                <a:uFillTx/>
-                <a:latin typeface="BIZ UDPゴシック" panose="020B0400000000000000" pitchFamily="50" charset="-128"/>
-                <a:ea typeface="BIZ UDPゴシック" panose="020B0400000000000000" pitchFamily="50" charset="-128"/>
-              </a:rPr>
-              <a:t>＊役割分担　　　＊和を以て貴しとなす</a:t>
-            </a:r>
-            <a:endParaRPr kumimoji="1" lang="en-US" altLang="ja-JP" sz="2400" b="1" i="0" u="none" strike="noStrike" kern="1200" cap="none" spc="0" normalizeH="0" baseline="0" noProof="0" dirty="0">
-              <a:ln>
-                <a:noFill/>
-              </a:ln>
-              <a:solidFill>
-                <a:schemeClr val="bg2">
-                  <a:lumMod val="25000"/>
-                </a:schemeClr>
-              </a:solidFill>
-              <a:effectLst/>
-              <a:uLnTx/>
-              <a:uFillTx/>
-              <a:latin typeface="BIZ UDPゴシック" panose="020B0400000000000000" pitchFamily="50" charset="-128"/>
-              <a:ea typeface="BIZ UDPゴシック" panose="020B0400000000000000" pitchFamily="50" charset="-128"/>
-            </a:endParaRPr>
-          </a:p>
-        </p:txBody>
-      </p:sp>
-      <p:pic>
-        <p:nvPicPr>
-          <p:cNvPr id="6" name="図 5" descr="カップに入ったアイスクリーム&#10;&#10;AI 生成コンテンツは誤りを含む可能性があります。">
-            <a:extLst>
-              <a:ext uri="{FF2B5EF4-FFF2-40B4-BE49-F238E27FC236}">
-                <a16:creationId xmlns:a16="http://schemas.microsoft.com/office/drawing/2014/main" id="{92A5A1E1-68F5-BD08-D69E-377EB2CCDD85}"/>
-              </a:ext>
-            </a:extLst>
-          </p:cNvPr>
-          <p:cNvPicPr>
-            <a:picLocks noChangeAspect="1"/>
-          </p:cNvPicPr>
-          <p:nvPr/>
-        </p:nvPicPr>
-        <p:blipFill>
-          <a:blip r:embed="rId4">
-            <a:extLst>
-              <a:ext uri="{28A0092B-C50C-407E-A947-70E740481C1C}">
-                <a14:useLocalDpi xmlns:a14="http://schemas.microsoft.com/office/drawing/2010/main" val="0"/>
-              </a:ext>
-            </a:extLst>
-          </a:blip>
-          <a:stretch>
-            <a:fillRect/>
-          </a:stretch>
-        </p:blipFill>
-        <p:spPr>
-          <a:xfrm>
-            <a:off x="9403462" y="2543989"/>
-            <a:ext cx="1193636" cy="2751741"/>
-          </a:xfrm>
-          <a:prstGeom prst="rect">
-            <a:avLst/>
-          </a:prstGeom>
-        </p:spPr>
-      </p:pic>
-      <p:pic>
-        <p:nvPicPr>
-          <p:cNvPr id="8" name="図 7" descr="皿の上のデザート&#10;&#10;AI 生成コンテンツは誤りを含む可能性があります。">
-            <a:extLst>
-              <a:ext uri="{FF2B5EF4-FFF2-40B4-BE49-F238E27FC236}">
-                <a16:creationId xmlns:a16="http://schemas.microsoft.com/office/drawing/2014/main" id="{B85D0C0B-1E98-51E1-F660-D73C53C391B2}"/>
-              </a:ext>
-            </a:extLst>
-          </p:cNvPr>
-          <p:cNvPicPr>
-            <a:picLocks noChangeAspect="1"/>
-          </p:cNvPicPr>
-          <p:nvPr/>
-        </p:nvPicPr>
-        <p:blipFill>
-          <a:blip r:embed="rId5">
-            <a:extLst>
-              <a:ext uri="{28A0092B-C50C-407E-A947-70E740481C1C}">
-                <a14:useLocalDpi xmlns:a14="http://schemas.microsoft.com/office/drawing/2010/main" val="0"/>
-              </a:ext>
-            </a:extLst>
-          </a:blip>
-          <a:stretch>
-            <a:fillRect/>
-          </a:stretch>
-        </p:blipFill>
-        <p:spPr>
-          <a:xfrm>
-            <a:off x="6979695" y="3503036"/>
-            <a:ext cx="2413770" cy="1810328"/>
-          </a:xfrm>
-          <a:prstGeom prst="rect">
-            <a:avLst/>
-          </a:prstGeom>
-        </p:spPr>
-      </p:pic>
-    </p:spTree>
-    <p:extLst>
-      <p:ext uri="{BB962C8B-B14F-4D97-AF65-F5344CB8AC3E}">
-        <p14:creationId xmlns:p14="http://schemas.microsoft.com/office/powerpoint/2010/main" val="2016185886"/>
-      </p:ext>
-    </p:extLst>
-  </p:cSld>
-  <p:clrMapOvr>
-    <a:masterClrMapping/>
-  </p:clrMapOvr>
-</p:sld>
-</file>
-
-<file path=ppt/slides/slide8.xml><?xml version="1.0" encoding="utf-8"?>
-<p:sld xmlns:a="http://schemas.openxmlformats.org/drawingml/2006/main" xmlns:r="http://schemas.openxmlformats.org/officeDocument/2006/relationships" xmlns:p="http://schemas.openxmlformats.org/presentationml/2006/main">
-  <p:cSld>
-    <p:spTree>
-      <p:nvGrpSpPr>
-        <p:cNvPr id="1" name="">
-          <a:extLst>
-            <a:ext uri="{FF2B5EF4-FFF2-40B4-BE49-F238E27FC236}">
-              <a16:creationId xmlns:a16="http://schemas.microsoft.com/office/drawing/2014/main" id="{175F73F6-A3BD-5D8D-5F89-3C9D02BD3217}"/>
-            </a:ext>
-          </a:extLst>
-        </p:cNvPr>
-        <p:cNvGrpSpPr/>
-        <p:nvPr/>
-      </p:nvGrpSpPr>
-      <p:grpSpPr>
-        <a:xfrm>
-          <a:off x="0" y="0"/>
-          <a:ext cx="0" cy="0"/>
-          <a:chOff x="0" y="0"/>
-          <a:chExt cx="0" cy="0"/>
-        </a:xfrm>
-      </p:grpSpPr>
-      <p:pic>
-        <p:nvPicPr>
-          <p:cNvPr id="11" name="図 10" descr="背景パターン&#10;&#10;AI 生成コンテンツは誤りを含む可能性があります。">
-            <a:extLst>
-              <a:ext uri="{FF2B5EF4-FFF2-40B4-BE49-F238E27FC236}">
-                <a16:creationId xmlns:a16="http://schemas.microsoft.com/office/drawing/2014/main" id="{F85B1C6D-93CF-654D-5F22-9596886B9A6D}"/>
+                <a16:creationId xmlns:a16="http://schemas.microsoft.com/office/drawing/2014/main" id="{3DC82BCA-F6C4-B3BC-CE84-409FCDB3BC72}"/>
               </a:ext>
             </a:extLst>
           </p:cNvPr>
@@ -13906,7 +16139,7 @@
           <p:cNvPr id="12" name="正方形/長方形 11">
             <a:extLst>
               <a:ext uri="{FF2B5EF4-FFF2-40B4-BE49-F238E27FC236}">
-                <a16:creationId xmlns:a16="http://schemas.microsoft.com/office/drawing/2014/main" id="{1F614146-94A6-55B7-695D-85B77019E256}"/>
+                <a16:creationId xmlns:a16="http://schemas.microsoft.com/office/drawing/2014/main" id="{465C5C7D-56B1-A0B5-AEE9-A24E0B632F6D}"/>
               </a:ext>
             </a:extLst>
           </p:cNvPr>
@@ -13915,8 +16148,8 @@
         </p:nvSpPr>
         <p:spPr>
           <a:xfrm>
-            <a:off x="783012" y="481567"/>
-            <a:ext cx="11017719" cy="5717590"/>
+            <a:off x="949570" y="771873"/>
+            <a:ext cx="10603522" cy="5314253"/>
           </a:xfrm>
           <a:prstGeom prst="rect">
             <a:avLst/>
@@ -13945,36 +16178,11 @@
           <a:bodyPr rtlCol="0" anchor="ctr"/>
           <a:lstStyle/>
           <a:p>
-            <a:pPr marL="0" marR="0" lvl="0" indent="0" algn="ctr" defTabSz="914400" rtl="0" eaLnBrk="1" fontAlgn="auto" latinLnBrk="0" hangingPunct="1">
-              <a:lnSpc>
-                <a:spcPct val="100000"/>
-              </a:lnSpc>
-              <a:spcBef>
-                <a:spcPts val="0"/>
-              </a:spcBef>
-              <a:spcAft>
-                <a:spcPts val="0"/>
-              </a:spcAft>
-              <a:buClrTx/>
-              <a:buSzTx/>
-              <a:buFontTx/>
-              <a:buNone/>
-              <a:tabLst/>
-              <a:defRPr/>
-            </a:pPr>
-            <a:endParaRPr kumimoji="1" lang="ja-JP" altLang="en-US" sz="1800" b="0" i="0" u="none" strike="noStrike" kern="1200" cap="none" spc="0" normalizeH="0" baseline="0" noProof="0">
-              <a:ln>
-                <a:noFill/>
-              </a:ln>
+            <a:pPr algn="ctr"/>
+            <a:endParaRPr kumimoji="1" lang="ja-JP" altLang="en-US">
               <a:solidFill>
-                <a:prstClr val="black"/>
+                <a:srgbClr val="FFCC66"/>
               </a:solidFill>
-              <a:effectLst/>
-              <a:uLnTx/>
-              <a:uFillTx/>
-              <a:latin typeface="游ゴシック" panose="02110004020202020204"/>
-              <a:ea typeface="游ゴシック" panose="020B0400000000000000" pitchFamily="50" charset="-128"/>
-              <a:cs typeface="+mn-cs"/>
             </a:endParaRPr>
           </a:p>
         </p:txBody>
@@ -13984,7 +16192,7 @@
           <p:cNvPr id="15" name="直線コネクタ 14">
             <a:extLst>
               <a:ext uri="{FF2B5EF4-FFF2-40B4-BE49-F238E27FC236}">
-                <a16:creationId xmlns:a16="http://schemas.microsoft.com/office/drawing/2014/main" id="{31BA48D2-E414-3F36-0F69-9266D96BFB28}"/>
+                <a16:creationId xmlns:a16="http://schemas.microsoft.com/office/drawing/2014/main" id="{6BC0A52E-E2C4-AA32-21F1-35C630DCA01E}"/>
               </a:ext>
             </a:extLst>
           </p:cNvPr>
@@ -13994,9 +16202,9 @@
           <p:nvPr/>
         </p:nvCxnSpPr>
         <p:spPr>
-          <a:xfrm flipV="1">
-            <a:off x="1321531" y="3470750"/>
-            <a:ext cx="9940673" cy="19812"/>
+          <a:xfrm>
+            <a:off x="2286047" y="1908149"/>
+            <a:ext cx="8459666" cy="0"/>
           </a:xfrm>
           <a:prstGeom prst="line">
             <a:avLst/>
@@ -14027,7 +16235,7 @@
           <p:cNvPr id="21" name="字幕 2">
             <a:extLst>
               <a:ext uri="{FF2B5EF4-FFF2-40B4-BE49-F238E27FC236}">
-                <a16:creationId xmlns:a16="http://schemas.microsoft.com/office/drawing/2014/main" id="{F5F34EAF-76DE-4523-0F49-F5E9178C2509}"/>
+                <a16:creationId xmlns:a16="http://schemas.microsoft.com/office/drawing/2014/main" id="{3AFA5B3C-2913-FB54-E618-67DE54AE43AC}"/>
               </a:ext>
             </a:extLst>
           </p:cNvPr>
@@ -14038,7 +16246,7 @@
         </p:nvSpPr>
         <p:spPr>
           <a:xfrm>
-            <a:off x="9933459" y="5587355"/>
+            <a:off x="9718966" y="5552608"/>
             <a:ext cx="2053494" cy="378513"/>
           </a:xfrm>
           <a:prstGeom prst="rect">
@@ -14214,67 +16422,36 @@
             </a:lvl9pPr>
           </a:lstStyle>
           <a:p>
-            <a:pPr marL="0" marR="0" lvl="0" indent="0" algn="ctr" defTabSz="914400" rtl="0" eaLnBrk="1" fontAlgn="auto" latinLnBrk="0" hangingPunct="1">
-              <a:lnSpc>
-                <a:spcPct val="90000"/>
-              </a:lnSpc>
-              <a:spcBef>
-                <a:spcPts val="1000"/>
-              </a:spcBef>
-              <a:spcAft>
-                <a:spcPts val="0"/>
-              </a:spcAft>
-              <a:buClrTx/>
-              <a:buSzTx/>
-              <a:buFont typeface="Arial" panose="020B0604020202020204" pitchFamily="34" charset="0"/>
-              <a:buNone/>
-              <a:tabLst/>
-              <a:defRPr/>
-            </a:pPr>
-            <a:r>
-              <a:rPr kumimoji="1" lang="en-US" altLang="ja-JP" sz="1200" b="1" i="0" u="none" strike="noStrike" kern="1200" cap="none" spc="0" normalizeH="0" baseline="0" noProof="0" dirty="0">
-                <a:ln>
-                  <a:noFill/>
-                </a:ln>
-                <a:solidFill>
-                  <a:prstClr val="white">
+            <a:r>
+              <a:rPr lang="en-US" altLang="ja-JP" sz="1200" b="1" dirty="0">
+                <a:solidFill>
+                  <a:schemeClr val="bg1">
                     <a:lumMod val="75000"/>
-                  </a:prstClr>
-                </a:solidFill>
-                <a:effectLst/>
-                <a:uLnTx/>
-                <a:uFillTx/>
+                  </a:schemeClr>
+                </a:solidFill>
                 <a:latin typeface="BIZ UDPゴシック" panose="020B0400000000000000" pitchFamily="50" charset="-128"/>
                 <a:ea typeface="BIZ UDPゴシック" panose="020B0400000000000000" pitchFamily="50" charset="-128"/>
-                <a:cs typeface="+mn-cs"/>
               </a:rPr>
               <a:t>2025.6.30</a:t>
             </a:r>
-            <a:endParaRPr kumimoji="1" lang="ja-JP" altLang="en-US" sz="1200" b="1" i="0" u="none" strike="noStrike" kern="1200" cap="none" spc="0" normalizeH="0" baseline="0" noProof="0" dirty="0">
-              <a:ln>
-                <a:noFill/>
-              </a:ln>
+            <a:endParaRPr lang="ja-JP" altLang="en-US" sz="1200" b="1" dirty="0">
               <a:solidFill>
-                <a:prstClr val="white">
+                <a:schemeClr val="bg1">
                   <a:lumMod val="75000"/>
-                </a:prstClr>
+                </a:schemeClr>
               </a:solidFill>
-              <a:effectLst/>
-              <a:uLnTx/>
-              <a:uFillTx/>
               <a:latin typeface="BIZ UDPゴシック" panose="020B0400000000000000" pitchFamily="50" charset="-128"/>
               <a:ea typeface="BIZ UDPゴシック" panose="020B0400000000000000" pitchFamily="50" charset="-128"/>
-              <a:cs typeface="+mn-cs"/>
             </a:endParaRPr>
           </a:p>
         </p:txBody>
       </p:sp>
       <p:sp>
         <p:nvSpPr>
-          <p:cNvPr id="2" name="タイトル 1">
+          <p:cNvPr id="3" name="タイトル 1">
             <a:extLst>
               <a:ext uri="{FF2B5EF4-FFF2-40B4-BE49-F238E27FC236}">
-                <a16:creationId xmlns:a16="http://schemas.microsoft.com/office/drawing/2014/main" id="{C9062233-4D96-F1F4-681D-E513BB8D41BB}"/>
+                <a16:creationId xmlns:a16="http://schemas.microsoft.com/office/drawing/2014/main" id="{DACE02BA-F100-0BCE-1CD1-2F9CFEC7C737}"/>
               </a:ext>
             </a:extLst>
           </p:cNvPr>
@@ -14285,56 +16462,245 @@
         </p:nvSpPr>
         <p:spPr>
           <a:xfrm>
-            <a:off x="2978989" y="2691515"/>
-            <a:ext cx="6625759" cy="648847"/>
+            <a:off x="5171142" y="981929"/>
+            <a:ext cx="2355273" cy="1009651"/>
           </a:xfrm>
           <a:prstGeom prst="rect">
             <a:avLst/>
           </a:prstGeom>
+          <a:effectLst/>
         </p:spPr>
         <p:txBody>
-          <a:bodyPr vert="horz" lIns="91440" tIns="45720" rIns="91440" bIns="45720" rtlCol="0" anchor="b">
+          <a:bodyPr vert="horz" lIns="91440" tIns="45720" rIns="91440" bIns="45720" rtlCol="0" anchor="ctr">
             <a:normAutofit/>
           </a:bodyPr>
           <a:lstStyle>
-            <a:lvl1pPr algn="ctr" defTabSz="914400" rtl="0" eaLnBrk="1" latinLnBrk="0" hangingPunct="1">
-              <a:lnSpc>
-                <a:spcPct val="90000"/>
-              </a:lnSpc>
+            <a:lvl1pPr algn="ctr" defTabSz="457200" rtl="0" eaLnBrk="1" latinLnBrk="0" hangingPunct="1">
               <a:spcBef>
                 <a:spcPct val="0"/>
               </a:spcBef>
               <a:buNone/>
-              <a:defRPr kumimoji="1" sz="6000" kern="1200">
-                <a:solidFill>
-                  <a:schemeClr val="tx1"/>
-                </a:solidFill>
+              <a:defRPr kumimoji="1" sz="4400" kern="1200" cap="none">
+                <a:ln w="3175" cmpd="sng">
+                  <a:noFill/>
+                </a:ln>
+                <a:solidFill>
+                  <a:schemeClr val="tx1">
+                    <a:lumMod val="85000"/>
+                    <a:lumOff val="15000"/>
+                  </a:schemeClr>
+                </a:solidFill>
+                <a:effectLst/>
                 <a:latin typeface="+mj-lt"/>
                 <a:ea typeface="+mj-ea"/>
                 <a:cs typeface="+mj-cs"/>
               </a:defRPr>
             </a:lvl1pPr>
+            <a:lvl2pPr eaLnBrk="1" hangingPunct="1">
+              <a:defRPr kumimoji="1">
+                <a:solidFill>
+                  <a:schemeClr val="tx2"/>
+                </a:solidFill>
+              </a:defRPr>
+            </a:lvl2pPr>
+            <a:lvl3pPr eaLnBrk="1" hangingPunct="1">
+              <a:defRPr kumimoji="1">
+                <a:solidFill>
+                  <a:schemeClr val="tx2"/>
+                </a:solidFill>
+              </a:defRPr>
+            </a:lvl3pPr>
+            <a:lvl4pPr eaLnBrk="1" hangingPunct="1">
+              <a:defRPr kumimoji="1">
+                <a:solidFill>
+                  <a:schemeClr val="tx2"/>
+                </a:solidFill>
+              </a:defRPr>
+            </a:lvl4pPr>
+            <a:lvl5pPr eaLnBrk="1" hangingPunct="1">
+              <a:defRPr kumimoji="1">
+                <a:solidFill>
+                  <a:schemeClr val="tx2"/>
+                </a:solidFill>
+              </a:defRPr>
+            </a:lvl5pPr>
+            <a:lvl6pPr eaLnBrk="1" hangingPunct="1">
+              <a:defRPr kumimoji="1">
+                <a:solidFill>
+                  <a:schemeClr val="tx2"/>
+                </a:solidFill>
+              </a:defRPr>
+            </a:lvl6pPr>
+            <a:lvl7pPr eaLnBrk="1" hangingPunct="1">
+              <a:defRPr kumimoji="1">
+                <a:solidFill>
+                  <a:schemeClr val="tx2"/>
+                </a:solidFill>
+              </a:defRPr>
+            </a:lvl7pPr>
+            <a:lvl8pPr eaLnBrk="1" hangingPunct="1">
+              <a:defRPr kumimoji="1">
+                <a:solidFill>
+                  <a:schemeClr val="tx2"/>
+                </a:solidFill>
+              </a:defRPr>
+            </a:lvl8pPr>
+            <a:lvl9pPr eaLnBrk="1" hangingPunct="1">
+              <a:defRPr kumimoji="1">
+                <a:solidFill>
+                  <a:schemeClr val="tx2"/>
+                </a:solidFill>
+              </a:defRPr>
+            </a:lvl9pPr>
           </a:lstStyle>
           <a:p>
-            <a:r>
-              <a:rPr lang="ja-JP" altLang="en-US" sz="3200" b="1" dirty="0">
-                <a:solidFill>
-                  <a:schemeClr val="bg2">
-                    <a:lumMod val="25000"/>
-                  </a:schemeClr>
-                </a:solidFill>
+            <a:pPr marL="0" marR="0" lvl="0" indent="0" algn="ctr" defTabSz="457200" rtl="0" eaLnBrk="1" fontAlgn="auto" latinLnBrk="0" hangingPunct="1">
+              <a:lnSpc>
+                <a:spcPct val="100000"/>
+              </a:lnSpc>
+              <a:spcBef>
+                <a:spcPct val="0"/>
+              </a:spcBef>
+              <a:spcAft>
+                <a:spcPts val="0"/>
+              </a:spcAft>
+              <a:buClrTx/>
+              <a:buSzTx/>
+              <a:buFontTx/>
+              <a:buNone/>
+              <a:tabLst/>
+              <a:defRPr/>
+            </a:pPr>
+            <a:r>
+              <a:rPr lang="ja-JP" altLang="en-US" sz="4000" b="1" dirty="0">
+                <a:ln w="0"/>
+                <a:solidFill>
+                  <a:srgbClr val="FF9966"/>
+                </a:solidFill>
+                <a:effectLst>
+                  <a:outerShdw blurRad="38100" dist="19050" dir="2700000" algn="tl" rotWithShape="0">
+                    <a:schemeClr val="dk1">
+                      <a:alpha val="40000"/>
+                    </a:schemeClr>
+                  </a:outerShdw>
+                </a:effectLst>
                 <a:latin typeface="BIZ UDPゴシック" panose="020B0400000000000000" pitchFamily="50" charset="-128"/>
                 <a:ea typeface="BIZ UDPゴシック" panose="020B0400000000000000" pitchFamily="50" charset="-128"/>
               </a:rPr>
-              <a:t>＊ご清聴ありがとうございました＊</a:t>
-            </a:r>
+              <a:t>効果</a:t>
+            </a:r>
+            <a:endParaRPr kumimoji="1" lang="ja-JP" altLang="en-US" sz="4000" b="1" i="0" u="none" strike="noStrike" kern="1200" normalizeH="0" baseline="0" noProof="0" dirty="0">
+              <a:ln w="0"/>
+              <a:solidFill>
+                <a:srgbClr val="FF9966"/>
+              </a:solidFill>
+              <a:effectLst>
+                <a:outerShdw blurRad="38100" dist="19050" dir="2700000" algn="tl" rotWithShape="0">
+                  <a:schemeClr val="dk1">
+                    <a:alpha val="40000"/>
+                  </a:schemeClr>
+                </a:outerShdw>
+              </a:effectLst>
+              <a:uLnTx/>
+              <a:uFillTx/>
+              <a:latin typeface="BIZ UDPゴシック" panose="020B0400000000000000" pitchFamily="50" charset="-128"/>
+              <a:ea typeface="BIZ UDPゴシック" panose="020B0400000000000000" pitchFamily="50" charset="-128"/>
+              <a:cs typeface="+mj-cs"/>
+            </a:endParaRPr>
+          </a:p>
+        </p:txBody>
+      </p:sp>
+      <p:sp>
+        <p:nvSpPr>
+          <p:cNvPr id="2" name="テキスト ボックス 1">
+            <a:extLst>
+              <a:ext uri="{FF2B5EF4-FFF2-40B4-BE49-F238E27FC236}">
+                <a16:creationId xmlns:a16="http://schemas.microsoft.com/office/drawing/2014/main" id="{4563EE49-4068-24F5-1118-427EB011BBA2}"/>
+              </a:ext>
+            </a:extLst>
+          </p:cNvPr>
+          <p:cNvSpPr txBox="1"/>
+          <p:nvPr/>
+        </p:nvSpPr>
+        <p:spPr>
+          <a:xfrm>
+            <a:off x="2044792" y="1931856"/>
+            <a:ext cx="8607972" cy="2031325"/>
+          </a:xfrm>
+          <a:prstGeom prst="rect">
+            <a:avLst/>
+          </a:prstGeom>
+          <a:noFill/>
+        </p:spPr>
+        <p:txBody>
+          <a:bodyPr wrap="square" rtlCol="0">
+            <a:spAutoFit/>
+          </a:bodyPr>
+          <a:lstStyle/>
+          <a:p>
+            <a:r>
+              <a:rPr kumimoji="1" lang="ja-JP" altLang="en-US" dirty="0"/>
+              <a:t>定量的効果</a:t>
+            </a:r>
+            <a:endParaRPr kumimoji="1" lang="en-US" altLang="ja-JP" dirty="0"/>
+          </a:p>
+          <a:p>
+            <a:endParaRPr lang="en-US" altLang="ja-JP" dirty="0"/>
+          </a:p>
+          <a:p>
+            <a:r>
+              <a:rPr kumimoji="1" lang="ja-JP" altLang="en-US" dirty="0"/>
+              <a:t>従来では、営業時間中にシフトを組むことすらできず帰宅時間が営業終了</a:t>
+            </a:r>
+            <a:r>
+              <a:rPr lang="en-US" altLang="ja-JP" dirty="0"/>
+              <a:t>2</a:t>
+            </a:r>
+            <a:r>
+              <a:rPr kumimoji="1" lang="ja-JP" altLang="en-US" dirty="0"/>
+              <a:t>時間後だったが、このアプリの導入により</a:t>
+            </a:r>
+            <a:r>
+              <a:rPr kumimoji="1" lang="en-US" altLang="ja-JP" dirty="0"/>
+              <a:t>5</a:t>
+            </a:r>
+            <a:r>
+              <a:rPr kumimoji="1" lang="ja-JP" altLang="en-US" dirty="0"/>
+              <a:t>秒でできるようになりました。</a:t>
+            </a:r>
+            <a:endParaRPr kumimoji="1" lang="en-US" altLang="ja-JP" dirty="0"/>
+          </a:p>
+          <a:p>
+            <a:r>
+              <a:rPr kumimoji="1" lang="ja-JP" altLang="en-US" dirty="0"/>
+              <a:t>（</a:t>
+            </a:r>
+            <a:r>
+              <a:rPr kumimoji="1" lang="en-US" altLang="ja-JP" dirty="0"/>
+              <a:t>99</a:t>
+            </a:r>
+            <a:r>
+              <a:rPr kumimoji="1" lang="ja-JP" altLang="en-US" dirty="0"/>
+              <a:t>％以上</a:t>
+            </a:r>
+            <a:r>
+              <a:rPr kumimoji="1" lang="ja-JP" altLang="en-US"/>
+              <a:t>の業務効率改善効果）</a:t>
+            </a:r>
+            <a:endParaRPr kumimoji="1" lang="en-US" altLang="ja-JP" dirty="0"/>
+          </a:p>
+          <a:p>
+            <a:endParaRPr kumimoji="1" lang="en-US" altLang="ja-JP" dirty="0"/>
+          </a:p>
+          <a:p>
+            <a:endParaRPr kumimoji="1" lang="ja-JP" altLang="en-US" dirty="0"/>
           </a:p>
         </p:txBody>
       </p:sp>
     </p:spTree>
     <p:extLst>
       <p:ext uri="{BB962C8B-B14F-4D97-AF65-F5344CB8AC3E}">
-        <p14:creationId xmlns:p14="http://schemas.microsoft.com/office/powerpoint/2010/main" val="1038582364"/>
+        <p14:creationId xmlns:p14="http://schemas.microsoft.com/office/powerpoint/2010/main" val="1022684212"/>
       </p:ext>
     </p:extLst>
   </p:cSld>

--- a/documents/発表準備/成果発表会　案②.pptx
+++ b/documents/発表準備/成果発表会　案②.pptx
@@ -5,7 +5,7 @@
     <p:sldMasterId id="2147483648" r:id="rId1"/>
   </p:sldMasterIdLst>
   <p:notesMasterIdLst>
-    <p:notesMasterId r:id="rId14"/>
+    <p:notesMasterId r:id="rId17"/>
   </p:notesMasterIdLst>
   <p:sldIdLst>
     <p:sldId id="256" r:id="rId2"/>
@@ -17,9 +17,12 @@
     <p:sldId id="260" r:id="rId8"/>
     <p:sldId id="259" r:id="rId9"/>
     <p:sldId id="266" r:id="rId10"/>
-    <p:sldId id="261" r:id="rId11"/>
-    <p:sldId id="262" r:id="rId12"/>
-    <p:sldId id="263" r:id="rId13"/>
+    <p:sldId id="270" r:id="rId11"/>
+    <p:sldId id="271" r:id="rId12"/>
+    <p:sldId id="272" r:id="rId13"/>
+    <p:sldId id="261" r:id="rId14"/>
+    <p:sldId id="262" r:id="rId15"/>
+    <p:sldId id="263" r:id="rId16"/>
   </p:sldIdLst>
   <p:sldSz cx="12192000" cy="6858000"/>
   <p:notesSz cx="6858000" cy="9144000"/>
@@ -1088,170 +1091,7 @@
           <a:bodyPr/>
           <a:lstStyle/>
           <a:p>
-            <a:r>
-              <a:rPr kumimoji="1" lang="ja-JP" altLang="en-US" b="1" dirty="0"/>
-              <a:t>担当：二上</a:t>
-            </a:r>
-            <a:endParaRPr kumimoji="1" lang="en-US" altLang="ja-JP" b="1" dirty="0"/>
-          </a:p>
-          <a:p>
-            <a:endParaRPr kumimoji="1" lang="en-US" altLang="ja-JP" b="1" dirty="0"/>
-          </a:p>
-          <a:p>
-            <a:r>
-              <a:rPr kumimoji="1" lang="ja-JP" altLang="en-US" b="1" dirty="0"/>
-              <a:t>・アドリブを入れる</a:t>
-            </a:r>
-            <a:endParaRPr kumimoji="1" lang="en-US" altLang="ja-JP" b="1" dirty="0"/>
-          </a:p>
-          <a:p>
-            <a:endParaRPr kumimoji="1" lang="en-US" altLang="ja-JP" b="1" dirty="0"/>
-          </a:p>
-          <a:p>
-            <a:r>
-              <a:rPr kumimoji="1" lang="ja-JP" altLang="en-US" b="1" dirty="0"/>
-              <a:t>・要件定義が一番きつかった。案は出るけど、データの問題などで次に進めなかった。見落としが多い。例）ログアウトができない、文字の打ちミス</a:t>
-            </a:r>
-            <a:endParaRPr kumimoji="1" lang="en-US" altLang="ja-JP" b="1" dirty="0"/>
-          </a:p>
-          <a:p>
-            <a:endParaRPr kumimoji="1" lang="en-US" altLang="ja-JP" b="1" dirty="0"/>
-          </a:p>
-          <a:p>
-            <a:r>
-              <a:rPr kumimoji="1" lang="ja-JP" altLang="en-US" b="1" dirty="0"/>
-              <a:t>・要件定義は頭も使い、疲労度が高かった。</a:t>
-            </a:r>
-            <a:endParaRPr kumimoji="1" lang="en-US" altLang="ja-JP" b="1" dirty="0"/>
-          </a:p>
-          <a:p>
-            <a:endParaRPr kumimoji="1" lang="en-US" altLang="ja-JP" b="1" dirty="0"/>
-          </a:p>
-          <a:p>
-            <a:r>
-              <a:rPr kumimoji="1" lang="ja-JP" altLang="en-US" b="1" dirty="0"/>
-              <a:t>・プログラミングの苦労は全員。得意不得意、やりたいことをイメージできても、それをコードにすることができない。</a:t>
-            </a:r>
-            <a:endParaRPr kumimoji="1" lang="en-US" altLang="ja-JP" b="1" dirty="0"/>
-          </a:p>
-          <a:p>
-            <a:endParaRPr kumimoji="1" lang="en-US" altLang="ja-JP" b="1" dirty="0"/>
-          </a:p>
-          <a:p>
-            <a:r>
-              <a:rPr kumimoji="1" lang="ja-JP" altLang="en-US" b="1" dirty="0"/>
-              <a:t>・作業時間や期限の短さ、人の少なさ、作業の遅れ</a:t>
-            </a:r>
-            <a:endParaRPr kumimoji="1" lang="en-US" altLang="ja-JP" b="1" dirty="0"/>
-          </a:p>
-          <a:p>
-            <a:endParaRPr kumimoji="1" lang="en-US" altLang="ja-JP" b="1" dirty="0"/>
-          </a:p>
-          <a:p>
-            <a:r>
-              <a:rPr kumimoji="1" lang="ja-JP" altLang="en-US" b="1" dirty="0"/>
-              <a:t>・認識のずれ</a:t>
-            </a:r>
-            <a:endParaRPr kumimoji="1" lang="en-US" altLang="ja-JP" b="1" dirty="0"/>
-          </a:p>
-          <a:p>
-            <a:r>
-              <a:rPr kumimoji="1" lang="ja-JP" altLang="en-US" sz="1200" b="1" kern="1200" dirty="0">
-                <a:solidFill>
-                  <a:schemeClr val="tx1"/>
-                </a:solidFill>
-                <a:effectLst/>
-                <a:latin typeface="+mn-lt"/>
-                <a:ea typeface="+mn-ea"/>
-                <a:cs typeface="+mn-cs"/>
-              </a:rPr>
-              <a:t>　　</a:t>
-            </a:r>
-            <a:r>
-              <a:rPr kumimoji="1" lang="en-US" altLang="ja-JP" sz="1200" kern="1200" dirty="0">
-                <a:solidFill>
-                  <a:schemeClr val="tx1"/>
-                </a:solidFill>
-                <a:effectLst/>
-                <a:latin typeface="+mn-lt"/>
-                <a:ea typeface="+mn-ea"/>
-                <a:cs typeface="+mn-cs"/>
-              </a:rPr>
-              <a:t>‐</a:t>
-            </a:r>
-            <a:r>
-              <a:rPr kumimoji="1" lang="ja-JP" altLang="ja-JP" sz="1200" kern="1200" dirty="0">
-                <a:solidFill>
-                  <a:schemeClr val="tx1"/>
-                </a:solidFill>
-                <a:effectLst/>
-                <a:latin typeface="+mn-lt"/>
-                <a:ea typeface="+mn-ea"/>
-                <a:cs typeface="+mn-cs"/>
-              </a:rPr>
-              <a:t>店長ログイン画面のイメージのずれ</a:t>
-            </a:r>
-          </a:p>
-          <a:p>
-            <a:r>
-              <a:rPr kumimoji="1" lang="ja-JP" altLang="en-US" sz="1200" kern="1200" dirty="0">
-                <a:solidFill>
-                  <a:schemeClr val="tx1"/>
-                </a:solidFill>
-                <a:effectLst/>
-                <a:latin typeface="+mn-lt"/>
-                <a:ea typeface="+mn-ea"/>
-                <a:cs typeface="+mn-cs"/>
-              </a:rPr>
-              <a:t>　　　</a:t>
-            </a:r>
-            <a:r>
-              <a:rPr kumimoji="1" lang="ja-JP" altLang="ja-JP" sz="1200" kern="1200" dirty="0">
-                <a:solidFill>
-                  <a:schemeClr val="tx1"/>
-                </a:solidFill>
-                <a:effectLst/>
-                <a:latin typeface="+mn-lt"/>
-                <a:ea typeface="+mn-ea"/>
-                <a:cs typeface="+mn-cs"/>
-              </a:rPr>
-              <a:t>１．店長がログインし、その後の画面で店員を追加する。</a:t>
-            </a:r>
-          </a:p>
-          <a:p>
-            <a:r>
-              <a:rPr kumimoji="1" lang="ja-JP" altLang="en-US" sz="1200" kern="1200" dirty="0">
-                <a:solidFill>
-                  <a:schemeClr val="tx1"/>
-                </a:solidFill>
-                <a:effectLst/>
-                <a:latin typeface="+mn-lt"/>
-                <a:ea typeface="+mn-ea"/>
-                <a:cs typeface="+mn-cs"/>
-              </a:rPr>
-              <a:t>　　　</a:t>
-            </a:r>
-            <a:r>
-              <a:rPr kumimoji="1" lang="ja-JP" altLang="ja-JP" sz="1200" kern="1200" dirty="0">
-                <a:solidFill>
-                  <a:schemeClr val="tx1"/>
-                </a:solidFill>
-                <a:effectLst/>
-                <a:latin typeface="+mn-lt"/>
-                <a:ea typeface="+mn-ea"/>
-                <a:cs typeface="+mn-cs"/>
-              </a:rPr>
-              <a:t>２．まず店長でログインし、その後同じ画面にもどって店員を同じように追加する。</a:t>
-            </a:r>
-          </a:p>
-          <a:p>
-            <a:endParaRPr kumimoji="1" lang="en-US" altLang="ja-JP" b="1" dirty="0"/>
-          </a:p>
-          <a:p>
-            <a:endParaRPr kumimoji="1" lang="en-US" altLang="ja-JP" b="1" dirty="0"/>
-          </a:p>
-          <a:p>
-            <a:endParaRPr kumimoji="1" lang="ja-JP" altLang="en-US" b="1" dirty="0"/>
+            <a:endParaRPr kumimoji="1" lang="ja-JP" altLang="en-US" dirty="0"/>
           </a:p>
         </p:txBody>
       </p:sp>
@@ -1272,7 +1112,7 @@
           <a:p>
             <a:fld id="{C91693B1-9BFD-4732-A9AA-E516087F4AB6}" type="slidenum">
               <a:rPr kumimoji="1" lang="ja-JP" altLang="en-US" smtClean="0"/>
-              <a:t>10</a:t>
+              <a:t>11</a:t>
             </a:fld>
             <a:endParaRPr kumimoji="1" lang="ja-JP" altLang="en-US"/>
           </a:p>
@@ -1281,7 +1121,7 @@
     </p:spTree>
     <p:extLst>
       <p:ext uri="{BB962C8B-B14F-4D97-AF65-F5344CB8AC3E}">
-        <p14:creationId xmlns:p14="http://schemas.microsoft.com/office/powerpoint/2010/main" val="2974780081"/>
+        <p14:creationId xmlns:p14="http://schemas.microsoft.com/office/powerpoint/2010/main" val="1131055834"/>
       </p:ext>
     </p:extLst>
   </p:cSld>
@@ -1337,7 +1177,7 @@
           <a:p>
             <a:r>
               <a:rPr kumimoji="1" lang="ja-JP" altLang="en-US" b="1" dirty="0"/>
-              <a:t>担当：青木</a:t>
+              <a:t>担当：二上</a:t>
             </a:r>
             <a:endParaRPr kumimoji="1" lang="en-US" altLang="ja-JP" b="1" dirty="0"/>
           </a:p>
@@ -1347,14 +1187,17 @@
           <a:p>
             <a:r>
               <a:rPr kumimoji="1" lang="ja-JP" altLang="en-US" b="1" dirty="0"/>
-              <a:t>・進捗状況の数字での見える化　自分自身や周囲の進捗状況が把握できるため、目標も立てやすい。　</a:t>
+              <a:t>・アドリブを入れる</a:t>
             </a:r>
             <a:endParaRPr kumimoji="1" lang="en-US" altLang="ja-JP" b="1" dirty="0"/>
           </a:p>
           <a:p>
+            <a:endParaRPr kumimoji="1" lang="en-US" altLang="ja-JP" b="1" dirty="0"/>
+          </a:p>
+          <a:p>
             <a:r>
               <a:rPr kumimoji="1" lang="ja-JP" altLang="en-US" b="1" dirty="0"/>
-              <a:t>　定期的な話し合いによって、個々人の現状を周囲が把握できる。誰が助けが必要かどうかにつながる。</a:t>
+              <a:t>・要件定義が一番きつかった。案は出るけど、データの問題などで次に進めなかった。見落としが多い。例）ログアウトができない、文字の打ちミス</a:t>
             </a:r>
             <a:endParaRPr kumimoji="1" lang="en-US" altLang="ja-JP" b="1" dirty="0"/>
           </a:p>
@@ -1364,7 +1207,7 @@
           <a:p>
             <a:r>
               <a:rPr kumimoji="1" lang="ja-JP" altLang="en-US" b="1" dirty="0"/>
-              <a:t>・報告・連絡・相談の大切さ　</a:t>
+              <a:t>・要件定義は頭も使い、疲労度が高かった。</a:t>
             </a:r>
             <a:endParaRPr kumimoji="1" lang="en-US" altLang="ja-JP" b="1" dirty="0"/>
           </a:p>
@@ -1374,16 +1217,128 @@
           <a:p>
             <a:r>
               <a:rPr kumimoji="1" lang="ja-JP" altLang="en-US" b="1" dirty="0"/>
-              <a:t>・役割分担の重要性　適材適所を考える。</a:t>
-            </a:r>
-            <a:r>
-              <a:rPr kumimoji="1" lang="en-US" altLang="ja-JP" b="1" dirty="0"/>
-              <a:t>1</a:t>
-            </a:r>
+              <a:t>・プログラミングの苦労は全員。得意不得意、やりたいことをイメージできても、それをコードにすることができない。</a:t>
+            </a:r>
+            <a:endParaRPr kumimoji="1" lang="en-US" altLang="ja-JP" b="1" dirty="0"/>
+          </a:p>
+          <a:p>
+            <a:endParaRPr kumimoji="1" lang="en-US" altLang="ja-JP" b="1" dirty="0"/>
+          </a:p>
+          <a:p>
             <a:r>
               <a:rPr kumimoji="1" lang="ja-JP" altLang="en-US" b="1" dirty="0"/>
-              <a:t>人に仕事を与えすぎない。程よい役割の分散　</a:t>
-            </a:r>
+              <a:t>・作業時間や期限の短さ、人の少なさ、作業の遅れ</a:t>
+            </a:r>
+            <a:endParaRPr kumimoji="1" lang="en-US" altLang="ja-JP" b="1" dirty="0"/>
+          </a:p>
+          <a:p>
+            <a:endParaRPr kumimoji="1" lang="en-US" altLang="ja-JP" b="1" dirty="0"/>
+          </a:p>
+          <a:p>
+            <a:r>
+              <a:rPr kumimoji="1" lang="ja-JP" altLang="en-US" b="1" dirty="0"/>
+              <a:t>・認識のずれ</a:t>
+            </a:r>
+            <a:endParaRPr kumimoji="1" lang="en-US" altLang="ja-JP" b="1" dirty="0"/>
+          </a:p>
+          <a:p>
+            <a:r>
+              <a:rPr kumimoji="1" lang="ja-JP" altLang="en-US" sz="1200" b="1" kern="1200" dirty="0">
+                <a:solidFill>
+                  <a:schemeClr val="tx1"/>
+                </a:solidFill>
+                <a:effectLst/>
+                <a:latin typeface="+mn-lt"/>
+                <a:ea typeface="+mn-ea"/>
+                <a:cs typeface="+mn-cs"/>
+              </a:rPr>
+              <a:t>　　</a:t>
+            </a:r>
+            <a:r>
+              <a:rPr kumimoji="1" lang="en-US" altLang="ja-JP" sz="1200" kern="1200" dirty="0">
+                <a:solidFill>
+                  <a:schemeClr val="tx1"/>
+                </a:solidFill>
+                <a:effectLst/>
+                <a:latin typeface="+mn-lt"/>
+                <a:ea typeface="+mn-ea"/>
+                <a:cs typeface="+mn-cs"/>
+              </a:rPr>
+              <a:t>‐</a:t>
+            </a:r>
+            <a:r>
+              <a:rPr kumimoji="1" lang="ja-JP" altLang="ja-JP" sz="1200" kern="1200" dirty="0">
+                <a:solidFill>
+                  <a:schemeClr val="tx1"/>
+                </a:solidFill>
+                <a:effectLst/>
+                <a:latin typeface="+mn-lt"/>
+                <a:ea typeface="+mn-ea"/>
+                <a:cs typeface="+mn-cs"/>
+              </a:rPr>
+              <a:t>店長ログイン画面のイメージのずれ</a:t>
+            </a:r>
+          </a:p>
+          <a:p>
+            <a:r>
+              <a:rPr kumimoji="1" lang="ja-JP" altLang="en-US" sz="1200" kern="1200" dirty="0">
+                <a:solidFill>
+                  <a:schemeClr val="tx1"/>
+                </a:solidFill>
+                <a:effectLst/>
+                <a:latin typeface="+mn-lt"/>
+                <a:ea typeface="+mn-ea"/>
+                <a:cs typeface="+mn-cs"/>
+              </a:rPr>
+              <a:t>　　　</a:t>
+            </a:r>
+            <a:r>
+              <a:rPr kumimoji="1" lang="ja-JP" altLang="ja-JP" sz="1200" kern="1200" dirty="0">
+                <a:solidFill>
+                  <a:schemeClr val="tx1"/>
+                </a:solidFill>
+                <a:effectLst/>
+                <a:latin typeface="+mn-lt"/>
+                <a:ea typeface="+mn-ea"/>
+                <a:cs typeface="+mn-cs"/>
+              </a:rPr>
+              <a:t>１．店長がログインし、その後の画面で店員を追加する。</a:t>
+            </a:r>
+          </a:p>
+          <a:p>
+            <a:r>
+              <a:rPr kumimoji="1" lang="ja-JP" altLang="en-US" sz="1200" kern="1200" dirty="0">
+                <a:solidFill>
+                  <a:schemeClr val="tx1"/>
+                </a:solidFill>
+                <a:effectLst/>
+                <a:latin typeface="+mn-lt"/>
+                <a:ea typeface="+mn-ea"/>
+                <a:cs typeface="+mn-cs"/>
+              </a:rPr>
+              <a:t>　　　</a:t>
+            </a:r>
+            <a:r>
+              <a:rPr kumimoji="1" lang="ja-JP" altLang="ja-JP" sz="1200" kern="1200" dirty="0">
+                <a:solidFill>
+                  <a:schemeClr val="tx1"/>
+                </a:solidFill>
+                <a:effectLst/>
+                <a:latin typeface="+mn-lt"/>
+                <a:ea typeface="+mn-ea"/>
+                <a:cs typeface="+mn-cs"/>
+              </a:rPr>
+              <a:t>２．まず店長でログインし、その後同じ画面にもどって店員を同じように追加する。</a:t>
+            </a:r>
+          </a:p>
+          <a:p>
+            <a:endParaRPr kumimoji="1" lang="en-US" altLang="ja-JP" b="1" dirty="0"/>
+          </a:p>
+          <a:p>
+            <a:endParaRPr kumimoji="1" lang="en-US" altLang="ja-JP" b="1" dirty="0"/>
+          </a:p>
+          <a:p>
+            <a:endParaRPr kumimoji="1" lang="ja-JP" altLang="en-US" b="1" dirty="0"/>
           </a:p>
         </p:txBody>
       </p:sp>
@@ -1404,7 +1359,139 @@
           <a:p>
             <a:fld id="{C91693B1-9BFD-4732-A9AA-E516087F4AB6}" type="slidenum">
               <a:rPr kumimoji="1" lang="ja-JP" altLang="en-US" smtClean="0"/>
-              <a:t>11</a:t>
+              <a:t>13</a:t>
+            </a:fld>
+            <a:endParaRPr kumimoji="1" lang="ja-JP" altLang="en-US"/>
+          </a:p>
+        </p:txBody>
+      </p:sp>
+    </p:spTree>
+    <p:extLst>
+      <p:ext uri="{BB962C8B-B14F-4D97-AF65-F5344CB8AC3E}">
+        <p14:creationId xmlns:p14="http://schemas.microsoft.com/office/powerpoint/2010/main" val="2974780081"/>
+      </p:ext>
+    </p:extLst>
+  </p:cSld>
+  <p:clrMapOvr>
+    <a:masterClrMapping/>
+  </p:clrMapOvr>
+</p:notes>
+</file>
+
+<file path=ppt/notesSlides/notesSlide7.xml><?xml version="1.0" encoding="utf-8"?>
+<p:notes xmlns:a="http://schemas.openxmlformats.org/drawingml/2006/main" xmlns:r="http://schemas.openxmlformats.org/officeDocument/2006/relationships" xmlns:p="http://schemas.openxmlformats.org/presentationml/2006/main">
+  <p:cSld>
+    <p:spTree>
+      <p:nvGrpSpPr>
+        <p:cNvPr id="1" name=""/>
+        <p:cNvGrpSpPr/>
+        <p:nvPr/>
+      </p:nvGrpSpPr>
+      <p:grpSpPr>
+        <a:xfrm>
+          <a:off x="0" y="0"/>
+          <a:ext cx="0" cy="0"/>
+          <a:chOff x="0" y="0"/>
+          <a:chExt cx="0" cy="0"/>
+        </a:xfrm>
+      </p:grpSpPr>
+      <p:sp>
+        <p:nvSpPr>
+          <p:cNvPr id="2" name="スライド イメージ プレースホルダー 1"/>
+          <p:cNvSpPr>
+            <a:spLocks noGrp="1" noRot="1" noChangeAspect="1"/>
+          </p:cNvSpPr>
+          <p:nvPr>
+            <p:ph type="sldImg"/>
+          </p:nvPr>
+        </p:nvSpPr>
+        <p:spPr/>
+      </p:sp>
+      <p:sp>
+        <p:nvSpPr>
+          <p:cNvPr id="3" name="ノート プレースホルダー 2"/>
+          <p:cNvSpPr>
+            <a:spLocks noGrp="1"/>
+          </p:cNvSpPr>
+          <p:nvPr>
+            <p:ph type="body" idx="1"/>
+          </p:nvPr>
+        </p:nvSpPr>
+        <p:spPr/>
+        <p:txBody>
+          <a:bodyPr/>
+          <a:lstStyle/>
+          <a:p>
+            <a:r>
+              <a:rPr kumimoji="1" lang="ja-JP" altLang="en-US" b="1" dirty="0"/>
+              <a:t>担当：青木</a:t>
+            </a:r>
+            <a:endParaRPr kumimoji="1" lang="en-US" altLang="ja-JP" b="1" dirty="0"/>
+          </a:p>
+          <a:p>
+            <a:endParaRPr kumimoji="1" lang="en-US" altLang="ja-JP" b="1" dirty="0"/>
+          </a:p>
+          <a:p>
+            <a:r>
+              <a:rPr kumimoji="1" lang="ja-JP" altLang="en-US" b="1" dirty="0"/>
+              <a:t>・進捗状況の数字での見える化　自分自身や周囲の進捗状況が把握できるため、目標も立てやすい。　</a:t>
+            </a:r>
+            <a:endParaRPr kumimoji="1" lang="en-US" altLang="ja-JP" b="1" dirty="0"/>
+          </a:p>
+          <a:p>
+            <a:r>
+              <a:rPr kumimoji="1" lang="ja-JP" altLang="en-US" b="1" dirty="0"/>
+              <a:t>　定期的な話し合いによって、個々人の現状を周囲が把握できる。誰が助けが必要かどうかにつながる。</a:t>
+            </a:r>
+            <a:endParaRPr kumimoji="1" lang="en-US" altLang="ja-JP" b="1" dirty="0"/>
+          </a:p>
+          <a:p>
+            <a:endParaRPr kumimoji="1" lang="en-US" altLang="ja-JP" b="1" dirty="0"/>
+          </a:p>
+          <a:p>
+            <a:r>
+              <a:rPr kumimoji="1" lang="ja-JP" altLang="en-US" b="1" dirty="0"/>
+              <a:t>・報告・連絡・相談の大切さ　</a:t>
+            </a:r>
+            <a:endParaRPr kumimoji="1" lang="en-US" altLang="ja-JP" b="1" dirty="0"/>
+          </a:p>
+          <a:p>
+            <a:endParaRPr kumimoji="1" lang="en-US" altLang="ja-JP" b="1" dirty="0"/>
+          </a:p>
+          <a:p>
+            <a:r>
+              <a:rPr kumimoji="1" lang="ja-JP" altLang="en-US" b="1" dirty="0"/>
+              <a:t>・役割分担の重要性　適材適所を考える。</a:t>
+            </a:r>
+            <a:r>
+              <a:rPr kumimoji="1" lang="en-US" altLang="ja-JP" b="1" dirty="0"/>
+              <a:t>1</a:t>
+            </a:r>
+            <a:r>
+              <a:rPr kumimoji="1" lang="ja-JP" altLang="en-US" b="1" dirty="0"/>
+              <a:t>人に仕事を与えすぎない。程よい役割の分散　</a:t>
+            </a:r>
+          </a:p>
+        </p:txBody>
+      </p:sp>
+      <p:sp>
+        <p:nvSpPr>
+          <p:cNvPr id="4" name="スライド番号プレースホルダー 3"/>
+          <p:cNvSpPr>
+            <a:spLocks noGrp="1"/>
+          </p:cNvSpPr>
+          <p:nvPr>
+            <p:ph type="sldNum" sz="quarter" idx="5"/>
+          </p:nvPr>
+        </p:nvSpPr>
+        <p:spPr/>
+        <p:txBody>
+          <a:bodyPr/>
+          <a:lstStyle/>
+          <a:p>
+            <a:fld id="{C91693B1-9BFD-4732-A9AA-E516087F4AB6}" type="slidenum">
+              <a:rPr kumimoji="1" lang="ja-JP" altLang="en-US" smtClean="0"/>
+              <a:t>14</a:t>
             </a:fld>
             <a:endParaRPr kumimoji="1" lang="ja-JP" altLang="en-US"/>
           </a:p>
@@ -5747,6 +5834,2173 @@
         <p:cNvPr id="1" name="">
           <a:extLst>
             <a:ext uri="{FF2B5EF4-FFF2-40B4-BE49-F238E27FC236}">
+              <a16:creationId xmlns:a16="http://schemas.microsoft.com/office/drawing/2014/main" id="{BA721644-9143-9CAA-4266-D5723C89C726}"/>
+            </a:ext>
+          </a:extLst>
+        </p:cNvPr>
+        <p:cNvGrpSpPr/>
+        <p:nvPr/>
+      </p:nvGrpSpPr>
+      <p:grpSpPr>
+        <a:xfrm>
+          <a:off x="0" y="0"/>
+          <a:ext cx="0" cy="0"/>
+          <a:chOff x="0" y="0"/>
+          <a:chExt cx="0" cy="0"/>
+        </a:xfrm>
+      </p:grpSpPr>
+      <p:pic>
+        <p:nvPicPr>
+          <p:cNvPr id="11" name="図 10" descr="背景パターン&#10;&#10;AI 生成コンテンツは誤りを含む可能性があります。">
+            <a:extLst>
+              <a:ext uri="{FF2B5EF4-FFF2-40B4-BE49-F238E27FC236}">
+                <a16:creationId xmlns:a16="http://schemas.microsoft.com/office/drawing/2014/main" id="{55839619-6BB9-822E-48DD-220A26E7F98B}"/>
+              </a:ext>
+            </a:extLst>
+          </p:cNvPr>
+          <p:cNvPicPr>
+            <a:picLocks noChangeAspect="1"/>
+          </p:cNvPicPr>
+          <p:nvPr/>
+        </p:nvPicPr>
+        <p:blipFill>
+          <a:blip r:embed="rId2">
+            <a:extLst>
+              <a:ext uri="{28A0092B-C50C-407E-A947-70E740481C1C}">
+                <a14:useLocalDpi xmlns:a14="http://schemas.microsoft.com/office/drawing/2010/main" val="0"/>
+              </a:ext>
+            </a:extLst>
+          </a:blip>
+          <a:stretch>
+            <a:fillRect/>
+          </a:stretch>
+        </p:blipFill>
+        <p:spPr>
+          <a:xfrm>
+            <a:off x="0" y="0"/>
+            <a:ext cx="12192000" cy="6858000"/>
+          </a:xfrm>
+          <a:prstGeom prst="rect">
+            <a:avLst/>
+          </a:prstGeom>
+        </p:spPr>
+      </p:pic>
+      <p:sp>
+        <p:nvSpPr>
+          <p:cNvPr id="12" name="正方形/長方形 11">
+            <a:extLst>
+              <a:ext uri="{FF2B5EF4-FFF2-40B4-BE49-F238E27FC236}">
+                <a16:creationId xmlns:a16="http://schemas.microsoft.com/office/drawing/2014/main" id="{074FF523-FBE3-6DA3-BB1B-031610DD9A6C}"/>
+              </a:ext>
+            </a:extLst>
+          </p:cNvPr>
+          <p:cNvSpPr/>
+          <p:nvPr/>
+        </p:nvSpPr>
+        <p:spPr>
+          <a:xfrm>
+            <a:off x="949570" y="771873"/>
+            <a:ext cx="10603522" cy="5314253"/>
+          </a:xfrm>
+          <a:prstGeom prst="rect">
+            <a:avLst/>
+          </a:prstGeom>
+          <a:ln>
+            <a:solidFill>
+              <a:srgbClr val="FFCC99"/>
+            </a:solidFill>
+          </a:ln>
+        </p:spPr>
+        <p:style>
+          <a:lnRef idx="2">
+            <a:schemeClr val="accent6"/>
+          </a:lnRef>
+          <a:fillRef idx="1">
+            <a:schemeClr val="lt1"/>
+          </a:fillRef>
+          <a:effectRef idx="0">
+            <a:schemeClr val="accent6"/>
+          </a:effectRef>
+          <a:fontRef idx="minor">
+            <a:schemeClr val="dk1"/>
+          </a:fontRef>
+        </p:style>
+        <p:txBody>
+          <a:bodyPr rtlCol="0" anchor="ctr"/>
+          <a:lstStyle/>
+          <a:p>
+            <a:pPr algn="ctr"/>
+            <a:endParaRPr kumimoji="1" lang="ja-JP" altLang="en-US">
+              <a:solidFill>
+                <a:srgbClr val="FFCC66"/>
+              </a:solidFill>
+            </a:endParaRPr>
+          </a:p>
+        </p:txBody>
+      </p:sp>
+      <p:cxnSp>
+        <p:nvCxnSpPr>
+          <p:cNvPr id="15" name="直線コネクタ 14">
+            <a:extLst>
+              <a:ext uri="{FF2B5EF4-FFF2-40B4-BE49-F238E27FC236}">
+                <a16:creationId xmlns:a16="http://schemas.microsoft.com/office/drawing/2014/main" id="{59B26C12-23D5-AECC-60B5-FCD00347746B}"/>
+              </a:ext>
+            </a:extLst>
+          </p:cNvPr>
+          <p:cNvCxnSpPr>
+            <a:cxnSpLocks/>
+          </p:cNvCxnSpPr>
+          <p:nvPr/>
+        </p:nvCxnSpPr>
+        <p:spPr>
+          <a:xfrm>
+            <a:off x="2286047" y="1908149"/>
+            <a:ext cx="8459666" cy="0"/>
+          </a:xfrm>
+          <a:prstGeom prst="line">
+            <a:avLst/>
+          </a:prstGeom>
+          <a:ln>
+            <a:solidFill>
+              <a:srgbClr val="FFCC66"/>
+            </a:solidFill>
+          </a:ln>
+        </p:spPr>
+        <p:style>
+          <a:lnRef idx="1">
+            <a:schemeClr val="accent6"/>
+          </a:lnRef>
+          <a:fillRef idx="0">
+            <a:schemeClr val="accent6"/>
+          </a:fillRef>
+          <a:effectRef idx="0">
+            <a:schemeClr val="accent6"/>
+          </a:effectRef>
+          <a:fontRef idx="minor">
+            <a:schemeClr val="tx1"/>
+          </a:fontRef>
+        </p:style>
+      </p:cxnSp>
+      <p:sp>
+        <p:nvSpPr>
+          <p:cNvPr id="21" name="字幕 2">
+            <a:extLst>
+              <a:ext uri="{FF2B5EF4-FFF2-40B4-BE49-F238E27FC236}">
+                <a16:creationId xmlns:a16="http://schemas.microsoft.com/office/drawing/2014/main" id="{5A46B995-5AB3-A0C7-05AC-50BE9981C407}"/>
+              </a:ext>
+            </a:extLst>
+          </p:cNvPr>
+          <p:cNvSpPr txBox="1">
+            <a:spLocks/>
+          </p:cNvSpPr>
+          <p:nvPr/>
+        </p:nvSpPr>
+        <p:spPr>
+          <a:xfrm>
+            <a:off x="9718966" y="5552608"/>
+            <a:ext cx="2053494" cy="378513"/>
+          </a:xfrm>
+          <a:prstGeom prst="rect">
+            <a:avLst/>
+          </a:prstGeom>
+        </p:spPr>
+        <p:txBody>
+          <a:bodyPr vert="horz" lIns="91440" tIns="45720" rIns="91440" bIns="45720" rtlCol="0">
+            <a:normAutofit/>
+          </a:bodyPr>
+          <a:lstStyle>
+            <a:lvl1pPr marL="0" indent="0" algn="ctr" defTabSz="914400" rtl="0" eaLnBrk="1" latinLnBrk="0" hangingPunct="1">
+              <a:lnSpc>
+                <a:spcPct val="90000"/>
+              </a:lnSpc>
+              <a:spcBef>
+                <a:spcPts val="1000"/>
+              </a:spcBef>
+              <a:buFont typeface="Arial" panose="020B0604020202020204" pitchFamily="34" charset="0"/>
+              <a:buNone/>
+              <a:defRPr kumimoji="1" sz="2400" kern="1200">
+                <a:solidFill>
+                  <a:schemeClr val="tx1"/>
+                </a:solidFill>
+                <a:latin typeface="+mn-lt"/>
+                <a:ea typeface="+mn-ea"/>
+                <a:cs typeface="+mn-cs"/>
+              </a:defRPr>
+            </a:lvl1pPr>
+            <a:lvl2pPr marL="457200" indent="0" algn="ctr" defTabSz="914400" rtl="0" eaLnBrk="1" latinLnBrk="0" hangingPunct="1">
+              <a:lnSpc>
+                <a:spcPct val="90000"/>
+              </a:lnSpc>
+              <a:spcBef>
+                <a:spcPts val="500"/>
+              </a:spcBef>
+              <a:buFont typeface="Arial" panose="020B0604020202020204" pitchFamily="34" charset="0"/>
+              <a:buNone/>
+              <a:defRPr kumimoji="1" sz="2000" kern="1200">
+                <a:solidFill>
+                  <a:schemeClr val="tx1"/>
+                </a:solidFill>
+                <a:latin typeface="+mn-lt"/>
+                <a:ea typeface="+mn-ea"/>
+                <a:cs typeface="+mn-cs"/>
+              </a:defRPr>
+            </a:lvl2pPr>
+            <a:lvl3pPr marL="914400" indent="0" algn="ctr" defTabSz="914400" rtl="0" eaLnBrk="1" latinLnBrk="0" hangingPunct="1">
+              <a:lnSpc>
+                <a:spcPct val="90000"/>
+              </a:lnSpc>
+              <a:spcBef>
+                <a:spcPts val="500"/>
+              </a:spcBef>
+              <a:buFont typeface="Arial" panose="020B0604020202020204" pitchFamily="34" charset="0"/>
+              <a:buNone/>
+              <a:defRPr kumimoji="1" sz="1800" kern="1200">
+                <a:solidFill>
+                  <a:schemeClr val="tx1"/>
+                </a:solidFill>
+                <a:latin typeface="+mn-lt"/>
+                <a:ea typeface="+mn-ea"/>
+                <a:cs typeface="+mn-cs"/>
+              </a:defRPr>
+            </a:lvl3pPr>
+            <a:lvl4pPr marL="1371600" indent="0" algn="ctr" defTabSz="914400" rtl="0" eaLnBrk="1" latinLnBrk="0" hangingPunct="1">
+              <a:lnSpc>
+                <a:spcPct val="90000"/>
+              </a:lnSpc>
+              <a:spcBef>
+                <a:spcPts val="500"/>
+              </a:spcBef>
+              <a:buFont typeface="Arial" panose="020B0604020202020204" pitchFamily="34" charset="0"/>
+              <a:buNone/>
+              <a:defRPr kumimoji="1" sz="1600" kern="1200">
+                <a:solidFill>
+                  <a:schemeClr val="tx1"/>
+                </a:solidFill>
+                <a:latin typeface="+mn-lt"/>
+                <a:ea typeface="+mn-ea"/>
+                <a:cs typeface="+mn-cs"/>
+              </a:defRPr>
+            </a:lvl4pPr>
+            <a:lvl5pPr marL="1828800" indent="0" algn="ctr" defTabSz="914400" rtl="0" eaLnBrk="1" latinLnBrk="0" hangingPunct="1">
+              <a:lnSpc>
+                <a:spcPct val="90000"/>
+              </a:lnSpc>
+              <a:spcBef>
+                <a:spcPts val="500"/>
+              </a:spcBef>
+              <a:buFont typeface="Arial" panose="020B0604020202020204" pitchFamily="34" charset="0"/>
+              <a:buNone/>
+              <a:defRPr kumimoji="1" sz="1600" kern="1200">
+                <a:solidFill>
+                  <a:schemeClr val="tx1"/>
+                </a:solidFill>
+                <a:latin typeface="+mn-lt"/>
+                <a:ea typeface="+mn-ea"/>
+                <a:cs typeface="+mn-cs"/>
+              </a:defRPr>
+            </a:lvl5pPr>
+            <a:lvl6pPr marL="2286000" indent="0" algn="ctr" defTabSz="914400" rtl="0" eaLnBrk="1" latinLnBrk="0" hangingPunct="1">
+              <a:lnSpc>
+                <a:spcPct val="90000"/>
+              </a:lnSpc>
+              <a:spcBef>
+                <a:spcPts val="500"/>
+              </a:spcBef>
+              <a:buFont typeface="Arial" panose="020B0604020202020204" pitchFamily="34" charset="0"/>
+              <a:buNone/>
+              <a:defRPr kumimoji="1" sz="1600" kern="1200">
+                <a:solidFill>
+                  <a:schemeClr val="tx1"/>
+                </a:solidFill>
+                <a:latin typeface="+mn-lt"/>
+                <a:ea typeface="+mn-ea"/>
+                <a:cs typeface="+mn-cs"/>
+              </a:defRPr>
+            </a:lvl6pPr>
+            <a:lvl7pPr marL="2743200" indent="0" algn="ctr" defTabSz="914400" rtl="0" eaLnBrk="1" latinLnBrk="0" hangingPunct="1">
+              <a:lnSpc>
+                <a:spcPct val="90000"/>
+              </a:lnSpc>
+              <a:spcBef>
+                <a:spcPts val="500"/>
+              </a:spcBef>
+              <a:buFont typeface="Arial" panose="020B0604020202020204" pitchFamily="34" charset="0"/>
+              <a:buNone/>
+              <a:defRPr kumimoji="1" sz="1600" kern="1200">
+                <a:solidFill>
+                  <a:schemeClr val="tx1"/>
+                </a:solidFill>
+                <a:latin typeface="+mn-lt"/>
+                <a:ea typeface="+mn-ea"/>
+                <a:cs typeface="+mn-cs"/>
+              </a:defRPr>
+            </a:lvl7pPr>
+            <a:lvl8pPr marL="3200400" indent="0" algn="ctr" defTabSz="914400" rtl="0" eaLnBrk="1" latinLnBrk="0" hangingPunct="1">
+              <a:lnSpc>
+                <a:spcPct val="90000"/>
+              </a:lnSpc>
+              <a:spcBef>
+                <a:spcPts val="500"/>
+              </a:spcBef>
+              <a:buFont typeface="Arial" panose="020B0604020202020204" pitchFamily="34" charset="0"/>
+              <a:buNone/>
+              <a:defRPr kumimoji="1" sz="1600" kern="1200">
+                <a:solidFill>
+                  <a:schemeClr val="tx1"/>
+                </a:solidFill>
+                <a:latin typeface="+mn-lt"/>
+                <a:ea typeface="+mn-ea"/>
+                <a:cs typeface="+mn-cs"/>
+              </a:defRPr>
+            </a:lvl8pPr>
+            <a:lvl9pPr marL="3657600" indent="0" algn="ctr" defTabSz="914400" rtl="0" eaLnBrk="1" latinLnBrk="0" hangingPunct="1">
+              <a:lnSpc>
+                <a:spcPct val="90000"/>
+              </a:lnSpc>
+              <a:spcBef>
+                <a:spcPts val="500"/>
+              </a:spcBef>
+              <a:buFont typeface="Arial" panose="020B0604020202020204" pitchFamily="34" charset="0"/>
+              <a:buNone/>
+              <a:defRPr kumimoji="1" sz="1600" kern="1200">
+                <a:solidFill>
+                  <a:schemeClr val="tx1"/>
+                </a:solidFill>
+                <a:latin typeface="+mn-lt"/>
+                <a:ea typeface="+mn-ea"/>
+                <a:cs typeface="+mn-cs"/>
+              </a:defRPr>
+            </a:lvl9pPr>
+          </a:lstStyle>
+          <a:p>
+            <a:r>
+              <a:rPr lang="en-US" altLang="ja-JP" sz="1200" b="1" dirty="0">
+                <a:solidFill>
+                  <a:schemeClr val="bg1">
+                    <a:lumMod val="75000"/>
+                  </a:schemeClr>
+                </a:solidFill>
+                <a:latin typeface="BIZ UDPゴシック" panose="020B0400000000000000" pitchFamily="50" charset="-128"/>
+                <a:ea typeface="BIZ UDPゴシック" panose="020B0400000000000000" pitchFamily="50" charset="-128"/>
+              </a:rPr>
+              <a:t>2025.6.30</a:t>
+            </a:r>
+            <a:endParaRPr lang="ja-JP" altLang="en-US" sz="1200" b="1" dirty="0">
+              <a:solidFill>
+                <a:schemeClr val="bg1">
+                  <a:lumMod val="75000"/>
+                </a:schemeClr>
+              </a:solidFill>
+              <a:latin typeface="BIZ UDPゴシック" panose="020B0400000000000000" pitchFamily="50" charset="-128"/>
+              <a:ea typeface="BIZ UDPゴシック" panose="020B0400000000000000" pitchFamily="50" charset="-128"/>
+            </a:endParaRPr>
+          </a:p>
+        </p:txBody>
+      </p:sp>
+      <p:sp>
+        <p:nvSpPr>
+          <p:cNvPr id="3" name="タイトル 1">
+            <a:extLst>
+              <a:ext uri="{FF2B5EF4-FFF2-40B4-BE49-F238E27FC236}">
+                <a16:creationId xmlns:a16="http://schemas.microsoft.com/office/drawing/2014/main" id="{F55EAC18-EE5A-5906-CB17-914281A1C4C3}"/>
+              </a:ext>
+            </a:extLst>
+          </p:cNvPr>
+          <p:cNvSpPr txBox="1">
+            <a:spLocks/>
+          </p:cNvSpPr>
+          <p:nvPr/>
+        </p:nvSpPr>
+        <p:spPr>
+          <a:xfrm>
+            <a:off x="4413956" y="981929"/>
+            <a:ext cx="4075288" cy="1009651"/>
+          </a:xfrm>
+          <a:prstGeom prst="rect">
+            <a:avLst/>
+          </a:prstGeom>
+          <a:effectLst/>
+        </p:spPr>
+        <p:txBody>
+          <a:bodyPr vert="horz" lIns="91440" tIns="45720" rIns="91440" bIns="45720" rtlCol="0" anchor="ctr">
+            <a:normAutofit/>
+          </a:bodyPr>
+          <a:lstStyle>
+            <a:lvl1pPr algn="ctr" defTabSz="457200" rtl="0" eaLnBrk="1" latinLnBrk="0" hangingPunct="1">
+              <a:spcBef>
+                <a:spcPct val="0"/>
+              </a:spcBef>
+              <a:buNone/>
+              <a:defRPr kumimoji="1" sz="4400" kern="1200" cap="none">
+                <a:ln w="3175" cmpd="sng">
+                  <a:noFill/>
+                </a:ln>
+                <a:solidFill>
+                  <a:schemeClr val="tx1">
+                    <a:lumMod val="85000"/>
+                    <a:lumOff val="15000"/>
+                  </a:schemeClr>
+                </a:solidFill>
+                <a:effectLst/>
+                <a:latin typeface="+mj-lt"/>
+                <a:ea typeface="+mj-ea"/>
+                <a:cs typeface="+mj-cs"/>
+              </a:defRPr>
+            </a:lvl1pPr>
+            <a:lvl2pPr eaLnBrk="1" hangingPunct="1">
+              <a:defRPr kumimoji="1">
+                <a:solidFill>
+                  <a:schemeClr val="tx2"/>
+                </a:solidFill>
+              </a:defRPr>
+            </a:lvl2pPr>
+            <a:lvl3pPr eaLnBrk="1" hangingPunct="1">
+              <a:defRPr kumimoji="1">
+                <a:solidFill>
+                  <a:schemeClr val="tx2"/>
+                </a:solidFill>
+              </a:defRPr>
+            </a:lvl3pPr>
+            <a:lvl4pPr eaLnBrk="1" hangingPunct="1">
+              <a:defRPr kumimoji="1">
+                <a:solidFill>
+                  <a:schemeClr val="tx2"/>
+                </a:solidFill>
+              </a:defRPr>
+            </a:lvl4pPr>
+            <a:lvl5pPr eaLnBrk="1" hangingPunct="1">
+              <a:defRPr kumimoji="1">
+                <a:solidFill>
+                  <a:schemeClr val="tx2"/>
+                </a:solidFill>
+              </a:defRPr>
+            </a:lvl5pPr>
+            <a:lvl6pPr eaLnBrk="1" hangingPunct="1">
+              <a:defRPr kumimoji="1">
+                <a:solidFill>
+                  <a:schemeClr val="tx2"/>
+                </a:solidFill>
+              </a:defRPr>
+            </a:lvl6pPr>
+            <a:lvl7pPr eaLnBrk="1" hangingPunct="1">
+              <a:defRPr kumimoji="1">
+                <a:solidFill>
+                  <a:schemeClr val="tx2"/>
+                </a:solidFill>
+              </a:defRPr>
+            </a:lvl7pPr>
+            <a:lvl8pPr eaLnBrk="1" hangingPunct="1">
+              <a:defRPr kumimoji="1">
+                <a:solidFill>
+                  <a:schemeClr val="tx2"/>
+                </a:solidFill>
+              </a:defRPr>
+            </a:lvl8pPr>
+            <a:lvl9pPr eaLnBrk="1" hangingPunct="1">
+              <a:defRPr kumimoji="1">
+                <a:solidFill>
+                  <a:schemeClr val="tx2"/>
+                </a:solidFill>
+              </a:defRPr>
+            </a:lvl9pPr>
+          </a:lstStyle>
+          <a:p>
+            <a:pPr marL="0" marR="0" lvl="0" indent="0" algn="ctr" defTabSz="457200" rtl="0" eaLnBrk="1" fontAlgn="auto" latinLnBrk="0" hangingPunct="1">
+              <a:lnSpc>
+                <a:spcPct val="100000"/>
+              </a:lnSpc>
+              <a:spcBef>
+                <a:spcPct val="0"/>
+              </a:spcBef>
+              <a:spcAft>
+                <a:spcPts val="0"/>
+              </a:spcAft>
+              <a:buClrTx/>
+              <a:buSzTx/>
+              <a:buFontTx/>
+              <a:buNone/>
+              <a:tabLst/>
+              <a:defRPr/>
+            </a:pPr>
+            <a:r>
+              <a:rPr kumimoji="1" lang="ja-JP" altLang="en-US" sz="4000" b="1" i="0" u="none" strike="noStrike" kern="1200" normalizeH="0" baseline="0" noProof="0" dirty="0">
+                <a:ln w="0"/>
+                <a:solidFill>
+                  <a:srgbClr val="FF9966"/>
+                </a:solidFill>
+                <a:effectLst>
+                  <a:outerShdw blurRad="38100" dist="19050" dir="2700000" algn="tl" rotWithShape="0">
+                    <a:schemeClr val="dk1">
+                      <a:alpha val="40000"/>
+                    </a:schemeClr>
+                  </a:outerShdw>
+                </a:effectLst>
+                <a:uLnTx/>
+                <a:uFillTx/>
+                <a:latin typeface="BIZ UDPゴシック" panose="020B0400000000000000" pitchFamily="50" charset="-128"/>
+                <a:ea typeface="BIZ UDPゴシック" panose="020B0400000000000000" pitchFamily="50" charset="-128"/>
+                <a:cs typeface="+mj-cs"/>
+              </a:rPr>
+              <a:t>システムの内容</a:t>
+            </a:r>
+          </a:p>
+        </p:txBody>
+      </p:sp>
+      <p:sp>
+        <p:nvSpPr>
+          <p:cNvPr id="2" name="テキスト ボックス 1">
+            <a:extLst>
+              <a:ext uri="{FF2B5EF4-FFF2-40B4-BE49-F238E27FC236}">
+                <a16:creationId xmlns:a16="http://schemas.microsoft.com/office/drawing/2014/main" id="{CF5AE70A-8E19-381C-4700-9762938EEBAC}"/>
+              </a:ext>
+            </a:extLst>
+          </p:cNvPr>
+          <p:cNvSpPr txBox="1"/>
+          <p:nvPr/>
+        </p:nvSpPr>
+        <p:spPr>
+          <a:xfrm>
+            <a:off x="2792497" y="2382648"/>
+            <a:ext cx="7615859" cy="2862322"/>
+          </a:xfrm>
+          <a:prstGeom prst="rect">
+            <a:avLst/>
+          </a:prstGeom>
+          <a:noFill/>
+        </p:spPr>
+        <p:txBody>
+          <a:bodyPr wrap="square" rtlCol="0">
+            <a:spAutoFit/>
+          </a:bodyPr>
+          <a:lstStyle/>
+          <a:p>
+            <a:r>
+              <a:rPr kumimoji="1" lang="ja-JP" altLang="en-US" b="1" u="sng" dirty="0">
+                <a:latin typeface="BIZ UDPゴシック" panose="020B0400000000000000" pitchFamily="50" charset="-128"/>
+                <a:ea typeface="BIZ UDPゴシック" panose="020B0400000000000000" pitchFamily="50" charset="-128"/>
+              </a:rPr>
+              <a:t>定量的効果</a:t>
+            </a:r>
+            <a:endParaRPr kumimoji="1" lang="en-US" altLang="ja-JP" b="1" u="sng" dirty="0">
+              <a:latin typeface="BIZ UDPゴシック" panose="020B0400000000000000" pitchFamily="50" charset="-128"/>
+              <a:ea typeface="BIZ UDPゴシック" panose="020B0400000000000000" pitchFamily="50" charset="-128"/>
+            </a:endParaRPr>
+          </a:p>
+          <a:p>
+            <a:endParaRPr lang="en-US" altLang="ja-JP" b="1" dirty="0">
+              <a:latin typeface="BIZ UDPゴシック" panose="020B0400000000000000" pitchFamily="50" charset="-128"/>
+              <a:ea typeface="BIZ UDPゴシック" panose="020B0400000000000000" pitchFamily="50" charset="-128"/>
+            </a:endParaRPr>
+          </a:p>
+          <a:p>
+            <a:r>
+              <a:rPr kumimoji="1" lang="ja-JP" altLang="en-US" b="1" dirty="0">
+                <a:latin typeface="BIZ UDPゴシック" panose="020B0400000000000000" pitchFamily="50" charset="-128"/>
+                <a:ea typeface="BIZ UDPゴシック" panose="020B0400000000000000" pitchFamily="50" charset="-128"/>
+              </a:rPr>
+              <a:t>従来</a:t>
+            </a:r>
+            <a:r>
+              <a:rPr lang="ja-JP" altLang="en-US" b="1" dirty="0">
+                <a:latin typeface="BIZ UDPゴシック" panose="020B0400000000000000" pitchFamily="50" charset="-128"/>
+                <a:ea typeface="BIZ UDPゴシック" panose="020B0400000000000000" pitchFamily="50" charset="-128"/>
+              </a:rPr>
+              <a:t>：</a:t>
+            </a:r>
+            <a:endParaRPr lang="en-US" altLang="ja-JP" b="1" dirty="0">
+              <a:latin typeface="BIZ UDPゴシック" panose="020B0400000000000000" pitchFamily="50" charset="-128"/>
+              <a:ea typeface="BIZ UDPゴシック" panose="020B0400000000000000" pitchFamily="50" charset="-128"/>
+            </a:endParaRPr>
+          </a:p>
+          <a:p>
+            <a:r>
+              <a:rPr kumimoji="1" lang="ja-JP" altLang="en-US" b="1" dirty="0">
+                <a:latin typeface="BIZ UDPゴシック" panose="020B0400000000000000" pitchFamily="50" charset="-128"/>
+                <a:ea typeface="BIZ UDPゴシック" panose="020B0400000000000000" pitchFamily="50" charset="-128"/>
+              </a:rPr>
+              <a:t>営業時間中</a:t>
+            </a:r>
+            <a:r>
+              <a:rPr lang="ja-JP" altLang="en-US" b="1" dirty="0">
+                <a:latin typeface="BIZ UDPゴシック" panose="020B0400000000000000" pitchFamily="50" charset="-128"/>
+                <a:ea typeface="BIZ UDPゴシック" panose="020B0400000000000000" pitchFamily="50" charset="-128"/>
+              </a:rPr>
+              <a:t>のシフト作成不可。</a:t>
+            </a:r>
+            <a:r>
+              <a:rPr kumimoji="1" lang="ja-JP" altLang="en-US" b="1" dirty="0">
+                <a:latin typeface="BIZ UDPゴシック" panose="020B0400000000000000" pitchFamily="50" charset="-128"/>
+                <a:ea typeface="BIZ UDPゴシック" panose="020B0400000000000000" pitchFamily="50" charset="-128"/>
+              </a:rPr>
+              <a:t>帰宅時間が営業終了</a:t>
+            </a:r>
+            <a:r>
+              <a:rPr lang="en-US" altLang="ja-JP" b="1" dirty="0">
+                <a:latin typeface="BIZ UDPゴシック" panose="020B0400000000000000" pitchFamily="50" charset="-128"/>
+                <a:ea typeface="BIZ UDPゴシック" panose="020B0400000000000000" pitchFamily="50" charset="-128"/>
+              </a:rPr>
+              <a:t>2</a:t>
+            </a:r>
+            <a:r>
+              <a:rPr kumimoji="1" lang="ja-JP" altLang="en-US" b="1" dirty="0">
+                <a:latin typeface="BIZ UDPゴシック" panose="020B0400000000000000" pitchFamily="50" charset="-128"/>
+                <a:ea typeface="BIZ UDPゴシック" panose="020B0400000000000000" pitchFamily="50" charset="-128"/>
+              </a:rPr>
+              <a:t>時間後</a:t>
+            </a:r>
+            <a:r>
+              <a:rPr lang="ja-JP" altLang="en-US" b="1" dirty="0">
+                <a:latin typeface="BIZ UDPゴシック" panose="020B0400000000000000" pitchFamily="50" charset="-128"/>
+                <a:ea typeface="BIZ UDPゴシック" panose="020B0400000000000000" pitchFamily="50" charset="-128"/>
+              </a:rPr>
+              <a:t>。</a:t>
+            </a:r>
+            <a:endParaRPr lang="en-US" altLang="ja-JP" b="1" dirty="0">
+              <a:latin typeface="BIZ UDPゴシック" panose="020B0400000000000000" pitchFamily="50" charset="-128"/>
+              <a:ea typeface="BIZ UDPゴシック" panose="020B0400000000000000" pitchFamily="50" charset="-128"/>
+            </a:endParaRPr>
+          </a:p>
+          <a:p>
+            <a:endParaRPr kumimoji="1" lang="en-US" altLang="ja-JP" b="1" dirty="0">
+              <a:latin typeface="BIZ UDPゴシック" panose="020B0400000000000000" pitchFamily="50" charset="-128"/>
+              <a:ea typeface="BIZ UDPゴシック" panose="020B0400000000000000" pitchFamily="50" charset="-128"/>
+            </a:endParaRPr>
+          </a:p>
+          <a:p>
+            <a:r>
+              <a:rPr lang="ja-JP" altLang="en-US" b="1" dirty="0">
+                <a:latin typeface="BIZ UDPゴシック" panose="020B0400000000000000" pitchFamily="50" charset="-128"/>
+                <a:ea typeface="BIZ UDPゴシック" panose="020B0400000000000000" pitchFamily="50" charset="-128"/>
+              </a:rPr>
+              <a:t>導入後：</a:t>
+            </a:r>
+            <a:endParaRPr kumimoji="1" lang="en-US" altLang="ja-JP" b="1" dirty="0">
+              <a:latin typeface="BIZ UDPゴシック" panose="020B0400000000000000" pitchFamily="50" charset="-128"/>
+              <a:ea typeface="BIZ UDPゴシック" panose="020B0400000000000000" pitchFamily="50" charset="-128"/>
+            </a:endParaRPr>
+          </a:p>
+          <a:p>
+            <a:r>
+              <a:rPr kumimoji="1" lang="ja-JP" altLang="en-US" b="1" dirty="0">
+                <a:latin typeface="BIZ UDPゴシック" panose="020B0400000000000000" pitchFamily="50" charset="-128"/>
+                <a:ea typeface="BIZ UDPゴシック" panose="020B0400000000000000" pitchFamily="50" charset="-128"/>
+              </a:rPr>
+              <a:t>このアプリの導入により、仕事効率が</a:t>
+            </a:r>
+            <a:r>
+              <a:rPr kumimoji="1" lang="en-US" altLang="ja-JP" b="1" dirty="0">
+                <a:latin typeface="BIZ UDPゴシック" panose="020B0400000000000000" pitchFamily="50" charset="-128"/>
+                <a:ea typeface="BIZ UDPゴシック" panose="020B0400000000000000" pitchFamily="50" charset="-128"/>
+              </a:rPr>
+              <a:t>5</a:t>
+            </a:r>
+            <a:r>
+              <a:rPr kumimoji="1" lang="ja-JP" altLang="en-US" b="1" dirty="0">
+                <a:latin typeface="BIZ UDPゴシック" panose="020B0400000000000000" pitchFamily="50" charset="-128"/>
+                <a:ea typeface="BIZ UDPゴシック" panose="020B0400000000000000" pitchFamily="50" charset="-128"/>
+              </a:rPr>
+              <a:t>秒に改善。</a:t>
+            </a:r>
+            <a:endParaRPr kumimoji="1" lang="en-US" altLang="ja-JP" b="1" dirty="0">
+              <a:latin typeface="BIZ UDPゴシック" panose="020B0400000000000000" pitchFamily="50" charset="-128"/>
+              <a:ea typeface="BIZ UDPゴシック" panose="020B0400000000000000" pitchFamily="50" charset="-128"/>
+            </a:endParaRPr>
+          </a:p>
+          <a:p>
+            <a:r>
+              <a:rPr kumimoji="1" lang="ja-JP" altLang="en-US" b="1" dirty="0">
+                <a:latin typeface="BIZ UDPゴシック" panose="020B0400000000000000" pitchFamily="50" charset="-128"/>
+                <a:ea typeface="BIZ UDPゴシック" panose="020B0400000000000000" pitchFamily="50" charset="-128"/>
+              </a:rPr>
+              <a:t>（</a:t>
+            </a:r>
+            <a:r>
+              <a:rPr kumimoji="1" lang="en-US" altLang="ja-JP" b="1" dirty="0">
+                <a:latin typeface="BIZ UDPゴシック" panose="020B0400000000000000" pitchFamily="50" charset="-128"/>
+                <a:ea typeface="BIZ UDPゴシック" panose="020B0400000000000000" pitchFamily="50" charset="-128"/>
+              </a:rPr>
+              <a:t>99</a:t>
+            </a:r>
+            <a:r>
+              <a:rPr kumimoji="1" lang="ja-JP" altLang="en-US" b="1" dirty="0">
+                <a:latin typeface="BIZ UDPゴシック" panose="020B0400000000000000" pitchFamily="50" charset="-128"/>
+                <a:ea typeface="BIZ UDPゴシック" panose="020B0400000000000000" pitchFamily="50" charset="-128"/>
+              </a:rPr>
+              <a:t>％以上の業務効率改善効果）</a:t>
+            </a:r>
+            <a:endParaRPr kumimoji="1" lang="en-US" altLang="ja-JP" b="1" dirty="0">
+              <a:latin typeface="BIZ UDPゴシック" panose="020B0400000000000000" pitchFamily="50" charset="-128"/>
+              <a:ea typeface="BIZ UDPゴシック" panose="020B0400000000000000" pitchFamily="50" charset="-128"/>
+            </a:endParaRPr>
+          </a:p>
+          <a:p>
+            <a:endParaRPr kumimoji="1" lang="en-US" altLang="ja-JP" dirty="0">
+              <a:latin typeface="BIZ UDPゴシック" panose="020B0400000000000000" pitchFamily="50" charset="-128"/>
+              <a:ea typeface="BIZ UDPゴシック" panose="020B0400000000000000" pitchFamily="50" charset="-128"/>
+            </a:endParaRPr>
+          </a:p>
+          <a:p>
+            <a:endParaRPr kumimoji="1" lang="ja-JP" altLang="en-US" dirty="0"/>
+          </a:p>
+        </p:txBody>
+      </p:sp>
+    </p:spTree>
+    <p:extLst>
+      <p:ext uri="{BB962C8B-B14F-4D97-AF65-F5344CB8AC3E}">
+        <p14:creationId xmlns:p14="http://schemas.microsoft.com/office/powerpoint/2010/main" val="2119689798"/>
+      </p:ext>
+    </p:extLst>
+  </p:cSld>
+  <p:clrMapOvr>
+    <a:masterClrMapping/>
+  </p:clrMapOvr>
+</p:sld>
+</file>
+
+<file path=ppt/slides/slide11.xml><?xml version="1.0" encoding="utf-8"?>
+<p:sld xmlns:a="http://schemas.openxmlformats.org/drawingml/2006/main" xmlns:r="http://schemas.openxmlformats.org/officeDocument/2006/relationships" xmlns:p="http://schemas.openxmlformats.org/presentationml/2006/main">
+  <p:cSld>
+    <p:spTree>
+      <p:nvGrpSpPr>
+        <p:cNvPr id="1" name="">
+          <a:extLst>
+            <a:ext uri="{FF2B5EF4-FFF2-40B4-BE49-F238E27FC236}">
+              <a16:creationId xmlns:a16="http://schemas.microsoft.com/office/drawing/2014/main" id="{2F0A9FDF-FA05-FBF9-03AD-716740F217A3}"/>
+            </a:ext>
+          </a:extLst>
+        </p:cNvPr>
+        <p:cNvGrpSpPr/>
+        <p:nvPr/>
+      </p:nvGrpSpPr>
+      <p:grpSpPr>
+        <a:xfrm>
+          <a:off x="0" y="0"/>
+          <a:ext cx="0" cy="0"/>
+          <a:chOff x="0" y="0"/>
+          <a:chExt cx="0" cy="0"/>
+        </a:xfrm>
+      </p:grpSpPr>
+      <p:pic>
+        <p:nvPicPr>
+          <p:cNvPr id="11" name="図 10" descr="背景パターン&#10;&#10;AI 生成コンテンツは誤りを含む可能性があります。">
+            <a:extLst>
+              <a:ext uri="{FF2B5EF4-FFF2-40B4-BE49-F238E27FC236}">
+                <a16:creationId xmlns:a16="http://schemas.microsoft.com/office/drawing/2014/main" id="{43007B3C-CE24-C2A0-ADB3-7B574ED2DCDB}"/>
+              </a:ext>
+            </a:extLst>
+          </p:cNvPr>
+          <p:cNvPicPr>
+            <a:picLocks noChangeAspect="1"/>
+          </p:cNvPicPr>
+          <p:nvPr/>
+        </p:nvPicPr>
+        <p:blipFill>
+          <a:blip r:embed="rId3">
+            <a:extLst>
+              <a:ext uri="{28A0092B-C50C-407E-A947-70E740481C1C}">
+                <a14:useLocalDpi xmlns:a14="http://schemas.microsoft.com/office/drawing/2010/main" val="0"/>
+              </a:ext>
+            </a:extLst>
+          </a:blip>
+          <a:stretch>
+            <a:fillRect/>
+          </a:stretch>
+        </p:blipFill>
+        <p:spPr>
+          <a:xfrm>
+            <a:off x="0" y="0"/>
+            <a:ext cx="12192000" cy="6858000"/>
+          </a:xfrm>
+          <a:prstGeom prst="rect">
+            <a:avLst/>
+          </a:prstGeom>
+        </p:spPr>
+      </p:pic>
+      <p:sp>
+        <p:nvSpPr>
+          <p:cNvPr id="12" name="正方形/長方形 11">
+            <a:extLst>
+              <a:ext uri="{FF2B5EF4-FFF2-40B4-BE49-F238E27FC236}">
+                <a16:creationId xmlns:a16="http://schemas.microsoft.com/office/drawing/2014/main" id="{A715A26A-528A-DB58-3D0F-8E72C06E4BD9}"/>
+              </a:ext>
+            </a:extLst>
+          </p:cNvPr>
+          <p:cNvSpPr/>
+          <p:nvPr/>
+        </p:nvSpPr>
+        <p:spPr>
+          <a:xfrm>
+            <a:off x="949570" y="771873"/>
+            <a:ext cx="10603522" cy="5314253"/>
+          </a:xfrm>
+          <a:prstGeom prst="rect">
+            <a:avLst/>
+          </a:prstGeom>
+          <a:ln>
+            <a:solidFill>
+              <a:srgbClr val="FFCC99"/>
+            </a:solidFill>
+          </a:ln>
+        </p:spPr>
+        <p:style>
+          <a:lnRef idx="2">
+            <a:schemeClr val="accent6"/>
+          </a:lnRef>
+          <a:fillRef idx="1">
+            <a:schemeClr val="lt1"/>
+          </a:fillRef>
+          <a:effectRef idx="0">
+            <a:schemeClr val="accent6"/>
+          </a:effectRef>
+          <a:fontRef idx="minor">
+            <a:schemeClr val="dk1"/>
+          </a:fontRef>
+        </p:style>
+        <p:txBody>
+          <a:bodyPr rtlCol="0" anchor="ctr"/>
+          <a:lstStyle/>
+          <a:p>
+            <a:pPr algn="ctr"/>
+            <a:endParaRPr kumimoji="1" lang="ja-JP" altLang="en-US">
+              <a:solidFill>
+                <a:srgbClr val="FFCC66"/>
+              </a:solidFill>
+            </a:endParaRPr>
+          </a:p>
+        </p:txBody>
+      </p:sp>
+      <p:cxnSp>
+        <p:nvCxnSpPr>
+          <p:cNvPr id="15" name="直線コネクタ 14">
+            <a:extLst>
+              <a:ext uri="{FF2B5EF4-FFF2-40B4-BE49-F238E27FC236}">
+                <a16:creationId xmlns:a16="http://schemas.microsoft.com/office/drawing/2014/main" id="{E20CD6B1-C4D5-697E-C785-E7114CCFC876}"/>
+              </a:ext>
+            </a:extLst>
+          </p:cNvPr>
+          <p:cNvCxnSpPr>
+            <a:cxnSpLocks/>
+          </p:cNvCxnSpPr>
+          <p:nvPr/>
+        </p:nvCxnSpPr>
+        <p:spPr>
+          <a:xfrm>
+            <a:off x="2286047" y="1908149"/>
+            <a:ext cx="8459666" cy="0"/>
+          </a:xfrm>
+          <a:prstGeom prst="line">
+            <a:avLst/>
+          </a:prstGeom>
+          <a:ln>
+            <a:solidFill>
+              <a:srgbClr val="FFCC66"/>
+            </a:solidFill>
+          </a:ln>
+        </p:spPr>
+        <p:style>
+          <a:lnRef idx="1">
+            <a:schemeClr val="accent6"/>
+          </a:lnRef>
+          <a:fillRef idx="0">
+            <a:schemeClr val="accent6"/>
+          </a:fillRef>
+          <a:effectRef idx="0">
+            <a:schemeClr val="accent6"/>
+          </a:effectRef>
+          <a:fontRef idx="minor">
+            <a:schemeClr val="tx1"/>
+          </a:fontRef>
+        </p:style>
+      </p:cxnSp>
+      <p:sp>
+        <p:nvSpPr>
+          <p:cNvPr id="21" name="字幕 2">
+            <a:extLst>
+              <a:ext uri="{FF2B5EF4-FFF2-40B4-BE49-F238E27FC236}">
+                <a16:creationId xmlns:a16="http://schemas.microsoft.com/office/drawing/2014/main" id="{F437E0A4-E18D-2CFB-EA8D-E8D9094E3C5C}"/>
+              </a:ext>
+            </a:extLst>
+          </p:cNvPr>
+          <p:cNvSpPr txBox="1">
+            <a:spLocks/>
+          </p:cNvSpPr>
+          <p:nvPr/>
+        </p:nvSpPr>
+        <p:spPr>
+          <a:xfrm>
+            <a:off x="9718966" y="5552608"/>
+            <a:ext cx="2053494" cy="378513"/>
+          </a:xfrm>
+          <a:prstGeom prst="rect">
+            <a:avLst/>
+          </a:prstGeom>
+        </p:spPr>
+        <p:txBody>
+          <a:bodyPr vert="horz" lIns="91440" tIns="45720" rIns="91440" bIns="45720" rtlCol="0">
+            <a:normAutofit/>
+          </a:bodyPr>
+          <a:lstStyle>
+            <a:lvl1pPr marL="0" indent="0" algn="ctr" defTabSz="914400" rtl="0" eaLnBrk="1" latinLnBrk="0" hangingPunct="1">
+              <a:lnSpc>
+                <a:spcPct val="90000"/>
+              </a:lnSpc>
+              <a:spcBef>
+                <a:spcPts val="1000"/>
+              </a:spcBef>
+              <a:buFont typeface="Arial" panose="020B0604020202020204" pitchFamily="34" charset="0"/>
+              <a:buNone/>
+              <a:defRPr kumimoji="1" sz="2400" kern="1200">
+                <a:solidFill>
+                  <a:schemeClr val="tx1"/>
+                </a:solidFill>
+                <a:latin typeface="+mn-lt"/>
+                <a:ea typeface="+mn-ea"/>
+                <a:cs typeface="+mn-cs"/>
+              </a:defRPr>
+            </a:lvl1pPr>
+            <a:lvl2pPr marL="457200" indent="0" algn="ctr" defTabSz="914400" rtl="0" eaLnBrk="1" latinLnBrk="0" hangingPunct="1">
+              <a:lnSpc>
+                <a:spcPct val="90000"/>
+              </a:lnSpc>
+              <a:spcBef>
+                <a:spcPts val="500"/>
+              </a:spcBef>
+              <a:buFont typeface="Arial" panose="020B0604020202020204" pitchFamily="34" charset="0"/>
+              <a:buNone/>
+              <a:defRPr kumimoji="1" sz="2000" kern="1200">
+                <a:solidFill>
+                  <a:schemeClr val="tx1"/>
+                </a:solidFill>
+                <a:latin typeface="+mn-lt"/>
+                <a:ea typeface="+mn-ea"/>
+                <a:cs typeface="+mn-cs"/>
+              </a:defRPr>
+            </a:lvl2pPr>
+            <a:lvl3pPr marL="914400" indent="0" algn="ctr" defTabSz="914400" rtl="0" eaLnBrk="1" latinLnBrk="0" hangingPunct="1">
+              <a:lnSpc>
+                <a:spcPct val="90000"/>
+              </a:lnSpc>
+              <a:spcBef>
+                <a:spcPts val="500"/>
+              </a:spcBef>
+              <a:buFont typeface="Arial" panose="020B0604020202020204" pitchFamily="34" charset="0"/>
+              <a:buNone/>
+              <a:defRPr kumimoji="1" sz="1800" kern="1200">
+                <a:solidFill>
+                  <a:schemeClr val="tx1"/>
+                </a:solidFill>
+                <a:latin typeface="+mn-lt"/>
+                <a:ea typeface="+mn-ea"/>
+                <a:cs typeface="+mn-cs"/>
+              </a:defRPr>
+            </a:lvl3pPr>
+            <a:lvl4pPr marL="1371600" indent="0" algn="ctr" defTabSz="914400" rtl="0" eaLnBrk="1" latinLnBrk="0" hangingPunct="1">
+              <a:lnSpc>
+                <a:spcPct val="90000"/>
+              </a:lnSpc>
+              <a:spcBef>
+                <a:spcPts val="500"/>
+              </a:spcBef>
+              <a:buFont typeface="Arial" panose="020B0604020202020204" pitchFamily="34" charset="0"/>
+              <a:buNone/>
+              <a:defRPr kumimoji="1" sz="1600" kern="1200">
+                <a:solidFill>
+                  <a:schemeClr val="tx1"/>
+                </a:solidFill>
+                <a:latin typeface="+mn-lt"/>
+                <a:ea typeface="+mn-ea"/>
+                <a:cs typeface="+mn-cs"/>
+              </a:defRPr>
+            </a:lvl4pPr>
+            <a:lvl5pPr marL="1828800" indent="0" algn="ctr" defTabSz="914400" rtl="0" eaLnBrk="1" latinLnBrk="0" hangingPunct="1">
+              <a:lnSpc>
+                <a:spcPct val="90000"/>
+              </a:lnSpc>
+              <a:spcBef>
+                <a:spcPts val="500"/>
+              </a:spcBef>
+              <a:buFont typeface="Arial" panose="020B0604020202020204" pitchFamily="34" charset="0"/>
+              <a:buNone/>
+              <a:defRPr kumimoji="1" sz="1600" kern="1200">
+                <a:solidFill>
+                  <a:schemeClr val="tx1"/>
+                </a:solidFill>
+                <a:latin typeface="+mn-lt"/>
+                <a:ea typeface="+mn-ea"/>
+                <a:cs typeface="+mn-cs"/>
+              </a:defRPr>
+            </a:lvl5pPr>
+            <a:lvl6pPr marL="2286000" indent="0" algn="ctr" defTabSz="914400" rtl="0" eaLnBrk="1" latinLnBrk="0" hangingPunct="1">
+              <a:lnSpc>
+                <a:spcPct val="90000"/>
+              </a:lnSpc>
+              <a:spcBef>
+                <a:spcPts val="500"/>
+              </a:spcBef>
+              <a:buFont typeface="Arial" panose="020B0604020202020204" pitchFamily="34" charset="0"/>
+              <a:buNone/>
+              <a:defRPr kumimoji="1" sz="1600" kern="1200">
+                <a:solidFill>
+                  <a:schemeClr val="tx1"/>
+                </a:solidFill>
+                <a:latin typeface="+mn-lt"/>
+                <a:ea typeface="+mn-ea"/>
+                <a:cs typeface="+mn-cs"/>
+              </a:defRPr>
+            </a:lvl6pPr>
+            <a:lvl7pPr marL="2743200" indent="0" algn="ctr" defTabSz="914400" rtl="0" eaLnBrk="1" latinLnBrk="0" hangingPunct="1">
+              <a:lnSpc>
+                <a:spcPct val="90000"/>
+              </a:lnSpc>
+              <a:spcBef>
+                <a:spcPts val="500"/>
+              </a:spcBef>
+              <a:buFont typeface="Arial" panose="020B0604020202020204" pitchFamily="34" charset="0"/>
+              <a:buNone/>
+              <a:defRPr kumimoji="1" sz="1600" kern="1200">
+                <a:solidFill>
+                  <a:schemeClr val="tx1"/>
+                </a:solidFill>
+                <a:latin typeface="+mn-lt"/>
+                <a:ea typeface="+mn-ea"/>
+                <a:cs typeface="+mn-cs"/>
+              </a:defRPr>
+            </a:lvl7pPr>
+            <a:lvl8pPr marL="3200400" indent="0" algn="ctr" defTabSz="914400" rtl="0" eaLnBrk="1" latinLnBrk="0" hangingPunct="1">
+              <a:lnSpc>
+                <a:spcPct val="90000"/>
+              </a:lnSpc>
+              <a:spcBef>
+                <a:spcPts val="500"/>
+              </a:spcBef>
+              <a:buFont typeface="Arial" panose="020B0604020202020204" pitchFamily="34" charset="0"/>
+              <a:buNone/>
+              <a:defRPr kumimoji="1" sz="1600" kern="1200">
+                <a:solidFill>
+                  <a:schemeClr val="tx1"/>
+                </a:solidFill>
+                <a:latin typeface="+mn-lt"/>
+                <a:ea typeface="+mn-ea"/>
+                <a:cs typeface="+mn-cs"/>
+              </a:defRPr>
+            </a:lvl8pPr>
+            <a:lvl9pPr marL="3657600" indent="0" algn="ctr" defTabSz="914400" rtl="0" eaLnBrk="1" latinLnBrk="0" hangingPunct="1">
+              <a:lnSpc>
+                <a:spcPct val="90000"/>
+              </a:lnSpc>
+              <a:spcBef>
+                <a:spcPts val="500"/>
+              </a:spcBef>
+              <a:buFont typeface="Arial" panose="020B0604020202020204" pitchFamily="34" charset="0"/>
+              <a:buNone/>
+              <a:defRPr kumimoji="1" sz="1600" kern="1200">
+                <a:solidFill>
+                  <a:schemeClr val="tx1"/>
+                </a:solidFill>
+                <a:latin typeface="+mn-lt"/>
+                <a:ea typeface="+mn-ea"/>
+                <a:cs typeface="+mn-cs"/>
+              </a:defRPr>
+            </a:lvl9pPr>
+          </a:lstStyle>
+          <a:p>
+            <a:r>
+              <a:rPr lang="en-US" altLang="ja-JP" sz="1200" b="1" dirty="0">
+                <a:solidFill>
+                  <a:schemeClr val="bg1">
+                    <a:lumMod val="75000"/>
+                  </a:schemeClr>
+                </a:solidFill>
+                <a:latin typeface="BIZ UDPゴシック" panose="020B0400000000000000" pitchFamily="50" charset="-128"/>
+                <a:ea typeface="BIZ UDPゴシック" panose="020B0400000000000000" pitchFamily="50" charset="-128"/>
+              </a:rPr>
+              <a:t>2025.6.30</a:t>
+            </a:r>
+            <a:endParaRPr lang="ja-JP" altLang="en-US" sz="1200" b="1" dirty="0">
+              <a:solidFill>
+                <a:schemeClr val="bg1">
+                  <a:lumMod val="75000"/>
+                </a:schemeClr>
+              </a:solidFill>
+              <a:latin typeface="BIZ UDPゴシック" panose="020B0400000000000000" pitchFamily="50" charset="-128"/>
+              <a:ea typeface="BIZ UDPゴシック" panose="020B0400000000000000" pitchFamily="50" charset="-128"/>
+            </a:endParaRPr>
+          </a:p>
+        </p:txBody>
+      </p:sp>
+      <p:sp>
+        <p:nvSpPr>
+          <p:cNvPr id="3" name="タイトル 1">
+            <a:extLst>
+              <a:ext uri="{FF2B5EF4-FFF2-40B4-BE49-F238E27FC236}">
+                <a16:creationId xmlns:a16="http://schemas.microsoft.com/office/drawing/2014/main" id="{8E56325E-5008-CBC5-8645-B6A1224C9059}"/>
+              </a:ext>
+            </a:extLst>
+          </p:cNvPr>
+          <p:cNvSpPr txBox="1">
+            <a:spLocks/>
+          </p:cNvSpPr>
+          <p:nvPr/>
+        </p:nvSpPr>
+        <p:spPr>
+          <a:xfrm>
+            <a:off x="5171142" y="981929"/>
+            <a:ext cx="2355273" cy="1009651"/>
+          </a:xfrm>
+          <a:prstGeom prst="rect">
+            <a:avLst/>
+          </a:prstGeom>
+          <a:effectLst/>
+        </p:spPr>
+        <p:txBody>
+          <a:bodyPr vert="horz" lIns="91440" tIns="45720" rIns="91440" bIns="45720" rtlCol="0" anchor="ctr">
+            <a:normAutofit/>
+          </a:bodyPr>
+          <a:lstStyle>
+            <a:lvl1pPr algn="ctr" defTabSz="457200" rtl="0" eaLnBrk="1" latinLnBrk="0" hangingPunct="1">
+              <a:spcBef>
+                <a:spcPct val="0"/>
+              </a:spcBef>
+              <a:buNone/>
+              <a:defRPr kumimoji="1" sz="4400" kern="1200" cap="none">
+                <a:ln w="3175" cmpd="sng">
+                  <a:noFill/>
+                </a:ln>
+                <a:solidFill>
+                  <a:schemeClr val="tx1">
+                    <a:lumMod val="85000"/>
+                    <a:lumOff val="15000"/>
+                  </a:schemeClr>
+                </a:solidFill>
+                <a:effectLst/>
+                <a:latin typeface="+mj-lt"/>
+                <a:ea typeface="+mj-ea"/>
+                <a:cs typeface="+mj-cs"/>
+              </a:defRPr>
+            </a:lvl1pPr>
+            <a:lvl2pPr eaLnBrk="1" hangingPunct="1">
+              <a:defRPr kumimoji="1">
+                <a:solidFill>
+                  <a:schemeClr val="tx2"/>
+                </a:solidFill>
+              </a:defRPr>
+            </a:lvl2pPr>
+            <a:lvl3pPr eaLnBrk="1" hangingPunct="1">
+              <a:defRPr kumimoji="1">
+                <a:solidFill>
+                  <a:schemeClr val="tx2"/>
+                </a:solidFill>
+              </a:defRPr>
+            </a:lvl3pPr>
+            <a:lvl4pPr eaLnBrk="1" hangingPunct="1">
+              <a:defRPr kumimoji="1">
+                <a:solidFill>
+                  <a:schemeClr val="tx2"/>
+                </a:solidFill>
+              </a:defRPr>
+            </a:lvl4pPr>
+            <a:lvl5pPr eaLnBrk="1" hangingPunct="1">
+              <a:defRPr kumimoji="1">
+                <a:solidFill>
+                  <a:schemeClr val="tx2"/>
+                </a:solidFill>
+              </a:defRPr>
+            </a:lvl5pPr>
+            <a:lvl6pPr eaLnBrk="1" hangingPunct="1">
+              <a:defRPr kumimoji="1">
+                <a:solidFill>
+                  <a:schemeClr val="tx2"/>
+                </a:solidFill>
+              </a:defRPr>
+            </a:lvl6pPr>
+            <a:lvl7pPr eaLnBrk="1" hangingPunct="1">
+              <a:defRPr kumimoji="1">
+                <a:solidFill>
+                  <a:schemeClr val="tx2"/>
+                </a:solidFill>
+              </a:defRPr>
+            </a:lvl7pPr>
+            <a:lvl8pPr eaLnBrk="1" hangingPunct="1">
+              <a:defRPr kumimoji="1">
+                <a:solidFill>
+                  <a:schemeClr val="tx2"/>
+                </a:solidFill>
+              </a:defRPr>
+            </a:lvl8pPr>
+            <a:lvl9pPr eaLnBrk="1" hangingPunct="1">
+              <a:defRPr kumimoji="1">
+                <a:solidFill>
+                  <a:schemeClr val="tx2"/>
+                </a:solidFill>
+              </a:defRPr>
+            </a:lvl9pPr>
+          </a:lstStyle>
+          <a:p>
+            <a:pPr marL="0" marR="0" lvl="0" indent="0" algn="ctr" defTabSz="457200" rtl="0" eaLnBrk="1" fontAlgn="auto" latinLnBrk="0" hangingPunct="1">
+              <a:lnSpc>
+                <a:spcPct val="100000"/>
+              </a:lnSpc>
+              <a:spcBef>
+                <a:spcPct val="0"/>
+              </a:spcBef>
+              <a:spcAft>
+                <a:spcPts val="0"/>
+              </a:spcAft>
+              <a:buClrTx/>
+              <a:buSzTx/>
+              <a:buFontTx/>
+              <a:buNone/>
+              <a:tabLst/>
+              <a:defRPr/>
+            </a:pPr>
+            <a:r>
+              <a:rPr kumimoji="1" lang="ja-JP" altLang="en-US" sz="4000" b="1" i="0" u="none" strike="noStrike" kern="1200" normalizeH="0" baseline="0" noProof="0" dirty="0">
+                <a:ln w="0"/>
+                <a:solidFill>
+                  <a:srgbClr val="FF9966"/>
+                </a:solidFill>
+                <a:effectLst>
+                  <a:outerShdw blurRad="38100" dist="19050" dir="2700000" algn="tl" rotWithShape="0">
+                    <a:schemeClr val="dk1">
+                      <a:alpha val="40000"/>
+                    </a:schemeClr>
+                  </a:outerShdw>
+                </a:effectLst>
+                <a:uLnTx/>
+                <a:uFillTx/>
+                <a:latin typeface="BIZ UDPゴシック" panose="020B0400000000000000" pitchFamily="50" charset="-128"/>
+                <a:ea typeface="BIZ UDPゴシック" panose="020B0400000000000000" pitchFamily="50" charset="-128"/>
+                <a:cs typeface="+mj-cs"/>
+              </a:rPr>
+              <a:t>開発担当</a:t>
+            </a:r>
+          </a:p>
+        </p:txBody>
+      </p:sp>
+      <p:sp>
+        <p:nvSpPr>
+          <p:cNvPr id="2" name="テキスト ボックス 1">
+            <a:extLst>
+              <a:ext uri="{FF2B5EF4-FFF2-40B4-BE49-F238E27FC236}">
+                <a16:creationId xmlns:a16="http://schemas.microsoft.com/office/drawing/2014/main" id="{C16DB065-DB33-9FA7-012F-68D9BE3C8FD1}"/>
+              </a:ext>
+            </a:extLst>
+          </p:cNvPr>
+          <p:cNvSpPr txBox="1"/>
+          <p:nvPr/>
+        </p:nvSpPr>
+        <p:spPr>
+          <a:xfrm>
+            <a:off x="2792497" y="2382648"/>
+            <a:ext cx="7615859" cy="2308324"/>
+          </a:xfrm>
+          <a:prstGeom prst="rect">
+            <a:avLst/>
+          </a:prstGeom>
+          <a:noFill/>
+        </p:spPr>
+        <p:txBody>
+          <a:bodyPr wrap="square" rtlCol="0">
+            <a:spAutoFit/>
+          </a:bodyPr>
+          <a:lstStyle/>
+          <a:p>
+            <a:r>
+              <a:rPr kumimoji="1" lang="ja-JP" altLang="en-US" b="1" dirty="0">
+                <a:solidFill>
+                  <a:schemeClr val="bg2">
+                    <a:lumMod val="25000"/>
+                  </a:schemeClr>
+                </a:solidFill>
+                <a:latin typeface="BIZ UDPゴシック" panose="020B0400000000000000" pitchFamily="50" charset="-128"/>
+                <a:ea typeface="BIZ UDPゴシック" panose="020B0400000000000000" pitchFamily="50" charset="-128"/>
+              </a:rPr>
+              <a:t>ログイン画面、イベント画面：二上</a:t>
+            </a:r>
+            <a:endParaRPr kumimoji="1" lang="en-US" altLang="ja-JP" b="1" dirty="0">
+              <a:solidFill>
+                <a:schemeClr val="bg2">
+                  <a:lumMod val="25000"/>
+                </a:schemeClr>
+              </a:solidFill>
+              <a:latin typeface="BIZ UDPゴシック" panose="020B0400000000000000" pitchFamily="50" charset="-128"/>
+              <a:ea typeface="BIZ UDPゴシック" panose="020B0400000000000000" pitchFamily="50" charset="-128"/>
+            </a:endParaRPr>
+          </a:p>
+          <a:p>
+            <a:endParaRPr lang="en-US" altLang="ja-JP" b="1" dirty="0">
+              <a:solidFill>
+                <a:schemeClr val="bg2">
+                  <a:lumMod val="25000"/>
+                </a:schemeClr>
+              </a:solidFill>
+              <a:latin typeface="BIZ UDPゴシック" panose="020B0400000000000000" pitchFamily="50" charset="-128"/>
+              <a:ea typeface="BIZ UDPゴシック" panose="020B0400000000000000" pitchFamily="50" charset="-128"/>
+            </a:endParaRPr>
+          </a:p>
+          <a:p>
+            <a:r>
+              <a:rPr lang="ja-JP" altLang="en-US" b="1" dirty="0">
+                <a:solidFill>
+                  <a:schemeClr val="bg2">
+                    <a:lumMod val="25000"/>
+                  </a:schemeClr>
+                </a:solidFill>
+                <a:latin typeface="BIZ UDPゴシック" panose="020B0400000000000000" pitchFamily="50" charset="-128"/>
+                <a:ea typeface="BIZ UDPゴシック" panose="020B0400000000000000" pitchFamily="50" charset="-128"/>
+              </a:rPr>
+              <a:t>店長の登録画面、店員のパスワード変更画面、従業員一覧画面：川﨑</a:t>
+            </a:r>
+            <a:endParaRPr lang="en-US" altLang="ja-JP" b="1" dirty="0">
+              <a:solidFill>
+                <a:schemeClr val="bg2">
+                  <a:lumMod val="25000"/>
+                </a:schemeClr>
+              </a:solidFill>
+              <a:latin typeface="BIZ UDPゴシック" panose="020B0400000000000000" pitchFamily="50" charset="-128"/>
+              <a:ea typeface="BIZ UDPゴシック" panose="020B0400000000000000" pitchFamily="50" charset="-128"/>
+            </a:endParaRPr>
+          </a:p>
+          <a:p>
+            <a:endParaRPr kumimoji="1" lang="en-US" altLang="ja-JP" b="1" dirty="0">
+              <a:solidFill>
+                <a:schemeClr val="bg2">
+                  <a:lumMod val="25000"/>
+                </a:schemeClr>
+              </a:solidFill>
+              <a:latin typeface="BIZ UDPゴシック" panose="020B0400000000000000" pitchFamily="50" charset="-128"/>
+              <a:ea typeface="BIZ UDPゴシック" panose="020B0400000000000000" pitchFamily="50" charset="-128"/>
+            </a:endParaRPr>
+          </a:p>
+          <a:p>
+            <a:r>
+              <a:rPr lang="ja-JP" altLang="en-US" b="1" dirty="0">
+                <a:solidFill>
+                  <a:schemeClr val="bg2">
+                    <a:lumMod val="25000"/>
+                  </a:schemeClr>
+                </a:solidFill>
+                <a:latin typeface="BIZ UDPゴシック" panose="020B0400000000000000" pitchFamily="50" charset="-128"/>
+                <a:ea typeface="BIZ UDPゴシック" panose="020B0400000000000000" pitchFamily="50" charset="-128"/>
+              </a:rPr>
+              <a:t>カレンダー画面（イベント、シフトの切替）：青木</a:t>
+            </a:r>
+            <a:endParaRPr lang="en-US" altLang="ja-JP" b="1" dirty="0">
+              <a:solidFill>
+                <a:schemeClr val="bg2">
+                  <a:lumMod val="25000"/>
+                </a:schemeClr>
+              </a:solidFill>
+              <a:latin typeface="BIZ UDPゴシック" panose="020B0400000000000000" pitchFamily="50" charset="-128"/>
+              <a:ea typeface="BIZ UDPゴシック" panose="020B0400000000000000" pitchFamily="50" charset="-128"/>
+            </a:endParaRPr>
+          </a:p>
+          <a:p>
+            <a:endParaRPr kumimoji="1" lang="en-US" altLang="ja-JP" b="1" dirty="0">
+              <a:solidFill>
+                <a:schemeClr val="bg2">
+                  <a:lumMod val="25000"/>
+                </a:schemeClr>
+              </a:solidFill>
+              <a:latin typeface="BIZ UDPゴシック" panose="020B0400000000000000" pitchFamily="50" charset="-128"/>
+              <a:ea typeface="BIZ UDPゴシック" panose="020B0400000000000000" pitchFamily="50" charset="-128"/>
+            </a:endParaRPr>
+          </a:p>
+          <a:p>
+            <a:r>
+              <a:rPr lang="ja-JP" altLang="en-US" b="1" dirty="0">
+                <a:solidFill>
+                  <a:schemeClr val="bg2">
+                    <a:lumMod val="25000"/>
+                  </a:schemeClr>
+                </a:solidFill>
+                <a:latin typeface="BIZ UDPゴシック" panose="020B0400000000000000" pitchFamily="50" charset="-128"/>
+                <a:ea typeface="BIZ UDPゴシック" panose="020B0400000000000000" pitchFamily="50" charset="-128"/>
+              </a:rPr>
+              <a:t>店長、店員シフト画面：村井</a:t>
+            </a:r>
+            <a:endParaRPr kumimoji="1" lang="en-US" altLang="ja-JP" b="1" dirty="0">
+              <a:solidFill>
+                <a:schemeClr val="bg2">
+                  <a:lumMod val="25000"/>
+                </a:schemeClr>
+              </a:solidFill>
+              <a:latin typeface="BIZ UDPゴシック" panose="020B0400000000000000" pitchFamily="50" charset="-128"/>
+              <a:ea typeface="BIZ UDPゴシック" panose="020B0400000000000000" pitchFamily="50" charset="-128"/>
+            </a:endParaRPr>
+          </a:p>
+          <a:p>
+            <a:endParaRPr kumimoji="1" lang="ja-JP" altLang="en-US" dirty="0"/>
+          </a:p>
+        </p:txBody>
+      </p:sp>
+    </p:spTree>
+    <p:extLst>
+      <p:ext uri="{BB962C8B-B14F-4D97-AF65-F5344CB8AC3E}">
+        <p14:creationId xmlns:p14="http://schemas.microsoft.com/office/powerpoint/2010/main" val="617995699"/>
+      </p:ext>
+    </p:extLst>
+  </p:cSld>
+  <p:clrMapOvr>
+    <a:masterClrMapping/>
+  </p:clrMapOvr>
+</p:sld>
+</file>
+
+<file path=ppt/slides/slide12.xml><?xml version="1.0" encoding="utf-8"?>
+<p:sld xmlns:a="http://schemas.openxmlformats.org/drawingml/2006/main" xmlns:r="http://schemas.openxmlformats.org/officeDocument/2006/relationships" xmlns:p="http://schemas.openxmlformats.org/presentationml/2006/main">
+  <p:cSld>
+    <p:spTree>
+      <p:nvGrpSpPr>
+        <p:cNvPr id="1" name="">
+          <a:extLst>
+            <a:ext uri="{FF2B5EF4-FFF2-40B4-BE49-F238E27FC236}">
+              <a16:creationId xmlns:a16="http://schemas.microsoft.com/office/drawing/2014/main" id="{83ACA423-3FA8-3E37-1A28-40749D5189C7}"/>
+            </a:ext>
+          </a:extLst>
+        </p:cNvPr>
+        <p:cNvGrpSpPr/>
+        <p:nvPr/>
+      </p:nvGrpSpPr>
+      <p:grpSpPr>
+        <a:xfrm>
+          <a:off x="0" y="0"/>
+          <a:ext cx="0" cy="0"/>
+          <a:chOff x="0" y="0"/>
+          <a:chExt cx="0" cy="0"/>
+        </a:xfrm>
+      </p:grpSpPr>
+      <p:pic>
+        <p:nvPicPr>
+          <p:cNvPr id="11" name="図 10" descr="背景パターン&#10;&#10;AI 生成コンテンツは誤りを含む可能性があります。">
+            <a:extLst>
+              <a:ext uri="{FF2B5EF4-FFF2-40B4-BE49-F238E27FC236}">
+                <a16:creationId xmlns:a16="http://schemas.microsoft.com/office/drawing/2014/main" id="{7885D5B9-2ABA-355B-CC55-B78B34E8CAEF}"/>
+              </a:ext>
+            </a:extLst>
+          </p:cNvPr>
+          <p:cNvPicPr>
+            <a:picLocks noChangeAspect="1"/>
+          </p:cNvPicPr>
+          <p:nvPr/>
+        </p:nvPicPr>
+        <p:blipFill>
+          <a:blip r:embed="rId2">
+            <a:extLst>
+              <a:ext uri="{28A0092B-C50C-407E-A947-70E740481C1C}">
+                <a14:useLocalDpi xmlns:a14="http://schemas.microsoft.com/office/drawing/2010/main" val="0"/>
+              </a:ext>
+            </a:extLst>
+          </a:blip>
+          <a:stretch>
+            <a:fillRect/>
+          </a:stretch>
+        </p:blipFill>
+        <p:spPr>
+          <a:xfrm>
+            <a:off x="0" y="0"/>
+            <a:ext cx="12192000" cy="6858000"/>
+          </a:xfrm>
+          <a:prstGeom prst="rect">
+            <a:avLst/>
+          </a:prstGeom>
+        </p:spPr>
+      </p:pic>
+      <p:sp>
+        <p:nvSpPr>
+          <p:cNvPr id="12" name="正方形/長方形 11">
+            <a:extLst>
+              <a:ext uri="{FF2B5EF4-FFF2-40B4-BE49-F238E27FC236}">
+                <a16:creationId xmlns:a16="http://schemas.microsoft.com/office/drawing/2014/main" id="{A9518143-48E1-C02B-0B4D-77816F816DBF}"/>
+              </a:ext>
+            </a:extLst>
+          </p:cNvPr>
+          <p:cNvSpPr/>
+          <p:nvPr/>
+        </p:nvSpPr>
+        <p:spPr>
+          <a:xfrm>
+            <a:off x="949570" y="771873"/>
+            <a:ext cx="10603522" cy="5314253"/>
+          </a:xfrm>
+          <a:prstGeom prst="rect">
+            <a:avLst/>
+          </a:prstGeom>
+          <a:ln>
+            <a:solidFill>
+              <a:srgbClr val="FFCC99"/>
+            </a:solidFill>
+          </a:ln>
+        </p:spPr>
+        <p:style>
+          <a:lnRef idx="2">
+            <a:schemeClr val="accent6"/>
+          </a:lnRef>
+          <a:fillRef idx="1">
+            <a:schemeClr val="lt1"/>
+          </a:fillRef>
+          <a:effectRef idx="0">
+            <a:schemeClr val="accent6"/>
+          </a:effectRef>
+          <a:fontRef idx="minor">
+            <a:schemeClr val="dk1"/>
+          </a:fontRef>
+        </p:style>
+        <p:txBody>
+          <a:bodyPr rtlCol="0" anchor="ctr"/>
+          <a:lstStyle/>
+          <a:p>
+            <a:pPr algn="ctr"/>
+            <a:endParaRPr kumimoji="1" lang="ja-JP" altLang="en-US">
+              <a:solidFill>
+                <a:srgbClr val="FFCC66"/>
+              </a:solidFill>
+            </a:endParaRPr>
+          </a:p>
+        </p:txBody>
+      </p:sp>
+      <p:cxnSp>
+        <p:nvCxnSpPr>
+          <p:cNvPr id="15" name="直線コネクタ 14">
+            <a:extLst>
+              <a:ext uri="{FF2B5EF4-FFF2-40B4-BE49-F238E27FC236}">
+                <a16:creationId xmlns:a16="http://schemas.microsoft.com/office/drawing/2014/main" id="{2C2FEEE2-07D0-3C31-8951-7705C4C9792B}"/>
+              </a:ext>
+            </a:extLst>
+          </p:cNvPr>
+          <p:cNvCxnSpPr>
+            <a:cxnSpLocks/>
+          </p:cNvCxnSpPr>
+          <p:nvPr/>
+        </p:nvCxnSpPr>
+        <p:spPr>
+          <a:xfrm>
+            <a:off x="2286047" y="1908149"/>
+            <a:ext cx="8459666" cy="0"/>
+          </a:xfrm>
+          <a:prstGeom prst="line">
+            <a:avLst/>
+          </a:prstGeom>
+          <a:ln>
+            <a:solidFill>
+              <a:srgbClr val="FFCC66"/>
+            </a:solidFill>
+          </a:ln>
+        </p:spPr>
+        <p:style>
+          <a:lnRef idx="1">
+            <a:schemeClr val="accent6"/>
+          </a:lnRef>
+          <a:fillRef idx="0">
+            <a:schemeClr val="accent6"/>
+          </a:fillRef>
+          <a:effectRef idx="0">
+            <a:schemeClr val="accent6"/>
+          </a:effectRef>
+          <a:fontRef idx="minor">
+            <a:schemeClr val="tx1"/>
+          </a:fontRef>
+        </p:style>
+      </p:cxnSp>
+      <p:sp>
+        <p:nvSpPr>
+          <p:cNvPr id="21" name="字幕 2">
+            <a:extLst>
+              <a:ext uri="{FF2B5EF4-FFF2-40B4-BE49-F238E27FC236}">
+                <a16:creationId xmlns:a16="http://schemas.microsoft.com/office/drawing/2014/main" id="{4F2DC26C-D48E-E981-7225-F363DA749E44}"/>
+              </a:ext>
+            </a:extLst>
+          </p:cNvPr>
+          <p:cNvSpPr txBox="1">
+            <a:spLocks/>
+          </p:cNvSpPr>
+          <p:nvPr/>
+        </p:nvSpPr>
+        <p:spPr>
+          <a:xfrm>
+            <a:off x="9718966" y="5552608"/>
+            <a:ext cx="2053494" cy="378513"/>
+          </a:xfrm>
+          <a:prstGeom prst="rect">
+            <a:avLst/>
+          </a:prstGeom>
+        </p:spPr>
+        <p:txBody>
+          <a:bodyPr vert="horz" lIns="91440" tIns="45720" rIns="91440" bIns="45720" rtlCol="0">
+            <a:normAutofit/>
+          </a:bodyPr>
+          <a:lstStyle>
+            <a:lvl1pPr marL="0" indent="0" algn="ctr" defTabSz="914400" rtl="0" eaLnBrk="1" latinLnBrk="0" hangingPunct="1">
+              <a:lnSpc>
+                <a:spcPct val="90000"/>
+              </a:lnSpc>
+              <a:spcBef>
+                <a:spcPts val="1000"/>
+              </a:spcBef>
+              <a:buFont typeface="Arial" panose="020B0604020202020204" pitchFamily="34" charset="0"/>
+              <a:buNone/>
+              <a:defRPr kumimoji="1" sz="2400" kern="1200">
+                <a:solidFill>
+                  <a:schemeClr val="tx1"/>
+                </a:solidFill>
+                <a:latin typeface="+mn-lt"/>
+                <a:ea typeface="+mn-ea"/>
+                <a:cs typeface="+mn-cs"/>
+              </a:defRPr>
+            </a:lvl1pPr>
+            <a:lvl2pPr marL="457200" indent="0" algn="ctr" defTabSz="914400" rtl="0" eaLnBrk="1" latinLnBrk="0" hangingPunct="1">
+              <a:lnSpc>
+                <a:spcPct val="90000"/>
+              </a:lnSpc>
+              <a:spcBef>
+                <a:spcPts val="500"/>
+              </a:spcBef>
+              <a:buFont typeface="Arial" panose="020B0604020202020204" pitchFamily="34" charset="0"/>
+              <a:buNone/>
+              <a:defRPr kumimoji="1" sz="2000" kern="1200">
+                <a:solidFill>
+                  <a:schemeClr val="tx1"/>
+                </a:solidFill>
+                <a:latin typeface="+mn-lt"/>
+                <a:ea typeface="+mn-ea"/>
+                <a:cs typeface="+mn-cs"/>
+              </a:defRPr>
+            </a:lvl2pPr>
+            <a:lvl3pPr marL="914400" indent="0" algn="ctr" defTabSz="914400" rtl="0" eaLnBrk="1" latinLnBrk="0" hangingPunct="1">
+              <a:lnSpc>
+                <a:spcPct val="90000"/>
+              </a:lnSpc>
+              <a:spcBef>
+                <a:spcPts val="500"/>
+              </a:spcBef>
+              <a:buFont typeface="Arial" panose="020B0604020202020204" pitchFamily="34" charset="0"/>
+              <a:buNone/>
+              <a:defRPr kumimoji="1" sz="1800" kern="1200">
+                <a:solidFill>
+                  <a:schemeClr val="tx1"/>
+                </a:solidFill>
+                <a:latin typeface="+mn-lt"/>
+                <a:ea typeface="+mn-ea"/>
+                <a:cs typeface="+mn-cs"/>
+              </a:defRPr>
+            </a:lvl3pPr>
+            <a:lvl4pPr marL="1371600" indent="0" algn="ctr" defTabSz="914400" rtl="0" eaLnBrk="1" latinLnBrk="0" hangingPunct="1">
+              <a:lnSpc>
+                <a:spcPct val="90000"/>
+              </a:lnSpc>
+              <a:spcBef>
+                <a:spcPts val="500"/>
+              </a:spcBef>
+              <a:buFont typeface="Arial" panose="020B0604020202020204" pitchFamily="34" charset="0"/>
+              <a:buNone/>
+              <a:defRPr kumimoji="1" sz="1600" kern="1200">
+                <a:solidFill>
+                  <a:schemeClr val="tx1"/>
+                </a:solidFill>
+                <a:latin typeface="+mn-lt"/>
+                <a:ea typeface="+mn-ea"/>
+                <a:cs typeface="+mn-cs"/>
+              </a:defRPr>
+            </a:lvl4pPr>
+            <a:lvl5pPr marL="1828800" indent="0" algn="ctr" defTabSz="914400" rtl="0" eaLnBrk="1" latinLnBrk="0" hangingPunct="1">
+              <a:lnSpc>
+                <a:spcPct val="90000"/>
+              </a:lnSpc>
+              <a:spcBef>
+                <a:spcPts val="500"/>
+              </a:spcBef>
+              <a:buFont typeface="Arial" panose="020B0604020202020204" pitchFamily="34" charset="0"/>
+              <a:buNone/>
+              <a:defRPr kumimoji="1" sz="1600" kern="1200">
+                <a:solidFill>
+                  <a:schemeClr val="tx1"/>
+                </a:solidFill>
+                <a:latin typeface="+mn-lt"/>
+                <a:ea typeface="+mn-ea"/>
+                <a:cs typeface="+mn-cs"/>
+              </a:defRPr>
+            </a:lvl5pPr>
+            <a:lvl6pPr marL="2286000" indent="0" algn="ctr" defTabSz="914400" rtl="0" eaLnBrk="1" latinLnBrk="0" hangingPunct="1">
+              <a:lnSpc>
+                <a:spcPct val="90000"/>
+              </a:lnSpc>
+              <a:spcBef>
+                <a:spcPts val="500"/>
+              </a:spcBef>
+              <a:buFont typeface="Arial" panose="020B0604020202020204" pitchFamily="34" charset="0"/>
+              <a:buNone/>
+              <a:defRPr kumimoji="1" sz="1600" kern="1200">
+                <a:solidFill>
+                  <a:schemeClr val="tx1"/>
+                </a:solidFill>
+                <a:latin typeface="+mn-lt"/>
+                <a:ea typeface="+mn-ea"/>
+                <a:cs typeface="+mn-cs"/>
+              </a:defRPr>
+            </a:lvl6pPr>
+            <a:lvl7pPr marL="2743200" indent="0" algn="ctr" defTabSz="914400" rtl="0" eaLnBrk="1" latinLnBrk="0" hangingPunct="1">
+              <a:lnSpc>
+                <a:spcPct val="90000"/>
+              </a:lnSpc>
+              <a:spcBef>
+                <a:spcPts val="500"/>
+              </a:spcBef>
+              <a:buFont typeface="Arial" panose="020B0604020202020204" pitchFamily="34" charset="0"/>
+              <a:buNone/>
+              <a:defRPr kumimoji="1" sz="1600" kern="1200">
+                <a:solidFill>
+                  <a:schemeClr val="tx1"/>
+                </a:solidFill>
+                <a:latin typeface="+mn-lt"/>
+                <a:ea typeface="+mn-ea"/>
+                <a:cs typeface="+mn-cs"/>
+              </a:defRPr>
+            </a:lvl7pPr>
+            <a:lvl8pPr marL="3200400" indent="0" algn="ctr" defTabSz="914400" rtl="0" eaLnBrk="1" latinLnBrk="0" hangingPunct="1">
+              <a:lnSpc>
+                <a:spcPct val="90000"/>
+              </a:lnSpc>
+              <a:spcBef>
+                <a:spcPts val="500"/>
+              </a:spcBef>
+              <a:buFont typeface="Arial" panose="020B0604020202020204" pitchFamily="34" charset="0"/>
+              <a:buNone/>
+              <a:defRPr kumimoji="1" sz="1600" kern="1200">
+                <a:solidFill>
+                  <a:schemeClr val="tx1"/>
+                </a:solidFill>
+                <a:latin typeface="+mn-lt"/>
+                <a:ea typeface="+mn-ea"/>
+                <a:cs typeface="+mn-cs"/>
+              </a:defRPr>
+            </a:lvl8pPr>
+            <a:lvl9pPr marL="3657600" indent="0" algn="ctr" defTabSz="914400" rtl="0" eaLnBrk="1" latinLnBrk="0" hangingPunct="1">
+              <a:lnSpc>
+                <a:spcPct val="90000"/>
+              </a:lnSpc>
+              <a:spcBef>
+                <a:spcPts val="500"/>
+              </a:spcBef>
+              <a:buFont typeface="Arial" panose="020B0604020202020204" pitchFamily="34" charset="0"/>
+              <a:buNone/>
+              <a:defRPr kumimoji="1" sz="1600" kern="1200">
+                <a:solidFill>
+                  <a:schemeClr val="tx1"/>
+                </a:solidFill>
+                <a:latin typeface="+mn-lt"/>
+                <a:ea typeface="+mn-ea"/>
+                <a:cs typeface="+mn-cs"/>
+              </a:defRPr>
+            </a:lvl9pPr>
+          </a:lstStyle>
+          <a:p>
+            <a:r>
+              <a:rPr lang="en-US" altLang="ja-JP" sz="1200" b="1" dirty="0">
+                <a:solidFill>
+                  <a:schemeClr val="bg1">
+                    <a:lumMod val="75000"/>
+                  </a:schemeClr>
+                </a:solidFill>
+                <a:latin typeface="BIZ UDPゴシック" panose="020B0400000000000000" pitchFamily="50" charset="-128"/>
+                <a:ea typeface="BIZ UDPゴシック" panose="020B0400000000000000" pitchFamily="50" charset="-128"/>
+              </a:rPr>
+              <a:t>2025.6.30</a:t>
+            </a:r>
+            <a:endParaRPr lang="ja-JP" altLang="en-US" sz="1200" b="1" dirty="0">
+              <a:solidFill>
+                <a:schemeClr val="bg1">
+                  <a:lumMod val="75000"/>
+                </a:schemeClr>
+              </a:solidFill>
+              <a:latin typeface="BIZ UDPゴシック" panose="020B0400000000000000" pitchFamily="50" charset="-128"/>
+              <a:ea typeface="BIZ UDPゴシック" panose="020B0400000000000000" pitchFamily="50" charset="-128"/>
+            </a:endParaRPr>
+          </a:p>
+        </p:txBody>
+      </p:sp>
+      <p:sp>
+        <p:nvSpPr>
+          <p:cNvPr id="3" name="タイトル 1">
+            <a:extLst>
+              <a:ext uri="{FF2B5EF4-FFF2-40B4-BE49-F238E27FC236}">
+                <a16:creationId xmlns:a16="http://schemas.microsoft.com/office/drawing/2014/main" id="{D56D992D-6B49-08C3-1667-F35977112411}"/>
+              </a:ext>
+            </a:extLst>
+          </p:cNvPr>
+          <p:cNvSpPr txBox="1">
+            <a:spLocks/>
+          </p:cNvSpPr>
+          <p:nvPr/>
+        </p:nvSpPr>
+        <p:spPr>
+          <a:xfrm>
+            <a:off x="5171142" y="981929"/>
+            <a:ext cx="2355273" cy="1009651"/>
+          </a:xfrm>
+          <a:prstGeom prst="rect">
+            <a:avLst/>
+          </a:prstGeom>
+          <a:effectLst/>
+        </p:spPr>
+        <p:txBody>
+          <a:bodyPr vert="horz" lIns="91440" tIns="45720" rIns="91440" bIns="45720" rtlCol="0" anchor="ctr">
+            <a:normAutofit/>
+          </a:bodyPr>
+          <a:lstStyle>
+            <a:lvl1pPr algn="ctr" defTabSz="457200" rtl="0" eaLnBrk="1" latinLnBrk="0" hangingPunct="1">
+              <a:spcBef>
+                <a:spcPct val="0"/>
+              </a:spcBef>
+              <a:buNone/>
+              <a:defRPr kumimoji="1" sz="4400" kern="1200" cap="none">
+                <a:ln w="3175" cmpd="sng">
+                  <a:noFill/>
+                </a:ln>
+                <a:solidFill>
+                  <a:schemeClr val="tx1">
+                    <a:lumMod val="85000"/>
+                    <a:lumOff val="15000"/>
+                  </a:schemeClr>
+                </a:solidFill>
+                <a:effectLst/>
+                <a:latin typeface="+mj-lt"/>
+                <a:ea typeface="+mj-ea"/>
+                <a:cs typeface="+mj-cs"/>
+              </a:defRPr>
+            </a:lvl1pPr>
+            <a:lvl2pPr eaLnBrk="1" hangingPunct="1">
+              <a:defRPr kumimoji="1">
+                <a:solidFill>
+                  <a:schemeClr val="tx2"/>
+                </a:solidFill>
+              </a:defRPr>
+            </a:lvl2pPr>
+            <a:lvl3pPr eaLnBrk="1" hangingPunct="1">
+              <a:defRPr kumimoji="1">
+                <a:solidFill>
+                  <a:schemeClr val="tx2"/>
+                </a:solidFill>
+              </a:defRPr>
+            </a:lvl3pPr>
+            <a:lvl4pPr eaLnBrk="1" hangingPunct="1">
+              <a:defRPr kumimoji="1">
+                <a:solidFill>
+                  <a:schemeClr val="tx2"/>
+                </a:solidFill>
+              </a:defRPr>
+            </a:lvl4pPr>
+            <a:lvl5pPr eaLnBrk="1" hangingPunct="1">
+              <a:defRPr kumimoji="1">
+                <a:solidFill>
+                  <a:schemeClr val="tx2"/>
+                </a:solidFill>
+              </a:defRPr>
+            </a:lvl5pPr>
+            <a:lvl6pPr eaLnBrk="1" hangingPunct="1">
+              <a:defRPr kumimoji="1">
+                <a:solidFill>
+                  <a:schemeClr val="tx2"/>
+                </a:solidFill>
+              </a:defRPr>
+            </a:lvl6pPr>
+            <a:lvl7pPr eaLnBrk="1" hangingPunct="1">
+              <a:defRPr kumimoji="1">
+                <a:solidFill>
+                  <a:schemeClr val="tx2"/>
+                </a:solidFill>
+              </a:defRPr>
+            </a:lvl7pPr>
+            <a:lvl8pPr eaLnBrk="1" hangingPunct="1">
+              <a:defRPr kumimoji="1">
+                <a:solidFill>
+                  <a:schemeClr val="tx2"/>
+                </a:solidFill>
+              </a:defRPr>
+            </a:lvl8pPr>
+            <a:lvl9pPr eaLnBrk="1" hangingPunct="1">
+              <a:defRPr kumimoji="1">
+                <a:solidFill>
+                  <a:schemeClr val="tx2"/>
+                </a:solidFill>
+              </a:defRPr>
+            </a:lvl9pPr>
+          </a:lstStyle>
+          <a:p>
+            <a:pPr marL="0" marR="0" lvl="0" indent="0" algn="ctr" defTabSz="457200" rtl="0" eaLnBrk="1" fontAlgn="auto" latinLnBrk="0" hangingPunct="1">
+              <a:lnSpc>
+                <a:spcPct val="100000"/>
+              </a:lnSpc>
+              <a:spcBef>
+                <a:spcPct val="0"/>
+              </a:spcBef>
+              <a:spcAft>
+                <a:spcPts val="0"/>
+              </a:spcAft>
+              <a:buClrTx/>
+              <a:buSzTx/>
+              <a:buFontTx/>
+              <a:buNone/>
+              <a:tabLst/>
+              <a:defRPr/>
+            </a:pPr>
+            <a:r>
+              <a:rPr lang="ja-JP" altLang="en-US" sz="4000" b="1" dirty="0">
+                <a:ln w="0"/>
+                <a:solidFill>
+                  <a:srgbClr val="FF9966"/>
+                </a:solidFill>
+                <a:effectLst>
+                  <a:outerShdw blurRad="38100" dist="19050" dir="2700000" algn="tl" rotWithShape="0">
+                    <a:schemeClr val="dk1">
+                      <a:alpha val="40000"/>
+                    </a:schemeClr>
+                  </a:outerShdw>
+                </a:effectLst>
+                <a:latin typeface="BIZ UDPゴシック" panose="020B0400000000000000" pitchFamily="50" charset="-128"/>
+                <a:ea typeface="BIZ UDPゴシック" panose="020B0400000000000000" pitchFamily="50" charset="-128"/>
+              </a:rPr>
+              <a:t>効果</a:t>
+            </a:r>
+            <a:endParaRPr kumimoji="1" lang="ja-JP" altLang="en-US" sz="4000" b="1" i="0" u="none" strike="noStrike" kern="1200" normalizeH="0" baseline="0" noProof="0" dirty="0">
+              <a:ln w="0"/>
+              <a:solidFill>
+                <a:srgbClr val="FF9966"/>
+              </a:solidFill>
+              <a:effectLst>
+                <a:outerShdw blurRad="38100" dist="19050" dir="2700000" algn="tl" rotWithShape="0">
+                  <a:schemeClr val="dk1">
+                    <a:alpha val="40000"/>
+                  </a:schemeClr>
+                </a:outerShdw>
+              </a:effectLst>
+              <a:uLnTx/>
+              <a:uFillTx/>
+              <a:latin typeface="BIZ UDPゴシック" panose="020B0400000000000000" pitchFamily="50" charset="-128"/>
+              <a:ea typeface="BIZ UDPゴシック" panose="020B0400000000000000" pitchFamily="50" charset="-128"/>
+              <a:cs typeface="+mj-cs"/>
+            </a:endParaRPr>
+          </a:p>
+        </p:txBody>
+      </p:sp>
+      <p:sp>
+        <p:nvSpPr>
+          <p:cNvPr id="2" name="テキスト ボックス 1">
+            <a:extLst>
+              <a:ext uri="{FF2B5EF4-FFF2-40B4-BE49-F238E27FC236}">
+                <a16:creationId xmlns:a16="http://schemas.microsoft.com/office/drawing/2014/main" id="{8A3C38C3-65DA-484C-B0C5-19942D0F9059}"/>
+              </a:ext>
+            </a:extLst>
+          </p:cNvPr>
+          <p:cNvSpPr txBox="1"/>
+          <p:nvPr/>
+        </p:nvSpPr>
+        <p:spPr>
+          <a:xfrm>
+            <a:off x="2792497" y="2382648"/>
+            <a:ext cx="7615859" cy="2862322"/>
+          </a:xfrm>
+          <a:prstGeom prst="rect">
+            <a:avLst/>
+          </a:prstGeom>
+          <a:noFill/>
+        </p:spPr>
+        <p:txBody>
+          <a:bodyPr wrap="square" rtlCol="0">
+            <a:spAutoFit/>
+          </a:bodyPr>
+          <a:lstStyle/>
+          <a:p>
+            <a:r>
+              <a:rPr kumimoji="1" lang="ja-JP" altLang="en-US" b="1" u="sng" dirty="0">
+                <a:latin typeface="BIZ UDPゴシック" panose="020B0400000000000000" pitchFamily="50" charset="-128"/>
+                <a:ea typeface="BIZ UDPゴシック" panose="020B0400000000000000" pitchFamily="50" charset="-128"/>
+              </a:rPr>
+              <a:t>定量的効果</a:t>
+            </a:r>
+            <a:endParaRPr kumimoji="1" lang="en-US" altLang="ja-JP" b="1" u="sng" dirty="0">
+              <a:latin typeface="BIZ UDPゴシック" panose="020B0400000000000000" pitchFamily="50" charset="-128"/>
+              <a:ea typeface="BIZ UDPゴシック" panose="020B0400000000000000" pitchFamily="50" charset="-128"/>
+            </a:endParaRPr>
+          </a:p>
+          <a:p>
+            <a:endParaRPr lang="en-US" altLang="ja-JP" b="1" dirty="0">
+              <a:latin typeface="BIZ UDPゴシック" panose="020B0400000000000000" pitchFamily="50" charset="-128"/>
+              <a:ea typeface="BIZ UDPゴシック" panose="020B0400000000000000" pitchFamily="50" charset="-128"/>
+            </a:endParaRPr>
+          </a:p>
+          <a:p>
+            <a:r>
+              <a:rPr kumimoji="1" lang="ja-JP" altLang="en-US" b="1" dirty="0">
+                <a:latin typeface="BIZ UDPゴシック" panose="020B0400000000000000" pitchFamily="50" charset="-128"/>
+                <a:ea typeface="BIZ UDPゴシック" panose="020B0400000000000000" pitchFamily="50" charset="-128"/>
+              </a:rPr>
+              <a:t>従来</a:t>
+            </a:r>
+            <a:r>
+              <a:rPr lang="ja-JP" altLang="en-US" b="1" dirty="0">
+                <a:latin typeface="BIZ UDPゴシック" panose="020B0400000000000000" pitchFamily="50" charset="-128"/>
+                <a:ea typeface="BIZ UDPゴシック" panose="020B0400000000000000" pitchFamily="50" charset="-128"/>
+              </a:rPr>
+              <a:t>：</a:t>
+            </a:r>
+            <a:endParaRPr lang="en-US" altLang="ja-JP" b="1" dirty="0">
+              <a:latin typeface="BIZ UDPゴシック" panose="020B0400000000000000" pitchFamily="50" charset="-128"/>
+              <a:ea typeface="BIZ UDPゴシック" panose="020B0400000000000000" pitchFamily="50" charset="-128"/>
+            </a:endParaRPr>
+          </a:p>
+          <a:p>
+            <a:r>
+              <a:rPr kumimoji="1" lang="ja-JP" altLang="en-US" b="1" dirty="0">
+                <a:latin typeface="BIZ UDPゴシック" panose="020B0400000000000000" pitchFamily="50" charset="-128"/>
+                <a:ea typeface="BIZ UDPゴシック" panose="020B0400000000000000" pitchFamily="50" charset="-128"/>
+              </a:rPr>
+              <a:t>営業時間中</a:t>
+            </a:r>
+            <a:r>
+              <a:rPr lang="ja-JP" altLang="en-US" b="1" dirty="0">
+                <a:latin typeface="BIZ UDPゴシック" panose="020B0400000000000000" pitchFamily="50" charset="-128"/>
+                <a:ea typeface="BIZ UDPゴシック" panose="020B0400000000000000" pitchFamily="50" charset="-128"/>
+              </a:rPr>
+              <a:t>のシフト作成不可。</a:t>
+            </a:r>
+            <a:r>
+              <a:rPr kumimoji="1" lang="ja-JP" altLang="en-US" b="1" dirty="0">
+                <a:latin typeface="BIZ UDPゴシック" panose="020B0400000000000000" pitchFamily="50" charset="-128"/>
+                <a:ea typeface="BIZ UDPゴシック" panose="020B0400000000000000" pitchFamily="50" charset="-128"/>
+              </a:rPr>
+              <a:t>帰宅時間が営業終了</a:t>
+            </a:r>
+            <a:r>
+              <a:rPr lang="en-US" altLang="ja-JP" b="1" dirty="0">
+                <a:latin typeface="BIZ UDPゴシック" panose="020B0400000000000000" pitchFamily="50" charset="-128"/>
+                <a:ea typeface="BIZ UDPゴシック" panose="020B0400000000000000" pitchFamily="50" charset="-128"/>
+              </a:rPr>
+              <a:t>2</a:t>
+            </a:r>
+            <a:r>
+              <a:rPr kumimoji="1" lang="ja-JP" altLang="en-US" b="1" dirty="0">
+                <a:latin typeface="BIZ UDPゴシック" panose="020B0400000000000000" pitchFamily="50" charset="-128"/>
+                <a:ea typeface="BIZ UDPゴシック" panose="020B0400000000000000" pitchFamily="50" charset="-128"/>
+              </a:rPr>
+              <a:t>時間後</a:t>
+            </a:r>
+            <a:r>
+              <a:rPr lang="ja-JP" altLang="en-US" b="1" dirty="0">
+                <a:latin typeface="BIZ UDPゴシック" panose="020B0400000000000000" pitchFamily="50" charset="-128"/>
+                <a:ea typeface="BIZ UDPゴシック" panose="020B0400000000000000" pitchFamily="50" charset="-128"/>
+              </a:rPr>
+              <a:t>。</a:t>
+            </a:r>
+            <a:endParaRPr lang="en-US" altLang="ja-JP" b="1" dirty="0">
+              <a:latin typeface="BIZ UDPゴシック" panose="020B0400000000000000" pitchFamily="50" charset="-128"/>
+              <a:ea typeface="BIZ UDPゴシック" panose="020B0400000000000000" pitchFamily="50" charset="-128"/>
+            </a:endParaRPr>
+          </a:p>
+          <a:p>
+            <a:endParaRPr kumimoji="1" lang="en-US" altLang="ja-JP" b="1" dirty="0">
+              <a:latin typeface="BIZ UDPゴシック" panose="020B0400000000000000" pitchFamily="50" charset="-128"/>
+              <a:ea typeface="BIZ UDPゴシック" panose="020B0400000000000000" pitchFamily="50" charset="-128"/>
+            </a:endParaRPr>
+          </a:p>
+          <a:p>
+            <a:r>
+              <a:rPr lang="ja-JP" altLang="en-US" b="1" dirty="0">
+                <a:latin typeface="BIZ UDPゴシック" panose="020B0400000000000000" pitchFamily="50" charset="-128"/>
+                <a:ea typeface="BIZ UDPゴシック" panose="020B0400000000000000" pitchFamily="50" charset="-128"/>
+              </a:rPr>
+              <a:t>導入後：</a:t>
+            </a:r>
+            <a:endParaRPr kumimoji="1" lang="en-US" altLang="ja-JP" b="1" dirty="0">
+              <a:latin typeface="BIZ UDPゴシック" panose="020B0400000000000000" pitchFamily="50" charset="-128"/>
+              <a:ea typeface="BIZ UDPゴシック" panose="020B0400000000000000" pitchFamily="50" charset="-128"/>
+            </a:endParaRPr>
+          </a:p>
+          <a:p>
+            <a:r>
+              <a:rPr kumimoji="1" lang="ja-JP" altLang="en-US" b="1" dirty="0">
+                <a:latin typeface="BIZ UDPゴシック" panose="020B0400000000000000" pitchFamily="50" charset="-128"/>
+                <a:ea typeface="BIZ UDPゴシック" panose="020B0400000000000000" pitchFamily="50" charset="-128"/>
+              </a:rPr>
+              <a:t>このアプリの導入により、仕事効率が</a:t>
+            </a:r>
+            <a:r>
+              <a:rPr kumimoji="1" lang="en-US" altLang="ja-JP" b="1" dirty="0">
+                <a:latin typeface="BIZ UDPゴシック" panose="020B0400000000000000" pitchFamily="50" charset="-128"/>
+                <a:ea typeface="BIZ UDPゴシック" panose="020B0400000000000000" pitchFamily="50" charset="-128"/>
+              </a:rPr>
+              <a:t>5</a:t>
+            </a:r>
+            <a:r>
+              <a:rPr kumimoji="1" lang="ja-JP" altLang="en-US" b="1" dirty="0">
+                <a:latin typeface="BIZ UDPゴシック" panose="020B0400000000000000" pitchFamily="50" charset="-128"/>
+                <a:ea typeface="BIZ UDPゴシック" panose="020B0400000000000000" pitchFamily="50" charset="-128"/>
+              </a:rPr>
+              <a:t>秒に改善。</a:t>
+            </a:r>
+            <a:endParaRPr kumimoji="1" lang="en-US" altLang="ja-JP" b="1" dirty="0">
+              <a:latin typeface="BIZ UDPゴシック" panose="020B0400000000000000" pitchFamily="50" charset="-128"/>
+              <a:ea typeface="BIZ UDPゴシック" panose="020B0400000000000000" pitchFamily="50" charset="-128"/>
+            </a:endParaRPr>
+          </a:p>
+          <a:p>
+            <a:r>
+              <a:rPr kumimoji="1" lang="ja-JP" altLang="en-US" b="1" dirty="0">
+                <a:latin typeface="BIZ UDPゴシック" panose="020B0400000000000000" pitchFamily="50" charset="-128"/>
+                <a:ea typeface="BIZ UDPゴシック" panose="020B0400000000000000" pitchFamily="50" charset="-128"/>
+              </a:rPr>
+              <a:t>（</a:t>
+            </a:r>
+            <a:r>
+              <a:rPr kumimoji="1" lang="en-US" altLang="ja-JP" b="1" dirty="0">
+                <a:latin typeface="BIZ UDPゴシック" panose="020B0400000000000000" pitchFamily="50" charset="-128"/>
+                <a:ea typeface="BIZ UDPゴシック" panose="020B0400000000000000" pitchFamily="50" charset="-128"/>
+              </a:rPr>
+              <a:t>99</a:t>
+            </a:r>
+            <a:r>
+              <a:rPr kumimoji="1" lang="ja-JP" altLang="en-US" b="1" dirty="0">
+                <a:latin typeface="BIZ UDPゴシック" panose="020B0400000000000000" pitchFamily="50" charset="-128"/>
+                <a:ea typeface="BIZ UDPゴシック" panose="020B0400000000000000" pitchFamily="50" charset="-128"/>
+              </a:rPr>
+              <a:t>％以上の業務効率改善効果）</a:t>
+            </a:r>
+            <a:endParaRPr kumimoji="1" lang="en-US" altLang="ja-JP" b="1" dirty="0">
+              <a:latin typeface="BIZ UDPゴシック" panose="020B0400000000000000" pitchFamily="50" charset="-128"/>
+              <a:ea typeface="BIZ UDPゴシック" panose="020B0400000000000000" pitchFamily="50" charset="-128"/>
+            </a:endParaRPr>
+          </a:p>
+          <a:p>
+            <a:endParaRPr kumimoji="1" lang="en-US" altLang="ja-JP" dirty="0">
+              <a:latin typeface="BIZ UDPゴシック" panose="020B0400000000000000" pitchFamily="50" charset="-128"/>
+              <a:ea typeface="BIZ UDPゴシック" panose="020B0400000000000000" pitchFamily="50" charset="-128"/>
+            </a:endParaRPr>
+          </a:p>
+          <a:p>
+            <a:endParaRPr kumimoji="1" lang="ja-JP" altLang="en-US" dirty="0"/>
+          </a:p>
+        </p:txBody>
+      </p:sp>
+    </p:spTree>
+    <p:extLst>
+      <p:ext uri="{BB962C8B-B14F-4D97-AF65-F5344CB8AC3E}">
+        <p14:creationId xmlns:p14="http://schemas.microsoft.com/office/powerpoint/2010/main" val="707956389"/>
+      </p:ext>
+    </p:extLst>
+  </p:cSld>
+  <p:clrMapOvr>
+    <a:masterClrMapping/>
+  </p:clrMapOvr>
+</p:sld>
+</file>
+
+<file path=ppt/slides/slide13.xml><?xml version="1.0" encoding="utf-8"?>
+<p:sld xmlns:a="http://schemas.openxmlformats.org/drawingml/2006/main" xmlns:r="http://schemas.openxmlformats.org/officeDocument/2006/relationships" xmlns:p="http://schemas.openxmlformats.org/presentationml/2006/main">
+  <p:cSld>
+    <p:spTree>
+      <p:nvGrpSpPr>
+        <p:cNvPr id="1" name="">
+          <a:extLst>
+            <a:ext uri="{FF2B5EF4-FFF2-40B4-BE49-F238E27FC236}">
               <a16:creationId xmlns:a16="http://schemas.microsoft.com/office/drawing/2014/main" id="{B9EC4855-E718-C004-4752-D5DD5100DF4A}"/>
             </a:ext>
           </a:extLst>
@@ -6927,7 +9181,7 @@
 </p:sld>
 </file>
 
-<file path=ppt/slides/slide11.xml><?xml version="1.0" encoding="utf-8"?>
+<file path=ppt/slides/slide14.xml><?xml version="1.0" encoding="utf-8"?>
 <p:sld xmlns:a="http://schemas.openxmlformats.org/drawingml/2006/main" xmlns:r="http://schemas.openxmlformats.org/officeDocument/2006/relationships" xmlns:p="http://schemas.openxmlformats.org/presentationml/2006/main">
   <p:cSld>
     <p:spTree>
@@ -7000,7 +9254,7 @@
         </p:nvSpPr>
         <p:spPr>
           <a:xfrm>
-            <a:off x="783012" y="481567"/>
+            <a:off x="783012" y="392344"/>
             <a:ext cx="11017719" cy="5717590"/>
           </a:xfrm>
           <a:prstGeom prst="rect">
@@ -8031,7 +10285,7 @@
 </p:sld>
 </file>
 
-<file path=ppt/slides/slide12.xml><?xml version="1.0" encoding="utf-8"?>
+<file path=ppt/slides/slide15.xml><?xml version="1.0" encoding="utf-8"?>
 <p:sld xmlns:a="http://schemas.openxmlformats.org/drawingml/2006/main" xmlns:r="http://schemas.openxmlformats.org/officeDocument/2006/relationships" xmlns:p="http://schemas.openxmlformats.org/presentationml/2006/main">
   <p:cSld>
     <p:spTree>
@@ -12168,8 +14422,8 @@
         </p:nvSpPr>
         <p:spPr>
           <a:xfrm>
-            <a:off x="4336473" y="827623"/>
-            <a:ext cx="3519054" cy="1041306"/>
+            <a:off x="4179146" y="828432"/>
+            <a:ext cx="4559171" cy="1041306"/>
           </a:xfrm>
           <a:prstGeom prst="rect">
             <a:avLst/>
@@ -12294,7 +14548,7 @@
                 <a:latin typeface="BIZ UDPゴシック" panose="020B0400000000000000" pitchFamily="50" charset="-128"/>
                 <a:ea typeface="BIZ UDPゴシック" panose="020B0400000000000000" pitchFamily="50" charset="-128"/>
               </a:rPr>
-              <a:t>　制作背景</a:t>
+              <a:t>　制作背景①</a:t>
             </a:r>
           </a:p>
         </p:txBody>
@@ -12750,7 +15004,7 @@
         </p:nvSpPr>
         <p:spPr>
           <a:xfrm>
-            <a:off x="949570" y="771873"/>
+            <a:off x="983437" y="771873"/>
             <a:ext cx="10603522" cy="5314253"/>
           </a:xfrm>
           <a:prstGeom prst="rect">
@@ -13064,8 +15318,8 @@
         </p:nvSpPr>
         <p:spPr>
           <a:xfrm>
-            <a:off x="5171142" y="981929"/>
-            <a:ext cx="2355273" cy="1009651"/>
+            <a:off x="4490264" y="898498"/>
+            <a:ext cx="3589867" cy="1009651"/>
           </a:xfrm>
           <a:prstGeom prst="rect">
             <a:avLst/>
@@ -13074,7 +15328,7 @@
         </p:spPr>
         <p:txBody>
           <a:bodyPr vert="horz" lIns="91440" tIns="45720" rIns="91440" bIns="45720" rtlCol="0" anchor="ctr">
-            <a:normAutofit fontScale="92500" lnSpcReduction="20000"/>
+            <a:normAutofit/>
           </a:bodyPr>
           <a:lstStyle>
             <a:lvl1pPr algn="ctr" defTabSz="457200" rtl="0" eaLnBrk="1" latinLnBrk="0" hangingPunct="1">
@@ -13174,7 +15428,7 @@
               <a:defRPr/>
             </a:pPr>
             <a:r>
-              <a:rPr lang="ja-JP" altLang="en-US" sz="4000" b="1" dirty="0">
+              <a:rPr lang="en-US" altLang="ja-JP" sz="4000" b="1" dirty="0">
                 <a:ln w="0"/>
                 <a:solidFill>
                   <a:srgbClr val="FF9966"/>
@@ -13189,7 +15443,25 @@
                 <a:latin typeface="BIZ UDPゴシック" panose="020B0400000000000000" pitchFamily="50" charset="-128"/>
                 <a:ea typeface="BIZ UDPゴシック" panose="020B0400000000000000" pitchFamily="50" charset="-128"/>
               </a:rPr>
-              <a:t>製作背景２</a:t>
+              <a:t>Ⅰ</a:t>
+            </a:r>
+            <a:r>
+              <a:rPr lang="ja-JP" altLang="en-US" sz="4000" b="1" dirty="0">
+                <a:ln w="0"/>
+                <a:solidFill>
+                  <a:srgbClr val="FF9966"/>
+                </a:solidFill>
+                <a:effectLst>
+                  <a:outerShdw blurRad="38100" dist="19050" dir="2700000" algn="tl" rotWithShape="0">
+                    <a:schemeClr val="dk1">
+                      <a:alpha val="40000"/>
+                    </a:schemeClr>
+                  </a:outerShdw>
+                </a:effectLst>
+                <a:latin typeface="BIZ UDPゴシック" panose="020B0400000000000000" pitchFamily="50" charset="-128"/>
+                <a:ea typeface="BIZ UDPゴシック" panose="020B0400000000000000" pitchFamily="50" charset="-128"/>
+              </a:rPr>
+              <a:t>　製作背景②</a:t>
             </a:r>
             <a:endParaRPr kumimoji="1" lang="ja-JP" altLang="en-US" sz="4000" b="1" i="0" u="none" strike="noStrike" kern="1200" normalizeH="0" baseline="0" noProof="0" dirty="0">
               <a:ln w="0"/>
@@ -13226,8 +15498,8 @@
         </p:nvSpPr>
         <p:spPr>
           <a:xfrm>
-            <a:off x="2732156" y="2150478"/>
-            <a:ext cx="7567448" cy="3693319"/>
+            <a:off x="2845045" y="2150477"/>
+            <a:ext cx="7567448" cy="3416320"/>
           </a:xfrm>
           <a:prstGeom prst="rect">
             <a:avLst/>
@@ -13241,87 +15513,166 @@
           <a:lstStyle/>
           <a:p>
             <a:r>
-              <a:rPr kumimoji="1" lang="ja-JP" altLang="en-US" dirty="0"/>
-              <a:t>個人経営者向けの業務効率化アプリ</a:t>
-            </a:r>
-            <a:endParaRPr kumimoji="1" lang="en-US" altLang="ja-JP" dirty="0"/>
-          </a:p>
-          <a:p>
-            <a:endParaRPr lang="en-US" altLang="ja-JP" dirty="0"/>
-          </a:p>
-          <a:p>
-            <a:r>
-              <a:rPr kumimoji="1" lang="ja-JP" altLang="en-US" dirty="0"/>
-              <a:t>機械音痴で事務作業が苦手、休みが少なくて困っているペルソナ</a:t>
-            </a:r>
-            <a:r>
-              <a:rPr kumimoji="1" lang="en-US" altLang="ja-JP" dirty="0"/>
+              <a:rPr kumimoji="1" lang="ja-JP" altLang="en-US" b="1" u="sng" dirty="0">
+                <a:latin typeface="BIZ UDPゴシック" panose="020B0400000000000000" pitchFamily="50" charset="-128"/>
+                <a:ea typeface="BIZ UDPゴシック" panose="020B0400000000000000" pitchFamily="50" charset="-128"/>
+              </a:rPr>
+              <a:t>＊個人経営者向けの業務効率化アプリ＊</a:t>
+            </a:r>
+            <a:endParaRPr kumimoji="1" lang="en-US" altLang="ja-JP" b="1" u="sng" dirty="0">
+              <a:latin typeface="BIZ UDPゴシック" panose="020B0400000000000000" pitchFamily="50" charset="-128"/>
+              <a:ea typeface="BIZ UDPゴシック" panose="020B0400000000000000" pitchFamily="50" charset="-128"/>
+            </a:endParaRPr>
+          </a:p>
+          <a:p>
+            <a:endParaRPr lang="en-US" altLang="ja-JP" b="1" dirty="0">
+              <a:latin typeface="BIZ UDPゴシック" panose="020B0400000000000000" pitchFamily="50" charset="-128"/>
+              <a:ea typeface="BIZ UDPゴシック" panose="020B0400000000000000" pitchFamily="50" charset="-128"/>
+            </a:endParaRPr>
+          </a:p>
+          <a:p>
+            <a:r>
+              <a:rPr lang="ja-JP" altLang="en-US" b="1" dirty="0">
+                <a:latin typeface="BIZ UDPゴシック" panose="020B0400000000000000" pitchFamily="50" charset="-128"/>
+                <a:ea typeface="BIZ UDPゴシック" panose="020B0400000000000000" pitchFamily="50" charset="-128"/>
+              </a:rPr>
+              <a:t>ペルソナ</a:t>
+            </a:r>
+            <a:r>
+              <a:rPr lang="en-US" altLang="ja-JP" b="1" dirty="0">
+                <a:latin typeface="BIZ UDPゴシック" panose="020B0400000000000000" pitchFamily="50" charset="-128"/>
+                <a:ea typeface="BIZ UDPゴシック" panose="020B0400000000000000" pitchFamily="50" charset="-128"/>
+              </a:rPr>
               <a:t>(</a:t>
             </a:r>
             <a:r>
-              <a:rPr kumimoji="1" lang="ja-JP" altLang="en-US" dirty="0"/>
+              <a:rPr lang="ja-JP" altLang="en-US" b="1" dirty="0">
+                <a:latin typeface="BIZ UDPゴシック" panose="020B0400000000000000" pitchFamily="50" charset="-128"/>
+                <a:ea typeface="BIZ UDPゴシック" panose="020B0400000000000000" pitchFamily="50" charset="-128"/>
+              </a:rPr>
               <a:t>後述</a:t>
             </a:r>
             <a:r>
-              <a:rPr kumimoji="1" lang="en-US" altLang="ja-JP" dirty="0"/>
+              <a:rPr lang="en-US" altLang="ja-JP" b="1" dirty="0">
+                <a:latin typeface="BIZ UDPゴシック" panose="020B0400000000000000" pitchFamily="50" charset="-128"/>
+                <a:ea typeface="BIZ UDPゴシック" panose="020B0400000000000000" pitchFamily="50" charset="-128"/>
+              </a:rPr>
               <a:t>)</a:t>
             </a:r>
             <a:r>
-              <a:rPr kumimoji="1" lang="ja-JP" altLang="en-US" dirty="0"/>
-              <a:t>を助けるために開発</a:t>
-            </a:r>
-            <a:endParaRPr kumimoji="1" lang="en-US" altLang="ja-JP" dirty="0"/>
-          </a:p>
-          <a:p>
-            <a:endParaRPr lang="en-US" altLang="ja-JP" dirty="0"/>
-          </a:p>
-          <a:p>
-            <a:endParaRPr kumimoji="1" lang="en-US" altLang="ja-JP" dirty="0"/>
-          </a:p>
-          <a:p>
-            <a:r>
-              <a:rPr lang="ja-JP" altLang="en-US" dirty="0"/>
-              <a:t>いままで→</a:t>
-            </a:r>
-            <a:endParaRPr lang="en-US" altLang="ja-JP" dirty="0"/>
-          </a:p>
-          <a:p>
-            <a:r>
-              <a:rPr lang="ja-JP" altLang="en-US" dirty="0"/>
-              <a:t>店長が個別でシフト希望を募ってアナログで調整していた</a:t>
-            </a:r>
-            <a:endParaRPr lang="en-US" altLang="ja-JP" dirty="0"/>
-          </a:p>
-          <a:p>
-            <a:r>
-              <a:rPr lang="ja-JP" altLang="en-US" dirty="0"/>
-              <a:t>カレンダーやマニュアルを別途用意しなければいけなかった</a:t>
-            </a:r>
-            <a:endParaRPr lang="en-US" altLang="ja-JP" dirty="0"/>
-          </a:p>
-          <a:p>
-            <a:endParaRPr lang="en-US" altLang="ja-JP" dirty="0"/>
-          </a:p>
-          <a:p>
-            <a:r>
-              <a:rPr lang="ja-JP" altLang="en-US" dirty="0"/>
-              <a:t>これから→</a:t>
-            </a:r>
-            <a:endParaRPr lang="en-US" altLang="ja-JP" dirty="0"/>
-          </a:p>
-          <a:p>
-            <a:r>
-              <a:rPr lang="ja-JP" altLang="en-US" dirty="0"/>
-              <a:t>店長がシフト調整しなくてもよい</a:t>
-            </a:r>
-            <a:endParaRPr lang="en-US" altLang="ja-JP" dirty="0"/>
-          </a:p>
-          <a:p>
-            <a:r>
-              <a:rPr lang="ja-JP" altLang="en-US" dirty="0"/>
-              <a:t>カレンダーやマニュアルは一括で管理できる</a:t>
-            </a:r>
-            <a:endParaRPr kumimoji="1" lang="en-US" altLang="ja-JP" dirty="0"/>
+              <a:rPr lang="ja-JP" altLang="en-US" b="1" dirty="0">
+                <a:latin typeface="BIZ UDPゴシック" panose="020B0400000000000000" pitchFamily="50" charset="-128"/>
+                <a:ea typeface="BIZ UDPゴシック" panose="020B0400000000000000" pitchFamily="50" charset="-128"/>
+              </a:rPr>
+              <a:t>の困りごと：</a:t>
+            </a:r>
+            <a:endParaRPr lang="en-US" altLang="ja-JP" b="1" dirty="0">
+              <a:latin typeface="BIZ UDPゴシック" panose="020B0400000000000000" pitchFamily="50" charset="-128"/>
+              <a:ea typeface="BIZ UDPゴシック" panose="020B0400000000000000" pitchFamily="50" charset="-128"/>
+            </a:endParaRPr>
+          </a:p>
+          <a:p>
+            <a:r>
+              <a:rPr kumimoji="1" lang="ja-JP" altLang="en-US" b="1" dirty="0">
+                <a:latin typeface="BIZ UDPゴシック" panose="020B0400000000000000" pitchFamily="50" charset="-128"/>
+                <a:ea typeface="BIZ UDPゴシック" panose="020B0400000000000000" pitchFamily="50" charset="-128"/>
+              </a:rPr>
+              <a:t>　機械音痴で事務作業が苦手、休みの少なさ</a:t>
+            </a:r>
+            <a:endParaRPr kumimoji="1" lang="en-US" altLang="ja-JP" b="1" dirty="0">
+              <a:latin typeface="BIZ UDPゴシック" panose="020B0400000000000000" pitchFamily="50" charset="-128"/>
+              <a:ea typeface="BIZ UDPゴシック" panose="020B0400000000000000" pitchFamily="50" charset="-128"/>
+            </a:endParaRPr>
+          </a:p>
+          <a:p>
+            <a:endParaRPr lang="en-US" altLang="ja-JP" b="1" dirty="0">
+              <a:latin typeface="BIZ UDPゴシック" panose="020B0400000000000000" pitchFamily="50" charset="-128"/>
+              <a:ea typeface="BIZ UDPゴシック" panose="020B0400000000000000" pitchFamily="50" charset="-128"/>
+            </a:endParaRPr>
+          </a:p>
+          <a:p>
+            <a:r>
+              <a:rPr lang="ja-JP" altLang="en-US" b="1" dirty="0">
+                <a:latin typeface="BIZ UDPゴシック" panose="020B0400000000000000" pitchFamily="50" charset="-128"/>
+                <a:ea typeface="BIZ UDPゴシック" panose="020B0400000000000000" pitchFamily="50" charset="-128"/>
+              </a:rPr>
+              <a:t>従来：</a:t>
+            </a:r>
+            <a:endParaRPr lang="en-US" altLang="ja-JP" b="1" dirty="0">
+              <a:latin typeface="BIZ UDPゴシック" panose="020B0400000000000000" pitchFamily="50" charset="-128"/>
+              <a:ea typeface="BIZ UDPゴシック" panose="020B0400000000000000" pitchFamily="50" charset="-128"/>
+            </a:endParaRPr>
+          </a:p>
+          <a:p>
+            <a:r>
+              <a:rPr lang="ja-JP" altLang="en-US" b="1" dirty="0">
+                <a:latin typeface="BIZ UDPゴシック" panose="020B0400000000000000" pitchFamily="50" charset="-128"/>
+                <a:ea typeface="BIZ UDPゴシック" panose="020B0400000000000000" pitchFamily="50" charset="-128"/>
+              </a:rPr>
+              <a:t>・店長が、個別でシフト希望を募るアナログ調整。</a:t>
+            </a:r>
+            <a:endParaRPr lang="en-US" altLang="ja-JP" b="1" dirty="0">
+              <a:latin typeface="BIZ UDPゴシック" panose="020B0400000000000000" pitchFamily="50" charset="-128"/>
+              <a:ea typeface="BIZ UDPゴシック" panose="020B0400000000000000" pitchFamily="50" charset="-128"/>
+            </a:endParaRPr>
+          </a:p>
+          <a:p>
+            <a:r>
+              <a:rPr lang="ja-JP" altLang="en-US" b="1" dirty="0">
+                <a:latin typeface="BIZ UDPゴシック" panose="020B0400000000000000" pitchFamily="50" charset="-128"/>
+                <a:ea typeface="BIZ UDPゴシック" panose="020B0400000000000000" pitchFamily="50" charset="-128"/>
+              </a:rPr>
+              <a:t>→カレンダーやマニュアルを別途用意しなければいけなかった</a:t>
+            </a:r>
+            <a:endParaRPr lang="en-US" altLang="ja-JP" b="1" dirty="0">
+              <a:latin typeface="BIZ UDPゴシック" panose="020B0400000000000000" pitchFamily="50" charset="-128"/>
+              <a:ea typeface="BIZ UDPゴシック" panose="020B0400000000000000" pitchFamily="50" charset="-128"/>
+            </a:endParaRPr>
+          </a:p>
+          <a:p>
+            <a:endParaRPr lang="en-US" altLang="ja-JP" b="1" dirty="0">
+              <a:latin typeface="BIZ UDPゴシック" panose="020B0400000000000000" pitchFamily="50" charset="-128"/>
+              <a:ea typeface="BIZ UDPゴシック" panose="020B0400000000000000" pitchFamily="50" charset="-128"/>
+            </a:endParaRPr>
+          </a:p>
+          <a:p>
+            <a:r>
+              <a:rPr lang="ja-JP" altLang="en-US" b="1" dirty="0">
+                <a:latin typeface="BIZ UDPゴシック" panose="020B0400000000000000" pitchFamily="50" charset="-128"/>
+                <a:ea typeface="BIZ UDPゴシック" panose="020B0400000000000000" pitchFamily="50" charset="-128"/>
+              </a:rPr>
+              <a:t>今後：</a:t>
+            </a:r>
+            <a:endParaRPr lang="en-US" altLang="ja-JP" b="1" dirty="0">
+              <a:latin typeface="BIZ UDPゴシック" panose="020B0400000000000000" pitchFamily="50" charset="-128"/>
+              <a:ea typeface="BIZ UDPゴシック" panose="020B0400000000000000" pitchFamily="50" charset="-128"/>
+            </a:endParaRPr>
+          </a:p>
+          <a:p>
+            <a:r>
+              <a:rPr lang="ja-JP" altLang="en-US" b="1" dirty="0">
+                <a:latin typeface="BIZ UDPゴシック" panose="020B0400000000000000" pitchFamily="50" charset="-128"/>
+                <a:ea typeface="BIZ UDPゴシック" panose="020B0400000000000000" pitchFamily="50" charset="-128"/>
+              </a:rPr>
+              <a:t>・店長がシフト調整しなくて良い</a:t>
+            </a:r>
+            <a:endParaRPr lang="en-US" altLang="ja-JP" b="1" dirty="0">
+              <a:latin typeface="BIZ UDPゴシック" panose="020B0400000000000000" pitchFamily="50" charset="-128"/>
+              <a:ea typeface="BIZ UDPゴシック" panose="020B0400000000000000" pitchFamily="50" charset="-128"/>
+            </a:endParaRPr>
+          </a:p>
+          <a:p>
+            <a:r>
+              <a:rPr lang="ja-JP" altLang="en-US" b="1" dirty="0">
+                <a:latin typeface="BIZ UDPゴシック" panose="020B0400000000000000" pitchFamily="50" charset="-128"/>
+                <a:ea typeface="BIZ UDPゴシック" panose="020B0400000000000000" pitchFamily="50" charset="-128"/>
+              </a:rPr>
+              <a:t>→カレンダーやマニュアルは一括で管理できる</a:t>
+            </a:r>
+            <a:endParaRPr kumimoji="1" lang="en-US" altLang="ja-JP" b="1" dirty="0">
+              <a:latin typeface="BIZ UDPゴシック" panose="020B0400000000000000" pitchFamily="50" charset="-128"/>
+              <a:ea typeface="BIZ UDPゴシック" panose="020B0400000000000000" pitchFamily="50" charset="-128"/>
+            </a:endParaRPr>
           </a:p>
         </p:txBody>
       </p:sp>
@@ -13854,10 +16205,10 @@
       </p:sp>
       <p:pic>
         <p:nvPicPr>
-          <p:cNvPr id="3" name="図 2" descr="絵と文字の加工写真&#10;&#10;AI 生成コンテンツは誤りを含む可能性があります。">
+          <p:cNvPr id="13" name="図 12" descr="メガネを掛けた男性&#10;&#10;AI 生成コンテンツは誤りを含む可能性があります。">
             <a:extLst>
               <a:ext uri="{FF2B5EF4-FFF2-40B4-BE49-F238E27FC236}">
-                <a16:creationId xmlns:a16="http://schemas.microsoft.com/office/drawing/2014/main" id="{3E2EC89B-D16E-2DFD-D217-D10AF1061248}"/>
+                <a16:creationId xmlns:a16="http://schemas.microsoft.com/office/drawing/2014/main" id="{D1C01C99-4241-5AC6-DA3B-D9A37AA522C9}"/>
               </a:ext>
             </a:extLst>
           </p:cNvPr>
@@ -13880,8 +16231,44 @@
         </p:blipFill>
         <p:spPr>
           <a:xfrm>
-            <a:off x="1060264" y="1503799"/>
-            <a:ext cx="7001082" cy="4562586"/>
+            <a:off x="7761373" y="1696915"/>
+            <a:ext cx="3312942" cy="4141177"/>
+          </a:xfrm>
+          <a:prstGeom prst="rect">
+            <a:avLst/>
+          </a:prstGeom>
+        </p:spPr>
+      </p:pic>
+      <p:pic>
+        <p:nvPicPr>
+          <p:cNvPr id="8" name="図 7" descr="図形&#10;&#10;AI 生成コンテンツは誤りを含む可能性があります。">
+            <a:extLst>
+              <a:ext uri="{FF2B5EF4-FFF2-40B4-BE49-F238E27FC236}">
+                <a16:creationId xmlns:a16="http://schemas.microsoft.com/office/drawing/2014/main" id="{78DC8195-41F0-9767-5AF9-CB2C528F0EA3}"/>
+              </a:ext>
+            </a:extLst>
+          </p:cNvPr>
+          <p:cNvPicPr>
+            <a:picLocks noChangeAspect="1"/>
+          </p:cNvPicPr>
+          <p:nvPr/>
+        </p:nvPicPr>
+        <p:blipFill>
+          <a:blip r:embed="rId5">
+            <a:extLst>
+              <a:ext uri="{28A0092B-C50C-407E-A947-70E740481C1C}">
+                <a14:useLocalDpi xmlns:a14="http://schemas.microsoft.com/office/drawing/2010/main" val="0"/>
+              </a:ext>
+            </a:extLst>
+          </a:blip>
+          <a:stretch>
+            <a:fillRect/>
+          </a:stretch>
+        </p:blipFill>
+        <p:spPr>
+          <a:xfrm>
+            <a:off x="1170330" y="1331314"/>
+            <a:ext cx="6643688" cy="5210163"/>
           </a:xfrm>
           <a:prstGeom prst="rect">
             <a:avLst/>
@@ -13904,7 +16291,7 @@
         </p:nvSpPr>
         <p:spPr>
           <a:xfrm>
-            <a:off x="1733727" y="2209114"/>
+            <a:off x="2118461" y="2197282"/>
             <a:ext cx="2614197" cy="1223715"/>
           </a:xfrm>
           <a:prstGeom prst="rect">
@@ -14185,30 +16572,10 @@
                 <a:effectLst/>
                 <a:uLnTx/>
                 <a:uFillTx/>
-                <a:latin typeface="Garamond" panose="02020404030301010803"/>
-                <a:ea typeface="ＭＳ Ｐ明朝" panose="02020600040205080304" pitchFamily="18" charset="-128"/>
-                <a:cs typeface="+mn-cs"/>
-              </a:rPr>
-              <a:t>＊</a:t>
-            </a:r>
-            <a:r>
-              <a:rPr kumimoji="1" lang="ja-JP" altLang="en-US" sz="1900" b="1" i="0" u="none" strike="noStrike" kern="1200" cap="none" spc="0" normalizeH="0" baseline="0" noProof="0" dirty="0">
-                <a:ln>
-                  <a:noFill/>
-                </a:ln>
-                <a:solidFill>
-                  <a:srgbClr val="212121">
-                    <a:lumMod val="10000"/>
-                    <a:lumOff val="90000"/>
-                  </a:srgbClr>
-                </a:solidFill>
-                <a:effectLst/>
-                <a:uLnTx/>
-                <a:uFillTx/>
                 <a:latin typeface="BIZ UDPゴシック" panose="020B0400000000000000" pitchFamily="50" charset="-128"/>
                 <a:ea typeface="BIZ UDPゴシック" panose="020B0400000000000000" pitchFamily="50" charset="-128"/>
               </a:rPr>
-              <a:t>要件定義</a:t>
+              <a:t>＊要件定義</a:t>
             </a:r>
             <a:endParaRPr kumimoji="1" lang="en-US" altLang="ja-JP" sz="1900" b="1" i="0" u="none" strike="noStrike" kern="1200" cap="none" spc="0" normalizeH="0" baseline="0" noProof="0" dirty="0">
               <a:ln>
@@ -14395,7 +16762,7 @@
         </p:nvSpPr>
         <p:spPr>
           <a:xfrm>
-            <a:off x="3679855" y="2173915"/>
+            <a:off x="2118461" y="3602999"/>
             <a:ext cx="4341091" cy="944784"/>
           </a:xfrm>
           <a:prstGeom prst="rect">
@@ -14756,7 +17123,7 @@
         </p:nvSpPr>
         <p:spPr>
           <a:xfrm>
-            <a:off x="1729605" y="3753647"/>
+            <a:off x="4629839" y="2148811"/>
             <a:ext cx="2517402" cy="897109"/>
           </a:xfrm>
           <a:prstGeom prst="rect">
@@ -15069,42 +17436,6 @@
           </a:p>
         </p:txBody>
       </p:sp>
-      <p:pic>
-        <p:nvPicPr>
-          <p:cNvPr id="13" name="図 12" descr="メガネを掛けた男性&#10;&#10;AI 生成コンテンツは誤りを含む可能性があります。">
-            <a:extLst>
-              <a:ext uri="{FF2B5EF4-FFF2-40B4-BE49-F238E27FC236}">
-                <a16:creationId xmlns:a16="http://schemas.microsoft.com/office/drawing/2014/main" id="{D1C01C99-4241-5AC6-DA3B-D9A37AA522C9}"/>
-              </a:ext>
-            </a:extLst>
-          </p:cNvPr>
-          <p:cNvPicPr>
-            <a:picLocks noChangeAspect="1"/>
-          </p:cNvPicPr>
-          <p:nvPr/>
-        </p:nvPicPr>
-        <p:blipFill>
-          <a:blip r:embed="rId5">
-            <a:extLst>
-              <a:ext uri="{28A0092B-C50C-407E-A947-70E740481C1C}">
-                <a14:useLocalDpi xmlns:a14="http://schemas.microsoft.com/office/drawing/2010/main" val="0"/>
-              </a:ext>
-            </a:extLst>
-          </a:blip>
-          <a:stretch>
-            <a:fillRect/>
-          </a:stretch>
-        </p:blipFill>
-        <p:spPr>
-          <a:xfrm>
-            <a:off x="7761373" y="1696915"/>
-            <a:ext cx="3312942" cy="4141177"/>
-          </a:xfrm>
-          <a:prstGeom prst="rect">
-            <a:avLst/>
-          </a:prstGeom>
-        </p:spPr>
-      </p:pic>
     </p:spTree>
     <p:extLst>
       <p:ext uri="{BB962C8B-B14F-4D97-AF65-F5344CB8AC3E}">
@@ -16624,8 +18955,8 @@
         </p:nvSpPr>
         <p:spPr>
           <a:xfrm>
-            <a:off x="2044792" y="1931856"/>
-            <a:ext cx="8607972" cy="2031325"/>
+            <a:off x="2792497" y="2382648"/>
+            <a:ext cx="7615859" cy="2862322"/>
           </a:xfrm>
           <a:prstGeom prst="rect">
             <a:avLst/>
@@ -16639,58 +18970,169 @@
           <a:lstStyle/>
           <a:p>
             <a:r>
-              <a:rPr kumimoji="1" lang="ja-JP" altLang="en-US" dirty="0"/>
+              <a:rPr kumimoji="1" lang="ja-JP" altLang="en-US" b="1" u="sng" dirty="0">
+                <a:latin typeface="BIZ UDPゴシック" panose="020B0400000000000000" pitchFamily="50" charset="-128"/>
+                <a:ea typeface="BIZ UDPゴシック" panose="020B0400000000000000" pitchFamily="50" charset="-128"/>
+              </a:rPr>
               <a:t>定量的効果</a:t>
             </a:r>
-            <a:endParaRPr kumimoji="1" lang="en-US" altLang="ja-JP" dirty="0"/>
-          </a:p>
-          <a:p>
-            <a:endParaRPr lang="en-US" altLang="ja-JP" dirty="0"/>
-          </a:p>
-          <a:p>
-            <a:r>
-              <a:rPr kumimoji="1" lang="ja-JP" altLang="en-US" dirty="0"/>
-              <a:t>従来では、営業時間中にシフトを組むことすらできず帰宅時間が営業終了</a:t>
-            </a:r>
-            <a:r>
-              <a:rPr lang="en-US" altLang="ja-JP" dirty="0"/>
+            <a:endParaRPr kumimoji="1" lang="en-US" altLang="ja-JP" b="1" u="sng" dirty="0">
+              <a:latin typeface="BIZ UDPゴシック" panose="020B0400000000000000" pitchFamily="50" charset="-128"/>
+              <a:ea typeface="BIZ UDPゴシック" panose="020B0400000000000000" pitchFamily="50" charset="-128"/>
+            </a:endParaRPr>
+          </a:p>
+          <a:p>
+            <a:endParaRPr lang="en-US" altLang="ja-JP" b="1" dirty="0">
+              <a:latin typeface="BIZ UDPゴシック" panose="020B0400000000000000" pitchFamily="50" charset="-128"/>
+              <a:ea typeface="BIZ UDPゴシック" panose="020B0400000000000000" pitchFamily="50" charset="-128"/>
+            </a:endParaRPr>
+          </a:p>
+          <a:p>
+            <a:r>
+              <a:rPr kumimoji="1" lang="ja-JP" altLang="en-US" b="1" dirty="0">
+                <a:latin typeface="BIZ UDPゴシック" panose="020B0400000000000000" pitchFamily="50" charset="-128"/>
+                <a:ea typeface="BIZ UDPゴシック" panose="020B0400000000000000" pitchFamily="50" charset="-128"/>
+              </a:rPr>
+              <a:t>従来</a:t>
+            </a:r>
+            <a:r>
+              <a:rPr lang="ja-JP" altLang="en-US" b="1" dirty="0">
+                <a:latin typeface="BIZ UDPゴシック" panose="020B0400000000000000" pitchFamily="50" charset="-128"/>
+                <a:ea typeface="BIZ UDPゴシック" panose="020B0400000000000000" pitchFamily="50" charset="-128"/>
+              </a:rPr>
+              <a:t>：</a:t>
+            </a:r>
+            <a:endParaRPr lang="en-US" altLang="ja-JP" b="1" dirty="0">
+              <a:latin typeface="BIZ UDPゴシック" panose="020B0400000000000000" pitchFamily="50" charset="-128"/>
+              <a:ea typeface="BIZ UDPゴシック" panose="020B0400000000000000" pitchFamily="50" charset="-128"/>
+            </a:endParaRPr>
+          </a:p>
+          <a:p>
+            <a:r>
+              <a:rPr kumimoji="1" lang="ja-JP" altLang="en-US" b="1" dirty="0">
+                <a:latin typeface="BIZ UDPゴシック" panose="020B0400000000000000" pitchFamily="50" charset="-128"/>
+                <a:ea typeface="BIZ UDPゴシック" panose="020B0400000000000000" pitchFamily="50" charset="-128"/>
+              </a:rPr>
+              <a:t>営業時間中</a:t>
+            </a:r>
+            <a:r>
+              <a:rPr lang="ja-JP" altLang="en-US" b="1" dirty="0">
+                <a:latin typeface="BIZ UDPゴシック" panose="020B0400000000000000" pitchFamily="50" charset="-128"/>
+                <a:ea typeface="BIZ UDPゴシック" panose="020B0400000000000000" pitchFamily="50" charset="-128"/>
+              </a:rPr>
+              <a:t>のシフト作成不可。</a:t>
+            </a:r>
+            <a:r>
+              <a:rPr kumimoji="1" lang="ja-JP" altLang="en-US" b="1" dirty="0">
+                <a:latin typeface="BIZ UDPゴシック" panose="020B0400000000000000" pitchFamily="50" charset="-128"/>
+                <a:ea typeface="BIZ UDPゴシック" panose="020B0400000000000000" pitchFamily="50" charset="-128"/>
+              </a:rPr>
+              <a:t>帰宅時間が営業終了</a:t>
+            </a:r>
+            <a:r>
+              <a:rPr lang="en-US" altLang="ja-JP" b="1" dirty="0">
+                <a:latin typeface="BIZ UDPゴシック" panose="020B0400000000000000" pitchFamily="50" charset="-128"/>
+                <a:ea typeface="BIZ UDPゴシック" panose="020B0400000000000000" pitchFamily="50" charset="-128"/>
+              </a:rPr>
               <a:t>2</a:t>
             </a:r>
             <a:r>
-              <a:rPr kumimoji="1" lang="ja-JP" altLang="en-US" dirty="0"/>
-              <a:t>時間後だったが、このアプリの導入により</a:t>
-            </a:r>
-            <a:r>
-              <a:rPr kumimoji="1" lang="en-US" altLang="ja-JP" dirty="0"/>
+              <a:rPr kumimoji="1" lang="ja-JP" altLang="en-US" b="1" dirty="0">
+                <a:latin typeface="BIZ UDPゴシック" panose="020B0400000000000000" pitchFamily="50" charset="-128"/>
+                <a:ea typeface="BIZ UDPゴシック" panose="020B0400000000000000" pitchFamily="50" charset="-128"/>
+              </a:rPr>
+              <a:t>時間後</a:t>
+            </a:r>
+            <a:r>
+              <a:rPr lang="ja-JP" altLang="en-US" b="1" dirty="0">
+                <a:latin typeface="BIZ UDPゴシック" panose="020B0400000000000000" pitchFamily="50" charset="-128"/>
+                <a:ea typeface="BIZ UDPゴシック" panose="020B0400000000000000" pitchFamily="50" charset="-128"/>
+              </a:rPr>
+              <a:t>。</a:t>
+            </a:r>
+            <a:endParaRPr lang="en-US" altLang="ja-JP" b="1" dirty="0">
+              <a:latin typeface="BIZ UDPゴシック" panose="020B0400000000000000" pitchFamily="50" charset="-128"/>
+              <a:ea typeface="BIZ UDPゴシック" panose="020B0400000000000000" pitchFamily="50" charset="-128"/>
+            </a:endParaRPr>
+          </a:p>
+          <a:p>
+            <a:endParaRPr kumimoji="1" lang="en-US" altLang="ja-JP" b="1" dirty="0">
+              <a:latin typeface="BIZ UDPゴシック" panose="020B0400000000000000" pitchFamily="50" charset="-128"/>
+              <a:ea typeface="BIZ UDPゴシック" panose="020B0400000000000000" pitchFamily="50" charset="-128"/>
+            </a:endParaRPr>
+          </a:p>
+          <a:p>
+            <a:r>
+              <a:rPr lang="ja-JP" altLang="en-US" b="1" dirty="0">
+                <a:latin typeface="BIZ UDPゴシック" panose="020B0400000000000000" pitchFamily="50" charset="-128"/>
+                <a:ea typeface="BIZ UDPゴシック" panose="020B0400000000000000" pitchFamily="50" charset="-128"/>
+              </a:rPr>
+              <a:t>導入後：</a:t>
+            </a:r>
+            <a:endParaRPr kumimoji="1" lang="en-US" altLang="ja-JP" b="1" dirty="0">
+              <a:latin typeface="BIZ UDPゴシック" panose="020B0400000000000000" pitchFamily="50" charset="-128"/>
+              <a:ea typeface="BIZ UDPゴシック" panose="020B0400000000000000" pitchFamily="50" charset="-128"/>
+            </a:endParaRPr>
+          </a:p>
+          <a:p>
+            <a:r>
+              <a:rPr kumimoji="1" lang="ja-JP" altLang="en-US" b="1" dirty="0">
+                <a:latin typeface="BIZ UDPゴシック" panose="020B0400000000000000" pitchFamily="50" charset="-128"/>
+                <a:ea typeface="BIZ UDPゴシック" panose="020B0400000000000000" pitchFamily="50" charset="-128"/>
+              </a:rPr>
+              <a:t>このアプリの導入により、仕事効率が</a:t>
+            </a:r>
+            <a:r>
+              <a:rPr kumimoji="1" lang="en-US" altLang="ja-JP" b="1" dirty="0">
+                <a:latin typeface="BIZ UDPゴシック" panose="020B0400000000000000" pitchFamily="50" charset="-128"/>
+                <a:ea typeface="BIZ UDPゴシック" panose="020B0400000000000000" pitchFamily="50" charset="-128"/>
+              </a:rPr>
               <a:t>5</a:t>
             </a:r>
             <a:r>
-              <a:rPr kumimoji="1" lang="ja-JP" altLang="en-US" dirty="0"/>
-              <a:t>秒でできるようになりました。</a:t>
-            </a:r>
-            <a:endParaRPr kumimoji="1" lang="en-US" altLang="ja-JP" dirty="0"/>
-          </a:p>
-          <a:p>
-            <a:r>
-              <a:rPr kumimoji="1" lang="ja-JP" altLang="en-US" dirty="0"/>
+              <a:rPr kumimoji="1" lang="ja-JP" altLang="en-US" b="1" dirty="0">
+                <a:latin typeface="BIZ UDPゴシック" panose="020B0400000000000000" pitchFamily="50" charset="-128"/>
+                <a:ea typeface="BIZ UDPゴシック" panose="020B0400000000000000" pitchFamily="50" charset="-128"/>
+              </a:rPr>
+              <a:t>秒に改善。</a:t>
+            </a:r>
+            <a:endParaRPr kumimoji="1" lang="en-US" altLang="ja-JP" b="1" dirty="0">
+              <a:latin typeface="BIZ UDPゴシック" panose="020B0400000000000000" pitchFamily="50" charset="-128"/>
+              <a:ea typeface="BIZ UDPゴシック" panose="020B0400000000000000" pitchFamily="50" charset="-128"/>
+            </a:endParaRPr>
+          </a:p>
+          <a:p>
+            <a:r>
+              <a:rPr kumimoji="1" lang="ja-JP" altLang="en-US" b="1" dirty="0">
+                <a:latin typeface="BIZ UDPゴシック" panose="020B0400000000000000" pitchFamily="50" charset="-128"/>
+                <a:ea typeface="BIZ UDPゴシック" panose="020B0400000000000000" pitchFamily="50" charset="-128"/>
+              </a:rPr>
               <a:t>（</a:t>
             </a:r>
             <a:r>
-              <a:rPr kumimoji="1" lang="en-US" altLang="ja-JP" dirty="0"/>
+              <a:rPr kumimoji="1" lang="en-US" altLang="ja-JP" b="1" dirty="0">
+                <a:latin typeface="BIZ UDPゴシック" panose="020B0400000000000000" pitchFamily="50" charset="-128"/>
+                <a:ea typeface="BIZ UDPゴシック" panose="020B0400000000000000" pitchFamily="50" charset="-128"/>
+              </a:rPr>
               <a:t>99</a:t>
             </a:r>
             <a:r>
-              <a:rPr kumimoji="1" lang="ja-JP" altLang="en-US" dirty="0"/>
-              <a:t>％以上</a:t>
-            </a:r>
-            <a:r>
-              <a:rPr kumimoji="1" lang="ja-JP" altLang="en-US"/>
-              <a:t>の業務効率改善効果）</a:t>
-            </a:r>
-            <a:endParaRPr kumimoji="1" lang="en-US" altLang="ja-JP" dirty="0"/>
-          </a:p>
-          <a:p>
-            <a:endParaRPr kumimoji="1" lang="en-US" altLang="ja-JP" dirty="0"/>
+              <a:rPr kumimoji="1" lang="ja-JP" altLang="en-US" b="1" dirty="0">
+                <a:latin typeface="BIZ UDPゴシック" panose="020B0400000000000000" pitchFamily="50" charset="-128"/>
+                <a:ea typeface="BIZ UDPゴシック" panose="020B0400000000000000" pitchFamily="50" charset="-128"/>
+              </a:rPr>
+              <a:t>％以上の業務効率改善効果）</a:t>
+            </a:r>
+            <a:endParaRPr kumimoji="1" lang="en-US" altLang="ja-JP" b="1" dirty="0">
+              <a:latin typeface="BIZ UDPゴシック" panose="020B0400000000000000" pitchFamily="50" charset="-128"/>
+              <a:ea typeface="BIZ UDPゴシック" panose="020B0400000000000000" pitchFamily="50" charset="-128"/>
+            </a:endParaRPr>
+          </a:p>
+          <a:p>
+            <a:endParaRPr kumimoji="1" lang="en-US" altLang="ja-JP" dirty="0">
+              <a:latin typeface="BIZ UDPゴシック" panose="020B0400000000000000" pitchFamily="50" charset="-128"/>
+              <a:ea typeface="BIZ UDPゴシック" panose="020B0400000000000000" pitchFamily="50" charset="-128"/>
+            </a:endParaRPr>
           </a:p>
           <a:p>
             <a:endParaRPr kumimoji="1" lang="ja-JP" altLang="en-US" dirty="0"/>

--- a/documents/発表準備/成果発表会　案②.pptx
+++ b/documents/発表準備/成果発表会　案②.pptx
@@ -12409,7 +12409,7 @@
         <p:spPr>
           <a:xfrm>
             <a:off x="3480432" y="2585144"/>
-            <a:ext cx="5810324" cy="2031325"/>
+            <a:ext cx="5810324" cy="2246769"/>
           </a:xfrm>
           <a:prstGeom prst="rect">
             <a:avLst/>
@@ -12423,7 +12423,7 @@
           <a:lstStyle/>
           <a:p>
             <a:r>
-              <a:rPr kumimoji="1" lang="ja-JP" altLang="en-US" b="1" dirty="0">
+              <a:rPr kumimoji="1" lang="ja-JP" altLang="en-US" sz="2000" b="1" dirty="0">
                 <a:solidFill>
                   <a:schemeClr val="bg2">
                     <a:lumMod val="25000"/>
@@ -12434,7 +12434,7 @@
               </a:rPr>
               <a:t>氏名：梶川</a:t>
             </a:r>
-            <a:endParaRPr kumimoji="1" lang="en-US" altLang="ja-JP" b="1" dirty="0">
+            <a:endParaRPr kumimoji="1" lang="en-US" altLang="ja-JP" sz="2000" b="1" dirty="0">
               <a:solidFill>
                 <a:schemeClr val="bg2">
                   <a:lumMod val="25000"/>
@@ -12445,7 +12445,7 @@
             </a:endParaRPr>
           </a:p>
           <a:p>
-            <a:endParaRPr kumimoji="1" lang="en-US" altLang="ja-JP" b="1" dirty="0">
+            <a:endParaRPr kumimoji="1" lang="en-US" altLang="ja-JP" sz="2000" b="1" dirty="0">
               <a:solidFill>
                 <a:schemeClr val="bg2">
                   <a:lumMod val="25000"/>
@@ -12457,7 +12457,7 @@
           </a:p>
           <a:p>
             <a:r>
-              <a:rPr lang="ja-JP" altLang="en-US" b="1" dirty="0">
+              <a:rPr lang="ja-JP" altLang="en-US" sz="2000" b="1" dirty="0">
                 <a:solidFill>
                   <a:schemeClr val="bg2">
                     <a:lumMod val="25000"/>
@@ -12468,7 +12468,7 @@
               </a:rPr>
               <a:t>役職：リーダー</a:t>
             </a:r>
-            <a:endParaRPr lang="en-US" altLang="ja-JP" b="1" dirty="0">
+            <a:endParaRPr lang="en-US" altLang="ja-JP" sz="2000" b="1" dirty="0">
               <a:solidFill>
                 <a:schemeClr val="bg2">
                   <a:lumMod val="25000"/>
@@ -12479,7 +12479,7 @@
             </a:endParaRPr>
           </a:p>
           <a:p>
-            <a:endParaRPr lang="en-US" altLang="ja-JP" b="1" dirty="0">
+            <a:endParaRPr lang="en-US" altLang="ja-JP" sz="2000" b="1" dirty="0">
               <a:solidFill>
                 <a:schemeClr val="bg2">
                   <a:lumMod val="25000"/>
@@ -12491,7 +12491,7 @@
           </a:p>
           <a:p>
             <a:r>
-              <a:rPr kumimoji="1" lang="ja-JP" altLang="en-US" b="1" dirty="0">
+              <a:rPr kumimoji="1" lang="ja-JP" altLang="en-US" sz="2000" b="1" dirty="0">
                 <a:solidFill>
                   <a:schemeClr val="bg2">
                     <a:lumMod val="25000"/>
@@ -12502,7 +12502,7 @@
               </a:rPr>
               <a:t>担当箇所：マニュアル機能</a:t>
             </a:r>
-            <a:endParaRPr kumimoji="1" lang="en-US" altLang="ja-JP" b="1" dirty="0">
+            <a:endParaRPr kumimoji="1" lang="en-US" altLang="ja-JP" sz="2000" b="1" dirty="0">
               <a:solidFill>
                 <a:schemeClr val="bg2">
                   <a:lumMod val="25000"/>
@@ -12513,7 +12513,7 @@
             </a:endParaRPr>
           </a:p>
           <a:p>
-            <a:endParaRPr kumimoji="1" lang="en-US" altLang="ja-JP" b="1" dirty="0">
+            <a:endParaRPr kumimoji="1" lang="en-US" altLang="ja-JP" sz="2000" b="1" dirty="0">
               <a:solidFill>
                 <a:schemeClr val="bg2">
                   <a:lumMod val="25000"/>
@@ -12525,7 +12525,7 @@
           </a:p>
           <a:p>
             <a:r>
-              <a:rPr lang="ja-JP" altLang="en-US" b="1" dirty="0">
+              <a:rPr lang="ja-JP" altLang="en-US" sz="2000" b="1" dirty="0">
                 <a:solidFill>
                   <a:schemeClr val="bg2">
                     <a:lumMod val="25000"/>
@@ -12536,7 +12536,7 @@
               </a:rPr>
               <a:t>成長した点：エラーと向き合う力、意見を述べる力</a:t>
             </a:r>
-            <a:endParaRPr lang="en-US" altLang="ja-JP" b="1" dirty="0">
+            <a:endParaRPr lang="en-US" altLang="ja-JP" sz="2000" b="1" dirty="0">
               <a:solidFill>
                 <a:schemeClr val="bg2">
                   <a:lumMod val="25000"/>
@@ -13111,7 +13111,7 @@
         <p:spPr>
           <a:xfrm>
             <a:off x="3002844" y="2579133"/>
-            <a:ext cx="5923213" cy="2031325"/>
+            <a:ext cx="5923213" cy="2246769"/>
           </a:xfrm>
           <a:prstGeom prst="rect">
             <a:avLst/>
@@ -13125,7 +13125,7 @@
           <a:lstStyle/>
           <a:p>
             <a:r>
-              <a:rPr kumimoji="1" lang="ja-JP" altLang="en-US" b="1" dirty="0">
+              <a:rPr kumimoji="1" lang="ja-JP" altLang="en-US" sz="2000" b="1" dirty="0">
                 <a:solidFill>
                   <a:schemeClr val="bg2">
                     <a:lumMod val="25000"/>
@@ -13136,7 +13136,7 @@
               </a:rPr>
               <a:t>氏名：青木</a:t>
             </a:r>
-            <a:endParaRPr kumimoji="1" lang="en-US" altLang="ja-JP" b="1" dirty="0">
+            <a:endParaRPr kumimoji="1" lang="en-US" altLang="ja-JP" sz="2000" b="1" dirty="0">
               <a:solidFill>
                 <a:schemeClr val="bg2">
                   <a:lumMod val="25000"/>
@@ -13147,7 +13147,7 @@
             </a:endParaRPr>
           </a:p>
           <a:p>
-            <a:endParaRPr kumimoji="1" lang="en-US" altLang="ja-JP" b="1" dirty="0">
+            <a:endParaRPr kumimoji="1" lang="en-US" altLang="ja-JP" sz="2000" b="1" dirty="0">
               <a:solidFill>
                 <a:schemeClr val="bg2">
                   <a:lumMod val="25000"/>
@@ -13159,7 +13159,7 @@
           </a:p>
           <a:p>
             <a:r>
-              <a:rPr lang="ja-JP" altLang="en-US" b="1" dirty="0">
+              <a:rPr lang="ja-JP" altLang="en-US" sz="2000" b="1" dirty="0">
                 <a:solidFill>
                   <a:schemeClr val="bg2">
                     <a:lumMod val="25000"/>
@@ -13170,7 +13170,7 @@
               </a:rPr>
               <a:t>役職：機能担当</a:t>
             </a:r>
-            <a:endParaRPr lang="en-US" altLang="ja-JP" b="1" dirty="0">
+            <a:endParaRPr lang="en-US" altLang="ja-JP" sz="2000" b="1" dirty="0">
               <a:solidFill>
                 <a:schemeClr val="bg2">
                   <a:lumMod val="25000"/>
@@ -13181,7 +13181,7 @@
             </a:endParaRPr>
           </a:p>
           <a:p>
-            <a:endParaRPr lang="en-US" altLang="ja-JP" b="1" dirty="0">
+            <a:endParaRPr lang="en-US" altLang="ja-JP" sz="2000" b="1" dirty="0">
               <a:solidFill>
                 <a:schemeClr val="bg2">
                   <a:lumMod val="25000"/>
@@ -13193,7 +13193,7 @@
           </a:p>
           <a:p>
             <a:r>
-              <a:rPr kumimoji="1" lang="ja-JP" altLang="en-US" b="1" dirty="0">
+              <a:rPr kumimoji="1" lang="ja-JP" altLang="en-US" sz="2000" b="1" dirty="0">
                 <a:solidFill>
                   <a:schemeClr val="bg2">
                     <a:lumMod val="25000"/>
@@ -13204,7 +13204,7 @@
               </a:rPr>
               <a:t>担当箇所：カレンダー機能</a:t>
             </a:r>
-            <a:endParaRPr kumimoji="1" lang="en-US" altLang="ja-JP" b="1" dirty="0">
+            <a:endParaRPr kumimoji="1" lang="en-US" altLang="ja-JP" sz="2000" b="1" dirty="0">
               <a:solidFill>
                 <a:schemeClr val="bg2">
                   <a:lumMod val="25000"/>
@@ -13215,7 +13215,7 @@
             </a:endParaRPr>
           </a:p>
           <a:p>
-            <a:endParaRPr kumimoji="1" lang="en-US" altLang="ja-JP" b="1" dirty="0">
+            <a:endParaRPr kumimoji="1" lang="en-US" altLang="ja-JP" sz="2000" b="1" dirty="0">
               <a:solidFill>
                 <a:schemeClr val="bg2">
                   <a:lumMod val="25000"/>
@@ -13227,7 +13227,7 @@
           </a:p>
           <a:p>
             <a:r>
-              <a:rPr lang="ja-JP" altLang="en-US" b="1" dirty="0">
+              <a:rPr lang="ja-JP" altLang="en-US" sz="2000" b="1" dirty="0">
                 <a:solidFill>
                   <a:schemeClr val="bg2">
                     <a:lumMod val="25000"/>
@@ -13238,7 +13238,7 @@
               </a:rPr>
               <a:t>成長した点：取捨選択の重要性、優先順位の意識</a:t>
             </a:r>
-            <a:endParaRPr lang="en-US" altLang="ja-JP" b="1" dirty="0">
+            <a:endParaRPr lang="en-US" altLang="ja-JP" sz="2000" b="1" dirty="0">
               <a:solidFill>
                 <a:schemeClr val="bg2">
                   <a:lumMod val="25000"/>
@@ -13812,8 +13812,8 @@
         </p:nvSpPr>
         <p:spPr>
           <a:xfrm>
-            <a:off x="4105702" y="2579133"/>
-            <a:ext cx="4820355" cy="2031325"/>
+            <a:off x="3946890" y="2533965"/>
+            <a:ext cx="5772076" cy="2246769"/>
           </a:xfrm>
           <a:prstGeom prst="rect">
             <a:avLst/>
@@ -13827,7 +13827,7 @@
           <a:lstStyle/>
           <a:p>
             <a:r>
-              <a:rPr kumimoji="1" lang="ja-JP" altLang="en-US" b="1" dirty="0">
+              <a:rPr kumimoji="1" lang="ja-JP" altLang="en-US" sz="2000" b="1" dirty="0">
                 <a:solidFill>
                   <a:schemeClr val="bg2">
                     <a:lumMod val="25000"/>
@@ -13838,7 +13838,7 @@
               </a:rPr>
               <a:t>氏名：川﨑</a:t>
             </a:r>
-            <a:endParaRPr kumimoji="1" lang="en-US" altLang="ja-JP" b="1" dirty="0">
+            <a:endParaRPr kumimoji="1" lang="en-US" altLang="ja-JP" sz="2000" b="1" dirty="0">
               <a:solidFill>
                 <a:schemeClr val="bg2">
                   <a:lumMod val="25000"/>
@@ -13849,7 +13849,7 @@
             </a:endParaRPr>
           </a:p>
           <a:p>
-            <a:endParaRPr kumimoji="1" lang="en-US" altLang="ja-JP" b="1" dirty="0">
+            <a:endParaRPr kumimoji="1" lang="en-US" altLang="ja-JP" sz="2000" b="1" dirty="0">
               <a:solidFill>
                 <a:schemeClr val="bg2">
                   <a:lumMod val="25000"/>
@@ -13861,7 +13861,7 @@
           </a:p>
           <a:p>
             <a:r>
-              <a:rPr lang="ja-JP" altLang="en-US" b="1" dirty="0">
+              <a:rPr lang="ja-JP" altLang="en-US" sz="2000" b="1" dirty="0">
                 <a:solidFill>
                   <a:schemeClr val="bg2">
                     <a:lumMod val="25000"/>
@@ -13872,7 +13872,7 @@
               </a:rPr>
               <a:t>役職：品質管理</a:t>
             </a:r>
-            <a:endParaRPr lang="en-US" altLang="ja-JP" b="1" dirty="0">
+            <a:endParaRPr lang="en-US" altLang="ja-JP" sz="2000" b="1" dirty="0">
               <a:solidFill>
                 <a:schemeClr val="bg2">
                   <a:lumMod val="25000"/>
@@ -13883,7 +13883,7 @@
             </a:endParaRPr>
           </a:p>
           <a:p>
-            <a:endParaRPr lang="en-US" altLang="ja-JP" b="1" dirty="0">
+            <a:endParaRPr lang="en-US" altLang="ja-JP" sz="2000" b="1" dirty="0">
               <a:solidFill>
                 <a:schemeClr val="bg2">
                   <a:lumMod val="25000"/>
@@ -13895,7 +13895,7 @@
           </a:p>
           <a:p>
             <a:r>
-              <a:rPr kumimoji="1" lang="ja-JP" altLang="en-US" b="1" dirty="0">
+              <a:rPr kumimoji="1" lang="ja-JP" altLang="en-US" sz="2000" b="1" dirty="0">
                 <a:solidFill>
                   <a:schemeClr val="bg2">
                     <a:lumMod val="25000"/>
@@ -13904,9 +13904,9 @@
                 <a:latin typeface="BIZ UDPゴシック" panose="020B0400000000000000" pitchFamily="50" charset="-128"/>
                 <a:ea typeface="BIZ UDPゴシック" panose="020B0400000000000000" pitchFamily="50" charset="-128"/>
               </a:rPr>
-              <a:t>担当箇所：登録画面、パスワード変更機能</a:t>
-            </a:r>
-            <a:endParaRPr kumimoji="1" lang="en-US" altLang="ja-JP" b="1" dirty="0">
+              <a:t>担当箇所：登録・一覧画面、パスワード変更機能</a:t>
+            </a:r>
+            <a:endParaRPr kumimoji="1" lang="en-US" altLang="ja-JP" sz="2000" b="1" dirty="0">
               <a:solidFill>
                 <a:schemeClr val="bg2">
                   <a:lumMod val="25000"/>
@@ -13917,7 +13917,7 @@
             </a:endParaRPr>
           </a:p>
           <a:p>
-            <a:endParaRPr kumimoji="1" lang="en-US" altLang="ja-JP" b="1" dirty="0">
+            <a:endParaRPr kumimoji="1" lang="en-US" altLang="ja-JP" sz="2000" b="1" dirty="0">
               <a:solidFill>
                 <a:schemeClr val="bg2">
                   <a:lumMod val="25000"/>
@@ -13929,7 +13929,7 @@
           </a:p>
           <a:p>
             <a:r>
-              <a:rPr lang="ja-JP" altLang="en-US" b="1" dirty="0">
+              <a:rPr lang="ja-JP" altLang="en-US" sz="2000" b="1" dirty="0">
                 <a:solidFill>
                   <a:schemeClr val="bg2">
                     <a:lumMod val="25000"/>
@@ -13940,7 +13940,7 @@
               </a:rPr>
               <a:t>成長した点：率先力がある、サポートする力</a:t>
             </a:r>
-            <a:endParaRPr lang="en-US" altLang="ja-JP" b="1" dirty="0">
+            <a:endParaRPr lang="en-US" altLang="ja-JP" sz="2000" b="1" dirty="0">
               <a:solidFill>
                 <a:schemeClr val="bg2">
                   <a:lumMod val="25000"/>
@@ -14514,8 +14514,8 @@
         </p:nvSpPr>
         <p:spPr>
           <a:xfrm>
-            <a:off x="2404534" y="2579133"/>
-            <a:ext cx="6521524" cy="2031325"/>
+            <a:off x="4492978" y="2533965"/>
+            <a:ext cx="5531555" cy="2246769"/>
           </a:xfrm>
           <a:prstGeom prst="rect">
             <a:avLst/>
@@ -14529,7 +14529,7 @@
           <a:lstStyle/>
           <a:p>
             <a:r>
-              <a:rPr kumimoji="1" lang="ja-JP" altLang="en-US" b="1" dirty="0">
+              <a:rPr kumimoji="1" lang="ja-JP" altLang="en-US" sz="2000" b="1" dirty="0">
                 <a:solidFill>
                   <a:schemeClr val="bg2">
                     <a:lumMod val="25000"/>
@@ -14540,7 +14540,7 @@
               </a:rPr>
               <a:t>氏名：二上</a:t>
             </a:r>
-            <a:endParaRPr kumimoji="1" lang="en-US" altLang="ja-JP" b="1" dirty="0">
+            <a:endParaRPr kumimoji="1" lang="en-US" altLang="ja-JP" sz="2000" b="1" dirty="0">
               <a:solidFill>
                 <a:schemeClr val="bg2">
                   <a:lumMod val="25000"/>
@@ -14551,7 +14551,7 @@
             </a:endParaRPr>
           </a:p>
           <a:p>
-            <a:endParaRPr kumimoji="1" lang="en-US" altLang="ja-JP" b="1" dirty="0">
+            <a:endParaRPr kumimoji="1" lang="en-US" altLang="ja-JP" sz="2000" b="1" dirty="0">
               <a:solidFill>
                 <a:schemeClr val="bg2">
                   <a:lumMod val="25000"/>
@@ -14563,7 +14563,7 @@
           </a:p>
           <a:p>
             <a:r>
-              <a:rPr lang="ja-JP" altLang="en-US" b="1" dirty="0">
+              <a:rPr lang="ja-JP" altLang="en-US" sz="2000" b="1" dirty="0">
                 <a:solidFill>
                   <a:schemeClr val="bg2">
                     <a:lumMod val="25000"/>
@@ -14574,7 +14574,7 @@
               </a:rPr>
               <a:t>役職：機能担当</a:t>
             </a:r>
-            <a:endParaRPr lang="en-US" altLang="ja-JP" b="1" dirty="0">
+            <a:endParaRPr lang="en-US" altLang="ja-JP" sz="2000" b="1" dirty="0">
               <a:solidFill>
                 <a:schemeClr val="bg2">
                   <a:lumMod val="25000"/>
@@ -14585,7 +14585,7 @@
             </a:endParaRPr>
           </a:p>
           <a:p>
-            <a:endParaRPr lang="en-US" altLang="ja-JP" b="1" dirty="0">
+            <a:endParaRPr lang="en-US" altLang="ja-JP" sz="2000" b="1" dirty="0">
               <a:solidFill>
                 <a:schemeClr val="bg2">
                   <a:lumMod val="25000"/>
@@ -14597,7 +14597,7 @@
           </a:p>
           <a:p>
             <a:r>
-              <a:rPr kumimoji="1" lang="ja-JP" altLang="en-US" b="1" dirty="0">
+              <a:rPr kumimoji="1" lang="ja-JP" altLang="en-US" sz="2000" b="1" dirty="0">
                 <a:solidFill>
                   <a:schemeClr val="bg2">
                     <a:lumMod val="25000"/>
@@ -14608,7 +14608,7 @@
               </a:rPr>
               <a:t>担当箇所：ログイン機能、イベント機能</a:t>
             </a:r>
-            <a:endParaRPr kumimoji="1" lang="en-US" altLang="ja-JP" b="1" dirty="0">
+            <a:endParaRPr kumimoji="1" lang="en-US" altLang="ja-JP" sz="2000" b="1" dirty="0">
               <a:solidFill>
                 <a:schemeClr val="bg2">
                   <a:lumMod val="25000"/>
@@ -14619,7 +14619,7 @@
             </a:endParaRPr>
           </a:p>
           <a:p>
-            <a:endParaRPr kumimoji="1" lang="en-US" altLang="ja-JP" b="1" dirty="0">
+            <a:endParaRPr kumimoji="1" lang="en-US" altLang="ja-JP" sz="2000" b="1" dirty="0">
               <a:solidFill>
                 <a:schemeClr val="bg2">
                   <a:lumMod val="25000"/>
@@ -14631,7 +14631,7 @@
           </a:p>
           <a:p>
             <a:r>
-              <a:rPr lang="ja-JP" altLang="en-US" b="1" dirty="0">
+              <a:rPr lang="ja-JP" altLang="en-US" sz="2000" b="1" dirty="0">
                 <a:solidFill>
                   <a:schemeClr val="bg2">
                     <a:lumMod val="25000"/>
@@ -14642,7 +14642,7 @@
               </a:rPr>
               <a:t>成長した点：仕事を遂行する力の向上</a:t>
             </a:r>
-            <a:endParaRPr lang="en-US" altLang="ja-JP" b="1" dirty="0">
+            <a:endParaRPr lang="en-US" altLang="ja-JP" sz="2000" b="1" dirty="0">
               <a:solidFill>
                 <a:schemeClr val="bg2">
                   <a:lumMod val="25000"/>
@@ -17402,8 +17402,8 @@
         </p:nvSpPr>
         <p:spPr>
           <a:xfrm>
-            <a:off x="2675468" y="2579133"/>
-            <a:ext cx="6250590" cy="2585323"/>
+            <a:off x="3815646" y="2506134"/>
+            <a:ext cx="5813776" cy="2831544"/>
           </a:xfrm>
           <a:prstGeom prst="rect">
             <a:avLst/>
@@ -17417,7 +17417,7 @@
           <a:lstStyle/>
           <a:p>
             <a:r>
-              <a:rPr kumimoji="1" lang="ja-JP" altLang="en-US" b="1" dirty="0">
+              <a:rPr kumimoji="1" lang="ja-JP" altLang="en-US" sz="2000" b="1" dirty="0">
                 <a:solidFill>
                   <a:schemeClr val="bg2">
                     <a:lumMod val="25000"/>
@@ -17428,7 +17428,7 @@
               </a:rPr>
               <a:t>氏名：村井</a:t>
             </a:r>
-            <a:endParaRPr kumimoji="1" lang="en-US" altLang="ja-JP" b="1" dirty="0">
+            <a:endParaRPr kumimoji="1" lang="en-US" altLang="ja-JP" sz="2000" b="1" dirty="0">
               <a:solidFill>
                 <a:schemeClr val="bg2">
                   <a:lumMod val="25000"/>
@@ -17439,7 +17439,7 @@
             </a:endParaRPr>
           </a:p>
           <a:p>
-            <a:endParaRPr kumimoji="1" lang="en-US" altLang="ja-JP" b="1" dirty="0">
+            <a:endParaRPr kumimoji="1" lang="en-US" altLang="ja-JP" sz="2000" b="1" dirty="0">
               <a:solidFill>
                 <a:schemeClr val="bg2">
                   <a:lumMod val="25000"/>
@@ -17451,7 +17451,7 @@
           </a:p>
           <a:p>
             <a:r>
-              <a:rPr lang="ja-JP" altLang="en-US" b="1" dirty="0">
+              <a:rPr lang="ja-JP" altLang="en-US" sz="2000" b="1" dirty="0">
                 <a:solidFill>
                   <a:schemeClr val="bg2">
                     <a:lumMod val="25000"/>
@@ -17463,7 +17463,7 @@
               <a:t>役職：</a:t>
             </a:r>
             <a:r>
-              <a:rPr lang="en-US" altLang="ja-JP" b="1" dirty="0">
+              <a:rPr lang="en-US" altLang="ja-JP" sz="2000" b="1" dirty="0">
                 <a:solidFill>
                   <a:schemeClr val="bg2">
                     <a:lumMod val="25000"/>
@@ -17475,7 +17475,7 @@
               <a:t>DB</a:t>
             </a:r>
             <a:r>
-              <a:rPr lang="ja-JP" altLang="en-US" b="1" dirty="0">
+              <a:rPr lang="ja-JP" altLang="en-US" sz="2000" b="1" dirty="0">
                 <a:solidFill>
                   <a:schemeClr val="bg2">
                     <a:lumMod val="25000"/>
@@ -17486,7 +17486,7 @@
               </a:rPr>
               <a:t>担当</a:t>
             </a:r>
-            <a:endParaRPr lang="en-US" altLang="ja-JP" b="1" dirty="0">
+            <a:endParaRPr lang="en-US" altLang="ja-JP" sz="2000" b="1" dirty="0">
               <a:solidFill>
                 <a:schemeClr val="bg2">
                   <a:lumMod val="25000"/>
@@ -17497,7 +17497,7 @@
             </a:endParaRPr>
           </a:p>
           <a:p>
-            <a:endParaRPr lang="en-US" altLang="ja-JP" b="1" dirty="0">
+            <a:endParaRPr lang="en-US" altLang="ja-JP" sz="2000" b="1" dirty="0">
               <a:solidFill>
                 <a:schemeClr val="bg2">
                   <a:lumMod val="25000"/>
@@ -17509,7 +17509,7 @@
           </a:p>
           <a:p>
             <a:r>
-              <a:rPr kumimoji="1" lang="ja-JP" altLang="en-US" b="1" dirty="0">
+              <a:rPr kumimoji="1" lang="ja-JP" altLang="en-US" sz="2000" b="1" dirty="0">
                 <a:solidFill>
                   <a:schemeClr val="bg2">
                     <a:lumMod val="25000"/>
@@ -17520,7 +17520,7 @@
               </a:rPr>
               <a:t>担当箇所：シフト管理機能</a:t>
             </a:r>
-            <a:endParaRPr kumimoji="1" lang="en-US" altLang="ja-JP" b="1" dirty="0">
+            <a:endParaRPr kumimoji="1" lang="en-US" altLang="ja-JP" sz="2000" b="1" dirty="0">
               <a:solidFill>
                 <a:schemeClr val="bg2">
                   <a:lumMod val="25000"/>
@@ -17531,7 +17531,7 @@
             </a:endParaRPr>
           </a:p>
           <a:p>
-            <a:endParaRPr kumimoji="1" lang="en-US" altLang="ja-JP" b="1" dirty="0">
+            <a:endParaRPr kumimoji="1" lang="en-US" altLang="ja-JP" sz="2000" b="1" dirty="0">
               <a:solidFill>
                 <a:schemeClr val="bg2">
                   <a:lumMod val="25000"/>
@@ -17543,7 +17543,7 @@
           </a:p>
           <a:p>
             <a:r>
-              <a:rPr lang="ja-JP" altLang="en-US" b="1" dirty="0">
+              <a:rPr lang="ja-JP" altLang="en-US" sz="2000" b="1" dirty="0">
                 <a:solidFill>
                   <a:schemeClr val="bg2">
                     <a:lumMod val="25000"/>
@@ -17554,7 +17554,7 @@
               </a:rPr>
               <a:t>成長した点：スケジュール管理能力の重要性</a:t>
             </a:r>
-            <a:endParaRPr lang="en-US" altLang="ja-JP" b="1" dirty="0">
+            <a:endParaRPr lang="en-US" altLang="ja-JP" sz="2000" b="1" dirty="0">
               <a:solidFill>
                 <a:schemeClr val="bg2">
                   <a:lumMod val="25000"/>
@@ -17566,7 +17566,7 @@
           </a:p>
           <a:p>
             <a:r>
-              <a:rPr lang="ja-JP" altLang="en-US" b="1" dirty="0">
+              <a:rPr lang="ja-JP" altLang="en-US" sz="2000" b="1" dirty="0">
                 <a:solidFill>
                   <a:schemeClr val="bg2">
                     <a:lumMod val="25000"/>
@@ -17577,7 +17577,7 @@
               </a:rPr>
               <a:t>　　　　　　　　先を見据えて行動する力</a:t>
             </a:r>
-            <a:endParaRPr lang="en-US" altLang="ja-JP" b="1" dirty="0">
+            <a:endParaRPr lang="en-US" altLang="ja-JP" sz="2000" b="1" dirty="0">
               <a:solidFill>
                 <a:schemeClr val="bg2">
                   <a:lumMod val="25000"/>
@@ -20369,7 +20369,7 @@
         </p:nvSpPr>
         <p:spPr>
           <a:xfrm>
-            <a:off x="983437" y="771873"/>
+            <a:off x="983436" y="771873"/>
             <a:ext cx="10603522" cy="5314253"/>
           </a:xfrm>
           <a:prstGeom prst="rect">
@@ -20863,8 +20863,8 @@
         </p:nvSpPr>
         <p:spPr>
           <a:xfrm>
-            <a:off x="2845045" y="2150477"/>
-            <a:ext cx="7567448" cy="3416320"/>
+            <a:off x="2732155" y="2688851"/>
+            <a:ext cx="7567448" cy="2862322"/>
           </a:xfrm>
           <a:prstGeom prst="rect">
             <a:avLst/>
@@ -20877,19 +20877,6 @@
           </a:bodyPr>
           <a:lstStyle/>
           <a:p>
-            <a:r>
-              <a:rPr kumimoji="1" lang="ja-JP" altLang="en-US" b="1" u="sng" dirty="0">
-                <a:latin typeface="BIZ UDPゴシック" panose="020B0400000000000000" pitchFamily="50" charset="-128"/>
-                <a:ea typeface="BIZ UDPゴシック" panose="020B0400000000000000" pitchFamily="50" charset="-128"/>
-              </a:rPr>
-              <a:t>＊個人経営者向けの業務効率化アプリ＊</a:t>
-            </a:r>
-            <a:endParaRPr kumimoji="1" lang="en-US" altLang="ja-JP" b="1" u="sng" dirty="0">
-              <a:latin typeface="BIZ UDPゴシック" panose="020B0400000000000000" pitchFamily="50" charset="-128"/>
-              <a:ea typeface="BIZ UDPゴシック" panose="020B0400000000000000" pitchFamily="50" charset="-128"/>
-            </a:endParaRPr>
-          </a:p>
-          <a:p>
             <a:endParaRPr lang="en-US" altLang="ja-JP" b="1" dirty="0">
               <a:latin typeface="BIZ UDPゴシック" panose="020B0400000000000000" pitchFamily="50" charset="-128"/>
               <a:ea typeface="BIZ UDPゴシック" panose="020B0400000000000000" pitchFamily="50" charset="-128"/>
@@ -20929,8 +20916,27 @@
                 <a:latin typeface="BIZ UDPゴシック" panose="020B0400000000000000" pitchFamily="50" charset="-128"/>
                 <a:ea typeface="BIZ UDPゴシック" panose="020B0400000000000000" pitchFamily="50" charset="-128"/>
               </a:rPr>
-              <a:t>の困りごと：</a:t>
-            </a:r>
+              <a:t>の困り事：</a:t>
+            </a:r>
+            <a:r>
+              <a:rPr kumimoji="1" lang="ja-JP" altLang="en-US" b="1" dirty="0">
+                <a:solidFill>
+                  <a:srgbClr val="C00000"/>
+                </a:solidFill>
+                <a:latin typeface="BIZ UDPゴシック" panose="020B0400000000000000" pitchFamily="50" charset="-128"/>
+                <a:ea typeface="BIZ UDPゴシック" panose="020B0400000000000000" pitchFamily="50" charset="-128"/>
+              </a:rPr>
+              <a:t>機械音痴で事務作業が苦手、休みの少なさ</a:t>
+            </a:r>
+            <a:endParaRPr kumimoji="1" lang="en-US" altLang="ja-JP" b="1" dirty="0">
+              <a:solidFill>
+                <a:srgbClr val="C00000"/>
+              </a:solidFill>
+              <a:latin typeface="BIZ UDPゴシック" panose="020B0400000000000000" pitchFamily="50" charset="-128"/>
+              <a:ea typeface="BIZ UDPゴシック" panose="020B0400000000000000" pitchFamily="50" charset="-128"/>
+            </a:endParaRPr>
+          </a:p>
+          <a:p>
             <a:endParaRPr lang="en-US" altLang="ja-JP" b="1" dirty="0">
               <a:latin typeface="BIZ UDPゴシック" panose="020B0400000000000000" pitchFamily="50" charset="-128"/>
               <a:ea typeface="BIZ UDPゴシック" panose="020B0400000000000000" pitchFamily="50" charset="-128"/>
@@ -20938,30 +20944,21 @@
           </a:p>
           <a:p>
             <a:r>
-              <a:rPr kumimoji="1" lang="ja-JP" altLang="en-US" b="1" dirty="0">
+              <a:rPr lang="ja-JP" altLang="en-US" b="1" dirty="0">
+                <a:solidFill>
+                  <a:schemeClr val="accent2"/>
+                </a:solidFill>
                 <a:latin typeface="BIZ UDPゴシック" panose="020B0400000000000000" pitchFamily="50" charset="-128"/>
                 <a:ea typeface="BIZ UDPゴシック" panose="020B0400000000000000" pitchFamily="50" charset="-128"/>
               </a:rPr>
-              <a:t>　機械音痴で事務作業が苦手、休みの少なさ</a:t>
-            </a:r>
-            <a:endParaRPr kumimoji="1" lang="en-US" altLang="ja-JP" b="1" dirty="0">
-              <a:latin typeface="BIZ UDPゴシック" panose="020B0400000000000000" pitchFamily="50" charset="-128"/>
-              <a:ea typeface="BIZ UDPゴシック" panose="020B0400000000000000" pitchFamily="50" charset="-128"/>
-            </a:endParaRPr>
-          </a:p>
-          <a:p>
-            <a:endParaRPr lang="en-US" altLang="ja-JP" b="1" dirty="0">
-              <a:latin typeface="BIZ UDPゴシック" panose="020B0400000000000000" pitchFamily="50" charset="-128"/>
-              <a:ea typeface="BIZ UDPゴシック" panose="020B0400000000000000" pitchFamily="50" charset="-128"/>
-            </a:endParaRPr>
-          </a:p>
-          <a:p>
+              <a:t>従来</a:t>
+            </a:r>
             <a:r>
               <a:rPr lang="ja-JP" altLang="en-US" b="1" dirty="0">
                 <a:latin typeface="BIZ UDPゴシック" panose="020B0400000000000000" pitchFamily="50" charset="-128"/>
                 <a:ea typeface="BIZ UDPゴシック" panose="020B0400000000000000" pitchFamily="50" charset="-128"/>
               </a:rPr>
-              <a:t>従来：</a:t>
+              <a:t>：</a:t>
             </a:r>
             <a:endParaRPr lang="en-US" altLang="ja-JP" b="1" dirty="0">
               <a:latin typeface="BIZ UDPゴシック" panose="020B0400000000000000" pitchFamily="50" charset="-128"/>
@@ -21003,10 +21000,20 @@
           <a:p>
             <a:r>
               <a:rPr lang="ja-JP" altLang="en-US" b="1" dirty="0">
+                <a:solidFill>
+                  <a:schemeClr val="accent2"/>
+                </a:solidFill>
                 <a:latin typeface="BIZ UDPゴシック" panose="020B0400000000000000" pitchFamily="50" charset="-128"/>
                 <a:ea typeface="BIZ UDPゴシック" panose="020B0400000000000000" pitchFamily="50" charset="-128"/>
               </a:rPr>
-              <a:t>今後：</a:t>
+              <a:t>今後</a:t>
+            </a:r>
+            <a:r>
+              <a:rPr lang="ja-JP" altLang="en-US" b="1" dirty="0">
+                <a:latin typeface="BIZ UDPゴシック" panose="020B0400000000000000" pitchFamily="50" charset="-128"/>
+                <a:ea typeface="BIZ UDPゴシック" panose="020B0400000000000000" pitchFamily="50" charset="-128"/>
+              </a:rPr>
+              <a:t>：</a:t>
             </a:r>
             <a:endParaRPr lang="en-US" altLang="ja-JP" b="1" dirty="0">
               <a:latin typeface="BIZ UDPゴシック" panose="020B0400000000000000" pitchFamily="50" charset="-128"/>
@@ -21035,6 +21042,84 @@
               <a:t>→カレンダーやマニュアルは一括で管理できる</a:t>
             </a:r>
             <a:endParaRPr kumimoji="1" lang="en-US" altLang="ja-JP" b="1" dirty="0">
+              <a:latin typeface="BIZ UDPゴシック" panose="020B0400000000000000" pitchFamily="50" charset="-128"/>
+              <a:ea typeface="BIZ UDPゴシック" panose="020B0400000000000000" pitchFamily="50" charset="-128"/>
+            </a:endParaRPr>
+          </a:p>
+        </p:txBody>
+      </p:sp>
+      <p:sp>
+        <p:nvSpPr>
+          <p:cNvPr id="4" name="四角形: 角を丸くする 3">
+            <a:extLst>
+              <a:ext uri="{FF2B5EF4-FFF2-40B4-BE49-F238E27FC236}">
+                <a16:creationId xmlns:a16="http://schemas.microsoft.com/office/drawing/2014/main" id="{B2BB7F9E-83F7-591D-D2DB-FF5608B332DF}"/>
+              </a:ext>
+            </a:extLst>
+          </p:cNvPr>
+          <p:cNvSpPr/>
+          <p:nvPr/>
+        </p:nvSpPr>
+        <p:spPr>
+          <a:xfrm>
+            <a:off x="4055555" y="2153898"/>
+            <a:ext cx="4920647" cy="474129"/>
+          </a:xfrm>
+          <a:prstGeom prst="roundRect">
+            <a:avLst/>
+          </a:prstGeom>
+          <a:solidFill>
+            <a:schemeClr val="accent2">
+              <a:lumMod val="40000"/>
+              <a:lumOff val="60000"/>
+            </a:schemeClr>
+          </a:solidFill>
+          <a:ln>
+            <a:solidFill>
+              <a:schemeClr val="accent2">
+                <a:lumMod val="40000"/>
+                <a:lumOff val="60000"/>
+              </a:schemeClr>
+            </a:solidFill>
+          </a:ln>
+        </p:spPr>
+        <p:style>
+          <a:lnRef idx="2">
+            <a:schemeClr val="accent6"/>
+          </a:lnRef>
+          <a:fillRef idx="1">
+            <a:schemeClr val="lt1"/>
+          </a:fillRef>
+          <a:effectRef idx="0">
+            <a:schemeClr val="accent6"/>
+          </a:effectRef>
+          <a:fontRef idx="minor">
+            <a:schemeClr val="dk1"/>
+          </a:fontRef>
+        </p:style>
+        <p:txBody>
+          <a:bodyPr rtlCol="0" anchor="ctr"/>
+          <a:lstStyle/>
+          <a:p>
+            <a:pPr algn="ctr"/>
+            <a:r>
+              <a:rPr lang="ja-JP" altLang="en-US" sz="2000" b="1" u="sng" dirty="0">
+                <a:solidFill>
+                  <a:schemeClr val="bg2">
+                    <a:lumMod val="25000"/>
+                  </a:schemeClr>
+                </a:solidFill>
+                <a:latin typeface="BIZ UDPゴシック" panose="020B0400000000000000" pitchFamily="50" charset="-128"/>
+                <a:ea typeface="BIZ UDPゴシック" panose="020B0400000000000000" pitchFamily="50" charset="-128"/>
+              </a:rPr>
+              <a:t>＊個人経営者向けの業務効率化アプリ＊</a:t>
+            </a:r>
+            <a:endParaRPr lang="en-US" altLang="ja-JP" sz="2000" b="1" u="sng" dirty="0">
+              <a:solidFill>
+                <a:schemeClr val="bg2">
+                  <a:lumMod val="25000"/>
+                </a:schemeClr>
+              </a:solidFill>
               <a:latin typeface="BIZ UDPゴシック" panose="020B0400000000000000" pitchFamily="50" charset="-128"/>
               <a:ea typeface="BIZ UDPゴシック" panose="020B0400000000000000" pitchFamily="50" charset="-128"/>
             </a:endParaRPr>

--- a/documents/発表準備/成果発表会　案②.pptx
+++ b/documents/発表準備/成果発表会　案②.pptx
@@ -624,6 +624,197 @@
   <p:cSld>
     <p:spTree>
       <p:nvGrpSpPr>
+        <p:cNvPr id="1" name="">
+          <a:extLst>
+            <a:ext uri="{FF2B5EF4-FFF2-40B4-BE49-F238E27FC236}">
+              <a16:creationId xmlns:a16="http://schemas.microsoft.com/office/drawing/2014/main" id="{083818D0-4A4F-22FE-B7F6-BCCDE54DBE8F}"/>
+            </a:ext>
+          </a:extLst>
+        </p:cNvPr>
+        <p:cNvGrpSpPr/>
+        <p:nvPr/>
+      </p:nvGrpSpPr>
+      <p:grpSpPr>
+        <a:xfrm>
+          <a:off x="0" y="0"/>
+          <a:ext cx="0" cy="0"/>
+          <a:chOff x="0" y="0"/>
+          <a:chExt cx="0" cy="0"/>
+        </a:xfrm>
+      </p:grpSpPr>
+      <p:sp>
+        <p:nvSpPr>
+          <p:cNvPr id="2" name="スライド イメージ プレースホルダー 1">
+            <a:extLst>
+              <a:ext uri="{FF2B5EF4-FFF2-40B4-BE49-F238E27FC236}">
+                <a16:creationId xmlns:a16="http://schemas.microsoft.com/office/drawing/2014/main" id="{B76EBE81-3DBF-D631-FC3D-7F473E42C7F1}"/>
+              </a:ext>
+            </a:extLst>
+          </p:cNvPr>
+          <p:cNvSpPr>
+            <a:spLocks noGrp="1" noRot="1" noChangeAspect="1"/>
+          </p:cNvSpPr>
+          <p:nvPr>
+            <p:ph type="sldImg"/>
+          </p:nvPr>
+        </p:nvSpPr>
+        <p:spPr/>
+      </p:sp>
+      <p:sp>
+        <p:nvSpPr>
+          <p:cNvPr id="3" name="ノート プレースホルダー 2">
+            <a:extLst>
+              <a:ext uri="{FF2B5EF4-FFF2-40B4-BE49-F238E27FC236}">
+                <a16:creationId xmlns:a16="http://schemas.microsoft.com/office/drawing/2014/main" id="{E7F4ECCC-58B5-9D33-1102-B2C32ED48343}"/>
+              </a:ext>
+            </a:extLst>
+          </p:cNvPr>
+          <p:cNvSpPr>
+            <a:spLocks noGrp="1"/>
+          </p:cNvSpPr>
+          <p:nvPr>
+            <p:ph type="body" idx="1"/>
+          </p:nvPr>
+        </p:nvSpPr>
+        <p:spPr/>
+        <p:txBody>
+          <a:bodyPr/>
+          <a:lstStyle/>
+          <a:p>
+            <a:r>
+              <a:rPr kumimoji="1" lang="ja-JP" altLang="en-US" dirty="0"/>
+              <a:t>誰が何をやったか</a:t>
+            </a:r>
+            <a:endParaRPr kumimoji="1" lang="en-US" altLang="ja-JP" dirty="0"/>
+          </a:p>
+          <a:p>
+            <a:endParaRPr kumimoji="1" lang="en-US" altLang="ja-JP" dirty="0"/>
+          </a:p>
+          <a:p>
+            <a:r>
+              <a:rPr kumimoji="1" lang="ja-JP" altLang="en-US" dirty="0"/>
+              <a:t>即行動に移せる（みんなの疑問点をまとめる）</a:t>
+            </a:r>
+            <a:endParaRPr kumimoji="1" lang="en-US" altLang="ja-JP" dirty="0"/>
+          </a:p>
+          <a:p>
+            <a:r>
+              <a:rPr kumimoji="1" lang="ja-JP" altLang="en-US" dirty="0"/>
+              <a:t>サポートする力</a:t>
+            </a:r>
+            <a:endParaRPr kumimoji="1" lang="en-US" altLang="ja-JP" dirty="0"/>
+          </a:p>
+          <a:p>
+            <a:endParaRPr kumimoji="1" lang="en-US" altLang="ja-JP" dirty="0"/>
+          </a:p>
+          <a:p>
+            <a:pPr marL="0" marR="0" lvl="0" indent="0" algn="l" defTabSz="914400" rtl="0" eaLnBrk="1" fontAlgn="auto" latinLnBrk="0" hangingPunct="1">
+              <a:lnSpc>
+                <a:spcPct val="100000"/>
+              </a:lnSpc>
+              <a:spcBef>
+                <a:spcPts val="0"/>
+              </a:spcBef>
+              <a:spcAft>
+                <a:spcPts val="0"/>
+              </a:spcAft>
+              <a:buClrTx/>
+              <a:buSzTx/>
+              <a:buFontTx/>
+              <a:buNone/>
+              <a:tabLst/>
+              <a:defRPr/>
+            </a:pPr>
+            <a:r>
+              <a:rPr kumimoji="1" lang="ja-JP" altLang="en-US" b="1" dirty="0">
+                <a:solidFill>
+                  <a:schemeClr val="bg2">
+                    <a:lumMod val="25000"/>
+                  </a:schemeClr>
+                </a:solidFill>
+                <a:latin typeface="BIZ UDPゴシック" panose="020B0400000000000000" pitchFamily="50" charset="-128"/>
+                <a:ea typeface="BIZ UDPゴシック" panose="020B0400000000000000" pitchFamily="50" charset="-128"/>
+              </a:rPr>
+              <a:t>ログイン画面、イベント画面：二上</a:t>
+            </a:r>
+            <a:endParaRPr kumimoji="1" lang="en-US" altLang="ja-JP" b="1" dirty="0">
+              <a:solidFill>
+                <a:schemeClr val="bg2">
+                  <a:lumMod val="25000"/>
+                </a:schemeClr>
+              </a:solidFill>
+              <a:latin typeface="BIZ UDPゴシック" panose="020B0400000000000000" pitchFamily="50" charset="-128"/>
+              <a:ea typeface="BIZ UDPゴシック" panose="020B0400000000000000" pitchFamily="50" charset="-128"/>
+            </a:endParaRPr>
+          </a:p>
+          <a:p>
+            <a:endParaRPr kumimoji="1" lang="en-US" altLang="ja-JP" dirty="0"/>
+          </a:p>
+          <a:p>
+            <a:r>
+              <a:rPr kumimoji="1" lang="ja-JP" altLang="en-US" dirty="0"/>
+              <a:t>自己紹介　→　開発担当場所　→　担当場所で苦労した点や頑張ったことなどを述べる。</a:t>
+            </a:r>
+            <a:endParaRPr kumimoji="1" lang="en-US" altLang="ja-JP" dirty="0"/>
+          </a:p>
+          <a:p>
+            <a:endParaRPr kumimoji="1" lang="en-US" altLang="ja-JP" dirty="0"/>
+          </a:p>
+          <a:p>
+            <a:endParaRPr kumimoji="1" lang="en-US" altLang="ja-JP" dirty="0"/>
+          </a:p>
+          <a:p>
+            <a:endParaRPr kumimoji="1" lang="ja-JP" altLang="en-US" dirty="0"/>
+          </a:p>
+        </p:txBody>
+      </p:sp>
+      <p:sp>
+        <p:nvSpPr>
+          <p:cNvPr id="4" name="スライド番号プレースホルダー 3">
+            <a:extLst>
+              <a:ext uri="{FF2B5EF4-FFF2-40B4-BE49-F238E27FC236}">
+                <a16:creationId xmlns:a16="http://schemas.microsoft.com/office/drawing/2014/main" id="{050F3D67-32A5-DC59-C442-C296C535AA0A}"/>
+              </a:ext>
+            </a:extLst>
+          </p:cNvPr>
+          <p:cNvSpPr>
+            <a:spLocks noGrp="1"/>
+          </p:cNvSpPr>
+          <p:nvPr>
+            <p:ph type="sldNum" sz="quarter" idx="5"/>
+          </p:nvPr>
+        </p:nvSpPr>
+        <p:spPr/>
+        <p:txBody>
+          <a:bodyPr/>
+          <a:lstStyle/>
+          <a:p>
+            <a:fld id="{C91693B1-9BFD-4732-A9AA-E516087F4AB6}" type="slidenum">
+              <a:rPr kumimoji="1" lang="ja-JP" altLang="en-US" smtClean="0"/>
+              <a:t>18</a:t>
+            </a:fld>
+            <a:endParaRPr kumimoji="1" lang="ja-JP" altLang="en-US"/>
+          </a:p>
+        </p:txBody>
+      </p:sp>
+    </p:spTree>
+    <p:extLst>
+      <p:ext uri="{BB962C8B-B14F-4D97-AF65-F5344CB8AC3E}">
+        <p14:creationId xmlns:p14="http://schemas.microsoft.com/office/powerpoint/2010/main" val="1219320968"/>
+      </p:ext>
+    </p:extLst>
+  </p:cSld>
+  <p:clrMapOvr>
+    <a:masterClrMapping/>
+  </p:clrMapOvr>
+</p:notes>
+</file>
+
+<file path=ppt/notesSlides/notesSlide11.xml><?xml version="1.0" encoding="utf-8"?>
+<p:notes xmlns:a="http://schemas.openxmlformats.org/drawingml/2006/main" xmlns:r="http://schemas.openxmlformats.org/officeDocument/2006/relationships" xmlns:p="http://schemas.openxmlformats.org/presentationml/2006/main">
+  <p:cSld>
+    <p:spTree>
+      <p:nvGrpSpPr>
         <p:cNvPr id="1" name=""/>
         <p:cNvGrpSpPr/>
         <p:nvPr/>
@@ -782,7 +973,7 @@
 </p:notes>
 </file>
 
-<file path=ppt/notesSlides/notesSlide11.xml><?xml version="1.0" encoding="utf-8"?>
+<file path=ppt/notesSlides/notesSlide12.xml><?xml version="1.0" encoding="utf-8"?>
 <p:notes xmlns:a="http://schemas.openxmlformats.org/drawingml/2006/main" xmlns:r="http://schemas.openxmlformats.org/officeDocument/2006/relationships" xmlns:p="http://schemas.openxmlformats.org/presentationml/2006/main">
   <p:cSld>
     <p:spTree>
@@ -919,7 +1110,7 @@
 </p:notes>
 </file>
 
-<file path=ppt/notesSlides/notesSlide12.xml><?xml version="1.0" encoding="utf-8"?>
+<file path=ppt/notesSlides/notesSlide13.xml><?xml version="1.0" encoding="utf-8"?>
 <p:notes xmlns:a="http://schemas.openxmlformats.org/drawingml/2006/main" xmlns:r="http://schemas.openxmlformats.org/officeDocument/2006/relationships" xmlns:p="http://schemas.openxmlformats.org/presentationml/2006/main">
   <p:cSld>
     <p:spTree>
@@ -1051,7 +1242,7 @@
 </p:notes>
 </file>
 
-<file path=ppt/notesSlides/notesSlide13.xml><?xml version="1.0" encoding="utf-8"?>
+<file path=ppt/notesSlides/notesSlide14.xml><?xml version="1.0" encoding="utf-8"?>
 <p:notes xmlns:a="http://schemas.openxmlformats.org/drawingml/2006/main" xmlns:r="http://schemas.openxmlformats.org/officeDocument/2006/relationships" xmlns:p="http://schemas.openxmlformats.org/presentationml/2006/main">
   <p:cSld>
     <p:spTree>
@@ -1641,186 +1832,18 @@
           <a:bodyPr/>
           <a:lstStyle/>
           <a:p>
-            <a:endParaRPr kumimoji="1" lang="en-US" altLang="ja-JP" b="1" dirty="0"/>
-          </a:p>
-          <a:p>
-            <a:r>
-              <a:rPr kumimoji="1" lang="ja-JP" altLang="en-US" b="1" u="sng" dirty="0"/>
-              <a:t>エンジェルビーツの次回予告風</a:t>
-            </a:r>
-            <a:endParaRPr kumimoji="1" lang="en-US" altLang="ja-JP" b="1" u="sng" dirty="0"/>
-          </a:p>
-          <a:p>
-            <a:endParaRPr kumimoji="1" lang="en-US" altLang="ja-JP" b="1" dirty="0"/>
-          </a:p>
-          <a:p>
-            <a:endParaRPr kumimoji="1" lang="en-US" altLang="ja-JP" b="1" dirty="0"/>
-          </a:p>
-          <a:p>
-            <a:r>
-              <a:rPr kumimoji="1" lang="ja-JP" altLang="en-US" b="1" dirty="0"/>
-              <a:t>担当：二上</a:t>
-            </a:r>
-            <a:endParaRPr kumimoji="1" lang="en-US" altLang="ja-JP" b="1" dirty="0"/>
-          </a:p>
-          <a:p>
-            <a:endParaRPr kumimoji="1" lang="en-US" altLang="ja-JP" b="1" dirty="0"/>
-          </a:p>
-          <a:p>
-            <a:r>
-              <a:rPr kumimoji="1" lang="ja-JP" altLang="en-US" b="1" dirty="0"/>
-              <a:t>・アドリブを入れる</a:t>
-            </a:r>
-            <a:endParaRPr kumimoji="1" lang="en-US" altLang="ja-JP" b="1" dirty="0"/>
-          </a:p>
-          <a:p>
-            <a:endParaRPr kumimoji="1" lang="en-US" altLang="ja-JP" b="1" dirty="0"/>
-          </a:p>
-          <a:p>
-            <a:r>
-              <a:rPr kumimoji="1" lang="ja-JP" altLang="en-US" b="1" dirty="0"/>
-              <a:t>・要件定義が一番きつかった。案は出るけど、データの問題などで次に進めなかった。見落としが多い。例）ログアウトができない、文字の打ちミス</a:t>
-            </a:r>
-            <a:endParaRPr kumimoji="1" lang="en-US" altLang="ja-JP" b="1" dirty="0"/>
-          </a:p>
-          <a:p>
-            <a:endParaRPr kumimoji="1" lang="en-US" altLang="ja-JP" b="1" dirty="0"/>
-          </a:p>
-          <a:p>
-            <a:r>
-              <a:rPr kumimoji="1" lang="ja-JP" altLang="en-US" b="1" dirty="0"/>
-              <a:t>・要件定義は頭も使い、疲労度が高かった。</a:t>
-            </a:r>
-            <a:endParaRPr kumimoji="1" lang="en-US" altLang="ja-JP" b="1" dirty="0"/>
-          </a:p>
-          <a:p>
-            <a:endParaRPr kumimoji="1" lang="en-US" altLang="ja-JP" b="1" dirty="0"/>
-          </a:p>
-          <a:p>
-            <a:r>
-              <a:rPr kumimoji="1" lang="ja-JP" altLang="en-US" b="1" dirty="0"/>
-              <a:t>・プログラミングの苦労は全員。得意不得意、やりたいことをイメージできても、それをコードにすることができない。</a:t>
-            </a:r>
-            <a:endParaRPr kumimoji="1" lang="en-US" altLang="ja-JP" b="1" dirty="0"/>
-          </a:p>
-          <a:p>
-            <a:endParaRPr kumimoji="1" lang="en-US" altLang="ja-JP" b="1" dirty="0"/>
-          </a:p>
-          <a:p>
-            <a:r>
-              <a:rPr kumimoji="1" lang="ja-JP" altLang="en-US" b="1" dirty="0"/>
-              <a:t>・作業時間や期限の短さ、人の少なさ、作業の遅れ</a:t>
-            </a:r>
-            <a:endParaRPr kumimoji="1" lang="en-US" altLang="ja-JP" b="1" dirty="0"/>
-          </a:p>
-          <a:p>
-            <a:endParaRPr kumimoji="1" lang="en-US" altLang="ja-JP" b="1" dirty="0"/>
-          </a:p>
-          <a:p>
-            <a:r>
-              <a:rPr kumimoji="1" lang="ja-JP" altLang="en-US" b="1" dirty="0"/>
-              <a:t>・認識のずれ</a:t>
-            </a:r>
-            <a:endParaRPr kumimoji="1" lang="en-US" altLang="ja-JP" b="1" dirty="0"/>
-          </a:p>
-          <a:p>
-            <a:r>
-              <a:rPr kumimoji="1" lang="ja-JP" altLang="en-US" sz="1200" b="1" kern="1200" dirty="0">
-                <a:solidFill>
-                  <a:schemeClr val="tx1"/>
-                </a:solidFill>
-                <a:effectLst/>
-                <a:latin typeface="+mn-lt"/>
-                <a:ea typeface="+mn-ea"/>
-                <a:cs typeface="+mn-cs"/>
-              </a:rPr>
-              <a:t>　　</a:t>
-            </a:r>
-            <a:r>
-              <a:rPr kumimoji="1" lang="en-US" altLang="ja-JP" sz="1200" kern="1200" dirty="0">
-                <a:solidFill>
-                  <a:schemeClr val="tx1"/>
-                </a:solidFill>
-                <a:effectLst/>
-                <a:latin typeface="+mn-lt"/>
-                <a:ea typeface="+mn-ea"/>
-                <a:cs typeface="+mn-cs"/>
-              </a:rPr>
-              <a:t>‐</a:t>
-            </a:r>
-            <a:r>
-              <a:rPr kumimoji="1" lang="ja-JP" altLang="ja-JP" sz="1200" kern="1200" dirty="0">
-                <a:solidFill>
-                  <a:schemeClr val="tx1"/>
-                </a:solidFill>
-                <a:effectLst/>
-                <a:latin typeface="+mn-lt"/>
-                <a:ea typeface="+mn-ea"/>
-                <a:cs typeface="+mn-cs"/>
-              </a:rPr>
-              <a:t>店長ログイン画面のイメージのずれ</a:t>
-            </a:r>
-          </a:p>
-          <a:p>
-            <a:r>
-              <a:rPr kumimoji="1" lang="ja-JP" altLang="en-US" sz="1200" kern="1200" dirty="0">
-                <a:solidFill>
-                  <a:schemeClr val="tx1"/>
-                </a:solidFill>
-                <a:effectLst/>
-                <a:latin typeface="+mn-lt"/>
-                <a:ea typeface="+mn-ea"/>
-                <a:cs typeface="+mn-cs"/>
-              </a:rPr>
-              <a:t>　　　</a:t>
-            </a:r>
-            <a:r>
-              <a:rPr kumimoji="1" lang="ja-JP" altLang="ja-JP" sz="1200" kern="1200" dirty="0">
-                <a:solidFill>
-                  <a:schemeClr val="tx1"/>
-                </a:solidFill>
-                <a:effectLst/>
-                <a:latin typeface="+mn-lt"/>
-                <a:ea typeface="+mn-ea"/>
-                <a:cs typeface="+mn-cs"/>
-              </a:rPr>
-              <a:t>１．店長がログインし、その後の画面で店員を追加する。</a:t>
-            </a:r>
-          </a:p>
-          <a:p>
-            <a:r>
-              <a:rPr kumimoji="1" lang="ja-JP" altLang="en-US" sz="1200" kern="1200" dirty="0">
-                <a:solidFill>
-                  <a:schemeClr val="tx1"/>
-                </a:solidFill>
-                <a:effectLst/>
-                <a:latin typeface="+mn-lt"/>
-                <a:ea typeface="+mn-ea"/>
-                <a:cs typeface="+mn-cs"/>
-              </a:rPr>
-              <a:t>　　　</a:t>
-            </a:r>
-            <a:r>
-              <a:rPr kumimoji="1" lang="ja-JP" altLang="ja-JP" sz="1200" kern="1200" dirty="0">
-                <a:solidFill>
-                  <a:schemeClr val="tx1"/>
-                </a:solidFill>
-                <a:effectLst/>
-                <a:latin typeface="+mn-lt"/>
-                <a:ea typeface="+mn-ea"/>
-                <a:cs typeface="+mn-cs"/>
-              </a:rPr>
-              <a:t>２．まず店長でログインし、その後同じ画面にもどって店員を同じように追加する。</a:t>
-            </a:r>
-          </a:p>
-          <a:p>
-            <a:endParaRPr kumimoji="1" lang="en-US" altLang="ja-JP" b="1" dirty="0"/>
-          </a:p>
-          <a:p>
-            <a:endParaRPr kumimoji="1" lang="en-US" altLang="ja-JP" b="1" dirty="0"/>
-          </a:p>
-          <a:p>
-            <a:endParaRPr kumimoji="1" lang="ja-JP" altLang="en-US" b="1" dirty="0"/>
+            <a:r>
+              <a:rPr kumimoji="1" lang="ja-JP" altLang="en-US" dirty="0"/>
+              <a:t>ここにペルソナ画像を</a:t>
+            </a:r>
+            <a:r>
+              <a:rPr kumimoji="1" lang="en-US" altLang="ja-JP" dirty="0"/>
+              <a:t>3</a:t>
+            </a:r>
+            <a:r>
+              <a:rPr kumimoji="1" lang="ja-JP" altLang="en-US" dirty="0"/>
+              <a:t>枚貼り付ける予定</a:t>
+            </a:r>
           </a:p>
         </p:txBody>
       </p:sp>
@@ -1841,7 +1864,7 @@
           <a:p>
             <a:fld id="{C91693B1-9BFD-4732-A9AA-E516087F4AB6}" type="slidenum">
               <a:rPr kumimoji="1" lang="ja-JP" altLang="en-US" smtClean="0"/>
-              <a:t>12</a:t>
+              <a:t>10</a:t>
             </a:fld>
             <a:endParaRPr kumimoji="1" lang="ja-JP" altLang="en-US"/>
           </a:p>
@@ -1850,7 +1873,7 @@
     </p:spTree>
     <p:extLst>
       <p:ext uri="{BB962C8B-B14F-4D97-AF65-F5344CB8AC3E}">
-        <p14:creationId xmlns:p14="http://schemas.microsoft.com/office/powerpoint/2010/main" val="2974780081"/>
+        <p14:creationId xmlns:p14="http://schemas.microsoft.com/office/powerpoint/2010/main" val="3918465233"/>
       </p:ext>
     </p:extLst>
   </p:cSld>
@@ -1904,54 +1927,186 @@
           <a:bodyPr/>
           <a:lstStyle/>
           <a:p>
-            <a:r>
-              <a:rPr kumimoji="1" lang="ja-JP" altLang="en-US" dirty="0"/>
-              <a:t>画面に出す？</a:t>
-            </a:r>
-            <a:endParaRPr kumimoji="1" lang="en-US" altLang="ja-JP" dirty="0"/>
-          </a:p>
-          <a:p>
-            <a:endParaRPr kumimoji="1" lang="en-US" altLang="ja-JP" dirty="0"/>
-          </a:p>
-          <a:p>
-            <a:r>
-              <a:rPr kumimoji="1" lang="en-US" altLang="ja-JP" dirty="0"/>
-              <a:t>ID</a:t>
-            </a:r>
-            <a:r>
-              <a:rPr kumimoji="1" lang="ja-JP" altLang="en-US" dirty="0"/>
-              <a:t>とパスワードを出す。　</a:t>
-            </a:r>
-            <a:endParaRPr kumimoji="1" lang="en-US" altLang="ja-JP" dirty="0"/>
-          </a:p>
-          <a:p>
-            <a:r>
-              <a:rPr kumimoji="1" lang="ja-JP" altLang="en-US" dirty="0"/>
-              <a:t>店長画面　</a:t>
-            </a:r>
-            <a:r>
-              <a:rPr kumimoji="1" lang="en-US" altLang="ja-JP" dirty="0"/>
-              <a:t>dojouser1</a:t>
-            </a:r>
-          </a:p>
-          <a:p>
-            <a:endParaRPr kumimoji="1" lang="en-US" altLang="ja-JP" dirty="0"/>
-          </a:p>
-          <a:p>
-            <a:r>
-              <a:rPr kumimoji="1" lang="ja-JP" altLang="en-US" dirty="0"/>
-              <a:t>店員画面　</a:t>
-            </a:r>
-            <a:r>
-              <a:rPr kumimoji="1" lang="en-US" altLang="ja-JP" dirty="0"/>
-              <a:t>dojouser2~dojouser5</a:t>
-            </a:r>
-          </a:p>
-          <a:p>
-            <a:endParaRPr kumimoji="1" lang="en-US" altLang="ja-JP" dirty="0"/>
-          </a:p>
-          <a:p>
-            <a:endParaRPr kumimoji="1" lang="ja-JP" altLang="en-US" dirty="0"/>
+            <a:endParaRPr kumimoji="1" lang="en-US" altLang="ja-JP" b="1" dirty="0"/>
+          </a:p>
+          <a:p>
+            <a:r>
+              <a:rPr kumimoji="1" lang="ja-JP" altLang="en-US" b="1" u="sng" dirty="0"/>
+              <a:t>エンジェルビーツの次回予告風</a:t>
+            </a:r>
+            <a:endParaRPr kumimoji="1" lang="en-US" altLang="ja-JP" b="1" u="sng" dirty="0"/>
+          </a:p>
+          <a:p>
+            <a:endParaRPr kumimoji="1" lang="en-US" altLang="ja-JP" b="1" dirty="0"/>
+          </a:p>
+          <a:p>
+            <a:endParaRPr kumimoji="1" lang="en-US" altLang="ja-JP" b="1" dirty="0"/>
+          </a:p>
+          <a:p>
+            <a:r>
+              <a:rPr kumimoji="1" lang="ja-JP" altLang="en-US" b="1" dirty="0"/>
+              <a:t>担当：二上</a:t>
+            </a:r>
+            <a:endParaRPr kumimoji="1" lang="en-US" altLang="ja-JP" b="1" dirty="0"/>
+          </a:p>
+          <a:p>
+            <a:endParaRPr kumimoji="1" lang="en-US" altLang="ja-JP" b="1" dirty="0"/>
+          </a:p>
+          <a:p>
+            <a:r>
+              <a:rPr kumimoji="1" lang="ja-JP" altLang="en-US" b="1" dirty="0"/>
+              <a:t>・アドリブを入れる</a:t>
+            </a:r>
+            <a:endParaRPr kumimoji="1" lang="en-US" altLang="ja-JP" b="1" dirty="0"/>
+          </a:p>
+          <a:p>
+            <a:endParaRPr kumimoji="1" lang="en-US" altLang="ja-JP" b="1" dirty="0"/>
+          </a:p>
+          <a:p>
+            <a:r>
+              <a:rPr kumimoji="1" lang="ja-JP" altLang="en-US" b="1" dirty="0"/>
+              <a:t>・要件定義が一番きつかった。案は出るけど、データの問題などで次に進めなかった。見落としが多い。例）ログアウトができない、文字の打ちミス</a:t>
+            </a:r>
+            <a:endParaRPr kumimoji="1" lang="en-US" altLang="ja-JP" b="1" dirty="0"/>
+          </a:p>
+          <a:p>
+            <a:endParaRPr kumimoji="1" lang="en-US" altLang="ja-JP" b="1" dirty="0"/>
+          </a:p>
+          <a:p>
+            <a:r>
+              <a:rPr kumimoji="1" lang="ja-JP" altLang="en-US" b="1" dirty="0"/>
+              <a:t>・要件定義は頭も使い、疲労度が高かった。</a:t>
+            </a:r>
+            <a:endParaRPr kumimoji="1" lang="en-US" altLang="ja-JP" b="1" dirty="0"/>
+          </a:p>
+          <a:p>
+            <a:endParaRPr kumimoji="1" lang="en-US" altLang="ja-JP" b="1" dirty="0"/>
+          </a:p>
+          <a:p>
+            <a:r>
+              <a:rPr kumimoji="1" lang="ja-JP" altLang="en-US" b="1" dirty="0"/>
+              <a:t>・プログラミングの苦労は全員。得意不得意、やりたいことをイメージできても、それをコードにすることができない。</a:t>
+            </a:r>
+            <a:endParaRPr kumimoji="1" lang="en-US" altLang="ja-JP" b="1" dirty="0"/>
+          </a:p>
+          <a:p>
+            <a:endParaRPr kumimoji="1" lang="en-US" altLang="ja-JP" b="1" dirty="0"/>
+          </a:p>
+          <a:p>
+            <a:r>
+              <a:rPr kumimoji="1" lang="ja-JP" altLang="en-US" b="1" dirty="0"/>
+              <a:t>・作業時間や期限の短さ、人の少なさ、作業の遅れ</a:t>
+            </a:r>
+            <a:endParaRPr kumimoji="1" lang="en-US" altLang="ja-JP" b="1" dirty="0"/>
+          </a:p>
+          <a:p>
+            <a:endParaRPr kumimoji="1" lang="en-US" altLang="ja-JP" b="1" dirty="0"/>
+          </a:p>
+          <a:p>
+            <a:r>
+              <a:rPr kumimoji="1" lang="ja-JP" altLang="en-US" b="1" dirty="0"/>
+              <a:t>・認識のずれ</a:t>
+            </a:r>
+            <a:endParaRPr kumimoji="1" lang="en-US" altLang="ja-JP" b="1" dirty="0"/>
+          </a:p>
+          <a:p>
+            <a:r>
+              <a:rPr kumimoji="1" lang="ja-JP" altLang="en-US" sz="1200" b="1" kern="1200" dirty="0">
+                <a:solidFill>
+                  <a:schemeClr val="tx1"/>
+                </a:solidFill>
+                <a:effectLst/>
+                <a:latin typeface="+mn-lt"/>
+                <a:ea typeface="+mn-ea"/>
+                <a:cs typeface="+mn-cs"/>
+              </a:rPr>
+              <a:t>　　</a:t>
+            </a:r>
+            <a:r>
+              <a:rPr kumimoji="1" lang="en-US" altLang="ja-JP" sz="1200" kern="1200" dirty="0">
+                <a:solidFill>
+                  <a:schemeClr val="tx1"/>
+                </a:solidFill>
+                <a:effectLst/>
+                <a:latin typeface="+mn-lt"/>
+                <a:ea typeface="+mn-ea"/>
+                <a:cs typeface="+mn-cs"/>
+              </a:rPr>
+              <a:t>‐</a:t>
+            </a:r>
+            <a:r>
+              <a:rPr kumimoji="1" lang="ja-JP" altLang="ja-JP" sz="1200" kern="1200" dirty="0">
+                <a:solidFill>
+                  <a:schemeClr val="tx1"/>
+                </a:solidFill>
+                <a:effectLst/>
+                <a:latin typeface="+mn-lt"/>
+                <a:ea typeface="+mn-ea"/>
+                <a:cs typeface="+mn-cs"/>
+              </a:rPr>
+              <a:t>店長ログイン画面のイメージのずれ</a:t>
+            </a:r>
+          </a:p>
+          <a:p>
+            <a:r>
+              <a:rPr kumimoji="1" lang="ja-JP" altLang="en-US" sz="1200" kern="1200" dirty="0">
+                <a:solidFill>
+                  <a:schemeClr val="tx1"/>
+                </a:solidFill>
+                <a:effectLst/>
+                <a:latin typeface="+mn-lt"/>
+                <a:ea typeface="+mn-ea"/>
+                <a:cs typeface="+mn-cs"/>
+              </a:rPr>
+              <a:t>　　　</a:t>
+            </a:r>
+            <a:r>
+              <a:rPr kumimoji="1" lang="ja-JP" altLang="ja-JP" sz="1200" kern="1200" dirty="0">
+                <a:solidFill>
+                  <a:schemeClr val="tx1"/>
+                </a:solidFill>
+                <a:effectLst/>
+                <a:latin typeface="+mn-lt"/>
+                <a:ea typeface="+mn-ea"/>
+                <a:cs typeface="+mn-cs"/>
+              </a:rPr>
+              <a:t>１．店長がログインし、その後の画面で店員を追加する。</a:t>
+            </a:r>
+          </a:p>
+          <a:p>
+            <a:r>
+              <a:rPr kumimoji="1" lang="ja-JP" altLang="en-US" sz="1200" kern="1200" dirty="0">
+                <a:solidFill>
+                  <a:schemeClr val="tx1"/>
+                </a:solidFill>
+                <a:effectLst/>
+                <a:latin typeface="+mn-lt"/>
+                <a:ea typeface="+mn-ea"/>
+                <a:cs typeface="+mn-cs"/>
+              </a:rPr>
+              <a:t>　　　</a:t>
+            </a:r>
+            <a:r>
+              <a:rPr kumimoji="1" lang="ja-JP" altLang="ja-JP" sz="1200" kern="1200" dirty="0">
+                <a:solidFill>
+                  <a:schemeClr val="tx1"/>
+                </a:solidFill>
+                <a:effectLst/>
+                <a:latin typeface="+mn-lt"/>
+                <a:ea typeface="+mn-ea"/>
+                <a:cs typeface="+mn-cs"/>
+              </a:rPr>
+              <a:t>２．まず店長でログインし、その後同じ画面にもどって店員を同じように追加する。</a:t>
+            </a:r>
+          </a:p>
+          <a:p>
+            <a:endParaRPr kumimoji="1" lang="en-US" altLang="ja-JP" b="1" dirty="0"/>
+          </a:p>
+          <a:p>
+            <a:endParaRPr kumimoji="1" lang="en-US" altLang="ja-JP" b="1" dirty="0"/>
+          </a:p>
+          <a:p>
+            <a:endParaRPr kumimoji="1" lang="ja-JP" altLang="en-US" b="1" dirty="0"/>
           </a:p>
         </p:txBody>
       </p:sp>
@@ -1972,6 +2127,137 @@
           <a:p>
             <a:fld id="{C91693B1-9BFD-4732-A9AA-E516087F4AB6}" type="slidenum">
               <a:rPr kumimoji="1" lang="ja-JP" altLang="en-US" smtClean="0"/>
+              <a:t>12</a:t>
+            </a:fld>
+            <a:endParaRPr kumimoji="1" lang="ja-JP" altLang="en-US"/>
+          </a:p>
+        </p:txBody>
+      </p:sp>
+    </p:spTree>
+    <p:extLst>
+      <p:ext uri="{BB962C8B-B14F-4D97-AF65-F5344CB8AC3E}">
+        <p14:creationId xmlns:p14="http://schemas.microsoft.com/office/powerpoint/2010/main" val="2974780081"/>
+      </p:ext>
+    </p:extLst>
+  </p:cSld>
+  <p:clrMapOvr>
+    <a:masterClrMapping/>
+  </p:clrMapOvr>
+</p:notes>
+</file>
+
+<file path=ppt/notesSlides/notesSlide7.xml><?xml version="1.0" encoding="utf-8"?>
+<p:notes xmlns:a="http://schemas.openxmlformats.org/drawingml/2006/main" xmlns:r="http://schemas.openxmlformats.org/officeDocument/2006/relationships" xmlns:p="http://schemas.openxmlformats.org/presentationml/2006/main">
+  <p:cSld>
+    <p:spTree>
+      <p:nvGrpSpPr>
+        <p:cNvPr id="1" name=""/>
+        <p:cNvGrpSpPr/>
+        <p:nvPr/>
+      </p:nvGrpSpPr>
+      <p:grpSpPr>
+        <a:xfrm>
+          <a:off x="0" y="0"/>
+          <a:ext cx="0" cy="0"/>
+          <a:chOff x="0" y="0"/>
+          <a:chExt cx="0" cy="0"/>
+        </a:xfrm>
+      </p:grpSpPr>
+      <p:sp>
+        <p:nvSpPr>
+          <p:cNvPr id="2" name="スライド イメージ プレースホルダー 1"/>
+          <p:cNvSpPr>
+            <a:spLocks noGrp="1" noRot="1" noChangeAspect="1"/>
+          </p:cNvSpPr>
+          <p:nvPr>
+            <p:ph type="sldImg"/>
+          </p:nvPr>
+        </p:nvSpPr>
+        <p:spPr/>
+      </p:sp>
+      <p:sp>
+        <p:nvSpPr>
+          <p:cNvPr id="3" name="ノート プレースホルダー 2"/>
+          <p:cNvSpPr>
+            <a:spLocks noGrp="1"/>
+          </p:cNvSpPr>
+          <p:nvPr>
+            <p:ph type="body" idx="1"/>
+          </p:nvPr>
+        </p:nvSpPr>
+        <p:spPr/>
+        <p:txBody>
+          <a:bodyPr/>
+          <a:lstStyle/>
+          <a:p>
+            <a:r>
+              <a:rPr kumimoji="1" lang="ja-JP" altLang="en-US" dirty="0"/>
+              <a:t>画面に出す？</a:t>
+            </a:r>
+            <a:endParaRPr kumimoji="1" lang="en-US" altLang="ja-JP" dirty="0"/>
+          </a:p>
+          <a:p>
+            <a:endParaRPr kumimoji="1" lang="en-US" altLang="ja-JP" dirty="0"/>
+          </a:p>
+          <a:p>
+            <a:r>
+              <a:rPr kumimoji="1" lang="en-US" altLang="ja-JP" dirty="0"/>
+              <a:t>ID</a:t>
+            </a:r>
+            <a:r>
+              <a:rPr kumimoji="1" lang="ja-JP" altLang="en-US" dirty="0"/>
+              <a:t>とパスワードを出す。　</a:t>
+            </a:r>
+            <a:endParaRPr kumimoji="1" lang="en-US" altLang="ja-JP" dirty="0"/>
+          </a:p>
+          <a:p>
+            <a:r>
+              <a:rPr kumimoji="1" lang="ja-JP" altLang="en-US" dirty="0"/>
+              <a:t>店長画面　</a:t>
+            </a:r>
+            <a:r>
+              <a:rPr kumimoji="1" lang="en-US" altLang="ja-JP" dirty="0"/>
+              <a:t>dojouser1</a:t>
+            </a:r>
+          </a:p>
+          <a:p>
+            <a:endParaRPr kumimoji="1" lang="en-US" altLang="ja-JP" dirty="0"/>
+          </a:p>
+          <a:p>
+            <a:r>
+              <a:rPr kumimoji="1" lang="ja-JP" altLang="en-US" dirty="0"/>
+              <a:t>店員画面　</a:t>
+            </a:r>
+            <a:r>
+              <a:rPr kumimoji="1" lang="en-US" altLang="ja-JP" dirty="0"/>
+              <a:t>dojouser2~dojouser5</a:t>
+            </a:r>
+          </a:p>
+          <a:p>
+            <a:endParaRPr kumimoji="1" lang="en-US" altLang="ja-JP" dirty="0"/>
+          </a:p>
+          <a:p>
+            <a:endParaRPr kumimoji="1" lang="ja-JP" altLang="en-US" dirty="0"/>
+          </a:p>
+        </p:txBody>
+      </p:sp>
+      <p:sp>
+        <p:nvSpPr>
+          <p:cNvPr id="4" name="スライド番号プレースホルダー 3"/>
+          <p:cNvSpPr>
+            <a:spLocks noGrp="1"/>
+          </p:cNvSpPr>
+          <p:nvPr>
+            <p:ph type="sldNum" sz="quarter" idx="5"/>
+          </p:nvPr>
+        </p:nvSpPr>
+        <p:spPr/>
+        <p:txBody>
+          <a:bodyPr/>
+          <a:lstStyle/>
+          <a:p>
+            <a:fld id="{C91693B1-9BFD-4732-A9AA-E516087F4AB6}" type="slidenum">
+              <a:rPr kumimoji="1" lang="ja-JP" altLang="en-US" smtClean="0"/>
               <a:t>13</a:t>
             </a:fld>
             <a:endParaRPr kumimoji="1" lang="ja-JP" altLang="en-US"/>
@@ -1991,7 +2277,7 @@
 </p:notes>
 </file>
 
-<file path=ppt/notesSlides/notesSlide7.xml><?xml version="1.0" encoding="utf-8"?>
+<file path=ppt/notesSlides/notesSlide8.xml><?xml version="1.0" encoding="utf-8"?>
 <p:notes xmlns:a="http://schemas.openxmlformats.org/drawingml/2006/main" xmlns:r="http://schemas.openxmlformats.org/officeDocument/2006/relationships" xmlns:p="http://schemas.openxmlformats.org/presentationml/2006/main">
   <p:cSld>
     <p:spTree>
@@ -2174,7 +2460,7 @@
 </p:notes>
 </file>
 
-<file path=ppt/notesSlides/notesSlide8.xml><?xml version="1.0" encoding="utf-8"?>
+<file path=ppt/notesSlides/notesSlide9.xml><?xml version="1.0" encoding="utf-8"?>
 <p:notes xmlns:a="http://schemas.openxmlformats.org/drawingml/2006/main" xmlns:r="http://schemas.openxmlformats.org/officeDocument/2006/relationships" xmlns:p="http://schemas.openxmlformats.org/presentationml/2006/main">
   <p:cSld>
     <p:spTree>
@@ -2342,197 +2628,6 @@
     <p:extLst>
       <p:ext uri="{BB962C8B-B14F-4D97-AF65-F5344CB8AC3E}">
         <p14:creationId xmlns:p14="http://schemas.microsoft.com/office/powerpoint/2010/main" val="570507207"/>
-      </p:ext>
-    </p:extLst>
-  </p:cSld>
-  <p:clrMapOvr>
-    <a:masterClrMapping/>
-  </p:clrMapOvr>
-</p:notes>
-</file>
-
-<file path=ppt/notesSlides/notesSlide9.xml><?xml version="1.0" encoding="utf-8"?>
-<p:notes xmlns:a="http://schemas.openxmlformats.org/drawingml/2006/main" xmlns:r="http://schemas.openxmlformats.org/officeDocument/2006/relationships" xmlns:p="http://schemas.openxmlformats.org/presentationml/2006/main">
-  <p:cSld>
-    <p:spTree>
-      <p:nvGrpSpPr>
-        <p:cNvPr id="1" name="">
-          <a:extLst>
-            <a:ext uri="{FF2B5EF4-FFF2-40B4-BE49-F238E27FC236}">
-              <a16:creationId xmlns:a16="http://schemas.microsoft.com/office/drawing/2014/main" id="{083818D0-4A4F-22FE-B7F6-BCCDE54DBE8F}"/>
-            </a:ext>
-          </a:extLst>
-        </p:cNvPr>
-        <p:cNvGrpSpPr/>
-        <p:nvPr/>
-      </p:nvGrpSpPr>
-      <p:grpSpPr>
-        <a:xfrm>
-          <a:off x="0" y="0"/>
-          <a:ext cx="0" cy="0"/>
-          <a:chOff x="0" y="0"/>
-          <a:chExt cx="0" cy="0"/>
-        </a:xfrm>
-      </p:grpSpPr>
-      <p:sp>
-        <p:nvSpPr>
-          <p:cNvPr id="2" name="スライド イメージ プレースホルダー 1">
-            <a:extLst>
-              <a:ext uri="{FF2B5EF4-FFF2-40B4-BE49-F238E27FC236}">
-                <a16:creationId xmlns:a16="http://schemas.microsoft.com/office/drawing/2014/main" id="{B76EBE81-3DBF-D631-FC3D-7F473E42C7F1}"/>
-              </a:ext>
-            </a:extLst>
-          </p:cNvPr>
-          <p:cNvSpPr>
-            <a:spLocks noGrp="1" noRot="1" noChangeAspect="1"/>
-          </p:cNvSpPr>
-          <p:nvPr>
-            <p:ph type="sldImg"/>
-          </p:nvPr>
-        </p:nvSpPr>
-        <p:spPr/>
-      </p:sp>
-      <p:sp>
-        <p:nvSpPr>
-          <p:cNvPr id="3" name="ノート プレースホルダー 2">
-            <a:extLst>
-              <a:ext uri="{FF2B5EF4-FFF2-40B4-BE49-F238E27FC236}">
-                <a16:creationId xmlns:a16="http://schemas.microsoft.com/office/drawing/2014/main" id="{E7F4ECCC-58B5-9D33-1102-B2C32ED48343}"/>
-              </a:ext>
-            </a:extLst>
-          </p:cNvPr>
-          <p:cNvSpPr>
-            <a:spLocks noGrp="1"/>
-          </p:cNvSpPr>
-          <p:nvPr>
-            <p:ph type="body" idx="1"/>
-          </p:nvPr>
-        </p:nvSpPr>
-        <p:spPr/>
-        <p:txBody>
-          <a:bodyPr/>
-          <a:lstStyle/>
-          <a:p>
-            <a:r>
-              <a:rPr kumimoji="1" lang="ja-JP" altLang="en-US" dirty="0"/>
-              <a:t>誰が何をやったか</a:t>
-            </a:r>
-            <a:endParaRPr kumimoji="1" lang="en-US" altLang="ja-JP" dirty="0"/>
-          </a:p>
-          <a:p>
-            <a:endParaRPr kumimoji="1" lang="en-US" altLang="ja-JP" dirty="0"/>
-          </a:p>
-          <a:p>
-            <a:r>
-              <a:rPr kumimoji="1" lang="ja-JP" altLang="en-US" dirty="0"/>
-              <a:t>即行動に移せる（みんなの疑問点をまとめる）</a:t>
-            </a:r>
-            <a:endParaRPr kumimoji="1" lang="en-US" altLang="ja-JP" dirty="0"/>
-          </a:p>
-          <a:p>
-            <a:r>
-              <a:rPr kumimoji="1" lang="ja-JP" altLang="en-US" dirty="0"/>
-              <a:t>サポートする力</a:t>
-            </a:r>
-            <a:endParaRPr kumimoji="1" lang="en-US" altLang="ja-JP" dirty="0"/>
-          </a:p>
-          <a:p>
-            <a:endParaRPr kumimoji="1" lang="en-US" altLang="ja-JP" dirty="0"/>
-          </a:p>
-          <a:p>
-            <a:pPr marL="0" marR="0" lvl="0" indent="0" algn="l" defTabSz="914400" rtl="0" eaLnBrk="1" fontAlgn="auto" latinLnBrk="0" hangingPunct="1">
-              <a:lnSpc>
-                <a:spcPct val="100000"/>
-              </a:lnSpc>
-              <a:spcBef>
-                <a:spcPts val="0"/>
-              </a:spcBef>
-              <a:spcAft>
-                <a:spcPts val="0"/>
-              </a:spcAft>
-              <a:buClrTx/>
-              <a:buSzTx/>
-              <a:buFontTx/>
-              <a:buNone/>
-              <a:tabLst/>
-              <a:defRPr/>
-            </a:pPr>
-            <a:r>
-              <a:rPr kumimoji="1" lang="ja-JP" altLang="en-US" b="1" dirty="0">
-                <a:solidFill>
-                  <a:schemeClr val="bg2">
-                    <a:lumMod val="25000"/>
-                  </a:schemeClr>
-                </a:solidFill>
-                <a:latin typeface="BIZ UDPゴシック" panose="020B0400000000000000" pitchFamily="50" charset="-128"/>
-                <a:ea typeface="BIZ UDPゴシック" panose="020B0400000000000000" pitchFamily="50" charset="-128"/>
-              </a:rPr>
-              <a:t>ログイン画面、イベント画面：二上</a:t>
-            </a:r>
-            <a:endParaRPr kumimoji="1" lang="en-US" altLang="ja-JP" b="1" dirty="0">
-              <a:solidFill>
-                <a:schemeClr val="bg2">
-                  <a:lumMod val="25000"/>
-                </a:schemeClr>
-              </a:solidFill>
-              <a:latin typeface="BIZ UDPゴシック" panose="020B0400000000000000" pitchFamily="50" charset="-128"/>
-              <a:ea typeface="BIZ UDPゴシック" panose="020B0400000000000000" pitchFamily="50" charset="-128"/>
-            </a:endParaRPr>
-          </a:p>
-          <a:p>
-            <a:endParaRPr kumimoji="1" lang="en-US" altLang="ja-JP" dirty="0"/>
-          </a:p>
-          <a:p>
-            <a:r>
-              <a:rPr kumimoji="1" lang="ja-JP" altLang="en-US" dirty="0"/>
-              <a:t>自己紹介　→　開発担当場所　→　担当場所で苦労した点や頑張ったことなどを述べる。</a:t>
-            </a:r>
-            <a:endParaRPr kumimoji="1" lang="en-US" altLang="ja-JP" dirty="0"/>
-          </a:p>
-          <a:p>
-            <a:endParaRPr kumimoji="1" lang="en-US" altLang="ja-JP" dirty="0"/>
-          </a:p>
-          <a:p>
-            <a:endParaRPr kumimoji="1" lang="en-US" altLang="ja-JP" dirty="0"/>
-          </a:p>
-          <a:p>
-            <a:endParaRPr kumimoji="1" lang="ja-JP" altLang="en-US" dirty="0"/>
-          </a:p>
-        </p:txBody>
-      </p:sp>
-      <p:sp>
-        <p:nvSpPr>
-          <p:cNvPr id="4" name="スライド番号プレースホルダー 3">
-            <a:extLst>
-              <a:ext uri="{FF2B5EF4-FFF2-40B4-BE49-F238E27FC236}">
-                <a16:creationId xmlns:a16="http://schemas.microsoft.com/office/drawing/2014/main" id="{050F3D67-32A5-DC59-C442-C296C535AA0A}"/>
-              </a:ext>
-            </a:extLst>
-          </p:cNvPr>
-          <p:cNvSpPr>
-            <a:spLocks noGrp="1"/>
-          </p:cNvSpPr>
-          <p:nvPr>
-            <p:ph type="sldNum" sz="quarter" idx="5"/>
-          </p:nvPr>
-        </p:nvSpPr>
-        <p:spPr/>
-        <p:txBody>
-          <a:bodyPr/>
-          <a:lstStyle/>
-          <a:p>
-            <a:fld id="{C91693B1-9BFD-4732-A9AA-E516087F4AB6}" type="slidenum">
-              <a:rPr kumimoji="1" lang="ja-JP" altLang="en-US" smtClean="0"/>
-              <a:t>18</a:t>
-            </a:fld>
-            <a:endParaRPr kumimoji="1" lang="ja-JP" altLang="en-US"/>
-          </a:p>
-        </p:txBody>
-      </p:sp>
-    </p:spTree>
-    <p:extLst>
-      <p:ext uri="{BB962C8B-B14F-4D97-AF65-F5344CB8AC3E}">
-        <p14:creationId xmlns:p14="http://schemas.microsoft.com/office/powerpoint/2010/main" val="1219320968"/>
       </p:ext>
     </p:extLst>
   </p:cSld>
@@ -6896,7 +6991,7 @@
           <p:nvPr/>
         </p:nvPicPr>
         <p:blipFill>
-          <a:blip r:embed="rId2">
+          <a:blip r:embed="rId3">
             <a:extLst>
               <a:ext uri="{28A0092B-C50C-407E-A947-70E740481C1C}">
                 <a14:useLocalDpi xmlns:a14="http://schemas.microsoft.com/office/drawing/2010/main" val="0"/>
@@ -7389,8 +7484,8 @@
         </p:nvSpPr>
         <p:spPr>
           <a:xfrm>
-            <a:off x="2792497" y="2382648"/>
-            <a:ext cx="7615859" cy="3416320"/>
+            <a:off x="2707950" y="2258282"/>
+            <a:ext cx="7615859" cy="3139321"/>
           </a:xfrm>
           <a:prstGeom prst="rect">
             <a:avLst/>
@@ -7403,19 +7498,6 @@
           </a:bodyPr>
           <a:lstStyle/>
           <a:p>
-            <a:r>
-              <a:rPr kumimoji="1" lang="ja-JP" altLang="en-US" b="1" u="sng" dirty="0">
-                <a:latin typeface="BIZ UDPゴシック" panose="020B0400000000000000" pitchFamily="50" charset="-128"/>
-                <a:ea typeface="BIZ UDPゴシック" panose="020B0400000000000000" pitchFamily="50" charset="-128"/>
-              </a:rPr>
-              <a:t>定量的効果</a:t>
-            </a:r>
-            <a:endParaRPr kumimoji="1" lang="en-US" altLang="ja-JP" b="1" u="sng" dirty="0">
-              <a:latin typeface="BIZ UDPゴシック" panose="020B0400000000000000" pitchFamily="50" charset="-128"/>
-              <a:ea typeface="BIZ UDPゴシック" panose="020B0400000000000000" pitchFamily="50" charset="-128"/>
-            </a:endParaRPr>
-          </a:p>
-          <a:p>
             <a:endParaRPr lang="en-US" altLang="ja-JP" b="1" dirty="0">
               <a:latin typeface="BIZ UDPゴシック" panose="020B0400000000000000" pitchFamily="50" charset="-128"/>
               <a:ea typeface="BIZ UDPゴシック" panose="020B0400000000000000" pitchFamily="50" charset="-128"/>
@@ -7424,6 +7506,9 @@
           <a:p>
             <a:r>
               <a:rPr kumimoji="1" lang="ja-JP" altLang="en-US" b="1" dirty="0">
+                <a:solidFill>
+                  <a:schemeClr val="accent2"/>
+                </a:solidFill>
                 <a:latin typeface="BIZ UDPゴシック" panose="020B0400000000000000" pitchFamily="50" charset="-128"/>
                 <a:ea typeface="BIZ UDPゴシック" panose="020B0400000000000000" pitchFamily="50" charset="-128"/>
               </a:rPr>
@@ -7481,7 +7566,7 @@
                 <a:latin typeface="BIZ UDPゴシック" panose="020B0400000000000000" pitchFamily="50" charset="-128"/>
                 <a:ea typeface="BIZ UDPゴシック" panose="020B0400000000000000" pitchFamily="50" charset="-128"/>
               </a:rPr>
-              <a:t>　　　　　　　　　</a:t>
+              <a:t>　　　　　　　　　　</a:t>
             </a:r>
             <a:r>
               <a:rPr kumimoji="1" lang="ja-JP" altLang="en-US" b="1" dirty="0">
@@ -7504,17 +7589,30 @@
           </a:p>
           <a:p>
             <a:endParaRPr kumimoji="1" lang="en-US" altLang="ja-JP" b="1" dirty="0">
+              <a:solidFill>
+                <a:schemeClr val="accent2"/>
+              </a:solidFill>
               <a:latin typeface="BIZ UDPゴシック" panose="020B0400000000000000" pitchFamily="50" charset="-128"/>
               <a:ea typeface="BIZ UDPゴシック" panose="020B0400000000000000" pitchFamily="50" charset="-128"/>
             </a:endParaRPr>
           </a:p>
           <a:p>
+            <a:r>
+              <a:rPr lang="ja-JP" altLang="en-US" b="1" dirty="0">
+                <a:solidFill>
+                  <a:schemeClr val="accent2"/>
+                </a:solidFill>
+                <a:latin typeface="BIZ UDPゴシック" panose="020B0400000000000000" pitchFamily="50" charset="-128"/>
+                <a:ea typeface="BIZ UDPゴシック" panose="020B0400000000000000" pitchFamily="50" charset="-128"/>
+              </a:rPr>
+              <a:t>導入後</a:t>
+            </a:r>
             <a:r>
               <a:rPr lang="ja-JP" altLang="en-US" b="1" dirty="0">
                 <a:latin typeface="BIZ UDPゴシック" panose="020B0400000000000000" pitchFamily="50" charset="-128"/>
                 <a:ea typeface="BIZ UDPゴシック" panose="020B0400000000000000" pitchFamily="50" charset="-128"/>
               </a:rPr>
-              <a:t>導入後：</a:t>
+              <a:t>：</a:t>
             </a:r>
             <a:endParaRPr kumimoji="1" lang="en-US" altLang="ja-JP" b="1" dirty="0">
               <a:latin typeface="BIZ UDPゴシック" panose="020B0400000000000000" pitchFamily="50" charset="-128"/>
@@ -7619,7 +7717,7 @@
         </p:nvSpPr>
         <p:spPr>
           <a:xfrm>
-            <a:off x="3248347" y="4462181"/>
+            <a:off x="3073804" y="4090111"/>
             <a:ext cx="2021635" cy="923330"/>
           </a:xfrm>
           <a:prstGeom prst="rect">
@@ -7667,7 +7765,7 @@
         </p:nvSpPr>
         <p:spPr>
           <a:xfrm>
-            <a:off x="7848970" y="2807049"/>
+            <a:off x="7811325" y="2456135"/>
             <a:ext cx="2319126" cy="923330"/>
           </a:xfrm>
           <a:prstGeom prst="rect">
@@ -7699,7 +7797,7 @@
                 <a:latin typeface="BIZ UDPゴシック" panose="020B0400000000000000" pitchFamily="50" charset="-128"/>
                 <a:ea typeface="BIZ UDPゴシック" panose="020B0400000000000000" pitchFamily="50" charset="-128"/>
               </a:rPr>
-              <a:t>時間</a:t>
+              <a:t>時間　</a:t>
             </a:r>
           </a:p>
         </p:txBody>
@@ -7718,7 +7816,7 @@
         </p:nvSpPr>
         <p:spPr>
           <a:xfrm>
-            <a:off x="6581041" y="3602354"/>
+            <a:off x="6515879" y="3346217"/>
             <a:ext cx="1505439" cy="923330"/>
           </a:xfrm>
           <a:prstGeom prst="rect">
@@ -12394,6 +12492,42 @@
           </a:p>
         </p:txBody>
       </p:sp>
+      <p:pic>
+        <p:nvPicPr>
+          <p:cNvPr id="8" name="図 7" descr="図形&#10;&#10;AI 生成コンテンツは誤りを含む可能性があります。">
+            <a:extLst>
+              <a:ext uri="{FF2B5EF4-FFF2-40B4-BE49-F238E27FC236}">
+                <a16:creationId xmlns:a16="http://schemas.microsoft.com/office/drawing/2014/main" id="{43346ADB-D111-DEDF-82C8-FD35DA2A736C}"/>
+              </a:ext>
+            </a:extLst>
+          </p:cNvPr>
+          <p:cNvPicPr>
+            <a:picLocks noChangeAspect="1"/>
+          </p:cNvPicPr>
+          <p:nvPr/>
+        </p:nvPicPr>
+        <p:blipFill>
+          <a:blip r:embed="rId4">
+            <a:extLst>
+              <a:ext uri="{28A0092B-C50C-407E-A947-70E740481C1C}">
+                <a14:useLocalDpi xmlns:a14="http://schemas.microsoft.com/office/drawing/2010/main" val="0"/>
+              </a:ext>
+            </a:extLst>
+          </a:blip>
+          <a:stretch>
+            <a:fillRect/>
+          </a:stretch>
+        </p:blipFill>
+        <p:spPr>
+          <a:xfrm>
+            <a:off x="2705884" y="1905435"/>
+            <a:ext cx="7619991" cy="4183406"/>
+          </a:xfrm>
+          <a:prstGeom prst="rect">
+            <a:avLst/>
+          </a:prstGeom>
+        </p:spPr>
+      </p:pic>
       <p:sp>
         <p:nvSpPr>
           <p:cNvPr id="2" name="テキスト ボックス 1">
@@ -12408,8 +12542,8 @@
         </p:nvSpPr>
         <p:spPr>
           <a:xfrm>
-            <a:off x="3480432" y="2585144"/>
-            <a:ext cx="5810324" cy="2246769"/>
+            <a:off x="3558925" y="2536536"/>
+            <a:ext cx="4411030" cy="2554545"/>
           </a:xfrm>
           <a:prstGeom prst="rect">
             <a:avLst/>
@@ -12425,8 +12559,8 @@
             <a:r>
               <a:rPr kumimoji="1" lang="ja-JP" altLang="en-US" sz="2000" b="1" dirty="0">
                 <a:solidFill>
-                  <a:schemeClr val="bg2">
-                    <a:lumMod val="25000"/>
+                  <a:schemeClr val="bg1">
+                    <a:lumMod val="85000"/>
                   </a:schemeClr>
                 </a:solidFill>
                 <a:latin typeface="BIZ UDPゴシック" panose="020B0400000000000000" pitchFamily="50" charset="-128"/>
@@ -12436,8 +12570,8 @@
             </a:r>
             <a:endParaRPr kumimoji="1" lang="en-US" altLang="ja-JP" sz="2000" b="1" dirty="0">
               <a:solidFill>
-                <a:schemeClr val="bg2">
-                  <a:lumMod val="25000"/>
+                <a:schemeClr val="bg1">
+                  <a:lumMod val="85000"/>
                 </a:schemeClr>
               </a:solidFill>
               <a:latin typeface="BIZ UDPゴシック" panose="020B0400000000000000" pitchFamily="50" charset="-128"/>
@@ -12447,8 +12581,8 @@
           <a:p>
             <a:endParaRPr kumimoji="1" lang="en-US" altLang="ja-JP" sz="2000" b="1" dirty="0">
               <a:solidFill>
-                <a:schemeClr val="bg2">
-                  <a:lumMod val="25000"/>
+                <a:schemeClr val="bg1">
+                  <a:lumMod val="85000"/>
                 </a:schemeClr>
               </a:solidFill>
               <a:latin typeface="BIZ UDPゴシック" panose="020B0400000000000000" pitchFamily="50" charset="-128"/>
@@ -12459,8 +12593,8 @@
             <a:r>
               <a:rPr lang="ja-JP" altLang="en-US" sz="2000" b="1" dirty="0">
                 <a:solidFill>
-                  <a:schemeClr val="bg2">
-                    <a:lumMod val="25000"/>
+                  <a:schemeClr val="bg1">
+                    <a:lumMod val="85000"/>
                   </a:schemeClr>
                 </a:solidFill>
                 <a:latin typeface="BIZ UDPゴシック" panose="020B0400000000000000" pitchFamily="50" charset="-128"/>
@@ -12470,8 +12604,8 @@
             </a:r>
             <a:endParaRPr lang="en-US" altLang="ja-JP" sz="2000" b="1" dirty="0">
               <a:solidFill>
-                <a:schemeClr val="bg2">
-                  <a:lumMod val="25000"/>
+                <a:schemeClr val="bg1">
+                  <a:lumMod val="85000"/>
                 </a:schemeClr>
               </a:solidFill>
               <a:latin typeface="BIZ UDPゴシック" panose="020B0400000000000000" pitchFamily="50" charset="-128"/>
@@ -12481,8 +12615,8 @@
           <a:p>
             <a:endParaRPr lang="en-US" altLang="ja-JP" sz="2000" b="1" dirty="0">
               <a:solidFill>
-                <a:schemeClr val="bg2">
-                  <a:lumMod val="25000"/>
+                <a:schemeClr val="bg1">
+                  <a:lumMod val="85000"/>
                 </a:schemeClr>
               </a:solidFill>
               <a:latin typeface="BIZ UDPゴシック" panose="020B0400000000000000" pitchFamily="50" charset="-128"/>
@@ -12493,8 +12627,8 @@
             <a:r>
               <a:rPr kumimoji="1" lang="ja-JP" altLang="en-US" sz="2000" b="1" dirty="0">
                 <a:solidFill>
-                  <a:schemeClr val="bg2">
-                    <a:lumMod val="25000"/>
+                  <a:schemeClr val="bg1">
+                    <a:lumMod val="85000"/>
                   </a:schemeClr>
                 </a:solidFill>
                 <a:latin typeface="BIZ UDPゴシック" panose="020B0400000000000000" pitchFamily="50" charset="-128"/>
@@ -12504,8 +12638,8 @@
             </a:r>
             <a:endParaRPr kumimoji="1" lang="en-US" altLang="ja-JP" sz="2000" b="1" dirty="0">
               <a:solidFill>
-                <a:schemeClr val="bg2">
-                  <a:lumMod val="25000"/>
+                <a:schemeClr val="bg1">
+                  <a:lumMod val="85000"/>
                 </a:schemeClr>
               </a:solidFill>
               <a:latin typeface="BIZ UDPゴシック" panose="020B0400000000000000" pitchFamily="50" charset="-128"/>
@@ -12515,8 +12649,8 @@
           <a:p>
             <a:endParaRPr kumimoji="1" lang="en-US" altLang="ja-JP" sz="2000" b="1" dirty="0">
               <a:solidFill>
-                <a:schemeClr val="bg2">
-                  <a:lumMod val="25000"/>
+                <a:schemeClr val="bg1">
+                  <a:lumMod val="85000"/>
                 </a:schemeClr>
               </a:solidFill>
               <a:latin typeface="BIZ UDPゴシック" panose="020B0400000000000000" pitchFamily="50" charset="-128"/>
@@ -12527,19 +12661,42 @@
             <a:r>
               <a:rPr lang="ja-JP" altLang="en-US" sz="2000" b="1" dirty="0">
                 <a:solidFill>
-                  <a:schemeClr val="bg2">
-                    <a:lumMod val="25000"/>
+                  <a:schemeClr val="bg1">
+                    <a:lumMod val="85000"/>
                   </a:schemeClr>
                 </a:solidFill>
                 <a:latin typeface="BIZ UDPゴシック" panose="020B0400000000000000" pitchFamily="50" charset="-128"/>
                 <a:ea typeface="BIZ UDPゴシック" panose="020B0400000000000000" pitchFamily="50" charset="-128"/>
               </a:rPr>
-              <a:t>成長した点：エラーと向き合う力、意見を述べる力</a:t>
+              <a:t>成長した点：エラーと向き合う力、</a:t>
             </a:r>
             <a:endParaRPr lang="en-US" altLang="ja-JP" sz="2000" b="1" dirty="0">
               <a:solidFill>
-                <a:schemeClr val="bg2">
-                  <a:lumMod val="25000"/>
+                <a:schemeClr val="bg1">
+                  <a:lumMod val="85000"/>
+                </a:schemeClr>
+              </a:solidFill>
+              <a:latin typeface="BIZ UDPゴシック" panose="020B0400000000000000" pitchFamily="50" charset="-128"/>
+              <a:ea typeface="BIZ UDPゴシック" panose="020B0400000000000000" pitchFamily="50" charset="-128"/>
+            </a:endParaRPr>
+          </a:p>
+          <a:p>
+            <a:r>
+              <a:rPr lang="ja-JP" altLang="en-US" sz="2000" b="1" dirty="0">
+                <a:solidFill>
+                  <a:schemeClr val="bg1">
+                    <a:lumMod val="85000"/>
+                  </a:schemeClr>
+                </a:solidFill>
+                <a:latin typeface="BIZ UDPゴシック" panose="020B0400000000000000" pitchFamily="50" charset="-128"/>
+                <a:ea typeface="BIZ UDPゴシック" panose="020B0400000000000000" pitchFamily="50" charset="-128"/>
+              </a:rPr>
+              <a:t>　　　　　　　　意見を述べる力</a:t>
+            </a:r>
+            <a:endParaRPr lang="en-US" altLang="ja-JP" sz="2000" b="1" dirty="0">
+              <a:solidFill>
+                <a:schemeClr val="bg1">
+                  <a:lumMod val="85000"/>
                 </a:schemeClr>
               </a:solidFill>
               <a:latin typeface="BIZ UDPゴシック" panose="020B0400000000000000" pitchFamily="50" charset="-128"/>
